--- a/FinalProjectSlides and YouTubeTitlePage_e63_2017.pptx
+++ b/FinalProjectSlides and YouTubeTitlePage_e63_2017.pptx
@@ -1,40 +1,431 @@
 
 <file path=ppt/presentation.xml><?xml version="1.0" encoding="utf-8"?>
-<p:presentation xmlns:a="http://schemas.openxmlformats.org/drawingml/2006/main" xmlns:p="http://schemas.openxmlformats.org/presentationml/2006/main" xmlns:r="http://schemas.openxmlformats.org/officeDocument/2006/relationships">
+<p:presentation xmlns:a="http://schemas.openxmlformats.org/drawingml/2006/main" xmlns:r="http://schemas.openxmlformats.org/officeDocument/2006/relationships" xmlns:p="http://schemas.openxmlformats.org/presentationml/2006/main">
   <p:sldMasterIdLst>
-    <p:sldMasterId id="2147483648" r:id="rId2"/>
-    <p:sldMasterId id="2147483661" r:id="rId3"/>
+    <p:sldMasterId id="2147483648" r:id="rId1"/>
+    <p:sldMasterId id="2147483661" r:id="rId2"/>
   </p:sldMasterIdLst>
   <p:notesMasterIdLst>
-    <p:notesMasterId r:id="rId4"/>
+    <p:notesMasterId r:id="rId21"/>
   </p:notesMasterIdLst>
   <p:sldIdLst>
-    <p:sldId id="256" r:id="rId5"/>
-    <p:sldId id="257" r:id="rId6"/>
-    <p:sldId id="258" r:id="rId7"/>
-    <p:sldId id="259" r:id="rId8"/>
-    <p:sldId id="260" r:id="rId9"/>
-    <p:sldId id="261" r:id="rId10"/>
-    <p:sldId id="262" r:id="rId11"/>
-    <p:sldId id="263" r:id="rId12"/>
-    <p:sldId id="264" r:id="rId13"/>
-    <p:sldId id="265" r:id="rId14"/>
-    <p:sldId id="266" r:id="rId15"/>
-    <p:sldId id="267" r:id="rId16"/>
-    <p:sldId id="268" r:id="rId17"/>
-    <p:sldId id="269" r:id="rId18"/>
-    <p:sldId id="270" r:id="rId19"/>
-    <p:sldId id="271" r:id="rId20"/>
-    <p:sldId id="272" r:id="rId21"/>
-    <p:sldId id="273" r:id="rId22"/>
+    <p:sldId id="256" r:id="rId3"/>
+    <p:sldId id="257" r:id="rId4"/>
+    <p:sldId id="258" r:id="rId5"/>
+    <p:sldId id="259" r:id="rId6"/>
+    <p:sldId id="260" r:id="rId7"/>
+    <p:sldId id="261" r:id="rId8"/>
+    <p:sldId id="262" r:id="rId9"/>
+    <p:sldId id="263" r:id="rId10"/>
+    <p:sldId id="264" r:id="rId11"/>
+    <p:sldId id="265" r:id="rId12"/>
+    <p:sldId id="266" r:id="rId13"/>
+    <p:sldId id="267" r:id="rId14"/>
+    <p:sldId id="268" r:id="rId15"/>
+    <p:sldId id="269" r:id="rId16"/>
+    <p:sldId id="270" r:id="rId17"/>
+    <p:sldId id="271" r:id="rId18"/>
+    <p:sldId id="272" r:id="rId19"/>
+    <p:sldId id="273" r:id="rId20"/>
   </p:sldIdLst>
-  <p:sldSz cx="9144000" cy="6858000"/>
+  <p:sldSz cx="9144000" cy="6858000" type="screen4x3"/>
   <p:notesSz cx="6858000" cy="9144000"/>
+  <p:defaultTextStyle>
+    <a:defPPr>
+      <a:defRPr lang="en-US"/>
+    </a:defPPr>
+    <a:lvl1pPr marL="0" algn="l" defTabSz="914400" rtl="0" eaLnBrk="1" latinLnBrk="0" hangingPunct="1">
+      <a:defRPr sz="1800" kern="1200">
+        <a:solidFill>
+          <a:schemeClr val="tx1"/>
+        </a:solidFill>
+        <a:latin typeface="+mn-lt"/>
+        <a:ea typeface="+mn-ea"/>
+        <a:cs typeface="+mn-cs"/>
+      </a:defRPr>
+    </a:lvl1pPr>
+    <a:lvl2pPr marL="457200" algn="l" defTabSz="914400" rtl="0" eaLnBrk="1" latinLnBrk="0" hangingPunct="1">
+      <a:defRPr sz="1800" kern="1200">
+        <a:solidFill>
+          <a:schemeClr val="tx1"/>
+        </a:solidFill>
+        <a:latin typeface="+mn-lt"/>
+        <a:ea typeface="+mn-ea"/>
+        <a:cs typeface="+mn-cs"/>
+      </a:defRPr>
+    </a:lvl2pPr>
+    <a:lvl3pPr marL="914400" algn="l" defTabSz="914400" rtl="0" eaLnBrk="1" latinLnBrk="0" hangingPunct="1">
+      <a:defRPr sz="1800" kern="1200">
+        <a:solidFill>
+          <a:schemeClr val="tx1"/>
+        </a:solidFill>
+        <a:latin typeface="+mn-lt"/>
+        <a:ea typeface="+mn-ea"/>
+        <a:cs typeface="+mn-cs"/>
+      </a:defRPr>
+    </a:lvl3pPr>
+    <a:lvl4pPr marL="1371600" algn="l" defTabSz="914400" rtl="0" eaLnBrk="1" latinLnBrk="0" hangingPunct="1">
+      <a:defRPr sz="1800" kern="1200">
+        <a:solidFill>
+          <a:schemeClr val="tx1"/>
+        </a:solidFill>
+        <a:latin typeface="+mn-lt"/>
+        <a:ea typeface="+mn-ea"/>
+        <a:cs typeface="+mn-cs"/>
+      </a:defRPr>
+    </a:lvl4pPr>
+    <a:lvl5pPr marL="1828800" algn="l" defTabSz="914400" rtl="0" eaLnBrk="1" latinLnBrk="0" hangingPunct="1">
+      <a:defRPr sz="1800" kern="1200">
+        <a:solidFill>
+          <a:schemeClr val="tx1"/>
+        </a:solidFill>
+        <a:latin typeface="+mn-lt"/>
+        <a:ea typeface="+mn-ea"/>
+        <a:cs typeface="+mn-cs"/>
+      </a:defRPr>
+    </a:lvl5pPr>
+    <a:lvl6pPr marL="2286000" algn="l" defTabSz="914400" rtl="0" eaLnBrk="1" latinLnBrk="0" hangingPunct="1">
+      <a:defRPr sz="1800" kern="1200">
+        <a:solidFill>
+          <a:schemeClr val="tx1"/>
+        </a:solidFill>
+        <a:latin typeface="+mn-lt"/>
+        <a:ea typeface="+mn-ea"/>
+        <a:cs typeface="+mn-cs"/>
+      </a:defRPr>
+    </a:lvl6pPr>
+    <a:lvl7pPr marL="2743200" algn="l" defTabSz="914400" rtl="0" eaLnBrk="1" latinLnBrk="0" hangingPunct="1">
+      <a:defRPr sz="1800" kern="1200">
+        <a:solidFill>
+          <a:schemeClr val="tx1"/>
+        </a:solidFill>
+        <a:latin typeface="+mn-lt"/>
+        <a:ea typeface="+mn-ea"/>
+        <a:cs typeface="+mn-cs"/>
+      </a:defRPr>
+    </a:lvl7pPr>
+    <a:lvl8pPr marL="3200400" algn="l" defTabSz="914400" rtl="0" eaLnBrk="1" latinLnBrk="0" hangingPunct="1">
+      <a:defRPr sz="1800" kern="1200">
+        <a:solidFill>
+          <a:schemeClr val="tx1"/>
+        </a:solidFill>
+        <a:latin typeface="+mn-lt"/>
+        <a:ea typeface="+mn-ea"/>
+        <a:cs typeface="+mn-cs"/>
+      </a:defRPr>
+    </a:lvl8pPr>
+    <a:lvl9pPr marL="3657600" algn="l" defTabSz="914400" rtl="0" eaLnBrk="1" latinLnBrk="0" hangingPunct="1">
+      <a:defRPr sz="1800" kern="1200">
+        <a:solidFill>
+          <a:schemeClr val="tx1"/>
+        </a:solidFill>
+        <a:latin typeface="+mn-lt"/>
+        <a:ea typeface="+mn-ea"/>
+        <a:cs typeface="+mn-cs"/>
+      </a:defRPr>
+    </a:lvl9pPr>
+  </p:defaultTextStyle>
+  <p:extLst>
+    <p:ext uri="{EFAFB233-063F-42B5-8137-9DF3F51BA10A}">
+      <p15:sldGuideLst xmlns:p15="http://schemas.microsoft.com/office/powerpoint/2012/main"/>
+    </p:ext>
+  </p:extLst>
 </p:presentation>
 </file>
 
+<file path=ppt/revisionInfo.xml><?xml version="1.0" encoding="utf-8"?>
+<p1510:revInfo xmlns:a="http://schemas.openxmlformats.org/drawingml/2006/main" xmlns:r="http://schemas.openxmlformats.org/officeDocument/2006/relationships" xmlns:p1510="http://schemas.microsoft.com/office/powerpoint/2015/10/main"/>
+</file>
+
 <file path=ppt/notesMasters/notesMaster1.xml><?xml version="1.0" encoding="utf-8"?>
-<p:notesMaster xmlns:a="http://schemas.openxmlformats.org/drawingml/2006/main" xmlns:p="http://schemas.openxmlformats.org/presentationml/2006/main" xmlns:r="http://schemas.openxmlformats.org/officeDocument/2006/relationships">
+<p:notesMaster xmlns:a="http://schemas.openxmlformats.org/drawingml/2006/main" xmlns:r="http://schemas.openxmlformats.org/officeDocument/2006/relationships" xmlns:p="http://schemas.openxmlformats.org/presentationml/2006/main">
+  <p:cSld>
+    <p:bg>
+      <p:bgRef idx="1001">
+        <a:schemeClr val="bg1"/>
+      </p:bgRef>
+    </p:bg>
+    <p:spTree>
+      <p:nvGrpSpPr>
+        <p:cNvPr id="1" name=""/>
+        <p:cNvGrpSpPr/>
+        <p:nvPr/>
+      </p:nvGrpSpPr>
+      <p:grpSpPr>
+        <a:xfrm>
+          <a:off x="0" y="0"/>
+          <a:ext cx="0" cy="0"/>
+          <a:chOff x="0" y="0"/>
+          <a:chExt cx="0" cy="0"/>
+        </a:xfrm>
+      </p:grpSpPr>
+      <p:sp>
+        <p:nvSpPr>
+          <p:cNvPr id="78" name="PlaceHolder 1"/>
+          <p:cNvSpPr>
+            <a:spLocks noGrp="1"/>
+          </p:cNvSpPr>
+          <p:nvPr>
+            <p:ph type="body"/>
+          </p:nvPr>
+        </p:nvSpPr>
+        <p:spPr>
+          <a:xfrm>
+            <a:off x="777240" y="4777560"/>
+            <a:ext cx="6217560" cy="4525920"/>
+          </a:xfrm>
+          <a:prstGeom prst="rect">
+            <a:avLst/>
+          </a:prstGeom>
+        </p:spPr>
+        <p:txBody>
+          <a:bodyPr lIns="0" tIns="0" rIns="0" bIns="0"/>
+          <a:lstStyle/>
+          <a:p>
+            <a:r>
+              <a:rPr lang="en-US" sz="2000">
+                <a:latin typeface="Arial"/>
+              </a:rPr>
+              <a:t>Click to edit the notes format</a:t>
+            </a:r>
+            <a:endParaRPr/>
+          </a:p>
+        </p:txBody>
+      </p:sp>
+      <p:sp>
+        <p:nvSpPr>
+          <p:cNvPr id="79" name="PlaceHolder 2"/>
+          <p:cNvSpPr>
+            <a:spLocks noGrp="1"/>
+          </p:cNvSpPr>
+          <p:nvPr>
+            <p:ph type="hdr"/>
+          </p:nvPr>
+        </p:nvSpPr>
+        <p:spPr>
+          <a:xfrm>
+            <a:off x="0" y="0"/>
+            <a:ext cx="3372840" cy="502560"/>
+          </a:xfrm>
+          <a:prstGeom prst="rect">
+            <a:avLst/>
+          </a:prstGeom>
+        </p:spPr>
+        <p:txBody>
+          <a:bodyPr lIns="0" tIns="0" rIns="0" bIns="0"/>
+          <a:lstStyle/>
+          <a:p>
+            <a:r>
+              <a:rPr lang="en-US" sz="1400">
+                <a:latin typeface="Times New Roman"/>
+              </a:rPr>
+              <a:t>&lt;header&gt;</a:t>
+            </a:r>
+            <a:endParaRPr/>
+          </a:p>
+        </p:txBody>
+      </p:sp>
+      <p:sp>
+        <p:nvSpPr>
+          <p:cNvPr id="80" name="PlaceHolder 3"/>
+          <p:cNvSpPr>
+            <a:spLocks noGrp="1"/>
+          </p:cNvSpPr>
+          <p:nvPr>
+            <p:ph type="dt"/>
+          </p:nvPr>
+        </p:nvSpPr>
+        <p:spPr>
+          <a:xfrm>
+            <a:off x="4399200" y="0"/>
+            <a:ext cx="3372840" cy="502560"/>
+          </a:xfrm>
+          <a:prstGeom prst="rect">
+            <a:avLst/>
+          </a:prstGeom>
+        </p:spPr>
+        <p:txBody>
+          <a:bodyPr lIns="0" tIns="0" rIns="0" bIns="0"/>
+          <a:lstStyle/>
+          <a:p>
+            <a:pPr algn="r"/>
+            <a:r>
+              <a:rPr lang="en-US" sz="1400">
+                <a:latin typeface="Times New Roman"/>
+              </a:rPr>
+              <a:t>&lt;date/time&gt;</a:t>
+            </a:r>
+            <a:endParaRPr/>
+          </a:p>
+        </p:txBody>
+      </p:sp>
+      <p:sp>
+        <p:nvSpPr>
+          <p:cNvPr id="81" name="PlaceHolder 4"/>
+          <p:cNvSpPr>
+            <a:spLocks noGrp="1"/>
+          </p:cNvSpPr>
+          <p:nvPr>
+            <p:ph type="ftr"/>
+          </p:nvPr>
+        </p:nvSpPr>
+        <p:spPr>
+          <a:xfrm>
+            <a:off x="0" y="9555480"/>
+            <a:ext cx="3372840" cy="502560"/>
+          </a:xfrm>
+          <a:prstGeom prst="rect">
+            <a:avLst/>
+          </a:prstGeom>
+        </p:spPr>
+        <p:txBody>
+          <a:bodyPr lIns="0" tIns="0" rIns="0" bIns="0" anchor="b"/>
+          <a:lstStyle/>
+          <a:p>
+            <a:r>
+              <a:rPr lang="en-US" sz="1400">
+                <a:latin typeface="Times New Roman"/>
+              </a:rPr>
+              <a:t>&lt;footer&gt;</a:t>
+            </a:r>
+            <a:endParaRPr/>
+          </a:p>
+        </p:txBody>
+      </p:sp>
+      <p:sp>
+        <p:nvSpPr>
+          <p:cNvPr id="82" name="PlaceHolder 5"/>
+          <p:cNvSpPr>
+            <a:spLocks noGrp="1"/>
+          </p:cNvSpPr>
+          <p:nvPr>
+            <p:ph type="sldNum"/>
+          </p:nvPr>
+        </p:nvSpPr>
+        <p:spPr>
+          <a:xfrm>
+            <a:off x="4399200" y="9555480"/>
+            <a:ext cx="3372840" cy="502560"/>
+          </a:xfrm>
+          <a:prstGeom prst="rect">
+            <a:avLst/>
+          </a:prstGeom>
+        </p:spPr>
+        <p:txBody>
+          <a:bodyPr lIns="0" tIns="0" rIns="0" bIns="0" anchor="b"/>
+          <a:lstStyle/>
+          <a:p>
+            <a:pPr algn="r"/>
+            <a:fld id="{FA87F8CB-6635-4A2F-9DA1-8D03E7B70C30}" type="slidenum">
+              <a:rPr lang="en-US" sz="1400">
+                <a:latin typeface="Times New Roman"/>
+              </a:rPr>
+              <a:t>‹#›</a:t>
+            </a:fld>
+            <a:endParaRPr/>
+          </a:p>
+        </p:txBody>
+      </p:sp>
+    </p:spTree>
+  </p:cSld>
+  <p:clrMap bg1="lt1" tx1="dk1" bg2="lt2" tx2="dk2" accent1="accent1" accent2="accent2" accent3="accent3" accent4="accent4" accent5="accent5" accent6="accent6" hlink="hlink" folHlink="folHlink"/>
+  <p:notesStyle>
+    <a:lvl1pPr marL="0" algn="l" defTabSz="914400" rtl="0" eaLnBrk="1" latinLnBrk="0" hangingPunct="1">
+      <a:defRPr sz="1200" kern="1200">
+        <a:solidFill>
+          <a:schemeClr val="tx1"/>
+        </a:solidFill>
+        <a:latin typeface="+mn-lt"/>
+        <a:ea typeface="+mn-ea"/>
+        <a:cs typeface="+mn-cs"/>
+      </a:defRPr>
+    </a:lvl1pPr>
+    <a:lvl2pPr marL="457200" algn="l" defTabSz="914400" rtl="0" eaLnBrk="1" latinLnBrk="0" hangingPunct="1">
+      <a:defRPr sz="1200" kern="1200">
+        <a:solidFill>
+          <a:schemeClr val="tx1"/>
+        </a:solidFill>
+        <a:latin typeface="+mn-lt"/>
+        <a:ea typeface="+mn-ea"/>
+        <a:cs typeface="+mn-cs"/>
+      </a:defRPr>
+    </a:lvl2pPr>
+    <a:lvl3pPr marL="914400" algn="l" defTabSz="914400" rtl="0" eaLnBrk="1" latinLnBrk="0" hangingPunct="1">
+      <a:defRPr sz="1200" kern="1200">
+        <a:solidFill>
+          <a:schemeClr val="tx1"/>
+        </a:solidFill>
+        <a:latin typeface="+mn-lt"/>
+        <a:ea typeface="+mn-ea"/>
+        <a:cs typeface="+mn-cs"/>
+      </a:defRPr>
+    </a:lvl3pPr>
+    <a:lvl4pPr marL="1371600" algn="l" defTabSz="914400" rtl="0" eaLnBrk="1" latinLnBrk="0" hangingPunct="1">
+      <a:defRPr sz="1200" kern="1200">
+        <a:solidFill>
+          <a:schemeClr val="tx1"/>
+        </a:solidFill>
+        <a:latin typeface="+mn-lt"/>
+        <a:ea typeface="+mn-ea"/>
+        <a:cs typeface="+mn-cs"/>
+      </a:defRPr>
+    </a:lvl4pPr>
+    <a:lvl5pPr marL="1828800" algn="l" defTabSz="914400" rtl="0" eaLnBrk="1" latinLnBrk="0" hangingPunct="1">
+      <a:defRPr sz="1200" kern="1200">
+        <a:solidFill>
+          <a:schemeClr val="tx1"/>
+        </a:solidFill>
+        <a:latin typeface="+mn-lt"/>
+        <a:ea typeface="+mn-ea"/>
+        <a:cs typeface="+mn-cs"/>
+      </a:defRPr>
+    </a:lvl5pPr>
+    <a:lvl6pPr marL="2286000" algn="l" defTabSz="914400" rtl="0" eaLnBrk="1" latinLnBrk="0" hangingPunct="1">
+      <a:defRPr sz="1200" kern="1200">
+        <a:solidFill>
+          <a:schemeClr val="tx1"/>
+        </a:solidFill>
+        <a:latin typeface="+mn-lt"/>
+        <a:ea typeface="+mn-ea"/>
+        <a:cs typeface="+mn-cs"/>
+      </a:defRPr>
+    </a:lvl6pPr>
+    <a:lvl7pPr marL="2743200" algn="l" defTabSz="914400" rtl="0" eaLnBrk="1" latinLnBrk="0" hangingPunct="1">
+      <a:defRPr sz="1200" kern="1200">
+        <a:solidFill>
+          <a:schemeClr val="tx1"/>
+        </a:solidFill>
+        <a:latin typeface="+mn-lt"/>
+        <a:ea typeface="+mn-ea"/>
+        <a:cs typeface="+mn-cs"/>
+      </a:defRPr>
+    </a:lvl7pPr>
+    <a:lvl8pPr marL="3200400" algn="l" defTabSz="914400" rtl="0" eaLnBrk="1" latinLnBrk="0" hangingPunct="1">
+      <a:defRPr sz="1200" kern="1200">
+        <a:solidFill>
+          <a:schemeClr val="tx1"/>
+        </a:solidFill>
+        <a:latin typeface="+mn-lt"/>
+        <a:ea typeface="+mn-ea"/>
+        <a:cs typeface="+mn-cs"/>
+      </a:defRPr>
+    </a:lvl8pPr>
+    <a:lvl9pPr marL="3657600" algn="l" defTabSz="914400" rtl="0" eaLnBrk="1" latinLnBrk="0" hangingPunct="1">
+      <a:defRPr sz="1200" kern="1200">
+        <a:solidFill>
+          <a:schemeClr val="tx1"/>
+        </a:solidFill>
+        <a:latin typeface="+mn-lt"/>
+        <a:ea typeface="+mn-ea"/>
+        <a:cs typeface="+mn-cs"/>
+      </a:defRPr>
+    </a:lvl9pPr>
+  </p:notesStyle>
+</p:notesMaster>
+</file>
+
+<file path=ppt/notesSlides/notesSlide1.xml><?xml version="1.0" encoding="utf-8"?>
+<p:notes xmlns:a="http://schemas.openxmlformats.org/drawingml/2006/main" xmlns:r="http://schemas.openxmlformats.org/officeDocument/2006/relationships" xmlns:p="http://schemas.openxmlformats.org/presentationml/2006/main">
   <p:cSld>
     <p:spTree>
       <p:nvGrpSpPr>
@@ -52,7 +443,7 @@
       </p:grpSpPr>
       <p:sp>
         <p:nvSpPr>
-          <p:cNvPr id="78" name="PlaceHolder 1"/>
+          <p:cNvPr id="168" name="PlaceHolder 1"/>
           <p:cNvSpPr>
             <a:spLocks noGrp="1"/>
           </p:cNvSpPr>
@@ -62,151 +453,54 @@
         </p:nvSpPr>
         <p:spPr>
           <a:xfrm>
-            <a:off x="777240" y="4777560"/>
-            <a:ext cx="6217560" cy="4525920"/>
-          </a:xfrm>
-          <a:prstGeom prst="rect">
-            <a:avLst/>
-          </a:prstGeom>
-        </p:spPr>
-        <p:txBody>
-          <a:bodyPr lIns="0" rIns="0" tIns="0" bIns="0"/>
-          <a:p>
-            <a:r>
-              <a:rPr lang="en-US" sz="2000">
-                <a:latin typeface="Arial"/>
-              </a:rPr>
-              <a:t>Click to edit the notes format</a:t>
-            </a:r>
-            <a:endParaRPr/>
-          </a:p>
-        </p:txBody>
-      </p:sp>
-      <p:sp>
-        <p:nvSpPr>
-          <p:cNvPr id="79" name="PlaceHolder 2"/>
-          <p:cNvSpPr>
-            <a:spLocks noGrp="1"/>
-          </p:cNvSpPr>
-          <p:nvPr>
-            <p:ph type="hdr"/>
-          </p:nvPr>
-        </p:nvSpPr>
-        <p:spPr>
-          <a:xfrm>
-            <a:off x="0" y="0"/>
-            <a:ext cx="3372840" cy="502560"/>
-          </a:xfrm>
-          <a:prstGeom prst="rect">
-            <a:avLst/>
-          </a:prstGeom>
-        </p:spPr>
-        <p:txBody>
-          <a:bodyPr lIns="0" rIns="0" tIns="0" bIns="0"/>
-          <a:p>
-            <a:r>
-              <a:rPr lang="en-US" sz="1400">
-                <a:latin typeface="Times New Roman"/>
-              </a:rPr>
-              <a:t>&lt;header&gt;</a:t>
-            </a:r>
-            <a:endParaRPr/>
-          </a:p>
-        </p:txBody>
-      </p:sp>
-      <p:sp>
-        <p:nvSpPr>
-          <p:cNvPr id="80" name="PlaceHolder 3"/>
-          <p:cNvSpPr>
-            <a:spLocks noGrp="1"/>
-          </p:cNvSpPr>
-          <p:nvPr>
-            <p:ph type="dt"/>
-          </p:nvPr>
-        </p:nvSpPr>
-        <p:spPr>
-          <a:xfrm>
-            <a:off x="4399200" y="0"/>
-            <a:ext cx="3372840" cy="502560"/>
-          </a:xfrm>
-          <a:prstGeom prst="rect">
-            <a:avLst/>
-          </a:prstGeom>
-        </p:spPr>
-        <p:txBody>
-          <a:bodyPr lIns="0" rIns="0" tIns="0" bIns="0"/>
-          <a:p>
-            <a:pPr algn="r"/>
-            <a:r>
-              <a:rPr lang="en-US" sz="1400">
-                <a:latin typeface="Times New Roman"/>
-              </a:rPr>
-              <a:t>&lt;date/time&gt;</a:t>
-            </a:r>
-            <a:endParaRPr/>
-          </a:p>
-        </p:txBody>
-      </p:sp>
-      <p:sp>
-        <p:nvSpPr>
-          <p:cNvPr id="81" name="PlaceHolder 4"/>
-          <p:cNvSpPr>
-            <a:spLocks noGrp="1"/>
-          </p:cNvSpPr>
-          <p:nvPr>
-            <p:ph type="ftr"/>
-          </p:nvPr>
-        </p:nvSpPr>
-        <p:spPr>
-          <a:xfrm>
-            <a:off x="0" y="9555480"/>
-            <a:ext cx="3372840" cy="502560"/>
-          </a:xfrm>
-          <a:prstGeom prst="rect">
-            <a:avLst/>
-          </a:prstGeom>
-        </p:spPr>
-        <p:txBody>
-          <a:bodyPr lIns="0" rIns="0" tIns="0" bIns="0" anchor="b"/>
-          <a:p>
-            <a:r>
-              <a:rPr lang="en-US" sz="1400">
-                <a:latin typeface="Times New Roman"/>
-              </a:rPr>
-              <a:t>&lt;footer&gt;</a:t>
-            </a:r>
-            <a:endParaRPr/>
-          </a:p>
-        </p:txBody>
-      </p:sp>
-      <p:sp>
-        <p:nvSpPr>
-          <p:cNvPr id="82" name="PlaceHolder 5"/>
-          <p:cNvSpPr>
-            <a:spLocks noGrp="1"/>
-          </p:cNvSpPr>
-          <p:nvPr>
-            <p:ph type="sldNum"/>
-          </p:nvPr>
-        </p:nvSpPr>
-        <p:spPr>
-          <a:xfrm>
-            <a:off x="4399200" y="9555480"/>
-            <a:ext cx="3372840" cy="502560"/>
-          </a:xfrm>
-          <a:prstGeom prst="rect">
-            <a:avLst/>
-          </a:prstGeom>
-        </p:spPr>
-        <p:txBody>
-          <a:bodyPr lIns="0" rIns="0" tIns="0" bIns="0" anchor="b"/>
-          <a:p>
-            <a:pPr algn="r"/>
-            <a:fld id="{FA87F8CB-6635-4A2F-9DA1-8D03E7B70C30}" type="slidenum">
-              <a:rPr lang="en-US" sz="1400">
-                <a:latin typeface="Times New Roman"/>
-              </a:rPr>
-              <a:t>&lt;number&gt;</a:t>
+            <a:off x="685800" y="4343400"/>
+            <a:ext cx="5486040" cy="4114440"/>
+          </a:xfrm>
+          <a:prstGeom prst="rect">
+            <a:avLst/>
+          </a:prstGeom>
+        </p:spPr>
+        <p:txBody>
+          <a:bodyPr/>
+          <a:lstStyle/>
+          <a:p>
+            <a:endParaRPr/>
+          </a:p>
+        </p:txBody>
+      </p:sp>
+      <p:sp>
+        <p:nvSpPr>
+          <p:cNvPr id="169" name="TextShape 2"/>
+          <p:cNvSpPr txBox="1"/>
+          <p:nvPr/>
+        </p:nvSpPr>
+        <p:spPr>
+          <a:xfrm>
+            <a:off x="3884760" y="8685360"/>
+            <a:ext cx="2971440" cy="456840"/>
+          </a:xfrm>
+          <a:prstGeom prst="rect">
+            <a:avLst/>
+          </a:prstGeom>
+        </p:spPr>
+        <p:txBody>
+          <a:bodyPr anchor="b"/>
+          <a:lstStyle/>
+          <a:p>
+            <a:pPr algn="r">
+              <a:lnSpc>
+                <a:spcPct val="100000"/>
+              </a:lnSpc>
+            </a:pPr>
+            <a:fld id="{E61B5650-305B-4D6E-B69E-BC4352300F3F}" type="slidenum">
+              <a:rPr lang="en-US" sz="1200">
+                <a:solidFill>
+                  <a:srgbClr val="000000"/>
+                </a:solidFill>
+                <a:latin typeface="Calibri"/>
+                <a:ea typeface="Calibri"/>
+              </a:rPr>
+              <a:t>1</a:t>
             </a:fld>
             <a:endParaRPr/>
           </a:p>
@@ -214,12 +508,14 @@
       </p:sp>
     </p:spTree>
   </p:cSld>
-  <p:clrMap bg1="lt1" bg2="lt2" tx1="dk1" tx2="dk2" accent1="accent1" accent2="accent2" accent3="accent3" accent4="accent4" accent5="accent5" accent6="accent6" hlink="hlink" folHlink="folHlink"/>
-</p:notesMaster>
+  <p:clrMapOvr>
+    <a:masterClrMapping/>
+  </p:clrMapOvr>
+</p:notes>
 </file>
 
-<file path=ppt/notesSlides/notesSlide1.xml><?xml version="1.0" encoding="utf-8"?>
-<p:notes xmlns:a="http://schemas.openxmlformats.org/drawingml/2006/main" xmlns:p="http://schemas.openxmlformats.org/presentationml/2006/main" xmlns:r="http://schemas.openxmlformats.org/officeDocument/2006/relationships">
+<file path=ppt/notesSlides/notesSlide2.xml><?xml version="1.0" encoding="utf-8"?>
+<p:notes xmlns:a="http://schemas.openxmlformats.org/drawingml/2006/main" xmlns:r="http://schemas.openxmlformats.org/officeDocument/2006/relationships" xmlns:p="http://schemas.openxmlformats.org/presentationml/2006/main">
   <p:cSld>
     <p:spTree>
       <p:nvGrpSpPr>
@@ -237,7 +533,7 @@
       </p:grpSpPr>
       <p:sp>
         <p:nvSpPr>
-          <p:cNvPr id="168" name="PlaceHolder 1"/>
+          <p:cNvPr id="170" name="PlaceHolder 1"/>
           <p:cNvSpPr>
             <a:spLocks noGrp="1"/>
           </p:cNvSpPr>
@@ -255,36 +551,15 @@
           </a:prstGeom>
         </p:spPr>
         <p:txBody>
-          <a:bodyPr/>
-          <a:p>
-            <a:endParaRPr/>
-          </a:p>
-        </p:txBody>
-      </p:sp>
-      <p:sp>
-        <p:nvSpPr>
-          <p:cNvPr id="169" name="TextShape 2"/>
-          <p:cNvSpPr txBox="1"/>
-          <p:nvPr/>
-        </p:nvSpPr>
-        <p:spPr>
-          <a:xfrm>
-            <a:off x="3884760" y="8685360"/>
-            <a:ext cx="2971440" cy="456840"/>
-          </a:xfrm>
-          <a:prstGeom prst="rect">
-            <a:avLst/>
-          </a:prstGeom>
-        </p:spPr>
-        <p:txBody>
-          <a:bodyPr anchor="b"/>
-          <a:p>
-            <a:pPr algn="r">
-              <a:lnSpc>
-                <a:spcPct val="100000"/>
-              </a:lnSpc>
-            </a:pPr>
-            <a:fld id="{E61B5650-305B-4D6E-B69E-BC4352300F3F}" type="slidenum">
+          <a:bodyPr tIns="91440" bIns="91440"/>
+          <a:lstStyle/>
+          <a:p>
+            <a:pPr>
+              <a:lnSpc>
+                <a:spcPct val="100000"/>
+              </a:lnSpc>
+            </a:pPr>
+            <a:r>
               <a:rPr lang="en-US" sz="1200">
                 <a:solidFill>
                   <a:srgbClr val="000000"/>
@@ -292,19 +567,22 @@
                 <a:latin typeface="Calibri"/>
                 <a:ea typeface="Calibri"/>
               </a:rPr>
-              <a:t>&lt;number&gt;</a:t>
-            </a:fld>
+              <a:t>according to their vignette, the </a:t>
+            </a:r>
             <a:endParaRPr/>
           </a:p>
         </p:txBody>
       </p:sp>
     </p:spTree>
   </p:cSld>
+  <p:clrMapOvr>
+    <a:masterClrMapping/>
+  </p:clrMapOvr>
 </p:notes>
 </file>
 
-<file path=ppt/notesSlides/notesSlide10.xml><?xml version="1.0" encoding="utf-8"?>
-<p:notes xmlns:a="http://schemas.openxmlformats.org/drawingml/2006/main" xmlns:p="http://schemas.openxmlformats.org/presentationml/2006/main" xmlns:r="http://schemas.openxmlformats.org/officeDocument/2006/relationships">
+<file path=ppt/notesSlides/notesSlide3.xml><?xml version="1.0" encoding="utf-8"?>
+<p:notes xmlns:a="http://schemas.openxmlformats.org/drawingml/2006/main" xmlns:r="http://schemas.openxmlformats.org/officeDocument/2006/relationships" xmlns:p="http://schemas.openxmlformats.org/presentationml/2006/main">
   <p:cSld>
     <p:spTree>
       <p:nvGrpSpPr>
@@ -341,6 +619,7 @@
         </p:spPr>
         <p:txBody>
           <a:bodyPr tIns="91440" bIns="91440"/>
+          <a:lstStyle/>
           <a:p>
             <a:pPr>
               <a:lnSpc>
@@ -363,74 +642,14 @@
       </p:sp>
     </p:spTree>
   </p:cSld>
-</p:notes>
-</file>
-
-<file path=ppt/notesSlides/notesSlide9.xml><?xml version="1.0" encoding="utf-8"?>
-<p:notes xmlns:a="http://schemas.openxmlformats.org/drawingml/2006/main" xmlns:p="http://schemas.openxmlformats.org/presentationml/2006/main" xmlns:r="http://schemas.openxmlformats.org/officeDocument/2006/relationships">
-  <p:cSld>
-    <p:spTree>
-      <p:nvGrpSpPr>
-        <p:cNvPr id="1" name=""/>
-        <p:cNvGrpSpPr/>
-        <p:nvPr/>
-      </p:nvGrpSpPr>
-      <p:grpSpPr>
-        <a:xfrm>
-          <a:off x="0" y="0"/>
-          <a:ext cx="0" cy="0"/>
-          <a:chOff x="0" y="0"/>
-          <a:chExt cx="0" cy="0"/>
-        </a:xfrm>
-      </p:grpSpPr>
-      <p:sp>
-        <p:nvSpPr>
-          <p:cNvPr id="170" name="PlaceHolder 1"/>
-          <p:cNvSpPr>
-            <a:spLocks noGrp="1"/>
-          </p:cNvSpPr>
-          <p:nvPr>
-            <p:ph type="body"/>
-          </p:nvPr>
-        </p:nvSpPr>
-        <p:spPr>
-          <a:xfrm>
-            <a:off x="685800" y="4343400"/>
-            <a:ext cx="5486040" cy="4114440"/>
-          </a:xfrm>
-          <a:prstGeom prst="rect">
-            <a:avLst/>
-          </a:prstGeom>
-        </p:spPr>
-        <p:txBody>
-          <a:bodyPr tIns="91440" bIns="91440"/>
-          <a:p>
-            <a:pPr>
-              <a:lnSpc>
-                <a:spcPct val="100000"/>
-              </a:lnSpc>
-            </a:pPr>
-            <a:r>
-              <a:rPr lang="en-US" sz="1200">
-                <a:solidFill>
-                  <a:srgbClr val="000000"/>
-                </a:solidFill>
-                <a:latin typeface="Calibri"/>
-                <a:ea typeface="Calibri"/>
-              </a:rPr>
-              <a:t>according to their vignette, the </a:t>
-            </a:r>
-            <a:endParaRPr/>
-          </a:p>
-        </p:txBody>
-      </p:sp>
-    </p:spTree>
-  </p:cSld>
+  <p:clrMapOvr>
+    <a:masterClrMapping/>
+  </p:clrMapOvr>
 </p:notes>
 </file>
 
 <file path=ppt/slideLayouts/slideLayout1.xml><?xml version="1.0" encoding="utf-8"?>
-<p:sldLayout xmlns:a="http://schemas.openxmlformats.org/drawingml/2006/main" xmlns:p="http://schemas.openxmlformats.org/presentationml/2006/main" xmlns:r="http://schemas.openxmlformats.org/officeDocument/2006/relationships" type="blank" preserve="1">
+<p:sldLayout xmlns:a="http://schemas.openxmlformats.org/drawingml/2006/main" xmlns:r="http://schemas.openxmlformats.org/officeDocument/2006/relationships" xmlns:p="http://schemas.openxmlformats.org/presentationml/2006/main" type="blank" preserve="1">
   <p:cSld name="Blank Slide">
     <p:spTree>
       <p:nvGrpSpPr>
@@ -448,11 +667,14 @@
       </p:grpSpPr>
     </p:spTree>
   </p:cSld>
+  <p:clrMapOvr>
+    <a:masterClrMapping/>
+  </p:clrMapOvr>
 </p:sldLayout>
 </file>
 
 <file path=ppt/slideLayouts/slideLayout10.xml><?xml version="1.0" encoding="utf-8"?>
-<p:sldLayout xmlns:a="http://schemas.openxmlformats.org/drawingml/2006/main" xmlns:p="http://schemas.openxmlformats.org/presentationml/2006/main" xmlns:r="http://schemas.openxmlformats.org/officeDocument/2006/relationships" type="objOverTx" preserve="1">
+<p:sldLayout xmlns:a="http://schemas.openxmlformats.org/drawingml/2006/main" xmlns:r="http://schemas.openxmlformats.org/officeDocument/2006/relationships" xmlns:p="http://schemas.openxmlformats.org/presentationml/2006/main" type="objOverTx" preserve="1">
   <p:cSld name="Title, Content over Content">
     <p:spTree>
       <p:nvGrpSpPr>
@@ -488,7 +710,8 @@
           </a:prstGeom>
         </p:spPr>
         <p:txBody>
-          <a:bodyPr lIns="0" rIns="0" tIns="0" bIns="0" anchor="ctr"/>
+          <a:bodyPr lIns="0" tIns="0" rIns="0" bIns="0" anchor="ctr"/>
+          <a:lstStyle/>
           <a:p>
             <a:endParaRPr/>
           </a:p>
@@ -514,7 +737,8 @@
           </a:prstGeom>
         </p:spPr>
         <p:txBody>
-          <a:bodyPr lIns="0" rIns="0" tIns="0" bIns="0"/>
+          <a:bodyPr lIns="0" tIns="0" rIns="0" bIns="0"/>
+          <a:lstStyle/>
           <a:p>
             <a:endParaRPr/>
           </a:p>
@@ -540,7 +764,8 @@
           </a:prstGeom>
         </p:spPr>
         <p:txBody>
-          <a:bodyPr lIns="0" rIns="0" tIns="0" bIns="0"/>
+          <a:bodyPr lIns="0" tIns="0" rIns="0" bIns="0"/>
+          <a:lstStyle/>
           <a:p>
             <a:endParaRPr/>
           </a:p>
@@ -548,11 +773,14 @@
       </p:sp>
     </p:spTree>
   </p:cSld>
+  <p:clrMapOvr>
+    <a:masterClrMapping/>
+  </p:clrMapOvr>
 </p:sldLayout>
 </file>
 
 <file path=ppt/slideLayouts/slideLayout11.xml><?xml version="1.0" encoding="utf-8"?>
-<p:sldLayout xmlns:a="http://schemas.openxmlformats.org/drawingml/2006/main" xmlns:p="http://schemas.openxmlformats.org/presentationml/2006/main" xmlns:r="http://schemas.openxmlformats.org/officeDocument/2006/relationships" type="fourObj" preserve="1">
+<p:sldLayout xmlns:a="http://schemas.openxmlformats.org/drawingml/2006/main" xmlns:r="http://schemas.openxmlformats.org/officeDocument/2006/relationships" xmlns:p="http://schemas.openxmlformats.org/presentationml/2006/main" type="fourObj" preserve="1">
   <p:cSld name="Title, 4 Content">
     <p:spTree>
       <p:nvGrpSpPr>
@@ -588,7 +816,8 @@
           </a:prstGeom>
         </p:spPr>
         <p:txBody>
-          <a:bodyPr lIns="0" rIns="0" tIns="0" bIns="0" anchor="ctr"/>
+          <a:bodyPr lIns="0" tIns="0" rIns="0" bIns="0" anchor="ctr"/>
+          <a:lstStyle/>
           <a:p>
             <a:endParaRPr/>
           </a:p>
@@ -614,7 +843,8 @@
           </a:prstGeom>
         </p:spPr>
         <p:txBody>
-          <a:bodyPr lIns="0" rIns="0" tIns="0" bIns="0"/>
+          <a:bodyPr lIns="0" tIns="0" rIns="0" bIns="0"/>
+          <a:lstStyle/>
           <a:p>
             <a:endParaRPr/>
           </a:p>
@@ -640,7 +870,8 @@
           </a:prstGeom>
         </p:spPr>
         <p:txBody>
-          <a:bodyPr lIns="0" rIns="0" tIns="0" bIns="0"/>
+          <a:bodyPr lIns="0" tIns="0" rIns="0" bIns="0"/>
+          <a:lstStyle/>
           <a:p>
             <a:endParaRPr/>
           </a:p>
@@ -666,7 +897,8 @@
           </a:prstGeom>
         </p:spPr>
         <p:txBody>
-          <a:bodyPr lIns="0" rIns="0" tIns="0" bIns="0"/>
+          <a:bodyPr lIns="0" tIns="0" rIns="0" bIns="0"/>
+          <a:lstStyle/>
           <a:p>
             <a:endParaRPr/>
           </a:p>
@@ -692,7 +924,8 @@
           </a:prstGeom>
         </p:spPr>
         <p:txBody>
-          <a:bodyPr lIns="0" rIns="0" tIns="0" bIns="0"/>
+          <a:bodyPr lIns="0" tIns="0" rIns="0" bIns="0"/>
+          <a:lstStyle/>
           <a:p>
             <a:endParaRPr/>
           </a:p>
@@ -700,11 +933,14 @@
       </p:sp>
     </p:spTree>
   </p:cSld>
+  <p:clrMapOvr>
+    <a:masterClrMapping/>
+  </p:clrMapOvr>
 </p:sldLayout>
 </file>
 
 <file path=ppt/slideLayouts/slideLayout12.xml><?xml version="1.0" encoding="utf-8"?>
-<p:sldLayout xmlns:a="http://schemas.openxmlformats.org/drawingml/2006/main" xmlns:p="http://schemas.openxmlformats.org/presentationml/2006/main" xmlns:r="http://schemas.openxmlformats.org/officeDocument/2006/relationships" type="blank" preserve="1">
+<p:sldLayout xmlns:a="http://schemas.openxmlformats.org/drawingml/2006/main" xmlns:r="http://schemas.openxmlformats.org/officeDocument/2006/relationships" xmlns:p="http://schemas.openxmlformats.org/presentationml/2006/main" type="blank" preserve="1">
   <p:cSld name="Title, 6 Content">
     <p:spTree>
       <p:nvGrpSpPr>
@@ -740,7 +976,8 @@
           </a:prstGeom>
         </p:spPr>
         <p:txBody>
-          <a:bodyPr lIns="0" rIns="0" tIns="0" bIns="0" anchor="ctr"/>
+          <a:bodyPr lIns="0" tIns="0" rIns="0" bIns="0" anchor="ctr"/>
+          <a:lstStyle/>
           <a:p>
             <a:endParaRPr/>
           </a:p>
@@ -766,7 +1003,8 @@
           </a:prstGeom>
         </p:spPr>
         <p:txBody>
-          <a:bodyPr lIns="0" rIns="0" tIns="0" bIns="0"/>
+          <a:bodyPr lIns="0" tIns="0" rIns="0" bIns="0"/>
+          <a:lstStyle/>
           <a:p>
             <a:endParaRPr/>
           </a:p>
@@ -792,7 +1030,8 @@
           </a:prstGeom>
         </p:spPr>
         <p:txBody>
-          <a:bodyPr lIns="0" rIns="0" tIns="0" bIns="0"/>
+          <a:bodyPr lIns="0" tIns="0" rIns="0" bIns="0"/>
+          <a:lstStyle/>
           <a:p>
             <a:endParaRPr/>
           </a:p>
@@ -800,7 +1039,7 @@
       </p:sp>
       <p:pic>
         <p:nvPicPr>
-          <p:cNvPr id="37" name="" descr=""/>
+          <p:cNvPr id="37" name="Picture 36"/>
           <p:cNvPicPr/>
           <p:nvPr/>
         </p:nvPicPr>
@@ -825,12 +1064,12 @@
       </p:pic>
       <p:pic>
         <p:nvPicPr>
-          <p:cNvPr id="38" name="" descr=""/>
+          <p:cNvPr id="38" name="Picture 37"/>
           <p:cNvPicPr/>
           <p:nvPr/>
         </p:nvPicPr>
         <p:blipFill>
-          <a:blip r:embed="rId3"/>
+          <a:blip r:embed="rId2"/>
           <a:stretch>
             <a:fillRect/>
           </a:stretch>
@@ -850,11 +1089,14 @@
       </p:pic>
     </p:spTree>
   </p:cSld>
+  <p:clrMapOvr>
+    <a:masterClrMapping/>
+  </p:clrMapOvr>
 </p:sldLayout>
 </file>
 
 <file path=ppt/slideLayouts/slideLayout13.xml><?xml version="1.0" encoding="utf-8"?>
-<p:sldLayout xmlns:a="http://schemas.openxmlformats.org/drawingml/2006/main" xmlns:p="http://schemas.openxmlformats.org/presentationml/2006/main" xmlns:r="http://schemas.openxmlformats.org/officeDocument/2006/relationships" type="blank" preserve="1">
+<p:sldLayout xmlns:a="http://schemas.openxmlformats.org/drawingml/2006/main" xmlns:r="http://schemas.openxmlformats.org/officeDocument/2006/relationships" xmlns:p="http://schemas.openxmlformats.org/presentationml/2006/main" type="blank" preserve="1">
   <p:cSld name="Blank Slide">
     <p:spTree>
       <p:nvGrpSpPr>
@@ -872,11 +1114,14 @@
       </p:grpSpPr>
     </p:spTree>
   </p:cSld>
+  <p:clrMapOvr>
+    <a:masterClrMapping/>
+  </p:clrMapOvr>
 </p:sldLayout>
 </file>
 
 <file path=ppt/slideLayouts/slideLayout14.xml><?xml version="1.0" encoding="utf-8"?>
-<p:sldLayout xmlns:a="http://schemas.openxmlformats.org/drawingml/2006/main" xmlns:p="http://schemas.openxmlformats.org/presentationml/2006/main" xmlns:r="http://schemas.openxmlformats.org/officeDocument/2006/relationships" type="tx" preserve="1">
+<p:sldLayout xmlns:a="http://schemas.openxmlformats.org/drawingml/2006/main" xmlns:r="http://schemas.openxmlformats.org/officeDocument/2006/relationships" xmlns:p="http://schemas.openxmlformats.org/presentationml/2006/main" type="tx" preserve="1">
   <p:cSld name="Title Slide">
     <p:spTree>
       <p:nvGrpSpPr>
@@ -912,7 +1157,8 @@
           </a:prstGeom>
         </p:spPr>
         <p:txBody>
-          <a:bodyPr lIns="0" rIns="0" tIns="0" bIns="0" anchor="ctr"/>
+          <a:bodyPr lIns="0" tIns="0" rIns="0" bIns="0" anchor="ctr"/>
+          <a:lstStyle/>
           <a:p>
             <a:endParaRPr/>
           </a:p>
@@ -938,7 +1184,8 @@
           </a:prstGeom>
         </p:spPr>
         <p:txBody>
-          <a:bodyPr lIns="0" rIns="0" tIns="0" bIns="0" anchor="ctr"/>
+          <a:bodyPr lIns="0" tIns="0" rIns="0" bIns="0" anchor="ctr"/>
+          <a:lstStyle/>
           <a:p>
             <a:pPr algn="ctr"/>
             <a:endParaRPr/>
@@ -947,11 +1194,14 @@
       </p:sp>
     </p:spTree>
   </p:cSld>
+  <p:clrMapOvr>
+    <a:masterClrMapping/>
+  </p:clrMapOvr>
 </p:sldLayout>
 </file>
 
 <file path=ppt/slideLayouts/slideLayout15.xml><?xml version="1.0" encoding="utf-8"?>
-<p:sldLayout xmlns:a="http://schemas.openxmlformats.org/drawingml/2006/main" xmlns:p="http://schemas.openxmlformats.org/presentationml/2006/main" xmlns:r="http://schemas.openxmlformats.org/officeDocument/2006/relationships" type="obj" preserve="1">
+<p:sldLayout xmlns:a="http://schemas.openxmlformats.org/drawingml/2006/main" xmlns:r="http://schemas.openxmlformats.org/officeDocument/2006/relationships" xmlns:p="http://schemas.openxmlformats.org/presentationml/2006/main" type="obj" preserve="1">
   <p:cSld name="Title, Content">
     <p:spTree>
       <p:nvGrpSpPr>
@@ -987,7 +1237,8 @@
           </a:prstGeom>
         </p:spPr>
         <p:txBody>
-          <a:bodyPr lIns="0" rIns="0" tIns="0" bIns="0" anchor="ctr"/>
+          <a:bodyPr lIns="0" tIns="0" rIns="0" bIns="0" anchor="ctr"/>
+          <a:lstStyle/>
           <a:p>
             <a:endParaRPr/>
           </a:p>
@@ -1013,7 +1264,8 @@
           </a:prstGeom>
         </p:spPr>
         <p:txBody>
-          <a:bodyPr lIns="0" rIns="0" tIns="0" bIns="0"/>
+          <a:bodyPr lIns="0" tIns="0" rIns="0" bIns="0"/>
+          <a:lstStyle/>
           <a:p>
             <a:endParaRPr/>
           </a:p>
@@ -1021,11 +1273,14 @@
       </p:sp>
     </p:spTree>
   </p:cSld>
+  <p:clrMapOvr>
+    <a:masterClrMapping/>
+  </p:clrMapOvr>
 </p:sldLayout>
 </file>
 
 <file path=ppt/slideLayouts/slideLayout16.xml><?xml version="1.0" encoding="utf-8"?>
-<p:sldLayout xmlns:a="http://schemas.openxmlformats.org/drawingml/2006/main" xmlns:p="http://schemas.openxmlformats.org/presentationml/2006/main" xmlns:r="http://schemas.openxmlformats.org/officeDocument/2006/relationships" type="twoObj" preserve="1">
+<p:sldLayout xmlns:a="http://schemas.openxmlformats.org/drawingml/2006/main" xmlns:r="http://schemas.openxmlformats.org/officeDocument/2006/relationships" xmlns:p="http://schemas.openxmlformats.org/presentationml/2006/main" type="twoObj" preserve="1">
   <p:cSld name="Title, 2 Content">
     <p:spTree>
       <p:nvGrpSpPr>
@@ -1061,7 +1316,8 @@
           </a:prstGeom>
         </p:spPr>
         <p:txBody>
-          <a:bodyPr lIns="0" rIns="0" tIns="0" bIns="0" anchor="ctr"/>
+          <a:bodyPr lIns="0" tIns="0" rIns="0" bIns="0" anchor="ctr"/>
+          <a:lstStyle/>
           <a:p>
             <a:endParaRPr/>
           </a:p>
@@ -1087,7 +1343,8 @@
           </a:prstGeom>
         </p:spPr>
         <p:txBody>
-          <a:bodyPr lIns="0" rIns="0" tIns="0" bIns="0"/>
+          <a:bodyPr lIns="0" tIns="0" rIns="0" bIns="0"/>
+          <a:lstStyle/>
           <a:p>
             <a:endParaRPr/>
           </a:p>
@@ -1113,7 +1370,8 @@
           </a:prstGeom>
         </p:spPr>
         <p:txBody>
-          <a:bodyPr lIns="0" rIns="0" tIns="0" bIns="0"/>
+          <a:bodyPr lIns="0" tIns="0" rIns="0" bIns="0"/>
+          <a:lstStyle/>
           <a:p>
             <a:endParaRPr/>
           </a:p>
@@ -1121,11 +1379,14 @@
       </p:sp>
     </p:spTree>
   </p:cSld>
+  <p:clrMapOvr>
+    <a:masterClrMapping/>
+  </p:clrMapOvr>
 </p:sldLayout>
 </file>
 
 <file path=ppt/slideLayouts/slideLayout17.xml><?xml version="1.0" encoding="utf-8"?>
-<p:sldLayout xmlns:a="http://schemas.openxmlformats.org/drawingml/2006/main" xmlns:p="http://schemas.openxmlformats.org/presentationml/2006/main" xmlns:r="http://schemas.openxmlformats.org/officeDocument/2006/relationships" type="titleOnly" preserve="1">
+<p:sldLayout xmlns:a="http://schemas.openxmlformats.org/drawingml/2006/main" xmlns:r="http://schemas.openxmlformats.org/officeDocument/2006/relationships" xmlns:p="http://schemas.openxmlformats.org/presentationml/2006/main" type="titleOnly" preserve="1">
   <p:cSld name="Title Only">
     <p:spTree>
       <p:nvGrpSpPr>
@@ -1161,7 +1422,8 @@
           </a:prstGeom>
         </p:spPr>
         <p:txBody>
-          <a:bodyPr lIns="0" rIns="0" tIns="0" bIns="0" anchor="ctr"/>
+          <a:bodyPr lIns="0" tIns="0" rIns="0" bIns="0" anchor="ctr"/>
+          <a:lstStyle/>
           <a:p>
             <a:endParaRPr/>
           </a:p>
@@ -1169,11 +1431,14 @@
       </p:sp>
     </p:spTree>
   </p:cSld>
+  <p:clrMapOvr>
+    <a:masterClrMapping/>
+  </p:clrMapOvr>
 </p:sldLayout>
 </file>
 
 <file path=ppt/slideLayouts/slideLayout18.xml><?xml version="1.0" encoding="utf-8"?>
-<p:sldLayout xmlns:a="http://schemas.openxmlformats.org/drawingml/2006/main" xmlns:p="http://schemas.openxmlformats.org/presentationml/2006/main" xmlns:r="http://schemas.openxmlformats.org/officeDocument/2006/relationships" type="objOnly" preserve="1">
+<p:sldLayout xmlns:a="http://schemas.openxmlformats.org/drawingml/2006/main" xmlns:r="http://schemas.openxmlformats.org/officeDocument/2006/relationships" xmlns:p="http://schemas.openxmlformats.org/presentationml/2006/main" type="objOnly" preserve="1">
   <p:cSld name="Centered Text">
     <p:spTree>
       <p:nvGrpSpPr>
@@ -1209,7 +1474,8 @@
           </a:prstGeom>
         </p:spPr>
         <p:txBody>
-          <a:bodyPr lIns="0" rIns="0" tIns="0" bIns="0" anchor="ctr"/>
+          <a:bodyPr lIns="0" tIns="0" rIns="0" bIns="0" anchor="ctr"/>
+          <a:lstStyle/>
           <a:p>
             <a:pPr algn="ctr"/>
             <a:endParaRPr/>
@@ -1218,11 +1484,14 @@
       </p:sp>
     </p:spTree>
   </p:cSld>
+  <p:clrMapOvr>
+    <a:masterClrMapping/>
+  </p:clrMapOvr>
 </p:sldLayout>
 </file>
 
 <file path=ppt/slideLayouts/slideLayout19.xml><?xml version="1.0" encoding="utf-8"?>
-<p:sldLayout xmlns:a="http://schemas.openxmlformats.org/drawingml/2006/main" xmlns:p="http://schemas.openxmlformats.org/presentationml/2006/main" xmlns:r="http://schemas.openxmlformats.org/officeDocument/2006/relationships" type="twoObjAndObj" preserve="1">
+<p:sldLayout xmlns:a="http://schemas.openxmlformats.org/drawingml/2006/main" xmlns:r="http://schemas.openxmlformats.org/officeDocument/2006/relationships" xmlns:p="http://schemas.openxmlformats.org/presentationml/2006/main" type="twoObjAndObj" preserve="1">
   <p:cSld name="Title, 2 Content and Content">
     <p:spTree>
       <p:nvGrpSpPr>
@@ -1258,7 +1527,8 @@
           </a:prstGeom>
         </p:spPr>
         <p:txBody>
-          <a:bodyPr lIns="0" rIns="0" tIns="0" bIns="0" anchor="ctr"/>
+          <a:bodyPr lIns="0" tIns="0" rIns="0" bIns="0" anchor="ctr"/>
+          <a:lstStyle/>
           <a:p>
             <a:endParaRPr/>
           </a:p>
@@ -1284,7 +1554,8 @@
           </a:prstGeom>
         </p:spPr>
         <p:txBody>
-          <a:bodyPr lIns="0" rIns="0" tIns="0" bIns="0"/>
+          <a:bodyPr lIns="0" tIns="0" rIns="0" bIns="0"/>
+          <a:lstStyle/>
           <a:p>
             <a:endParaRPr/>
           </a:p>
@@ -1310,7 +1581,8 @@
           </a:prstGeom>
         </p:spPr>
         <p:txBody>
-          <a:bodyPr lIns="0" rIns="0" tIns="0" bIns="0"/>
+          <a:bodyPr lIns="0" tIns="0" rIns="0" bIns="0"/>
+          <a:lstStyle/>
           <a:p>
             <a:endParaRPr/>
           </a:p>
@@ -1336,7 +1608,8 @@
           </a:prstGeom>
         </p:spPr>
         <p:txBody>
-          <a:bodyPr lIns="0" rIns="0" tIns="0" bIns="0"/>
+          <a:bodyPr lIns="0" tIns="0" rIns="0" bIns="0"/>
+          <a:lstStyle/>
           <a:p>
             <a:endParaRPr/>
           </a:p>
@@ -1344,11 +1617,14 @@
       </p:sp>
     </p:spTree>
   </p:cSld>
+  <p:clrMapOvr>
+    <a:masterClrMapping/>
+  </p:clrMapOvr>
 </p:sldLayout>
 </file>
 
 <file path=ppt/slideLayouts/slideLayout2.xml><?xml version="1.0" encoding="utf-8"?>
-<p:sldLayout xmlns:a="http://schemas.openxmlformats.org/drawingml/2006/main" xmlns:p="http://schemas.openxmlformats.org/presentationml/2006/main" xmlns:r="http://schemas.openxmlformats.org/officeDocument/2006/relationships" type="tx" preserve="1">
+<p:sldLayout xmlns:a="http://schemas.openxmlformats.org/drawingml/2006/main" xmlns:r="http://schemas.openxmlformats.org/officeDocument/2006/relationships" xmlns:p="http://schemas.openxmlformats.org/presentationml/2006/main" type="tx" preserve="1">
   <p:cSld name="Title Slide">
     <p:spTree>
       <p:nvGrpSpPr>
@@ -1384,7 +1660,8 @@
           </a:prstGeom>
         </p:spPr>
         <p:txBody>
-          <a:bodyPr lIns="0" rIns="0" tIns="0" bIns="0" anchor="ctr"/>
+          <a:bodyPr lIns="0" tIns="0" rIns="0" bIns="0" anchor="ctr"/>
+          <a:lstStyle/>
           <a:p>
             <a:endParaRPr/>
           </a:p>
@@ -1410,7 +1687,8 @@
           </a:prstGeom>
         </p:spPr>
         <p:txBody>
-          <a:bodyPr lIns="0" rIns="0" tIns="0" bIns="0" anchor="ctr"/>
+          <a:bodyPr lIns="0" tIns="0" rIns="0" bIns="0" anchor="ctr"/>
+          <a:lstStyle/>
           <a:p>
             <a:pPr algn="ctr"/>
             <a:endParaRPr/>
@@ -1419,11 +1697,14 @@
       </p:sp>
     </p:spTree>
   </p:cSld>
+  <p:clrMapOvr>
+    <a:masterClrMapping/>
+  </p:clrMapOvr>
 </p:sldLayout>
 </file>
 
 <file path=ppt/slideLayouts/slideLayout20.xml><?xml version="1.0" encoding="utf-8"?>
-<p:sldLayout xmlns:a="http://schemas.openxmlformats.org/drawingml/2006/main" xmlns:p="http://schemas.openxmlformats.org/presentationml/2006/main" xmlns:r="http://schemas.openxmlformats.org/officeDocument/2006/relationships" type="objAndTwoObj" preserve="1">
+<p:sldLayout xmlns:a="http://schemas.openxmlformats.org/drawingml/2006/main" xmlns:r="http://schemas.openxmlformats.org/officeDocument/2006/relationships" xmlns:p="http://schemas.openxmlformats.org/presentationml/2006/main" type="objAndTwoObj" preserve="1">
   <p:cSld name="Title Content and 2 Content">
     <p:spTree>
       <p:nvGrpSpPr>
@@ -1459,7 +1740,8 @@
           </a:prstGeom>
         </p:spPr>
         <p:txBody>
-          <a:bodyPr lIns="0" rIns="0" tIns="0" bIns="0" anchor="ctr"/>
+          <a:bodyPr lIns="0" tIns="0" rIns="0" bIns="0" anchor="ctr"/>
+          <a:lstStyle/>
           <a:p>
             <a:endParaRPr/>
           </a:p>
@@ -1485,7 +1767,8 @@
           </a:prstGeom>
         </p:spPr>
         <p:txBody>
-          <a:bodyPr lIns="0" rIns="0" tIns="0" bIns="0"/>
+          <a:bodyPr lIns="0" tIns="0" rIns="0" bIns="0"/>
+          <a:lstStyle/>
           <a:p>
             <a:endParaRPr/>
           </a:p>
@@ -1511,7 +1794,8 @@
           </a:prstGeom>
         </p:spPr>
         <p:txBody>
-          <a:bodyPr lIns="0" rIns="0" tIns="0" bIns="0"/>
+          <a:bodyPr lIns="0" tIns="0" rIns="0" bIns="0"/>
+          <a:lstStyle/>
           <a:p>
             <a:endParaRPr/>
           </a:p>
@@ -1537,7 +1821,8 @@
           </a:prstGeom>
         </p:spPr>
         <p:txBody>
-          <a:bodyPr lIns="0" rIns="0" tIns="0" bIns="0"/>
+          <a:bodyPr lIns="0" tIns="0" rIns="0" bIns="0"/>
+          <a:lstStyle/>
           <a:p>
             <a:endParaRPr/>
           </a:p>
@@ -1545,11 +1830,14 @@
       </p:sp>
     </p:spTree>
   </p:cSld>
+  <p:clrMapOvr>
+    <a:masterClrMapping/>
+  </p:clrMapOvr>
 </p:sldLayout>
 </file>
 
 <file path=ppt/slideLayouts/slideLayout21.xml><?xml version="1.0" encoding="utf-8"?>
-<p:sldLayout xmlns:a="http://schemas.openxmlformats.org/drawingml/2006/main" xmlns:p="http://schemas.openxmlformats.org/presentationml/2006/main" xmlns:r="http://schemas.openxmlformats.org/officeDocument/2006/relationships" type="twoObjOverTx" preserve="1">
+<p:sldLayout xmlns:a="http://schemas.openxmlformats.org/drawingml/2006/main" xmlns:r="http://schemas.openxmlformats.org/officeDocument/2006/relationships" xmlns:p="http://schemas.openxmlformats.org/presentationml/2006/main" type="twoObjOverTx" preserve="1">
   <p:cSld name="Title, 2 Content over Content">
     <p:spTree>
       <p:nvGrpSpPr>
@@ -1585,7 +1873,8 @@
           </a:prstGeom>
         </p:spPr>
         <p:txBody>
-          <a:bodyPr lIns="0" rIns="0" tIns="0" bIns="0" anchor="ctr"/>
+          <a:bodyPr lIns="0" tIns="0" rIns="0" bIns="0" anchor="ctr"/>
+          <a:lstStyle/>
           <a:p>
             <a:endParaRPr/>
           </a:p>
@@ -1611,7 +1900,8 @@
           </a:prstGeom>
         </p:spPr>
         <p:txBody>
-          <a:bodyPr lIns="0" rIns="0" tIns="0" bIns="0"/>
+          <a:bodyPr lIns="0" tIns="0" rIns="0" bIns="0"/>
+          <a:lstStyle/>
           <a:p>
             <a:endParaRPr/>
           </a:p>
@@ -1637,7 +1927,8 @@
           </a:prstGeom>
         </p:spPr>
         <p:txBody>
-          <a:bodyPr lIns="0" rIns="0" tIns="0" bIns="0"/>
+          <a:bodyPr lIns="0" tIns="0" rIns="0" bIns="0"/>
+          <a:lstStyle/>
           <a:p>
             <a:endParaRPr/>
           </a:p>
@@ -1663,7 +1954,8 @@
           </a:prstGeom>
         </p:spPr>
         <p:txBody>
-          <a:bodyPr lIns="0" rIns="0" tIns="0" bIns="0"/>
+          <a:bodyPr lIns="0" tIns="0" rIns="0" bIns="0"/>
+          <a:lstStyle/>
           <a:p>
             <a:endParaRPr/>
           </a:p>
@@ -1671,11 +1963,14 @@
       </p:sp>
     </p:spTree>
   </p:cSld>
+  <p:clrMapOvr>
+    <a:masterClrMapping/>
+  </p:clrMapOvr>
 </p:sldLayout>
 </file>
 
 <file path=ppt/slideLayouts/slideLayout22.xml><?xml version="1.0" encoding="utf-8"?>
-<p:sldLayout xmlns:a="http://schemas.openxmlformats.org/drawingml/2006/main" xmlns:p="http://schemas.openxmlformats.org/presentationml/2006/main" xmlns:r="http://schemas.openxmlformats.org/officeDocument/2006/relationships" type="objOverTx" preserve="1">
+<p:sldLayout xmlns:a="http://schemas.openxmlformats.org/drawingml/2006/main" xmlns:r="http://schemas.openxmlformats.org/officeDocument/2006/relationships" xmlns:p="http://schemas.openxmlformats.org/presentationml/2006/main" type="objOverTx" preserve="1">
   <p:cSld name="Title, Content over Content">
     <p:spTree>
       <p:nvGrpSpPr>
@@ -1711,7 +2006,8 @@
           </a:prstGeom>
         </p:spPr>
         <p:txBody>
-          <a:bodyPr lIns="0" rIns="0" tIns="0" bIns="0" anchor="ctr"/>
+          <a:bodyPr lIns="0" tIns="0" rIns="0" bIns="0" anchor="ctr"/>
+          <a:lstStyle/>
           <a:p>
             <a:endParaRPr/>
           </a:p>
@@ -1737,7 +2033,8 @@
           </a:prstGeom>
         </p:spPr>
         <p:txBody>
-          <a:bodyPr lIns="0" rIns="0" tIns="0" bIns="0"/>
+          <a:bodyPr lIns="0" tIns="0" rIns="0" bIns="0"/>
+          <a:lstStyle/>
           <a:p>
             <a:endParaRPr/>
           </a:p>
@@ -1763,7 +2060,8 @@
           </a:prstGeom>
         </p:spPr>
         <p:txBody>
-          <a:bodyPr lIns="0" rIns="0" tIns="0" bIns="0"/>
+          <a:bodyPr lIns="0" tIns="0" rIns="0" bIns="0"/>
+          <a:lstStyle/>
           <a:p>
             <a:endParaRPr/>
           </a:p>
@@ -1771,11 +2069,14 @@
       </p:sp>
     </p:spTree>
   </p:cSld>
+  <p:clrMapOvr>
+    <a:masterClrMapping/>
+  </p:clrMapOvr>
 </p:sldLayout>
 </file>
 
 <file path=ppt/slideLayouts/slideLayout23.xml><?xml version="1.0" encoding="utf-8"?>
-<p:sldLayout xmlns:a="http://schemas.openxmlformats.org/drawingml/2006/main" xmlns:p="http://schemas.openxmlformats.org/presentationml/2006/main" xmlns:r="http://schemas.openxmlformats.org/officeDocument/2006/relationships" type="fourObj" preserve="1">
+<p:sldLayout xmlns:a="http://schemas.openxmlformats.org/drawingml/2006/main" xmlns:r="http://schemas.openxmlformats.org/officeDocument/2006/relationships" xmlns:p="http://schemas.openxmlformats.org/presentationml/2006/main" type="fourObj" preserve="1">
   <p:cSld name="Title, 4 Content">
     <p:spTree>
       <p:nvGrpSpPr>
@@ -1811,7 +2112,8 @@
           </a:prstGeom>
         </p:spPr>
         <p:txBody>
-          <a:bodyPr lIns="0" rIns="0" tIns="0" bIns="0" anchor="ctr"/>
+          <a:bodyPr lIns="0" tIns="0" rIns="0" bIns="0" anchor="ctr"/>
+          <a:lstStyle/>
           <a:p>
             <a:endParaRPr/>
           </a:p>
@@ -1837,7 +2139,8 @@
           </a:prstGeom>
         </p:spPr>
         <p:txBody>
-          <a:bodyPr lIns="0" rIns="0" tIns="0" bIns="0"/>
+          <a:bodyPr lIns="0" tIns="0" rIns="0" bIns="0"/>
+          <a:lstStyle/>
           <a:p>
             <a:endParaRPr/>
           </a:p>
@@ -1863,7 +2166,8 @@
           </a:prstGeom>
         </p:spPr>
         <p:txBody>
-          <a:bodyPr lIns="0" rIns="0" tIns="0" bIns="0"/>
+          <a:bodyPr lIns="0" tIns="0" rIns="0" bIns="0"/>
+          <a:lstStyle/>
           <a:p>
             <a:endParaRPr/>
           </a:p>
@@ -1889,7 +2193,8 @@
           </a:prstGeom>
         </p:spPr>
         <p:txBody>
-          <a:bodyPr lIns="0" rIns="0" tIns="0" bIns="0"/>
+          <a:bodyPr lIns="0" tIns="0" rIns="0" bIns="0"/>
+          <a:lstStyle/>
           <a:p>
             <a:endParaRPr/>
           </a:p>
@@ -1915,7 +2220,8 @@
           </a:prstGeom>
         </p:spPr>
         <p:txBody>
-          <a:bodyPr lIns="0" rIns="0" tIns="0" bIns="0"/>
+          <a:bodyPr lIns="0" tIns="0" rIns="0" bIns="0"/>
+          <a:lstStyle/>
           <a:p>
             <a:endParaRPr/>
           </a:p>
@@ -1923,11 +2229,14 @@
       </p:sp>
     </p:spTree>
   </p:cSld>
+  <p:clrMapOvr>
+    <a:masterClrMapping/>
+  </p:clrMapOvr>
 </p:sldLayout>
 </file>
 
 <file path=ppt/slideLayouts/slideLayout24.xml><?xml version="1.0" encoding="utf-8"?>
-<p:sldLayout xmlns:a="http://schemas.openxmlformats.org/drawingml/2006/main" xmlns:p="http://schemas.openxmlformats.org/presentationml/2006/main" xmlns:r="http://schemas.openxmlformats.org/officeDocument/2006/relationships" type="blank" preserve="1">
+<p:sldLayout xmlns:a="http://schemas.openxmlformats.org/drawingml/2006/main" xmlns:r="http://schemas.openxmlformats.org/officeDocument/2006/relationships" xmlns:p="http://schemas.openxmlformats.org/presentationml/2006/main" type="blank" preserve="1">
   <p:cSld name="Title, 6 Content">
     <p:spTree>
       <p:nvGrpSpPr>
@@ -1963,7 +2272,8 @@
           </a:prstGeom>
         </p:spPr>
         <p:txBody>
-          <a:bodyPr lIns="0" rIns="0" tIns="0" bIns="0" anchor="ctr"/>
+          <a:bodyPr lIns="0" tIns="0" rIns="0" bIns="0" anchor="ctr"/>
+          <a:lstStyle/>
           <a:p>
             <a:endParaRPr/>
           </a:p>
@@ -1989,7 +2299,8 @@
           </a:prstGeom>
         </p:spPr>
         <p:txBody>
-          <a:bodyPr lIns="0" rIns="0" tIns="0" bIns="0"/>
+          <a:bodyPr lIns="0" tIns="0" rIns="0" bIns="0"/>
+          <a:lstStyle/>
           <a:p>
             <a:endParaRPr/>
           </a:p>
@@ -2015,7 +2326,8 @@
           </a:prstGeom>
         </p:spPr>
         <p:txBody>
-          <a:bodyPr lIns="0" rIns="0" tIns="0" bIns="0"/>
+          <a:bodyPr lIns="0" tIns="0" rIns="0" bIns="0"/>
+          <a:lstStyle/>
           <a:p>
             <a:endParaRPr/>
           </a:p>
@@ -2023,7 +2335,7 @@
       </p:sp>
       <p:pic>
         <p:nvPicPr>
-          <p:cNvPr id="76" name="" descr=""/>
+          <p:cNvPr id="76" name="Picture 75"/>
           <p:cNvPicPr/>
           <p:nvPr/>
         </p:nvPicPr>
@@ -2048,12 +2360,12 @@
       </p:pic>
       <p:pic>
         <p:nvPicPr>
-          <p:cNvPr id="77" name="" descr=""/>
+          <p:cNvPr id="77" name="Picture 76"/>
           <p:cNvPicPr/>
           <p:nvPr/>
         </p:nvPicPr>
         <p:blipFill>
-          <a:blip r:embed="rId3"/>
+          <a:blip r:embed="rId2"/>
           <a:stretch>
             <a:fillRect/>
           </a:stretch>
@@ -2073,11 +2385,14 @@
       </p:pic>
     </p:spTree>
   </p:cSld>
+  <p:clrMapOvr>
+    <a:masterClrMapping/>
+  </p:clrMapOvr>
 </p:sldLayout>
 </file>
 
 <file path=ppt/slideLayouts/slideLayout3.xml><?xml version="1.0" encoding="utf-8"?>
-<p:sldLayout xmlns:a="http://schemas.openxmlformats.org/drawingml/2006/main" xmlns:p="http://schemas.openxmlformats.org/presentationml/2006/main" xmlns:r="http://schemas.openxmlformats.org/officeDocument/2006/relationships" type="obj" preserve="1">
+<p:sldLayout xmlns:a="http://schemas.openxmlformats.org/drawingml/2006/main" xmlns:r="http://schemas.openxmlformats.org/officeDocument/2006/relationships" xmlns:p="http://schemas.openxmlformats.org/presentationml/2006/main" type="obj" preserve="1">
   <p:cSld name="Title, Content">
     <p:spTree>
       <p:nvGrpSpPr>
@@ -2113,7 +2428,8 @@
           </a:prstGeom>
         </p:spPr>
         <p:txBody>
-          <a:bodyPr lIns="0" rIns="0" tIns="0" bIns="0" anchor="ctr"/>
+          <a:bodyPr lIns="0" tIns="0" rIns="0" bIns="0" anchor="ctr"/>
+          <a:lstStyle/>
           <a:p>
             <a:endParaRPr/>
           </a:p>
@@ -2139,7 +2455,8 @@
           </a:prstGeom>
         </p:spPr>
         <p:txBody>
-          <a:bodyPr lIns="0" rIns="0" tIns="0" bIns="0"/>
+          <a:bodyPr lIns="0" tIns="0" rIns="0" bIns="0"/>
+          <a:lstStyle/>
           <a:p>
             <a:endParaRPr/>
           </a:p>
@@ -2147,11 +2464,14 @@
       </p:sp>
     </p:spTree>
   </p:cSld>
+  <p:clrMapOvr>
+    <a:masterClrMapping/>
+  </p:clrMapOvr>
 </p:sldLayout>
 </file>
 
 <file path=ppt/slideLayouts/slideLayout4.xml><?xml version="1.0" encoding="utf-8"?>
-<p:sldLayout xmlns:a="http://schemas.openxmlformats.org/drawingml/2006/main" xmlns:p="http://schemas.openxmlformats.org/presentationml/2006/main" xmlns:r="http://schemas.openxmlformats.org/officeDocument/2006/relationships" type="twoObj" preserve="1">
+<p:sldLayout xmlns:a="http://schemas.openxmlformats.org/drawingml/2006/main" xmlns:r="http://schemas.openxmlformats.org/officeDocument/2006/relationships" xmlns:p="http://schemas.openxmlformats.org/presentationml/2006/main" type="twoObj" preserve="1">
   <p:cSld name="Title, 2 Content">
     <p:spTree>
       <p:nvGrpSpPr>
@@ -2187,7 +2507,8 @@
           </a:prstGeom>
         </p:spPr>
         <p:txBody>
-          <a:bodyPr lIns="0" rIns="0" tIns="0" bIns="0" anchor="ctr"/>
+          <a:bodyPr lIns="0" tIns="0" rIns="0" bIns="0" anchor="ctr"/>
+          <a:lstStyle/>
           <a:p>
             <a:endParaRPr/>
           </a:p>
@@ -2213,7 +2534,8 @@
           </a:prstGeom>
         </p:spPr>
         <p:txBody>
-          <a:bodyPr lIns="0" rIns="0" tIns="0" bIns="0"/>
+          <a:bodyPr lIns="0" tIns="0" rIns="0" bIns="0"/>
+          <a:lstStyle/>
           <a:p>
             <a:endParaRPr/>
           </a:p>
@@ -2239,7 +2561,8 @@
           </a:prstGeom>
         </p:spPr>
         <p:txBody>
-          <a:bodyPr lIns="0" rIns="0" tIns="0" bIns="0"/>
+          <a:bodyPr lIns="0" tIns="0" rIns="0" bIns="0"/>
+          <a:lstStyle/>
           <a:p>
             <a:endParaRPr/>
           </a:p>
@@ -2247,11 +2570,14 @@
       </p:sp>
     </p:spTree>
   </p:cSld>
+  <p:clrMapOvr>
+    <a:masterClrMapping/>
+  </p:clrMapOvr>
 </p:sldLayout>
 </file>
 
 <file path=ppt/slideLayouts/slideLayout5.xml><?xml version="1.0" encoding="utf-8"?>
-<p:sldLayout xmlns:a="http://schemas.openxmlformats.org/drawingml/2006/main" xmlns:p="http://schemas.openxmlformats.org/presentationml/2006/main" xmlns:r="http://schemas.openxmlformats.org/officeDocument/2006/relationships" type="titleOnly" preserve="1">
+<p:sldLayout xmlns:a="http://schemas.openxmlformats.org/drawingml/2006/main" xmlns:r="http://schemas.openxmlformats.org/officeDocument/2006/relationships" xmlns:p="http://schemas.openxmlformats.org/presentationml/2006/main" type="titleOnly" preserve="1">
   <p:cSld name="Title Only">
     <p:spTree>
       <p:nvGrpSpPr>
@@ -2287,7 +2613,8 @@
           </a:prstGeom>
         </p:spPr>
         <p:txBody>
-          <a:bodyPr lIns="0" rIns="0" tIns="0" bIns="0" anchor="ctr"/>
+          <a:bodyPr lIns="0" tIns="0" rIns="0" bIns="0" anchor="ctr"/>
+          <a:lstStyle/>
           <a:p>
             <a:endParaRPr/>
           </a:p>
@@ -2295,11 +2622,14 @@
       </p:sp>
     </p:spTree>
   </p:cSld>
+  <p:clrMapOvr>
+    <a:masterClrMapping/>
+  </p:clrMapOvr>
 </p:sldLayout>
 </file>
 
 <file path=ppt/slideLayouts/slideLayout6.xml><?xml version="1.0" encoding="utf-8"?>
-<p:sldLayout xmlns:a="http://schemas.openxmlformats.org/drawingml/2006/main" xmlns:p="http://schemas.openxmlformats.org/presentationml/2006/main" xmlns:r="http://schemas.openxmlformats.org/officeDocument/2006/relationships" type="objOnly" preserve="1">
+<p:sldLayout xmlns:a="http://schemas.openxmlformats.org/drawingml/2006/main" xmlns:r="http://schemas.openxmlformats.org/officeDocument/2006/relationships" xmlns:p="http://schemas.openxmlformats.org/presentationml/2006/main" type="objOnly" preserve="1">
   <p:cSld name="Centered Text">
     <p:spTree>
       <p:nvGrpSpPr>
@@ -2335,7 +2665,8 @@
           </a:prstGeom>
         </p:spPr>
         <p:txBody>
-          <a:bodyPr lIns="0" rIns="0" tIns="0" bIns="0" anchor="ctr"/>
+          <a:bodyPr lIns="0" tIns="0" rIns="0" bIns="0" anchor="ctr"/>
+          <a:lstStyle/>
           <a:p>
             <a:pPr algn="ctr"/>
             <a:endParaRPr/>
@@ -2344,11 +2675,14 @@
       </p:sp>
     </p:spTree>
   </p:cSld>
+  <p:clrMapOvr>
+    <a:masterClrMapping/>
+  </p:clrMapOvr>
 </p:sldLayout>
 </file>
 
 <file path=ppt/slideLayouts/slideLayout7.xml><?xml version="1.0" encoding="utf-8"?>
-<p:sldLayout xmlns:a="http://schemas.openxmlformats.org/drawingml/2006/main" xmlns:p="http://schemas.openxmlformats.org/presentationml/2006/main" xmlns:r="http://schemas.openxmlformats.org/officeDocument/2006/relationships" type="twoObjAndObj" preserve="1">
+<p:sldLayout xmlns:a="http://schemas.openxmlformats.org/drawingml/2006/main" xmlns:r="http://schemas.openxmlformats.org/officeDocument/2006/relationships" xmlns:p="http://schemas.openxmlformats.org/presentationml/2006/main" type="twoObjAndObj" preserve="1">
   <p:cSld name="Title, 2 Content and Content">
     <p:spTree>
       <p:nvGrpSpPr>
@@ -2384,7 +2718,8 @@
           </a:prstGeom>
         </p:spPr>
         <p:txBody>
-          <a:bodyPr lIns="0" rIns="0" tIns="0" bIns="0" anchor="ctr"/>
+          <a:bodyPr lIns="0" tIns="0" rIns="0" bIns="0" anchor="ctr"/>
+          <a:lstStyle/>
           <a:p>
             <a:endParaRPr/>
           </a:p>
@@ -2410,7 +2745,8 @@
           </a:prstGeom>
         </p:spPr>
         <p:txBody>
-          <a:bodyPr lIns="0" rIns="0" tIns="0" bIns="0"/>
+          <a:bodyPr lIns="0" tIns="0" rIns="0" bIns="0"/>
+          <a:lstStyle/>
           <a:p>
             <a:endParaRPr/>
           </a:p>
@@ -2436,7 +2772,8 @@
           </a:prstGeom>
         </p:spPr>
         <p:txBody>
-          <a:bodyPr lIns="0" rIns="0" tIns="0" bIns="0"/>
+          <a:bodyPr lIns="0" tIns="0" rIns="0" bIns="0"/>
+          <a:lstStyle/>
           <a:p>
             <a:endParaRPr/>
           </a:p>
@@ -2462,7 +2799,8 @@
           </a:prstGeom>
         </p:spPr>
         <p:txBody>
-          <a:bodyPr lIns="0" rIns="0" tIns="0" bIns="0"/>
+          <a:bodyPr lIns="0" tIns="0" rIns="0" bIns="0"/>
+          <a:lstStyle/>
           <a:p>
             <a:endParaRPr/>
           </a:p>
@@ -2470,11 +2808,14 @@
       </p:sp>
     </p:spTree>
   </p:cSld>
+  <p:clrMapOvr>
+    <a:masterClrMapping/>
+  </p:clrMapOvr>
 </p:sldLayout>
 </file>
 
 <file path=ppt/slideLayouts/slideLayout8.xml><?xml version="1.0" encoding="utf-8"?>
-<p:sldLayout xmlns:a="http://schemas.openxmlformats.org/drawingml/2006/main" xmlns:p="http://schemas.openxmlformats.org/presentationml/2006/main" xmlns:r="http://schemas.openxmlformats.org/officeDocument/2006/relationships" type="objAndTwoObj" preserve="1">
+<p:sldLayout xmlns:a="http://schemas.openxmlformats.org/drawingml/2006/main" xmlns:r="http://schemas.openxmlformats.org/officeDocument/2006/relationships" xmlns:p="http://schemas.openxmlformats.org/presentationml/2006/main" type="objAndTwoObj" preserve="1">
   <p:cSld name="Title Content and 2 Content">
     <p:spTree>
       <p:nvGrpSpPr>
@@ -2510,7 +2851,8 @@
           </a:prstGeom>
         </p:spPr>
         <p:txBody>
-          <a:bodyPr lIns="0" rIns="0" tIns="0" bIns="0" anchor="ctr"/>
+          <a:bodyPr lIns="0" tIns="0" rIns="0" bIns="0" anchor="ctr"/>
+          <a:lstStyle/>
           <a:p>
             <a:endParaRPr/>
           </a:p>
@@ -2536,7 +2878,8 @@
           </a:prstGeom>
         </p:spPr>
         <p:txBody>
-          <a:bodyPr lIns="0" rIns="0" tIns="0" bIns="0"/>
+          <a:bodyPr lIns="0" tIns="0" rIns="0" bIns="0"/>
+          <a:lstStyle/>
           <a:p>
             <a:endParaRPr/>
           </a:p>
@@ -2562,7 +2905,8 @@
           </a:prstGeom>
         </p:spPr>
         <p:txBody>
-          <a:bodyPr lIns="0" rIns="0" tIns="0" bIns="0"/>
+          <a:bodyPr lIns="0" tIns="0" rIns="0" bIns="0"/>
+          <a:lstStyle/>
           <a:p>
             <a:endParaRPr/>
           </a:p>
@@ -2588,7 +2932,8 @@
           </a:prstGeom>
         </p:spPr>
         <p:txBody>
-          <a:bodyPr lIns="0" rIns="0" tIns="0" bIns="0"/>
+          <a:bodyPr lIns="0" tIns="0" rIns="0" bIns="0"/>
+          <a:lstStyle/>
           <a:p>
             <a:endParaRPr/>
           </a:p>
@@ -2596,11 +2941,14 @@
       </p:sp>
     </p:spTree>
   </p:cSld>
+  <p:clrMapOvr>
+    <a:masterClrMapping/>
+  </p:clrMapOvr>
 </p:sldLayout>
 </file>
 
 <file path=ppt/slideLayouts/slideLayout9.xml><?xml version="1.0" encoding="utf-8"?>
-<p:sldLayout xmlns:a="http://schemas.openxmlformats.org/drawingml/2006/main" xmlns:p="http://schemas.openxmlformats.org/presentationml/2006/main" xmlns:r="http://schemas.openxmlformats.org/officeDocument/2006/relationships" type="twoObjOverTx" preserve="1">
+<p:sldLayout xmlns:a="http://schemas.openxmlformats.org/drawingml/2006/main" xmlns:r="http://schemas.openxmlformats.org/officeDocument/2006/relationships" xmlns:p="http://schemas.openxmlformats.org/presentationml/2006/main" type="twoObjOverTx" preserve="1">
   <p:cSld name="Title, 2 Content over Content">
     <p:spTree>
       <p:nvGrpSpPr>
@@ -2636,7 +2984,8 @@
           </a:prstGeom>
         </p:spPr>
         <p:txBody>
-          <a:bodyPr lIns="0" rIns="0" tIns="0" bIns="0" anchor="ctr"/>
+          <a:bodyPr lIns="0" tIns="0" rIns="0" bIns="0" anchor="ctr"/>
+          <a:lstStyle/>
           <a:p>
             <a:endParaRPr/>
           </a:p>
@@ -2662,7 +3011,8 @@
           </a:prstGeom>
         </p:spPr>
         <p:txBody>
-          <a:bodyPr lIns="0" rIns="0" tIns="0" bIns="0"/>
+          <a:bodyPr lIns="0" tIns="0" rIns="0" bIns="0"/>
+          <a:lstStyle/>
           <a:p>
             <a:endParaRPr/>
           </a:p>
@@ -2688,7 +3038,8 @@
           </a:prstGeom>
         </p:spPr>
         <p:txBody>
-          <a:bodyPr lIns="0" rIns="0" tIns="0" bIns="0"/>
+          <a:bodyPr lIns="0" tIns="0" rIns="0" bIns="0"/>
+          <a:lstStyle/>
           <a:p>
             <a:endParaRPr/>
           </a:p>
@@ -2714,7 +3065,8 @@
           </a:prstGeom>
         </p:spPr>
         <p:txBody>
-          <a:bodyPr lIns="0" rIns="0" tIns="0" bIns="0"/>
+          <a:bodyPr lIns="0" tIns="0" rIns="0" bIns="0"/>
+          <a:lstStyle/>
           <a:p>
             <a:endParaRPr/>
           </a:p>
@@ -2722,17 +3074,21 @@
       </p:sp>
     </p:spTree>
   </p:cSld>
+  <p:clrMapOvr>
+    <a:masterClrMapping/>
+  </p:clrMapOvr>
 </p:sldLayout>
 </file>
 
 <file path=ppt/slideMasters/slideMaster1.xml><?xml version="1.0" encoding="utf-8"?>
-<p:sldMaster xmlns:a="http://schemas.openxmlformats.org/drawingml/2006/main" xmlns:p="http://schemas.openxmlformats.org/presentationml/2006/main" xmlns:r="http://schemas.openxmlformats.org/officeDocument/2006/relationships">
+<p:sldMaster xmlns:a="http://schemas.openxmlformats.org/drawingml/2006/main" xmlns:r="http://schemas.openxmlformats.org/officeDocument/2006/relationships" xmlns:p="http://schemas.openxmlformats.org/presentationml/2006/main">
   <p:cSld>
     <p:bg>
       <p:bgPr>
         <a:solidFill>
-          <a:srgbClr val="ffffff"/>
+          <a:srgbClr val="FFFFFF"/>
         </a:solidFill>
+        <a:effectLst/>
       </p:bgPr>
     </p:bg>
     <p:spTree>
@@ -2751,7 +3107,7 @@
       </p:grpSpPr>
       <p:sp>
         <p:nvSpPr>
-          <p:cNvPr id="0" name="PlaceHolder 1"/>
+          <p:cNvPr id="5" name="PlaceHolder 1"/>
           <p:cNvSpPr>
             <a:spLocks noGrp="1"/>
           </p:cNvSpPr>
@@ -2769,7 +3125,8 @@
           </a:prstGeom>
         </p:spPr>
         <p:txBody>
-          <a:bodyPr lIns="0" rIns="0" tIns="0" bIns="0" anchor="ctr"/>
+          <a:bodyPr lIns="0" tIns="0" rIns="0" bIns="0" anchor="ctr"/>
+          <a:lstStyle/>
           <a:p>
             <a:r>
               <a:rPr lang="en-US" sz="1400">
@@ -2783,7 +3140,7 @@
       </p:sp>
       <p:sp>
         <p:nvSpPr>
-          <p:cNvPr id="1" name="PlaceHolder 2"/>
+          <p:cNvPr id="6" name="PlaceHolder 2"/>
           <p:cNvSpPr>
             <a:spLocks noGrp="1"/>
           </p:cNvSpPr>
@@ -2802,6 +3159,7 @@
         </p:spPr>
         <p:txBody>
           <a:bodyPr tIns="91440" bIns="91440" anchor="ctr"/>
+          <a:lstStyle/>
           <a:p>
             <a:endParaRPr/>
           </a:p>
@@ -2828,6 +3186,7 @@
         </p:spPr>
         <p:txBody>
           <a:bodyPr tIns="91440" bIns="91440" anchor="ctr"/>
+          <a:lstStyle/>
           <a:p>
             <a:endParaRPr/>
           </a:p>
@@ -2854,6 +3213,7 @@
         </p:spPr>
         <p:txBody>
           <a:bodyPr anchor="ctr"/>
+          <a:lstStyle/>
           <a:p>
             <a:pPr algn="r">
               <a:lnSpc>
@@ -2868,7 +3228,7 @@
                 <a:latin typeface="Calibri"/>
                 <a:ea typeface="Calibri"/>
               </a:rPr>
-              <a:t>&lt;number&gt;</a:t>
+              <a:t>‹#›</a:t>
             </a:fld>
             <a:endParaRPr/>
           </a:p>
@@ -2894,7 +3254,8 @@
           </a:prstGeom>
         </p:spPr>
         <p:txBody>
-          <a:bodyPr lIns="0" rIns="0" tIns="0" bIns="0"/>
+          <a:bodyPr lIns="0" tIns="0" rIns="0" bIns="0"/>
+          <a:lstStyle/>
           <a:p>
             <a:pPr>
               <a:buSzPct val="45000"/>
@@ -2997,32 +3358,313 @@
       </p:sp>
     </p:spTree>
   </p:cSld>
-  <p:clrMap bg1="lt1" bg2="lt2" tx1="dk1" tx2="dk2" accent1="accent1" accent2="accent2" accent3="accent3" accent4="accent4" accent5="accent5" accent6="accent6" hlink="hlink" folHlink="folHlink"/>
+  <p:clrMap bg1="lt1" tx1="dk1" bg2="lt2" tx2="dk2" accent1="accent1" accent2="accent2" accent3="accent3" accent4="accent4" accent5="accent5" accent6="accent6" hlink="hlink" folHlink="folHlink"/>
   <p:sldLayoutIdLst>
-    <p:sldLayoutId id="2147483649" r:id="rId2"/>
-    <p:sldLayoutId id="2147483650" r:id="rId3"/>
-    <p:sldLayoutId id="2147483651" r:id="rId4"/>
-    <p:sldLayoutId id="2147483652" r:id="rId5"/>
-    <p:sldLayoutId id="2147483653" r:id="rId6"/>
-    <p:sldLayoutId id="2147483654" r:id="rId7"/>
-    <p:sldLayoutId id="2147483655" r:id="rId8"/>
-    <p:sldLayoutId id="2147483656" r:id="rId9"/>
-    <p:sldLayoutId id="2147483657" r:id="rId10"/>
-    <p:sldLayoutId id="2147483658" r:id="rId11"/>
-    <p:sldLayoutId id="2147483659" r:id="rId12"/>
-    <p:sldLayoutId id="2147483660" r:id="rId13"/>
+    <p:sldLayoutId id="2147483649" r:id="rId1"/>
+    <p:sldLayoutId id="2147483650" r:id="rId2"/>
+    <p:sldLayoutId id="2147483651" r:id="rId3"/>
+    <p:sldLayoutId id="2147483652" r:id="rId4"/>
+    <p:sldLayoutId id="2147483653" r:id="rId5"/>
+    <p:sldLayoutId id="2147483654" r:id="rId6"/>
+    <p:sldLayoutId id="2147483655" r:id="rId7"/>
+    <p:sldLayoutId id="2147483656" r:id="rId8"/>
+    <p:sldLayoutId id="2147483657" r:id="rId9"/>
+    <p:sldLayoutId id="2147483658" r:id="rId10"/>
+    <p:sldLayoutId id="2147483659" r:id="rId11"/>
+    <p:sldLayoutId id="2147483660" r:id="rId12"/>
   </p:sldLayoutIdLst>
+  <p:txStyles>
+    <p:titleStyle>
+      <a:lvl1pPr algn="l" defTabSz="914400" rtl="0" eaLnBrk="1" latinLnBrk="0" hangingPunct="1">
+        <a:lnSpc>
+          <a:spcPct val="90000"/>
+        </a:lnSpc>
+        <a:spcBef>
+          <a:spcPct val="0"/>
+        </a:spcBef>
+        <a:buNone/>
+        <a:defRPr sz="4400" kern="1200">
+          <a:solidFill>
+            <a:schemeClr val="tx1"/>
+          </a:solidFill>
+          <a:latin typeface="+mj-lt"/>
+          <a:ea typeface="+mj-ea"/>
+          <a:cs typeface="+mj-cs"/>
+        </a:defRPr>
+      </a:lvl1pPr>
+    </p:titleStyle>
+    <p:bodyStyle>
+      <a:lvl1pPr marL="228600" indent="-228600" algn="l" defTabSz="914400" rtl="0" eaLnBrk="1" latinLnBrk="0" hangingPunct="1">
+        <a:lnSpc>
+          <a:spcPct val="90000"/>
+        </a:lnSpc>
+        <a:spcBef>
+          <a:spcPts val="1000"/>
+        </a:spcBef>
+        <a:buFont typeface="Arial" panose="020B0604020202020204" pitchFamily="34" charset="0"/>
+        <a:buChar char="•"/>
+        <a:defRPr sz="2800" kern="1200">
+          <a:solidFill>
+            <a:schemeClr val="tx1"/>
+          </a:solidFill>
+          <a:latin typeface="+mn-lt"/>
+          <a:ea typeface="+mn-ea"/>
+          <a:cs typeface="+mn-cs"/>
+        </a:defRPr>
+      </a:lvl1pPr>
+      <a:lvl2pPr marL="685800" indent="-228600" algn="l" defTabSz="914400" rtl="0" eaLnBrk="1" latinLnBrk="0" hangingPunct="1">
+        <a:lnSpc>
+          <a:spcPct val="90000"/>
+        </a:lnSpc>
+        <a:spcBef>
+          <a:spcPts val="500"/>
+        </a:spcBef>
+        <a:buFont typeface="Arial" panose="020B0604020202020204" pitchFamily="34" charset="0"/>
+        <a:buChar char="•"/>
+        <a:defRPr sz="2400" kern="1200">
+          <a:solidFill>
+            <a:schemeClr val="tx1"/>
+          </a:solidFill>
+          <a:latin typeface="+mn-lt"/>
+          <a:ea typeface="+mn-ea"/>
+          <a:cs typeface="+mn-cs"/>
+        </a:defRPr>
+      </a:lvl2pPr>
+      <a:lvl3pPr marL="1143000" indent="-228600" algn="l" defTabSz="914400" rtl="0" eaLnBrk="1" latinLnBrk="0" hangingPunct="1">
+        <a:lnSpc>
+          <a:spcPct val="90000"/>
+        </a:lnSpc>
+        <a:spcBef>
+          <a:spcPts val="500"/>
+        </a:spcBef>
+        <a:buFont typeface="Arial" panose="020B0604020202020204" pitchFamily="34" charset="0"/>
+        <a:buChar char="•"/>
+        <a:defRPr sz="2000" kern="1200">
+          <a:solidFill>
+            <a:schemeClr val="tx1"/>
+          </a:solidFill>
+          <a:latin typeface="+mn-lt"/>
+          <a:ea typeface="+mn-ea"/>
+          <a:cs typeface="+mn-cs"/>
+        </a:defRPr>
+      </a:lvl3pPr>
+      <a:lvl4pPr marL="1600200" indent="-228600" algn="l" defTabSz="914400" rtl="0" eaLnBrk="1" latinLnBrk="0" hangingPunct="1">
+        <a:lnSpc>
+          <a:spcPct val="90000"/>
+        </a:lnSpc>
+        <a:spcBef>
+          <a:spcPts val="500"/>
+        </a:spcBef>
+        <a:buFont typeface="Arial" panose="020B0604020202020204" pitchFamily="34" charset="0"/>
+        <a:buChar char="•"/>
+        <a:defRPr sz="1800" kern="1200">
+          <a:solidFill>
+            <a:schemeClr val="tx1"/>
+          </a:solidFill>
+          <a:latin typeface="+mn-lt"/>
+          <a:ea typeface="+mn-ea"/>
+          <a:cs typeface="+mn-cs"/>
+        </a:defRPr>
+      </a:lvl4pPr>
+      <a:lvl5pPr marL="2057400" indent="-228600" algn="l" defTabSz="914400" rtl="0" eaLnBrk="1" latinLnBrk="0" hangingPunct="1">
+        <a:lnSpc>
+          <a:spcPct val="90000"/>
+        </a:lnSpc>
+        <a:spcBef>
+          <a:spcPts val="500"/>
+        </a:spcBef>
+        <a:buFont typeface="Arial" panose="020B0604020202020204" pitchFamily="34" charset="0"/>
+        <a:buChar char="•"/>
+        <a:defRPr sz="1800" kern="1200">
+          <a:solidFill>
+            <a:schemeClr val="tx1"/>
+          </a:solidFill>
+          <a:latin typeface="+mn-lt"/>
+          <a:ea typeface="+mn-ea"/>
+          <a:cs typeface="+mn-cs"/>
+        </a:defRPr>
+      </a:lvl5pPr>
+      <a:lvl6pPr marL="2514600" indent="-228600" algn="l" defTabSz="914400" rtl="0" eaLnBrk="1" latinLnBrk="0" hangingPunct="1">
+        <a:lnSpc>
+          <a:spcPct val="90000"/>
+        </a:lnSpc>
+        <a:spcBef>
+          <a:spcPts val="500"/>
+        </a:spcBef>
+        <a:buFont typeface="Arial" panose="020B0604020202020204" pitchFamily="34" charset="0"/>
+        <a:buChar char="•"/>
+        <a:defRPr sz="1800" kern="1200">
+          <a:solidFill>
+            <a:schemeClr val="tx1"/>
+          </a:solidFill>
+          <a:latin typeface="+mn-lt"/>
+          <a:ea typeface="+mn-ea"/>
+          <a:cs typeface="+mn-cs"/>
+        </a:defRPr>
+      </a:lvl6pPr>
+      <a:lvl7pPr marL="2971800" indent="-228600" algn="l" defTabSz="914400" rtl="0" eaLnBrk="1" latinLnBrk="0" hangingPunct="1">
+        <a:lnSpc>
+          <a:spcPct val="90000"/>
+        </a:lnSpc>
+        <a:spcBef>
+          <a:spcPts val="500"/>
+        </a:spcBef>
+        <a:buFont typeface="Arial" panose="020B0604020202020204" pitchFamily="34" charset="0"/>
+        <a:buChar char="•"/>
+        <a:defRPr sz="1800" kern="1200">
+          <a:solidFill>
+            <a:schemeClr val="tx1"/>
+          </a:solidFill>
+          <a:latin typeface="+mn-lt"/>
+          <a:ea typeface="+mn-ea"/>
+          <a:cs typeface="+mn-cs"/>
+        </a:defRPr>
+      </a:lvl7pPr>
+      <a:lvl8pPr marL="3429000" indent="-228600" algn="l" defTabSz="914400" rtl="0" eaLnBrk="1" latinLnBrk="0" hangingPunct="1">
+        <a:lnSpc>
+          <a:spcPct val="90000"/>
+        </a:lnSpc>
+        <a:spcBef>
+          <a:spcPts val="500"/>
+        </a:spcBef>
+        <a:buFont typeface="Arial" panose="020B0604020202020204" pitchFamily="34" charset="0"/>
+        <a:buChar char="•"/>
+        <a:defRPr sz="1800" kern="1200">
+          <a:solidFill>
+            <a:schemeClr val="tx1"/>
+          </a:solidFill>
+          <a:latin typeface="+mn-lt"/>
+          <a:ea typeface="+mn-ea"/>
+          <a:cs typeface="+mn-cs"/>
+        </a:defRPr>
+      </a:lvl8pPr>
+      <a:lvl9pPr marL="3886200" indent="-228600" algn="l" defTabSz="914400" rtl="0" eaLnBrk="1" latinLnBrk="0" hangingPunct="1">
+        <a:lnSpc>
+          <a:spcPct val="90000"/>
+        </a:lnSpc>
+        <a:spcBef>
+          <a:spcPts val="500"/>
+        </a:spcBef>
+        <a:buFont typeface="Arial" panose="020B0604020202020204" pitchFamily="34" charset="0"/>
+        <a:buChar char="•"/>
+        <a:defRPr sz="1800" kern="1200">
+          <a:solidFill>
+            <a:schemeClr val="tx1"/>
+          </a:solidFill>
+          <a:latin typeface="+mn-lt"/>
+          <a:ea typeface="+mn-ea"/>
+          <a:cs typeface="+mn-cs"/>
+        </a:defRPr>
+      </a:lvl9pPr>
+    </p:bodyStyle>
+    <p:otherStyle>
+      <a:defPPr>
+        <a:defRPr lang="en-US"/>
+      </a:defPPr>
+      <a:lvl1pPr marL="0" algn="l" defTabSz="914400" rtl="0" eaLnBrk="1" latinLnBrk="0" hangingPunct="1">
+        <a:defRPr sz="1800" kern="1200">
+          <a:solidFill>
+            <a:schemeClr val="tx1"/>
+          </a:solidFill>
+          <a:latin typeface="+mn-lt"/>
+          <a:ea typeface="+mn-ea"/>
+          <a:cs typeface="+mn-cs"/>
+        </a:defRPr>
+      </a:lvl1pPr>
+      <a:lvl2pPr marL="457200" algn="l" defTabSz="914400" rtl="0" eaLnBrk="1" latinLnBrk="0" hangingPunct="1">
+        <a:defRPr sz="1800" kern="1200">
+          <a:solidFill>
+            <a:schemeClr val="tx1"/>
+          </a:solidFill>
+          <a:latin typeface="+mn-lt"/>
+          <a:ea typeface="+mn-ea"/>
+          <a:cs typeface="+mn-cs"/>
+        </a:defRPr>
+      </a:lvl2pPr>
+      <a:lvl3pPr marL="914400" algn="l" defTabSz="914400" rtl="0" eaLnBrk="1" latinLnBrk="0" hangingPunct="1">
+        <a:defRPr sz="1800" kern="1200">
+          <a:solidFill>
+            <a:schemeClr val="tx1"/>
+          </a:solidFill>
+          <a:latin typeface="+mn-lt"/>
+          <a:ea typeface="+mn-ea"/>
+          <a:cs typeface="+mn-cs"/>
+        </a:defRPr>
+      </a:lvl3pPr>
+      <a:lvl4pPr marL="1371600" algn="l" defTabSz="914400" rtl="0" eaLnBrk="1" latinLnBrk="0" hangingPunct="1">
+        <a:defRPr sz="1800" kern="1200">
+          <a:solidFill>
+            <a:schemeClr val="tx1"/>
+          </a:solidFill>
+          <a:latin typeface="+mn-lt"/>
+          <a:ea typeface="+mn-ea"/>
+          <a:cs typeface="+mn-cs"/>
+        </a:defRPr>
+      </a:lvl4pPr>
+      <a:lvl5pPr marL="1828800" algn="l" defTabSz="914400" rtl="0" eaLnBrk="1" latinLnBrk="0" hangingPunct="1">
+        <a:defRPr sz="1800" kern="1200">
+          <a:solidFill>
+            <a:schemeClr val="tx1"/>
+          </a:solidFill>
+          <a:latin typeface="+mn-lt"/>
+          <a:ea typeface="+mn-ea"/>
+          <a:cs typeface="+mn-cs"/>
+        </a:defRPr>
+      </a:lvl5pPr>
+      <a:lvl6pPr marL="2286000" algn="l" defTabSz="914400" rtl="0" eaLnBrk="1" latinLnBrk="0" hangingPunct="1">
+        <a:defRPr sz="1800" kern="1200">
+          <a:solidFill>
+            <a:schemeClr val="tx1"/>
+          </a:solidFill>
+          <a:latin typeface="+mn-lt"/>
+          <a:ea typeface="+mn-ea"/>
+          <a:cs typeface="+mn-cs"/>
+        </a:defRPr>
+      </a:lvl6pPr>
+      <a:lvl7pPr marL="2743200" algn="l" defTabSz="914400" rtl="0" eaLnBrk="1" latinLnBrk="0" hangingPunct="1">
+        <a:defRPr sz="1800" kern="1200">
+          <a:solidFill>
+            <a:schemeClr val="tx1"/>
+          </a:solidFill>
+          <a:latin typeface="+mn-lt"/>
+          <a:ea typeface="+mn-ea"/>
+          <a:cs typeface="+mn-cs"/>
+        </a:defRPr>
+      </a:lvl7pPr>
+      <a:lvl8pPr marL="3200400" algn="l" defTabSz="914400" rtl="0" eaLnBrk="1" latinLnBrk="0" hangingPunct="1">
+        <a:defRPr sz="1800" kern="1200">
+          <a:solidFill>
+            <a:schemeClr val="tx1"/>
+          </a:solidFill>
+          <a:latin typeface="+mn-lt"/>
+          <a:ea typeface="+mn-ea"/>
+          <a:cs typeface="+mn-cs"/>
+        </a:defRPr>
+      </a:lvl8pPr>
+      <a:lvl9pPr marL="3657600" algn="l" defTabSz="914400" rtl="0" eaLnBrk="1" latinLnBrk="0" hangingPunct="1">
+        <a:defRPr sz="1800" kern="1200">
+          <a:solidFill>
+            <a:schemeClr val="tx1"/>
+          </a:solidFill>
+          <a:latin typeface="+mn-lt"/>
+          <a:ea typeface="+mn-ea"/>
+          <a:cs typeface="+mn-cs"/>
+        </a:defRPr>
+      </a:lvl9pPr>
+    </p:otherStyle>
+  </p:txStyles>
 </p:sldMaster>
 </file>
 
 <file path=ppt/slideMasters/slideMaster2.xml><?xml version="1.0" encoding="utf-8"?>
-<p:sldMaster xmlns:a="http://schemas.openxmlformats.org/drawingml/2006/main" xmlns:p="http://schemas.openxmlformats.org/presentationml/2006/main" xmlns:r="http://schemas.openxmlformats.org/officeDocument/2006/relationships">
+<p:sldMaster xmlns:a="http://schemas.openxmlformats.org/drawingml/2006/main" xmlns:r="http://schemas.openxmlformats.org/officeDocument/2006/relationships" xmlns:p="http://schemas.openxmlformats.org/presentationml/2006/main">
   <p:cSld>
     <p:bg>
       <p:bgPr>
         <a:solidFill>
-          <a:srgbClr val="ffffff"/>
+          <a:srgbClr val="FFFFFF"/>
         </a:solidFill>
+        <a:effectLst/>
       </p:bgPr>
     </p:bg>
     <p:spTree>
@@ -3059,7 +3701,8 @@
           </a:prstGeom>
         </p:spPr>
         <p:txBody>
-          <a:bodyPr lIns="0" rIns="0" tIns="0" bIns="0" anchor="ctr"/>
+          <a:bodyPr lIns="0" tIns="0" rIns="0" bIns="0" anchor="ctr"/>
+          <a:lstStyle/>
           <a:p>
             <a:r>
               <a:rPr lang="en-US" sz="1400">
@@ -3091,7 +3734,8 @@
           </a:prstGeom>
         </p:spPr>
         <p:txBody>
-          <a:bodyPr lIns="0" rIns="0" tIns="0" bIns="0"/>
+          <a:bodyPr lIns="0" tIns="0" rIns="0" bIns="0"/>
+          <a:lstStyle/>
           <a:p>
             <a:pPr>
               <a:buSzPct val="45000"/>
@@ -3213,6 +3857,7 @@
         </p:spPr>
         <p:txBody>
           <a:bodyPr tIns="91440" bIns="91440" anchor="ctr"/>
+          <a:lstStyle/>
           <a:p>
             <a:endParaRPr/>
           </a:p>
@@ -3239,6 +3884,7 @@
         </p:spPr>
         <p:txBody>
           <a:bodyPr tIns="91440" bIns="91440" anchor="ctr"/>
+          <a:lstStyle/>
           <a:p>
             <a:endParaRPr/>
           </a:p>
@@ -3265,6 +3911,7 @@
         </p:spPr>
         <p:txBody>
           <a:bodyPr anchor="ctr"/>
+          <a:lstStyle/>
           <a:p>
             <a:pPr algn="r">
               <a:lnSpc>
@@ -3272,14 +3919,14 @@
               </a:lnSpc>
             </a:pPr>
             <a:fld id="{5B2F828D-79A6-44A9-8EA4-2D960FF899A4}" type="slidenum">
-              <a:rPr b="1" lang="en-US" sz="1600">
+              <a:rPr lang="en-US" sz="1600" b="1">
                 <a:solidFill>
                   <a:srgbClr val="888888"/>
                 </a:solidFill>
                 <a:latin typeface="Calibri"/>
                 <a:ea typeface="Calibri"/>
               </a:rPr>
-              <a:t>&lt;number&gt;</a:t>
+              <a:t>‹#›</a:t>
             </a:fld>
             <a:endParaRPr/>
           </a:p>
@@ -3287,26 +3934,306 @@
       </p:sp>
     </p:spTree>
   </p:cSld>
-  <p:clrMap bg1="lt1" bg2="lt2" tx1="dk1" tx2="dk2" accent1="accent1" accent2="accent2" accent3="accent3" accent4="accent4" accent5="accent5" accent6="accent6" hlink="hlink" folHlink="folHlink"/>
+  <p:clrMap bg1="lt1" tx1="dk1" bg2="lt2" tx2="dk2" accent1="accent1" accent2="accent2" accent3="accent3" accent4="accent4" accent5="accent5" accent6="accent6" hlink="hlink" folHlink="folHlink"/>
   <p:sldLayoutIdLst>
-    <p:sldLayoutId id="2147483662" r:id="rId2"/>
-    <p:sldLayoutId id="2147483663" r:id="rId3"/>
-    <p:sldLayoutId id="2147483664" r:id="rId4"/>
-    <p:sldLayoutId id="2147483665" r:id="rId5"/>
-    <p:sldLayoutId id="2147483666" r:id="rId6"/>
-    <p:sldLayoutId id="2147483667" r:id="rId7"/>
-    <p:sldLayoutId id="2147483668" r:id="rId8"/>
-    <p:sldLayoutId id="2147483669" r:id="rId9"/>
-    <p:sldLayoutId id="2147483670" r:id="rId10"/>
-    <p:sldLayoutId id="2147483671" r:id="rId11"/>
-    <p:sldLayoutId id="2147483672" r:id="rId12"/>
-    <p:sldLayoutId id="2147483673" r:id="rId13"/>
+    <p:sldLayoutId id="2147483662" r:id="rId1"/>
+    <p:sldLayoutId id="2147483663" r:id="rId2"/>
+    <p:sldLayoutId id="2147483664" r:id="rId3"/>
+    <p:sldLayoutId id="2147483665" r:id="rId4"/>
+    <p:sldLayoutId id="2147483666" r:id="rId5"/>
+    <p:sldLayoutId id="2147483667" r:id="rId6"/>
+    <p:sldLayoutId id="2147483668" r:id="rId7"/>
+    <p:sldLayoutId id="2147483669" r:id="rId8"/>
+    <p:sldLayoutId id="2147483670" r:id="rId9"/>
+    <p:sldLayoutId id="2147483671" r:id="rId10"/>
+    <p:sldLayoutId id="2147483672" r:id="rId11"/>
+    <p:sldLayoutId id="2147483673" r:id="rId12"/>
   </p:sldLayoutIdLst>
+  <p:txStyles>
+    <p:titleStyle>
+      <a:lvl1pPr algn="l" defTabSz="914400" rtl="0" eaLnBrk="1" latinLnBrk="0" hangingPunct="1">
+        <a:lnSpc>
+          <a:spcPct val="90000"/>
+        </a:lnSpc>
+        <a:spcBef>
+          <a:spcPct val="0"/>
+        </a:spcBef>
+        <a:buNone/>
+        <a:defRPr sz="4400" kern="1200">
+          <a:solidFill>
+            <a:schemeClr val="tx1"/>
+          </a:solidFill>
+          <a:latin typeface="+mj-lt"/>
+          <a:ea typeface="+mj-ea"/>
+          <a:cs typeface="+mj-cs"/>
+        </a:defRPr>
+      </a:lvl1pPr>
+    </p:titleStyle>
+    <p:bodyStyle>
+      <a:lvl1pPr marL="228600" indent="-228600" algn="l" defTabSz="914400" rtl="0" eaLnBrk="1" latinLnBrk="0" hangingPunct="1">
+        <a:lnSpc>
+          <a:spcPct val="90000"/>
+        </a:lnSpc>
+        <a:spcBef>
+          <a:spcPts val="1000"/>
+        </a:spcBef>
+        <a:buFont typeface="Arial" panose="020B0604020202020204" pitchFamily="34" charset="0"/>
+        <a:buChar char="•"/>
+        <a:defRPr sz="2800" kern="1200">
+          <a:solidFill>
+            <a:schemeClr val="tx1"/>
+          </a:solidFill>
+          <a:latin typeface="+mn-lt"/>
+          <a:ea typeface="+mn-ea"/>
+          <a:cs typeface="+mn-cs"/>
+        </a:defRPr>
+      </a:lvl1pPr>
+      <a:lvl2pPr marL="685800" indent="-228600" algn="l" defTabSz="914400" rtl="0" eaLnBrk="1" latinLnBrk="0" hangingPunct="1">
+        <a:lnSpc>
+          <a:spcPct val="90000"/>
+        </a:lnSpc>
+        <a:spcBef>
+          <a:spcPts val="500"/>
+        </a:spcBef>
+        <a:buFont typeface="Arial" panose="020B0604020202020204" pitchFamily="34" charset="0"/>
+        <a:buChar char="•"/>
+        <a:defRPr sz="2400" kern="1200">
+          <a:solidFill>
+            <a:schemeClr val="tx1"/>
+          </a:solidFill>
+          <a:latin typeface="+mn-lt"/>
+          <a:ea typeface="+mn-ea"/>
+          <a:cs typeface="+mn-cs"/>
+        </a:defRPr>
+      </a:lvl2pPr>
+      <a:lvl3pPr marL="1143000" indent="-228600" algn="l" defTabSz="914400" rtl="0" eaLnBrk="1" latinLnBrk="0" hangingPunct="1">
+        <a:lnSpc>
+          <a:spcPct val="90000"/>
+        </a:lnSpc>
+        <a:spcBef>
+          <a:spcPts val="500"/>
+        </a:spcBef>
+        <a:buFont typeface="Arial" panose="020B0604020202020204" pitchFamily="34" charset="0"/>
+        <a:buChar char="•"/>
+        <a:defRPr sz="2000" kern="1200">
+          <a:solidFill>
+            <a:schemeClr val="tx1"/>
+          </a:solidFill>
+          <a:latin typeface="+mn-lt"/>
+          <a:ea typeface="+mn-ea"/>
+          <a:cs typeface="+mn-cs"/>
+        </a:defRPr>
+      </a:lvl3pPr>
+      <a:lvl4pPr marL="1600200" indent="-228600" algn="l" defTabSz="914400" rtl="0" eaLnBrk="1" latinLnBrk="0" hangingPunct="1">
+        <a:lnSpc>
+          <a:spcPct val="90000"/>
+        </a:lnSpc>
+        <a:spcBef>
+          <a:spcPts val="500"/>
+        </a:spcBef>
+        <a:buFont typeface="Arial" panose="020B0604020202020204" pitchFamily="34" charset="0"/>
+        <a:buChar char="•"/>
+        <a:defRPr sz="1800" kern="1200">
+          <a:solidFill>
+            <a:schemeClr val="tx1"/>
+          </a:solidFill>
+          <a:latin typeface="+mn-lt"/>
+          <a:ea typeface="+mn-ea"/>
+          <a:cs typeface="+mn-cs"/>
+        </a:defRPr>
+      </a:lvl4pPr>
+      <a:lvl5pPr marL="2057400" indent="-228600" algn="l" defTabSz="914400" rtl="0" eaLnBrk="1" latinLnBrk="0" hangingPunct="1">
+        <a:lnSpc>
+          <a:spcPct val="90000"/>
+        </a:lnSpc>
+        <a:spcBef>
+          <a:spcPts val="500"/>
+        </a:spcBef>
+        <a:buFont typeface="Arial" panose="020B0604020202020204" pitchFamily="34" charset="0"/>
+        <a:buChar char="•"/>
+        <a:defRPr sz="1800" kern="1200">
+          <a:solidFill>
+            <a:schemeClr val="tx1"/>
+          </a:solidFill>
+          <a:latin typeface="+mn-lt"/>
+          <a:ea typeface="+mn-ea"/>
+          <a:cs typeface="+mn-cs"/>
+        </a:defRPr>
+      </a:lvl5pPr>
+      <a:lvl6pPr marL="2514600" indent="-228600" algn="l" defTabSz="914400" rtl="0" eaLnBrk="1" latinLnBrk="0" hangingPunct="1">
+        <a:lnSpc>
+          <a:spcPct val="90000"/>
+        </a:lnSpc>
+        <a:spcBef>
+          <a:spcPts val="500"/>
+        </a:spcBef>
+        <a:buFont typeface="Arial" panose="020B0604020202020204" pitchFamily="34" charset="0"/>
+        <a:buChar char="•"/>
+        <a:defRPr sz="1800" kern="1200">
+          <a:solidFill>
+            <a:schemeClr val="tx1"/>
+          </a:solidFill>
+          <a:latin typeface="+mn-lt"/>
+          <a:ea typeface="+mn-ea"/>
+          <a:cs typeface="+mn-cs"/>
+        </a:defRPr>
+      </a:lvl6pPr>
+      <a:lvl7pPr marL="2971800" indent="-228600" algn="l" defTabSz="914400" rtl="0" eaLnBrk="1" latinLnBrk="0" hangingPunct="1">
+        <a:lnSpc>
+          <a:spcPct val="90000"/>
+        </a:lnSpc>
+        <a:spcBef>
+          <a:spcPts val="500"/>
+        </a:spcBef>
+        <a:buFont typeface="Arial" panose="020B0604020202020204" pitchFamily="34" charset="0"/>
+        <a:buChar char="•"/>
+        <a:defRPr sz="1800" kern="1200">
+          <a:solidFill>
+            <a:schemeClr val="tx1"/>
+          </a:solidFill>
+          <a:latin typeface="+mn-lt"/>
+          <a:ea typeface="+mn-ea"/>
+          <a:cs typeface="+mn-cs"/>
+        </a:defRPr>
+      </a:lvl7pPr>
+      <a:lvl8pPr marL="3429000" indent="-228600" algn="l" defTabSz="914400" rtl="0" eaLnBrk="1" latinLnBrk="0" hangingPunct="1">
+        <a:lnSpc>
+          <a:spcPct val="90000"/>
+        </a:lnSpc>
+        <a:spcBef>
+          <a:spcPts val="500"/>
+        </a:spcBef>
+        <a:buFont typeface="Arial" panose="020B0604020202020204" pitchFamily="34" charset="0"/>
+        <a:buChar char="•"/>
+        <a:defRPr sz="1800" kern="1200">
+          <a:solidFill>
+            <a:schemeClr val="tx1"/>
+          </a:solidFill>
+          <a:latin typeface="+mn-lt"/>
+          <a:ea typeface="+mn-ea"/>
+          <a:cs typeface="+mn-cs"/>
+        </a:defRPr>
+      </a:lvl8pPr>
+      <a:lvl9pPr marL="3886200" indent="-228600" algn="l" defTabSz="914400" rtl="0" eaLnBrk="1" latinLnBrk="0" hangingPunct="1">
+        <a:lnSpc>
+          <a:spcPct val="90000"/>
+        </a:lnSpc>
+        <a:spcBef>
+          <a:spcPts val="500"/>
+        </a:spcBef>
+        <a:buFont typeface="Arial" panose="020B0604020202020204" pitchFamily="34" charset="0"/>
+        <a:buChar char="•"/>
+        <a:defRPr sz="1800" kern="1200">
+          <a:solidFill>
+            <a:schemeClr val="tx1"/>
+          </a:solidFill>
+          <a:latin typeface="+mn-lt"/>
+          <a:ea typeface="+mn-ea"/>
+          <a:cs typeface="+mn-cs"/>
+        </a:defRPr>
+      </a:lvl9pPr>
+    </p:bodyStyle>
+    <p:otherStyle>
+      <a:defPPr>
+        <a:defRPr lang="en-US"/>
+      </a:defPPr>
+      <a:lvl1pPr marL="0" algn="l" defTabSz="914400" rtl="0" eaLnBrk="1" latinLnBrk="0" hangingPunct="1">
+        <a:defRPr sz="1800" kern="1200">
+          <a:solidFill>
+            <a:schemeClr val="tx1"/>
+          </a:solidFill>
+          <a:latin typeface="+mn-lt"/>
+          <a:ea typeface="+mn-ea"/>
+          <a:cs typeface="+mn-cs"/>
+        </a:defRPr>
+      </a:lvl1pPr>
+      <a:lvl2pPr marL="457200" algn="l" defTabSz="914400" rtl="0" eaLnBrk="1" latinLnBrk="0" hangingPunct="1">
+        <a:defRPr sz="1800" kern="1200">
+          <a:solidFill>
+            <a:schemeClr val="tx1"/>
+          </a:solidFill>
+          <a:latin typeface="+mn-lt"/>
+          <a:ea typeface="+mn-ea"/>
+          <a:cs typeface="+mn-cs"/>
+        </a:defRPr>
+      </a:lvl2pPr>
+      <a:lvl3pPr marL="914400" algn="l" defTabSz="914400" rtl="0" eaLnBrk="1" latinLnBrk="0" hangingPunct="1">
+        <a:defRPr sz="1800" kern="1200">
+          <a:solidFill>
+            <a:schemeClr val="tx1"/>
+          </a:solidFill>
+          <a:latin typeface="+mn-lt"/>
+          <a:ea typeface="+mn-ea"/>
+          <a:cs typeface="+mn-cs"/>
+        </a:defRPr>
+      </a:lvl3pPr>
+      <a:lvl4pPr marL="1371600" algn="l" defTabSz="914400" rtl="0" eaLnBrk="1" latinLnBrk="0" hangingPunct="1">
+        <a:defRPr sz="1800" kern="1200">
+          <a:solidFill>
+            <a:schemeClr val="tx1"/>
+          </a:solidFill>
+          <a:latin typeface="+mn-lt"/>
+          <a:ea typeface="+mn-ea"/>
+          <a:cs typeface="+mn-cs"/>
+        </a:defRPr>
+      </a:lvl4pPr>
+      <a:lvl5pPr marL="1828800" algn="l" defTabSz="914400" rtl="0" eaLnBrk="1" latinLnBrk="0" hangingPunct="1">
+        <a:defRPr sz="1800" kern="1200">
+          <a:solidFill>
+            <a:schemeClr val="tx1"/>
+          </a:solidFill>
+          <a:latin typeface="+mn-lt"/>
+          <a:ea typeface="+mn-ea"/>
+          <a:cs typeface="+mn-cs"/>
+        </a:defRPr>
+      </a:lvl5pPr>
+      <a:lvl6pPr marL="2286000" algn="l" defTabSz="914400" rtl="0" eaLnBrk="1" latinLnBrk="0" hangingPunct="1">
+        <a:defRPr sz="1800" kern="1200">
+          <a:solidFill>
+            <a:schemeClr val="tx1"/>
+          </a:solidFill>
+          <a:latin typeface="+mn-lt"/>
+          <a:ea typeface="+mn-ea"/>
+          <a:cs typeface="+mn-cs"/>
+        </a:defRPr>
+      </a:lvl6pPr>
+      <a:lvl7pPr marL="2743200" algn="l" defTabSz="914400" rtl="0" eaLnBrk="1" latinLnBrk="0" hangingPunct="1">
+        <a:defRPr sz="1800" kern="1200">
+          <a:solidFill>
+            <a:schemeClr val="tx1"/>
+          </a:solidFill>
+          <a:latin typeface="+mn-lt"/>
+          <a:ea typeface="+mn-ea"/>
+          <a:cs typeface="+mn-cs"/>
+        </a:defRPr>
+      </a:lvl7pPr>
+      <a:lvl8pPr marL="3200400" algn="l" defTabSz="914400" rtl="0" eaLnBrk="1" latinLnBrk="0" hangingPunct="1">
+        <a:defRPr sz="1800" kern="1200">
+          <a:solidFill>
+            <a:schemeClr val="tx1"/>
+          </a:solidFill>
+          <a:latin typeface="+mn-lt"/>
+          <a:ea typeface="+mn-ea"/>
+          <a:cs typeface="+mn-cs"/>
+        </a:defRPr>
+      </a:lvl8pPr>
+      <a:lvl9pPr marL="3657600" algn="l" defTabSz="914400" rtl="0" eaLnBrk="1" latinLnBrk="0" hangingPunct="1">
+        <a:defRPr sz="1800" kern="1200">
+          <a:solidFill>
+            <a:schemeClr val="tx1"/>
+          </a:solidFill>
+          <a:latin typeface="+mn-lt"/>
+          <a:ea typeface="+mn-ea"/>
+          <a:cs typeface="+mn-cs"/>
+        </a:defRPr>
+      </a:lvl9pPr>
+    </p:otherStyle>
+  </p:txStyles>
 </p:sldMaster>
 </file>
 
 <file path=ppt/slides/slide1.xml><?xml version="1.0" encoding="utf-8"?>
-<p:sld xmlns:a="http://schemas.openxmlformats.org/drawingml/2006/main" xmlns:p="http://schemas.openxmlformats.org/presentationml/2006/main" xmlns:r="http://schemas.openxmlformats.org/officeDocument/2006/relationships">
+<p:sld xmlns:a="http://schemas.openxmlformats.org/drawingml/2006/main" xmlns:r="http://schemas.openxmlformats.org/officeDocument/2006/relationships" xmlns:p="http://schemas.openxmlformats.org/presentationml/2006/main">
   <p:cSld>
     <p:spTree>
       <p:nvGrpSpPr>
@@ -3339,6 +4266,7 @@
         </p:spPr>
         <p:txBody>
           <a:bodyPr anchor="ctr"/>
+          <a:lstStyle/>
           <a:p>
             <a:pPr algn="r">
               <a:lnSpc>
@@ -3346,14 +4274,14 @@
               </a:lnSpc>
             </a:pPr>
             <a:fld id="{550ADBA7-6239-46C2-AE89-B05B98B76273}" type="slidenum">
-              <a:rPr b="1" lang="en-US" sz="1600">
+              <a:rPr lang="en-US" sz="1600" b="1">
                 <a:solidFill>
                   <a:srgbClr val="888888"/>
                 </a:solidFill>
                 <a:latin typeface="Calibri"/>
                 <a:ea typeface="Calibri"/>
               </a:rPr>
-              <a:t>&lt;number&gt;</a:t>
+              <a:t>1</a:t>
             </a:fld>
             <a:endParaRPr/>
           </a:p>
@@ -3376,6 +4304,7 @@
         </p:spPr>
         <p:txBody>
           <a:bodyPr anchor="ctr"/>
+          <a:lstStyle/>
           <a:p>
             <a:pPr algn="ctr">
               <a:lnSpc>
@@ -3385,7 +4314,7 @@
             <a:r>
               <a:rPr lang="en-US" sz="3200">
                 <a:solidFill>
-                  <a:srgbClr val="0000ff"/>
+                  <a:srgbClr val="0000FF"/>
                 </a:solidFill>
                 <a:latin typeface="Calibri"/>
                 <a:ea typeface="Calibri"/>
@@ -3396,7 +4325,7 @@
             <a:r>
               <a:rPr lang="en-US" sz="2400">
                 <a:solidFill>
-                  <a:srgbClr val="0000ff"/>
+                  <a:srgbClr val="0000FF"/>
                 </a:solidFill>
                 <a:latin typeface="Calibri"/>
                 <a:ea typeface="Calibri"/>
@@ -3406,39 +4335,18 @@
             <a:r>
               <a:rPr lang="en-US" sz="3200">
                 <a:solidFill>
-                  <a:srgbClr val="0000ff"/>
+                  <a:srgbClr val="0000FF"/>
                 </a:solidFill>
                 <a:latin typeface="Calibri"/>
                 <a:ea typeface="Calibri"/>
               </a:rPr>
               <a:t>
-</a:t>
-            </a:r>
-            <a:r>
-              <a:rPr lang="en-US" sz="3200">
-                <a:solidFill>
-                  <a:srgbClr val="0000ff"/>
-                </a:solidFill>
-                <a:latin typeface="Calibri"/>
-                <a:ea typeface="Calibri"/>
-              </a:rPr>
-              <a:t> SciDB for MovieLens Ratings Data</a:t>
-            </a:r>
-            <a:r>
-              <a:rPr b="1" lang="en-US" sz="3200">
-                <a:solidFill>
-                  <a:srgbClr val="0000ff"/>
-                </a:solidFill>
-                <a:latin typeface="Calibri"/>
-                <a:ea typeface="Calibri"/>
-              </a:rPr>
-              <a:t>
-</a:t>
-            </a:r>
-            <a:r>
-              <a:rPr b="1" lang="en-US" sz="3200">
-                <a:solidFill>
-                  <a:srgbClr val="0000ff"/>
+ SciDB for MovieLens Ratings Data</a:t>
+            </a:r>
+            <a:r>
+              <a:rPr lang="en-US" sz="3200" b="1">
+                <a:solidFill>
+                  <a:srgbClr val="0000FF"/>
                 </a:solidFill>
                 <a:latin typeface="Calibri"/>
                 <a:ea typeface="Calibri"/>
@@ -3467,6 +4375,7 @@
         </p:spPr>
         <p:txBody>
           <a:bodyPr/>
+          <a:lstStyle/>
           <a:p>
             <a:pPr algn="ctr">
               <a:lnSpc>
@@ -3474,9 +4383,9 @@
               </a:lnSpc>
             </a:pPr>
             <a:r>
-              <a:rPr b="1" lang="en-US" sz="2400">
-                <a:solidFill>
-                  <a:srgbClr val="17365d"/>
+              <a:rPr lang="en-US" sz="2400" b="1">
+                <a:solidFill>
+                  <a:srgbClr val="17365D"/>
                 </a:solidFill>
                 <a:latin typeface="Calibri"/>
                 <a:ea typeface="Calibri"/>
@@ -3486,7 +4395,7 @@
             <a:r>
               <a:rPr lang="en-US" sz="2400">
                 <a:solidFill>
-                  <a:srgbClr val="17365d"/>
+                  <a:srgbClr val="17365D"/>
                 </a:solidFill>
                 <a:latin typeface="Calibri"/>
                 <a:ea typeface="Calibri"/>
@@ -3512,7 +4421,7 @@
               </a:lnSpc>
             </a:pPr>
             <a:r>
-              <a:rPr b="1" lang="en-US" sz="2400">
+              <a:rPr lang="en-US" sz="2400" b="1">
                 <a:solidFill>
                   <a:srgbClr val="494429"/>
                 </a:solidFill>
@@ -3552,6 +4461,7 @@
         </p:spPr>
         <p:txBody>
           <a:bodyPr anchor="ctr"/>
+          <a:lstStyle/>
           <a:p>
             <a:pPr algn="ctr">
               <a:lnSpc>
@@ -3574,12 +4484,12 @@
       </p:sp>
       <p:pic>
         <p:nvPicPr>
-          <p:cNvPr id="87" name="Shape 102" descr=""/>
+          <p:cNvPr id="87" name="Shape 102"/>
           <p:cNvPicPr/>
           <p:nvPr/>
         </p:nvPicPr>
         <p:blipFill>
-          <a:blip r:embed="rId1"/>
+          <a:blip r:embed="rId3"/>
           <a:stretch>
             <a:fillRect/>
           </a:stretch>
@@ -3618,6 +4528,7 @@
         </p:spPr>
         <p:txBody>
           <a:bodyPr/>
+          <a:lstStyle/>
           <a:p>
             <a:pPr algn="ctr">
               <a:lnSpc>
@@ -3643,7 +4554,7 @@
               </a:lnSpc>
             </a:pPr>
             <a:r>
-              <a:rPr b="1" lang="en-US">
+              <a:rPr lang="en-US" b="1">
                 <a:solidFill>
                   <a:srgbClr val="494429"/>
                 </a:solidFill>
@@ -3684,6 +4595,9 @@
       </p:sp>
     </p:spTree>
   </p:cSld>
+  <p:clrMapOvr>
+    <a:masterClrMapping/>
+  </p:clrMapOvr>
   <p:timing>
     <p:tnLst>
       <p:par>
@@ -3692,14 +4606,14 @@
             <p:seq>
               <p:cTn id="2" nodeType="mainSeq"/>
               <p:prevCondLst>
-                <p:cond delay="0" evt="onPrev">
+                <p:cond evt="onPrev" delay="0">
                   <p:tgtEl>
                     <p:sldTgt/>
                   </p:tgtEl>
                 </p:cond>
               </p:prevCondLst>
               <p:nextCondLst>
-                <p:cond delay="0" evt="onNext">
+                <p:cond evt="onNext" delay="0">
                   <p:tgtEl>
                     <p:sldTgt/>
                   </p:tgtEl>
@@ -3715,7 +4629,7 @@
 </file>
 
 <file path=ppt/slides/slide10.xml><?xml version="1.0" encoding="utf-8"?>
-<p:sld xmlns:a="http://schemas.openxmlformats.org/drawingml/2006/main" xmlns:p="http://schemas.openxmlformats.org/presentationml/2006/main" xmlns:r="http://schemas.openxmlformats.org/officeDocument/2006/relationships">
+<p:sld xmlns:a="http://schemas.openxmlformats.org/drawingml/2006/main" xmlns:r="http://schemas.openxmlformats.org/officeDocument/2006/relationships" xmlns:p="http://schemas.openxmlformats.org/presentationml/2006/main">
   <p:cSld>
     <p:spTree>
       <p:nvGrpSpPr>
@@ -3748,6 +4662,7 @@
         </p:spPr>
         <p:txBody>
           <a:bodyPr anchor="ctr"/>
+          <a:lstStyle/>
           <a:p>
             <a:pPr algn="ctr">
               <a:lnSpc>
@@ -3757,7 +4672,7 @@
             <a:r>
               <a:rPr lang="en-US" sz="3200">
                 <a:solidFill>
-                  <a:srgbClr val="0070c0"/>
+                  <a:srgbClr val="0070C0"/>
                 </a:solidFill>
                 <a:latin typeface="Calibri"/>
                 <a:ea typeface="Calibri"/>
@@ -3785,6 +4700,7 @@
         </p:spPr>
         <p:txBody>
           <a:bodyPr/>
+          <a:lstStyle/>
           <a:p>
             <a:pPr>
               <a:lnSpc>
@@ -3804,7 +4720,7 @@
               <a:t>Install </a:t>
             </a:r>
             <a:r>
-              <a:rPr i="1" lang="en-US">
+              <a:rPr lang="en-US" i="1">
                 <a:solidFill>
                   <a:srgbClr val="000000"/>
                 </a:solidFill>
@@ -3824,7 +4740,7 @@
               <a:buChar char="▪"/>
             </a:pPr>
             <a:r>
-              <a:rPr i="1" lang="en-US">
+              <a:rPr lang="en-US" i="1">
                 <a:solidFill>
                   <a:srgbClr val="000000"/>
                 </a:solidFill>
@@ -3864,7 +4780,7 @@
               <a:t>Will enable us to connect to </a:t>
             </a:r>
             <a:r>
-              <a:rPr i="1" lang="en-US">
+              <a:rPr lang="en-US" i="1">
                 <a:solidFill>
                   <a:srgbClr val="000000"/>
                 </a:solidFill>
@@ -3884,7 +4800,7 @@
               <a:t> (if the host IP is set as 127.0.0.1) and submit </a:t>
             </a:r>
             <a:r>
-              <a:rPr i="1" lang="en-US">
+              <a:rPr lang="en-US" i="1">
                 <a:solidFill>
                   <a:srgbClr val="000000"/>
                 </a:solidFill>
@@ -3914,7 +4830,7 @@
               <a:t>Will enable us to connect </a:t>
             </a:r>
             <a:r>
-              <a:rPr i="1" lang="en-US">
+              <a:rPr lang="en-US" i="1">
                 <a:solidFill>
                   <a:srgbClr val="000000"/>
                 </a:solidFill>
@@ -3956,7 +4872,7 @@
             <a:r>
               <a:rPr lang="en-US" u="sng">
                 <a:solidFill>
-                  <a:srgbClr val="0000ff"/>
+                  <a:srgbClr val="0000FF"/>
                 </a:solidFill>
                 <a:latin typeface="Calibri"/>
                 <a:ea typeface="Calibri"/>
@@ -3984,7 +4900,7 @@
               <a:t>Head to section “LD_LIBRARY_PATH issues” if a library linking error happens when trying to run </a:t>
             </a:r>
             <a:r>
-              <a:rPr i="1" lang="en-US">
+              <a:rPr lang="en-US" i="1">
                 <a:solidFill>
                   <a:srgbClr val="000000"/>
                 </a:solidFill>
@@ -4030,6 +4946,7 @@
         </p:spPr>
         <p:txBody>
           <a:bodyPr anchor="ctr"/>
+          <a:lstStyle/>
           <a:p>
             <a:pPr algn="ctr">
               <a:lnSpc>
@@ -4067,6 +4984,7 @@
         </p:spPr>
         <p:txBody>
           <a:bodyPr anchor="ctr"/>
+          <a:lstStyle/>
           <a:p>
             <a:pPr algn="r">
               <a:lnSpc>
@@ -4074,14 +4992,14 @@
               </a:lnSpc>
             </a:pPr>
             <a:fld id="{A2FA3F6F-3534-4228-A91A-D121FA66BF45}" type="slidenum">
-              <a:rPr b="1" lang="en-US" sz="1600">
+              <a:rPr lang="en-US" sz="1600" b="1">
                 <a:solidFill>
                   <a:srgbClr val="888888"/>
                 </a:solidFill>
                 <a:latin typeface="Calibri"/>
                 <a:ea typeface="Calibri"/>
               </a:rPr>
-              <a:t>&lt;number&gt;</a:t>
+              <a:t>10</a:t>
             </a:fld>
             <a:endParaRPr/>
           </a:p>
@@ -4089,22 +5007,25 @@
       </p:sp>
     </p:spTree>
   </p:cSld>
+  <p:clrMapOvr>
+    <a:masterClrMapping/>
+  </p:clrMapOvr>
   <p:timing>
     <p:tnLst>
       <p:par>
-        <p:cTn id="19" dur="indefinite" restart="never" nodeType="tmRoot">
+        <p:cTn id="1" dur="indefinite" restart="never" nodeType="tmRoot">
           <p:childTnLst>
             <p:seq>
-              <p:cTn id="20" nodeType="mainSeq"/>
+              <p:cTn id="2" nodeType="mainSeq"/>
               <p:prevCondLst>
-                <p:cond delay="0" evt="onPrev">
+                <p:cond evt="onPrev" delay="0">
                   <p:tgtEl>
                     <p:sldTgt/>
                   </p:tgtEl>
                 </p:cond>
               </p:prevCondLst>
               <p:nextCondLst>
-                <p:cond delay="0" evt="onNext">
+                <p:cond evt="onNext" delay="0">
                   <p:tgtEl>
                     <p:sldTgt/>
                   </p:tgtEl>
@@ -4120,7 +5041,7 @@
 </file>
 
 <file path=ppt/slides/slide11.xml><?xml version="1.0" encoding="utf-8"?>
-<p:sld xmlns:a="http://schemas.openxmlformats.org/drawingml/2006/main" xmlns:p="http://schemas.openxmlformats.org/presentationml/2006/main" xmlns:r="http://schemas.openxmlformats.org/officeDocument/2006/relationships">
+<p:sld xmlns:a="http://schemas.openxmlformats.org/drawingml/2006/main" xmlns:r="http://schemas.openxmlformats.org/officeDocument/2006/relationships" xmlns:p="http://schemas.openxmlformats.org/presentationml/2006/main">
   <p:cSld>
     <p:spTree>
       <p:nvGrpSpPr>
@@ -4153,6 +5074,7 @@
         </p:spPr>
         <p:txBody>
           <a:bodyPr anchor="ctr"/>
+          <a:lstStyle/>
           <a:p>
             <a:pPr algn="ctr">
               <a:lnSpc>
@@ -4162,7 +5084,7 @@
             <a:r>
               <a:rPr lang="en-US" sz="3200">
                 <a:solidFill>
-                  <a:srgbClr val="0070c0"/>
+                  <a:srgbClr val="0070C0"/>
                 </a:solidFill>
                 <a:latin typeface="Calibri"/>
                 <a:ea typeface="Calibri"/>
@@ -4190,6 +5112,7 @@
         </p:spPr>
         <p:txBody>
           <a:bodyPr/>
+          <a:lstStyle/>
           <a:p>
             <a:pPr>
               <a:lnSpc>
@@ -4199,16 +5122,26 @@
               <a:buChar char="▪"/>
             </a:pPr>
             <a:r>
-              <a:rPr lang="en-US">
-                <a:solidFill>
-                  <a:srgbClr val="000000"/>
-                </a:solidFill>
-                <a:latin typeface="Calibri"/>
-                <a:ea typeface="Calibri"/>
-              </a:rPr>
-              <a:t>The basic data structure in SciDB are arrays</a:t>
-            </a:r>
-            <a:endParaRPr/>
+              <a:rPr lang="en-US" sz="2300" dirty="0" err="1">
+                <a:solidFill>
+                  <a:srgbClr val="000000"/>
+                </a:solidFill>
+                <a:latin typeface="Calibri"/>
+                <a:ea typeface="Calibri"/>
+              </a:rPr>
+              <a:t>SciDB</a:t>
+            </a:r>
+            <a:r>
+              <a:rPr lang="en-US" sz="2300" dirty="0">
+                <a:solidFill>
+                  <a:srgbClr val="000000"/>
+                </a:solidFill>
+                <a:latin typeface="Calibri"/>
+                <a:ea typeface="Calibri"/>
+              </a:rPr>
+              <a:t> arrays are the basic data structure</a:t>
+            </a:r>
+            <a:endParaRPr sz="2300" dirty="0"/>
           </a:p>
           <a:p>
             <a:pPr>
@@ -4219,36 +5152,25 @@
               <a:buChar char="▪"/>
             </a:pPr>
             <a:r>
-              <a:rPr lang="en-US">
-                <a:solidFill>
-                  <a:srgbClr val="000000"/>
-                </a:solidFill>
-                <a:latin typeface="Calibri"/>
-                <a:ea typeface="Calibri"/>
-              </a:rPr>
-              <a:t>Arrays have dimensions and one or more attributes</a:t>
-            </a:r>
-            <a:r>
-              <a:rPr lang="en-US">
-                <a:solidFill>
-                  <a:srgbClr val="000000"/>
-                </a:solidFill>
-                <a:latin typeface="Calibri"/>
-                <a:ea typeface="Calibri"/>
-              </a:rPr>
-              <a:t>
-</a:t>
-            </a:r>
-            <a:endParaRPr/>
-          </a:p>
-          <a:p>
-            <a:pPr lvl="1">
+              <a:rPr lang="en-US" sz="2300" dirty="0">
+                <a:solidFill>
+                  <a:srgbClr val="000000"/>
+                </a:solidFill>
+                <a:latin typeface="Calibri"/>
+                <a:ea typeface="Calibri"/>
+              </a:rPr>
+              <a:t>Arrays have one or more dimensions, and one or more attributes</a:t>
+            </a:r>
+            <a:endParaRPr sz="2300" dirty="0"/>
+          </a:p>
+          <a:p>
+            <a:pPr marL="742950" lvl="1" indent="-285750">
               <a:buSzPct val="75000"/>
-              <a:buFont typeface="StarSymbol"/>
-              <a:buChar char=""/>
-            </a:pPr>
-            <a:r>
-              <a:rPr lang="en-US">
+              <a:buFont typeface="Courier New" panose="02070309020205020404" pitchFamily="49" charset="0"/>
+              <a:buChar char="o"/>
+            </a:pPr>
+            <a:r>
+              <a:rPr lang="en-US" sz="2200" dirty="0">
                 <a:solidFill>
                   <a:srgbClr val="000000"/>
                 </a:solidFill>
@@ -4257,16 +5179,16 @@
               </a:rPr>
               <a:t>Dimensions index the array cell</a:t>
             </a:r>
-            <a:endParaRPr/>
-          </a:p>
-          <a:p>
-            <a:pPr lvl="1">
+            <a:endParaRPr sz="2200" dirty="0"/>
+          </a:p>
+          <a:p>
+            <a:pPr marL="742950" lvl="1" indent="-285750">
               <a:buSzPct val="75000"/>
-              <a:buFont typeface="StarSymbol"/>
-              <a:buChar char=""/>
-            </a:pPr>
-            <a:r>
-              <a:rPr lang="en-US">
+              <a:buFont typeface="Courier New" panose="02070309020205020404" pitchFamily="49" charset="0"/>
+              <a:buChar char="o"/>
+            </a:pPr>
+            <a:r>
+              <a:rPr lang="en-US" sz="2200" dirty="0">
                 <a:solidFill>
                   <a:srgbClr val="000000"/>
                 </a:solidFill>
@@ -4275,135 +5197,111 @@
               </a:rPr>
               <a:t>Attributes store the data</a:t>
             </a:r>
-            <a:r>
-              <a:rPr lang="en-US">
-                <a:solidFill>
-                  <a:srgbClr val="000000"/>
-                </a:solidFill>
-                <a:latin typeface="Calibri"/>
-                <a:ea typeface="Calibri"/>
-              </a:rPr>
-              <a:t>
-</a:t>
-            </a:r>
-            <a:r>
-              <a:rPr lang="en-US">
-                <a:solidFill>
-                  <a:srgbClr val="000000"/>
-                </a:solidFill>
-                <a:latin typeface="Calibri"/>
-                <a:ea typeface="Calibri"/>
-              </a:rPr>
-              <a:t>
-</a:t>
-            </a:r>
-            <a:r>
-              <a:rPr lang="en-US">
-                <a:solidFill>
-                  <a:srgbClr val="000000"/>
-                </a:solidFill>
-                <a:latin typeface="Calibri"/>
-                <a:ea typeface="Calibri"/>
-              </a:rPr>
-              <a:t>
-</a:t>
-            </a:r>
-            <a:r>
-              <a:rPr lang="en-US">
-                <a:solidFill>
-                  <a:srgbClr val="000000"/>
-                </a:solidFill>
-                <a:latin typeface="Calibri"/>
-                <a:ea typeface="Calibri"/>
-              </a:rPr>
-              <a:t>&lt;show figure of 1D, 2D arrays&gt;</a:t>
-            </a:r>
-            <a:r>
-              <a:rPr lang="en-US">
-                <a:solidFill>
-                  <a:srgbClr val="000000"/>
-                </a:solidFill>
-                <a:latin typeface="Calibri"/>
-                <a:ea typeface="Calibri"/>
-              </a:rPr>
-              <a:t>
-</a:t>
-            </a:r>
-            <a:r>
-              <a:rPr lang="en-US">
-                <a:solidFill>
-                  <a:srgbClr val="000000"/>
-                </a:solidFill>
-                <a:latin typeface="Calibri"/>
-                <a:ea typeface="Calibri"/>
-              </a:rPr>
-              <a:t>
-</a:t>
-            </a:r>
-            <a:r>
-              <a:rPr lang="en-US">
-                <a:solidFill>
-                  <a:srgbClr val="000000"/>
-                </a:solidFill>
-                <a:latin typeface="Calibri"/>
-                <a:ea typeface="Calibri"/>
-              </a:rPr>
-              <a:t>
-</a:t>
-            </a:r>
-            <a:r>
-              <a:rPr lang="en-US">
-                <a:solidFill>
-                  <a:srgbClr val="000000"/>
-                </a:solidFill>
-                <a:latin typeface="Calibri"/>
-                <a:ea typeface="Calibri"/>
-              </a:rPr>
-              <a:t>
-</a:t>
-            </a:r>
-            <a:r>
-              <a:rPr lang="en-US">
-                <a:solidFill>
-                  <a:srgbClr val="000000"/>
-                </a:solidFill>
-                <a:latin typeface="Calibri"/>
-                <a:ea typeface="Calibri"/>
-              </a:rPr>
-              <a:t>
-</a:t>
-            </a:r>
-            <a:r>
-              <a:rPr lang="en-US">
-                <a:solidFill>
-                  <a:srgbClr val="000000"/>
-                </a:solidFill>
-                <a:latin typeface="Calibri"/>
-                <a:ea typeface="Calibri"/>
-              </a:rPr>
-              <a:t>
-</a:t>
-            </a:r>
-            <a:r>
-              <a:rPr lang="en-US">
-                <a:solidFill>
-                  <a:srgbClr val="000000"/>
-                </a:solidFill>
-                <a:latin typeface="Calibri"/>
-                <a:ea typeface="Calibri"/>
-              </a:rPr>
-              <a:t>
-</a:t>
-            </a:r>
-            <a:endParaRPr/>
-          </a:p>
-          <a:p>
-            <a:pPr>
-              <a:buFont typeface="Calibri"/>
-              <a:buChar char="▪"/>
-            </a:pPr>
-            <a:r>
-              <a:rPr lang="en-US">
+            <a:br>
+              <a:rPr lang="en-US" sz="2200" dirty="0">
+                <a:solidFill>
+                  <a:srgbClr val="000000"/>
+                </a:solidFill>
+                <a:latin typeface="Calibri"/>
+                <a:ea typeface="Calibri"/>
+              </a:rPr>
+            </a:br>
+            <a:br>
+              <a:rPr lang="en-US" sz="2200" dirty="0">
+                <a:solidFill>
+                  <a:srgbClr val="000000"/>
+                </a:solidFill>
+                <a:latin typeface="Calibri"/>
+                <a:ea typeface="Calibri"/>
+              </a:rPr>
+            </a:br>
+            <a:br>
+              <a:rPr lang="en-US" sz="2200" dirty="0">
+                <a:solidFill>
+                  <a:srgbClr val="000000"/>
+                </a:solidFill>
+                <a:latin typeface="Calibri"/>
+                <a:ea typeface="Calibri"/>
+              </a:rPr>
+            </a:br>
+            <a:br>
+              <a:rPr lang="en-US" sz="2200" dirty="0">
+                <a:solidFill>
+                  <a:srgbClr val="000000"/>
+                </a:solidFill>
+                <a:latin typeface="Calibri"/>
+                <a:ea typeface="Calibri"/>
+              </a:rPr>
+            </a:br>
+            <a:br>
+              <a:rPr lang="en-US" sz="2200" dirty="0">
+                <a:solidFill>
+                  <a:srgbClr val="000000"/>
+                </a:solidFill>
+                <a:latin typeface="Calibri"/>
+                <a:ea typeface="Calibri"/>
+              </a:rPr>
+            </a:br>
+            <a:br>
+              <a:rPr lang="en-US" sz="2200" dirty="0">
+                <a:solidFill>
+                  <a:srgbClr val="000000"/>
+                </a:solidFill>
+                <a:latin typeface="Calibri"/>
+                <a:ea typeface="Calibri"/>
+              </a:rPr>
+            </a:br>
+            <a:br>
+              <a:rPr lang="en-US" sz="2200" dirty="0">
+                <a:solidFill>
+                  <a:srgbClr val="000000"/>
+                </a:solidFill>
+                <a:latin typeface="Calibri"/>
+                <a:ea typeface="Calibri"/>
+              </a:rPr>
+            </a:br>
+            <a:br>
+              <a:rPr lang="en-US" sz="2200" dirty="0">
+                <a:solidFill>
+                  <a:srgbClr val="000000"/>
+                </a:solidFill>
+                <a:latin typeface="Calibri"/>
+                <a:ea typeface="Calibri"/>
+              </a:rPr>
+            </a:br>
+            <a:br>
+              <a:rPr lang="en-US" sz="2200" dirty="0">
+                <a:solidFill>
+                  <a:srgbClr val="000000"/>
+                </a:solidFill>
+                <a:latin typeface="Calibri"/>
+                <a:ea typeface="Calibri"/>
+              </a:rPr>
+            </a:br>
+            <a:br>
+              <a:rPr lang="en-US" sz="2200" dirty="0">
+                <a:solidFill>
+                  <a:srgbClr val="000000"/>
+                </a:solidFill>
+                <a:latin typeface="Calibri"/>
+                <a:ea typeface="Calibri"/>
+              </a:rPr>
+            </a:br>
+            <a:br>
+              <a:rPr lang="en-US" sz="2200" dirty="0">
+                <a:solidFill>
+                  <a:srgbClr val="000000"/>
+                </a:solidFill>
+                <a:latin typeface="Calibri"/>
+                <a:ea typeface="Calibri"/>
+              </a:rPr>
+            </a:br>
+            <a:endParaRPr sz="2200" dirty="0"/>
+          </a:p>
+          <a:p>
+            <a:pPr algn="ctr"/>
+            <a:r>
+              <a:rPr lang="en-US" sz="2200" i="1" dirty="0">
                 <a:solidFill>
                   <a:srgbClr val="000000"/>
                 </a:solidFill>
@@ -4412,7 +5310,6 @@
               </a:rPr>
               <a:t>Dimensions play a similar role to primary keys in other databases</a:t>
             </a:r>
-            <a:endParaRPr/>
           </a:p>
         </p:txBody>
       </p:sp>
@@ -4433,6 +5330,7 @@
         </p:spPr>
         <p:txBody>
           <a:bodyPr anchor="ctr"/>
+          <a:lstStyle/>
           <a:p>
             <a:pPr algn="ctr">
               <a:lnSpc>
@@ -4470,6 +5368,7 @@
         </p:spPr>
         <p:txBody>
           <a:bodyPr anchor="ctr"/>
+          <a:lstStyle/>
           <a:p>
             <a:pPr algn="r">
               <a:lnSpc>
@@ -4477,37 +5376,263 @@
               </a:lnSpc>
             </a:pPr>
             <a:fld id="{B275E160-3120-44B1-A3A5-F52DB55E5DB0}" type="slidenum">
-              <a:rPr b="1" lang="en-US" sz="1600">
+              <a:rPr lang="en-US" sz="1600" b="1">
                 <a:solidFill>
                   <a:srgbClr val="888888"/>
                 </a:solidFill>
                 <a:latin typeface="Calibri"/>
                 <a:ea typeface="Calibri"/>
               </a:rPr>
-              <a:t>&lt;number&gt;</a:t>
+              <a:t>11</a:t>
             </a:fld>
             <a:endParaRPr/>
+          </a:p>
+        </p:txBody>
+      </p:sp>
+      <p:pic>
+        <p:nvPicPr>
+          <p:cNvPr id="3" name="Picture 2"/>
+          <p:cNvPicPr>
+            <a:picLocks noChangeAspect="1"/>
+          </p:cNvPicPr>
+          <p:nvPr/>
+        </p:nvPicPr>
+        <p:blipFill>
+          <a:blip r:embed="rId2"/>
+          <a:stretch>
+            <a:fillRect/>
+          </a:stretch>
+        </p:blipFill>
+        <p:spPr>
+          <a:xfrm>
+            <a:off x="5909318" y="3320124"/>
+            <a:ext cx="1342815" cy="2096435"/>
+          </a:xfrm>
+          <a:prstGeom prst="rect">
+            <a:avLst/>
+          </a:prstGeom>
+        </p:spPr>
+      </p:pic>
+      <p:pic>
+        <p:nvPicPr>
+          <p:cNvPr id="4" name="Picture 3"/>
+          <p:cNvPicPr>
+            <a:picLocks noChangeAspect="1"/>
+          </p:cNvPicPr>
+          <p:nvPr/>
+        </p:nvPicPr>
+        <p:blipFill>
+          <a:blip r:embed="rId3"/>
+          <a:stretch>
+            <a:fillRect/>
+          </a:stretch>
+        </p:blipFill>
+        <p:spPr>
+          <a:xfrm>
+            <a:off x="1595183" y="3134934"/>
+            <a:ext cx="1547407" cy="2355962"/>
+          </a:xfrm>
+          <a:prstGeom prst="rect">
+            <a:avLst/>
+          </a:prstGeom>
+        </p:spPr>
+      </p:pic>
+      <p:sp>
+        <p:nvSpPr>
+          <p:cNvPr id="5" name="TextBox 4"/>
+          <p:cNvSpPr txBox="1"/>
+          <p:nvPr/>
+        </p:nvSpPr>
+        <p:spPr>
+          <a:xfrm>
+            <a:off x="1713187" y="2418757"/>
+            <a:ext cx="1479892" cy="646331"/>
+          </a:xfrm>
+          <a:prstGeom prst="rect">
+            <a:avLst/>
+          </a:prstGeom>
+          <a:noFill/>
+        </p:spPr>
+        <p:txBody>
+          <a:bodyPr wrap="none" rtlCol="0">
+            <a:spAutoFit/>
+          </a:bodyPr>
+          <a:lstStyle/>
+          <a:p>
+            <a:pPr algn="ctr"/>
+            <a:r>
+              <a:rPr lang="en-US" dirty="0"/>
+              <a:t>1D array </a:t>
+            </a:r>
+            <a:br>
+              <a:rPr lang="en-US" dirty="0"/>
+            </a:br>
+            <a:r>
+              <a:rPr lang="en-US" dirty="0"/>
+              <a:t>(3 attributes)</a:t>
+            </a:r>
+          </a:p>
+        </p:txBody>
+      </p:sp>
+      <p:sp>
+        <p:nvSpPr>
+          <p:cNvPr id="11" name="TextBox 10"/>
+          <p:cNvSpPr txBox="1"/>
+          <p:nvPr/>
+        </p:nvSpPr>
+        <p:spPr>
+          <a:xfrm>
+            <a:off x="5889924" y="2418756"/>
+            <a:ext cx="1364476" cy="646331"/>
+          </a:xfrm>
+          <a:prstGeom prst="rect">
+            <a:avLst/>
+          </a:prstGeom>
+          <a:noFill/>
+        </p:spPr>
+        <p:txBody>
+          <a:bodyPr wrap="none" rtlCol="0">
+            <a:spAutoFit/>
+          </a:bodyPr>
+          <a:lstStyle/>
+          <a:p>
+            <a:pPr algn="ctr"/>
+            <a:r>
+              <a:rPr lang="en-US" dirty="0"/>
+              <a:t>2D array </a:t>
+            </a:r>
+            <a:br>
+              <a:rPr lang="en-US" dirty="0"/>
+            </a:br>
+            <a:r>
+              <a:rPr lang="en-US" dirty="0"/>
+              <a:t>(1 attribute)</a:t>
+            </a:r>
+          </a:p>
+        </p:txBody>
+      </p:sp>
+      <p:sp>
+        <p:nvSpPr>
+          <p:cNvPr id="7" name="Arrow: Right 6"/>
+          <p:cNvSpPr/>
+          <p:nvPr/>
+        </p:nvSpPr>
+        <p:spPr>
+          <a:xfrm>
+            <a:off x="3741682" y="4312915"/>
+            <a:ext cx="1860332" cy="427251"/>
+          </a:xfrm>
+          <a:prstGeom prst="rightArrow">
+            <a:avLst/>
+          </a:prstGeom>
+        </p:spPr>
+        <p:style>
+          <a:lnRef idx="2">
+            <a:schemeClr val="accent1">
+              <a:shade val="50000"/>
+            </a:schemeClr>
+          </a:lnRef>
+          <a:fillRef idx="1">
+            <a:schemeClr val="accent1"/>
+          </a:fillRef>
+          <a:effectRef idx="0">
+            <a:schemeClr val="accent1"/>
+          </a:effectRef>
+          <a:fontRef idx="minor">
+            <a:schemeClr val="lt1"/>
+          </a:fontRef>
+        </p:style>
+        <p:txBody>
+          <a:bodyPr rtlCol="0" anchor="ctr"/>
+          <a:lstStyle/>
+          <a:p>
+            <a:pPr algn="ctr"/>
+            <a:r>
+              <a:rPr lang="en-US" dirty="0" err="1"/>
+              <a:t>Redimension</a:t>
+            </a:r>
+            <a:endParaRPr lang="en-US" dirty="0"/>
+          </a:p>
+        </p:txBody>
+      </p:sp>
+      <p:sp>
+        <p:nvSpPr>
+          <p:cNvPr id="8" name="TextBox 7"/>
+          <p:cNvSpPr txBox="1"/>
+          <p:nvPr/>
+        </p:nvSpPr>
+        <p:spPr>
+          <a:xfrm flipH="1">
+            <a:off x="5381295" y="5463028"/>
+            <a:ext cx="3657600" cy="246221"/>
+          </a:xfrm>
+          <a:prstGeom prst="rect">
+            <a:avLst/>
+          </a:prstGeom>
+          <a:noFill/>
+        </p:spPr>
+        <p:txBody>
+          <a:bodyPr wrap="square" rtlCol="0">
+            <a:spAutoFit/>
+          </a:bodyPr>
+          <a:lstStyle/>
+          <a:p>
+            <a:r>
+              <a:rPr lang="en-US" sz="1000" dirty="0" err="1"/>
+              <a:t>Poliakov</a:t>
+            </a:r>
+            <a:r>
+              <a:rPr lang="en-US" sz="1000" dirty="0"/>
+              <a:t>, Brown. </a:t>
+            </a:r>
+            <a:r>
+              <a:rPr lang="en-US" sz="1000" i="1" dirty="0"/>
+              <a:t>Using </a:t>
+            </a:r>
+            <a:r>
+              <a:rPr lang="en-US" sz="1000" i="1" dirty="0" err="1"/>
+              <a:t>SciDB</a:t>
+            </a:r>
+            <a:r>
+              <a:rPr lang="en-US" sz="1000" i="1" dirty="0"/>
+              <a:t> and </a:t>
+            </a:r>
+            <a:r>
+              <a:rPr lang="en-US" sz="1000" i="1" dirty="0" err="1"/>
+              <a:t>SciDB</a:t>
+            </a:r>
+            <a:r>
+              <a:rPr lang="en-US" sz="1000" i="1" dirty="0"/>
+              <a:t>-R.</a:t>
+            </a:r>
+            <a:r>
+              <a:rPr lang="en-US" sz="1000" dirty="0"/>
+              <a:t> Paradigm4 2013</a:t>
+            </a:r>
           </a:p>
         </p:txBody>
       </p:sp>
     </p:spTree>
   </p:cSld>
+  <p:clrMapOvr>
+    <a:masterClrMapping/>
+  </p:clrMapOvr>
   <p:timing>
     <p:tnLst>
       <p:par>
-        <p:cTn id="21" dur="indefinite" restart="never" nodeType="tmRoot">
+        <p:cTn id="1" dur="indefinite" restart="never" nodeType="tmRoot">
           <p:childTnLst>
             <p:seq>
-              <p:cTn id="22" nodeType="mainSeq"/>
+              <p:cTn id="2" nodeType="mainSeq"/>
               <p:prevCondLst>
-                <p:cond delay="0" evt="onPrev">
+                <p:cond evt="onPrev" delay="0">
                   <p:tgtEl>
                     <p:sldTgt/>
                   </p:tgtEl>
                 </p:cond>
               </p:prevCondLst>
               <p:nextCondLst>
-                <p:cond delay="0" evt="onNext">
+                <p:cond evt="onNext" delay="0">
                   <p:tgtEl>
                     <p:sldTgt/>
                   </p:tgtEl>
@@ -4523,7 +5648,7 @@
 </file>
 
 <file path=ppt/slides/slide12.xml><?xml version="1.0" encoding="utf-8"?>
-<p:sld xmlns:a="http://schemas.openxmlformats.org/drawingml/2006/main" xmlns:p="http://schemas.openxmlformats.org/presentationml/2006/main" xmlns:r="http://schemas.openxmlformats.org/officeDocument/2006/relationships">
+<p:sld xmlns:a="http://schemas.openxmlformats.org/drawingml/2006/main" xmlns:r="http://schemas.openxmlformats.org/officeDocument/2006/relationships" xmlns:p="http://schemas.openxmlformats.org/presentationml/2006/main">
   <p:cSld>
     <p:spTree>
       <p:nvGrpSpPr>
@@ -4556,6 +5681,7 @@
         </p:spPr>
         <p:txBody>
           <a:bodyPr anchor="ctr"/>
+          <a:lstStyle/>
           <a:p>
             <a:pPr algn="ctr">
               <a:lnSpc>
@@ -4565,7 +5691,7 @@
             <a:r>
               <a:rPr lang="en-US" sz="3200">
                 <a:solidFill>
-                  <a:srgbClr val="0070c0"/>
+                  <a:srgbClr val="0070C0"/>
                 </a:solidFill>
                 <a:latin typeface="Calibri"/>
                 <a:ea typeface="Calibri"/>
@@ -4593,6 +5719,7 @@
         </p:spPr>
         <p:txBody>
           <a:bodyPr/>
+          <a:lstStyle/>
           <a:p>
             <a:pPr>
               <a:lnSpc>
@@ -4602,192 +5729,144 @@
               <a:buChar char="▪"/>
             </a:pPr>
             <a:r>
-              <a:rPr lang="en-US">
-                <a:solidFill>
-                  <a:srgbClr val="000000"/>
-                </a:solidFill>
-                <a:latin typeface="Calibri"/>
-                <a:ea typeface="Calibri"/>
-              </a:rPr>
-              <a:t>The SciDB schema defines the array structure and data types</a:t>
-            </a:r>
-            <a:r>
-              <a:rPr lang="en-US">
-                <a:solidFill>
-                  <a:srgbClr val="000000"/>
-                </a:solidFill>
-                <a:latin typeface="Calibri"/>
-                <a:ea typeface="Calibri"/>
-              </a:rPr>
-              <a:t>
-</a:t>
-            </a:r>
-            <a:r>
-              <a:rPr lang="en-US">
-                <a:solidFill>
-                  <a:srgbClr val="000000"/>
-                </a:solidFill>
-                <a:latin typeface="Calibri"/>
-                <a:ea typeface="Calibri"/>
-              </a:rPr>
-              <a:t>
-</a:t>
-            </a:r>
-            <a:r>
-              <a:rPr lang="en-US">
-                <a:solidFill>
-                  <a:srgbClr val="000000"/>
-                </a:solidFill>
-                <a:latin typeface="Calibri"/>
-                <a:ea typeface="Calibri"/>
-              </a:rPr>
-              <a:t>
-</a:t>
-            </a:r>
-            <a:r>
-              <a:rPr lang="en-US">
-                <a:solidFill>
-                  <a:srgbClr val="000000"/>
-                </a:solidFill>
-                <a:latin typeface="Calibri"/>
-                <a:ea typeface="Calibri"/>
-              </a:rPr>
-              <a:t>
-</a:t>
-            </a:r>
-            <a:r>
-              <a:rPr lang="en-US">
-                <a:solidFill>
-                  <a:srgbClr val="000000"/>
-                </a:solidFill>
-                <a:latin typeface="Calibri"/>
-                <a:ea typeface="Calibri"/>
-              </a:rPr>
-              <a:t>
-</a:t>
-            </a:r>
-            <a:r>
-              <a:rPr lang="en-US">
-                <a:solidFill>
-                  <a:srgbClr val="000000"/>
-                </a:solidFill>
-                <a:latin typeface="Calibri"/>
-                <a:ea typeface="Calibri"/>
-              </a:rPr>
-              <a:t>
-</a:t>
-            </a:r>
-            <a:r>
-              <a:rPr lang="en-US">
-                <a:solidFill>
-                  <a:srgbClr val="000000"/>
-                </a:solidFill>
-                <a:latin typeface="Calibri"/>
-                <a:ea typeface="Calibri"/>
-              </a:rPr>
-              <a:t>
-</a:t>
-            </a:r>
-            <a:r>
-              <a:rPr lang="en-US">
-                <a:solidFill>
-                  <a:srgbClr val="000000"/>
-                </a:solidFill>
-                <a:latin typeface="Calibri"/>
-                <a:ea typeface="Calibri"/>
-              </a:rPr>
-              <a:t>
-</a:t>
-            </a:r>
-            <a:r>
-              <a:rPr lang="en-US">
-                <a:solidFill>
-                  <a:srgbClr val="000000"/>
-                </a:solidFill>
-                <a:latin typeface="Calibri"/>
-                <a:ea typeface="Calibri"/>
-              </a:rPr>
-              <a:t>
-</a:t>
-            </a:r>
-            <a:r>
-              <a:rPr lang="en-US">
-                <a:solidFill>
-                  <a:srgbClr val="000000"/>
-                </a:solidFill>
-                <a:latin typeface="Calibri"/>
-                <a:ea typeface="Calibri"/>
-              </a:rPr>
-              <a:t>
-</a:t>
-            </a:r>
-            <a:r>
-              <a:rPr lang="en-US">
-                <a:solidFill>
-                  <a:srgbClr val="000000"/>
-                </a:solidFill>
-                <a:latin typeface="Calibri"/>
-                <a:ea typeface="Calibri"/>
-              </a:rPr>
-              <a:t>
-</a:t>
-            </a:r>
-            <a:r>
-              <a:rPr lang="en-US">
-                <a:solidFill>
-                  <a:srgbClr val="000000"/>
-                </a:solidFill>
-                <a:latin typeface="Calibri"/>
-                <a:ea typeface="Calibri"/>
-              </a:rPr>
-              <a:t>
-</a:t>
-            </a:r>
-            <a:r>
-              <a:rPr lang="en-US">
-                <a:solidFill>
-                  <a:srgbClr val="000000"/>
-                </a:solidFill>
-                <a:latin typeface="Calibri"/>
-                <a:ea typeface="Calibri"/>
-              </a:rPr>
-              <a:t>
-</a:t>
-            </a:r>
-            <a:r>
-              <a:rPr lang="en-US">
-                <a:solidFill>
-                  <a:srgbClr val="000000"/>
-                </a:solidFill>
-                <a:latin typeface="Calibri"/>
-                <a:ea typeface="Calibri"/>
-              </a:rPr>
-              <a:t>
-</a:t>
-            </a:r>
-            <a:r>
-              <a:rPr lang="en-US">
-                <a:solidFill>
-                  <a:srgbClr val="000000"/>
-                </a:solidFill>
-                <a:latin typeface="Calibri"/>
-                <a:ea typeface="Calibri"/>
-              </a:rPr>
-              <a:t>
-</a:t>
-            </a:r>
-            <a:r>
-              <a:rPr lang="en-US">
-                <a:solidFill>
-                  <a:srgbClr val="000000"/>
-                </a:solidFill>
-                <a:latin typeface="Calibri"/>
-                <a:ea typeface="Calibri"/>
-              </a:rPr>
-              <a:t>
-</a:t>
-            </a:r>
-            <a:endParaRPr/>
+              <a:rPr lang="en-US" sz="2400" dirty="0">
+                <a:solidFill>
+                  <a:srgbClr val="000000"/>
+                </a:solidFill>
+                <a:latin typeface="Calibri"/>
+                <a:ea typeface="Calibri"/>
+              </a:rPr>
+              <a:t>The </a:t>
+            </a:r>
+            <a:r>
+              <a:rPr lang="en-US" sz="2400" dirty="0" err="1">
+                <a:solidFill>
+                  <a:srgbClr val="000000"/>
+                </a:solidFill>
+                <a:latin typeface="Calibri"/>
+                <a:ea typeface="Calibri"/>
+              </a:rPr>
+              <a:t>SciDB</a:t>
+            </a:r>
+            <a:r>
+              <a:rPr lang="en-US" sz="2400" dirty="0">
+                <a:solidFill>
+                  <a:srgbClr val="000000"/>
+                </a:solidFill>
+                <a:latin typeface="Calibri"/>
+                <a:ea typeface="Calibri"/>
+              </a:rPr>
+              <a:t> schema defines the array structure and data types</a:t>
+            </a:r>
+            <a:br>
+              <a:rPr lang="en-US" sz="2400" dirty="0">
+                <a:solidFill>
+                  <a:srgbClr val="000000"/>
+                </a:solidFill>
+                <a:latin typeface="Calibri"/>
+                <a:ea typeface="Calibri"/>
+              </a:rPr>
+            </a:br>
+            <a:br>
+              <a:rPr lang="en-US" sz="2400" dirty="0">
+                <a:solidFill>
+                  <a:srgbClr val="000000"/>
+                </a:solidFill>
+                <a:latin typeface="Calibri"/>
+                <a:ea typeface="Calibri"/>
+              </a:rPr>
+            </a:br>
+            <a:br>
+              <a:rPr lang="en-US" sz="2400" dirty="0">
+                <a:solidFill>
+                  <a:srgbClr val="000000"/>
+                </a:solidFill>
+                <a:latin typeface="Calibri"/>
+                <a:ea typeface="Calibri"/>
+              </a:rPr>
+            </a:br>
+            <a:br>
+              <a:rPr lang="en-US" sz="2400" dirty="0">
+                <a:solidFill>
+                  <a:srgbClr val="000000"/>
+                </a:solidFill>
+                <a:latin typeface="Calibri"/>
+                <a:ea typeface="Calibri"/>
+              </a:rPr>
+            </a:br>
+            <a:br>
+              <a:rPr lang="en-US" sz="2400" dirty="0">
+                <a:solidFill>
+                  <a:srgbClr val="000000"/>
+                </a:solidFill>
+                <a:latin typeface="Calibri"/>
+                <a:ea typeface="Calibri"/>
+              </a:rPr>
+            </a:br>
+            <a:br>
+              <a:rPr lang="en-US" sz="2400" dirty="0">
+                <a:solidFill>
+                  <a:srgbClr val="000000"/>
+                </a:solidFill>
+                <a:latin typeface="Calibri"/>
+                <a:ea typeface="Calibri"/>
+              </a:rPr>
+            </a:br>
+            <a:br>
+              <a:rPr lang="en-US" sz="2400" dirty="0">
+                <a:solidFill>
+                  <a:srgbClr val="000000"/>
+                </a:solidFill>
+                <a:latin typeface="Calibri"/>
+                <a:ea typeface="Calibri"/>
+              </a:rPr>
+            </a:br>
+            <a:br>
+              <a:rPr lang="en-US" sz="2400" dirty="0">
+                <a:solidFill>
+                  <a:srgbClr val="000000"/>
+                </a:solidFill>
+                <a:latin typeface="Calibri"/>
+                <a:ea typeface="Calibri"/>
+              </a:rPr>
+            </a:br>
+            <a:br>
+              <a:rPr lang="en-US" sz="2400" dirty="0">
+                <a:solidFill>
+                  <a:srgbClr val="000000"/>
+                </a:solidFill>
+                <a:latin typeface="Calibri"/>
+                <a:ea typeface="Calibri"/>
+              </a:rPr>
+            </a:br>
+            <a:br>
+              <a:rPr lang="en-US" sz="2400" dirty="0">
+                <a:solidFill>
+                  <a:srgbClr val="000000"/>
+                </a:solidFill>
+                <a:latin typeface="Calibri"/>
+                <a:ea typeface="Calibri"/>
+              </a:rPr>
+            </a:br>
+            <a:br>
+              <a:rPr lang="en-US" sz="2400" dirty="0">
+                <a:solidFill>
+                  <a:srgbClr val="000000"/>
+                </a:solidFill>
+                <a:latin typeface="Calibri"/>
+                <a:ea typeface="Calibri"/>
+              </a:rPr>
+            </a:br>
+            <a:br>
+              <a:rPr lang="en-US" sz="2400" dirty="0">
+                <a:solidFill>
+                  <a:srgbClr val="000000"/>
+                </a:solidFill>
+                <a:latin typeface="Calibri"/>
+                <a:ea typeface="Calibri"/>
+              </a:rPr>
+            </a:br>
+            <a:endParaRPr sz="2400" dirty="0"/>
           </a:p>
           <a:p>
             <a:pPr>
@@ -4798,7 +5877,7 @@
               <a:buChar char="▪"/>
             </a:pPr>
             <a:r>
-              <a:rPr lang="en-US">
+              <a:rPr lang="en-US" sz="2400" dirty="0">
                 <a:solidFill>
                   <a:srgbClr val="000000"/>
                 </a:solidFill>
@@ -4808,7 +5887,7 @@
               <a:t>Arrays are stored in </a:t>
             </a:r>
             <a:r>
-              <a:rPr b="1" i="1" lang="en-US">
+              <a:rPr lang="en-US" sz="2400" b="1" i="1" dirty="0">
                 <a:solidFill>
                   <a:srgbClr val="000000"/>
                 </a:solidFill>
@@ -4818,7 +5897,7 @@
               <a:t>sparse</a:t>
             </a:r>
             <a:r>
-              <a:rPr lang="en-US">
+              <a:rPr lang="en-US" sz="2400" dirty="0">
                 <a:solidFill>
                   <a:srgbClr val="000000"/>
                 </a:solidFill>
@@ -4827,7 +5906,7 @@
               </a:rPr>
               <a:t> format</a:t>
             </a:r>
-            <a:endParaRPr/>
+            <a:endParaRPr sz="2400" dirty="0"/>
           </a:p>
           <a:p>
             <a:pPr>
@@ -4837,7 +5916,7 @@
               <a:buFont typeface="Calibri"/>
               <a:buChar char="▪"/>
             </a:pPr>
-            <a:endParaRPr/>
+            <a:endParaRPr sz="2400" dirty="0"/>
           </a:p>
         </p:txBody>
       </p:sp>
@@ -4858,6 +5937,7 @@
         </p:spPr>
         <p:txBody>
           <a:bodyPr anchor="ctr"/>
+          <a:lstStyle/>
           <a:p>
             <a:pPr algn="ctr">
               <a:lnSpc>
@@ -4895,6 +5975,7 @@
         </p:spPr>
         <p:txBody>
           <a:bodyPr anchor="ctr"/>
+          <a:lstStyle/>
           <a:p>
             <a:pPr algn="r">
               <a:lnSpc>
@@ -4902,14 +5983,14 @@
               </a:lnSpc>
             </a:pPr>
             <a:fld id="{3EB8FC4F-302C-46C4-BBE3-D13FD9B46105}" type="slidenum">
-              <a:rPr b="1" lang="en-US" sz="1600">
+              <a:rPr lang="en-US" sz="1600" b="1">
                 <a:solidFill>
                   <a:srgbClr val="888888"/>
                 </a:solidFill>
                 <a:latin typeface="Calibri"/>
                 <a:ea typeface="Calibri"/>
               </a:rPr>
-              <a:t>&lt;number&gt;</a:t>
+              <a:t>12</a:t>
             </a:fld>
             <a:endParaRPr/>
           </a:p>
@@ -4917,32 +5998,7 @@
       </p:sp>
       <p:pic>
         <p:nvPicPr>
-          <p:cNvPr id="135" name="" descr=""/>
-          <p:cNvPicPr/>
-          <p:nvPr/>
-        </p:nvPicPr>
-        <p:blipFill>
-          <a:blip r:embed="rId1"/>
-          <a:stretch>
-            <a:fillRect/>
-          </a:stretch>
-        </p:blipFill>
-        <p:spPr>
-          <a:xfrm>
-            <a:off x="1188720" y="1645920"/>
-            <a:ext cx="6675120" cy="1316880"/>
-          </a:xfrm>
-          <a:prstGeom prst="rect">
-            <a:avLst/>
-          </a:prstGeom>
-          <a:ln>
-            <a:noFill/>
-          </a:ln>
-        </p:spPr>
-      </p:pic>
-      <p:pic>
-        <p:nvPicPr>
-          <p:cNvPr id="136" name="" descr=""/>
+          <p:cNvPr id="135" name="Picture 134"/>
           <p:cNvPicPr/>
           <p:nvPr/>
         </p:nvPicPr>
@@ -4954,8 +6010,8 @@
         </p:blipFill>
         <p:spPr>
           <a:xfrm>
-            <a:off x="1188720" y="3602880"/>
-            <a:ext cx="6739200" cy="1792080"/>
+            <a:off x="1188720" y="1645920"/>
+            <a:ext cx="6675120" cy="1316880"/>
           </a:xfrm>
           <a:prstGeom prst="rect">
             <a:avLst/>
@@ -4965,24 +6021,52 @@
           </a:ln>
         </p:spPr>
       </p:pic>
+      <p:pic>
+        <p:nvPicPr>
+          <p:cNvPr id="136" name="Picture 135"/>
+          <p:cNvPicPr/>
+          <p:nvPr/>
+        </p:nvPicPr>
+        <p:blipFill>
+          <a:blip r:embed="rId3"/>
+          <a:stretch>
+            <a:fillRect/>
+          </a:stretch>
+        </p:blipFill>
+        <p:spPr>
+          <a:xfrm>
+            <a:off x="1188720" y="3602880"/>
+            <a:ext cx="6739200" cy="1792080"/>
+          </a:xfrm>
+          <a:prstGeom prst="rect">
+            <a:avLst/>
+          </a:prstGeom>
+          <a:ln>
+            <a:noFill/>
+          </a:ln>
+        </p:spPr>
+      </p:pic>
     </p:spTree>
   </p:cSld>
+  <p:clrMapOvr>
+    <a:masterClrMapping/>
+  </p:clrMapOvr>
   <p:timing>
     <p:tnLst>
       <p:par>
-        <p:cTn id="23" dur="indefinite" restart="never" nodeType="tmRoot">
+        <p:cTn id="1" dur="indefinite" restart="never" nodeType="tmRoot">
           <p:childTnLst>
             <p:seq>
-              <p:cTn id="24" nodeType="mainSeq"/>
+              <p:cTn id="2" nodeType="mainSeq"/>
               <p:prevCondLst>
-                <p:cond delay="0" evt="onPrev">
+                <p:cond evt="onPrev" delay="0">
                   <p:tgtEl>
                     <p:sldTgt/>
                   </p:tgtEl>
                 </p:cond>
               </p:prevCondLst>
               <p:nextCondLst>
-                <p:cond delay="0" evt="onNext">
+                <p:cond evt="onNext" delay="0">
                   <p:tgtEl>
                     <p:sldTgt/>
                   </p:tgtEl>
@@ -4998,7 +6082,7 @@
 </file>
 
 <file path=ppt/slides/slide13.xml><?xml version="1.0" encoding="utf-8"?>
-<p:sld xmlns:a="http://schemas.openxmlformats.org/drawingml/2006/main" xmlns:p="http://schemas.openxmlformats.org/presentationml/2006/main" xmlns:r="http://schemas.openxmlformats.org/officeDocument/2006/relationships">
+<p:sld xmlns:a="http://schemas.openxmlformats.org/drawingml/2006/main" xmlns:r="http://schemas.openxmlformats.org/officeDocument/2006/relationships" xmlns:p="http://schemas.openxmlformats.org/presentationml/2006/main">
   <p:cSld>
     <p:spTree>
       <p:nvGrpSpPr>
@@ -5031,6 +6115,7 @@
         </p:spPr>
         <p:txBody>
           <a:bodyPr anchor="ctr"/>
+          <a:lstStyle/>
           <a:p>
             <a:pPr algn="ctr">
               <a:lnSpc>
@@ -5040,7 +6125,7 @@
             <a:r>
               <a:rPr lang="en-US" sz="3200">
                 <a:solidFill>
-                  <a:srgbClr val="0070c0"/>
+                  <a:srgbClr val="0070C0"/>
                 </a:solidFill>
                 <a:latin typeface="Calibri"/>
                 <a:ea typeface="Calibri"/>
@@ -5068,6 +6153,7 @@
         </p:spPr>
         <p:txBody>
           <a:bodyPr/>
+          <a:lstStyle/>
           <a:p>
             <a:pPr>
               <a:lnSpc>
@@ -5077,16 +6163,36 @@
               <a:buChar char="▪"/>
             </a:pPr>
             <a:r>
-              <a:rPr lang="en-US">
-                <a:solidFill>
-                  <a:srgbClr val="000000"/>
-                </a:solidFill>
-                <a:latin typeface="Calibri"/>
-                <a:ea typeface="Calibri"/>
-              </a:rPr>
-              <a:t>AQL is the basic SciDB query language</a:t>
-            </a:r>
-            <a:endParaRPr/>
+              <a:rPr lang="en-US" sz="2400" dirty="0">
+                <a:solidFill>
+                  <a:srgbClr val="000000"/>
+                </a:solidFill>
+                <a:latin typeface="Calibri"/>
+                <a:ea typeface="Calibri"/>
+              </a:rPr>
+              <a:t>AQL is the basic </a:t>
+            </a:r>
+            <a:r>
+              <a:rPr lang="en-US" sz="2400" dirty="0" err="1">
+                <a:solidFill>
+                  <a:srgbClr val="000000"/>
+                </a:solidFill>
+                <a:latin typeface="Calibri"/>
+                <a:ea typeface="Calibri"/>
+              </a:rPr>
+              <a:t>SciDB</a:t>
+            </a:r>
+            <a:r>
+              <a:rPr lang="en-US" sz="2400" dirty="0">
+                <a:solidFill>
+                  <a:srgbClr val="000000"/>
+                </a:solidFill>
+                <a:latin typeface="Calibri"/>
+                <a:ea typeface="Calibri"/>
+              </a:rPr>
+              <a:t> query language</a:t>
+            </a:r>
+            <a:endParaRPr sz="2400" dirty="0"/>
           </a:p>
           <a:p>
             <a:pPr>
@@ -5097,93 +6203,89 @@
               <a:buChar char="▪"/>
             </a:pPr>
             <a:r>
-              <a:rPr lang="en-US">
-                <a:solidFill>
-                  <a:srgbClr val="000000"/>
-                </a:solidFill>
-                <a:latin typeface="Calibri"/>
-                <a:ea typeface="Calibri"/>
-              </a:rPr>
-              <a:t>AFL is the query language for functions in SciDB</a:t>
-            </a:r>
-            <a:r>
-              <a:rPr lang="en-US">
-                <a:solidFill>
-                  <a:srgbClr val="000000"/>
-                </a:solidFill>
-                <a:latin typeface="Calibri"/>
-                <a:ea typeface="Calibri"/>
-              </a:rPr>
-              <a:t>
-</a:t>
-            </a:r>
-            <a:r>
-              <a:rPr lang="en-US">
-                <a:solidFill>
-                  <a:srgbClr val="000000"/>
-                </a:solidFill>
-                <a:latin typeface="Calibri"/>
-                <a:ea typeface="Calibri"/>
-              </a:rPr>
-              <a:t>
-</a:t>
-            </a:r>
-            <a:r>
-              <a:rPr lang="en-US">
-                <a:solidFill>
-                  <a:srgbClr val="000000"/>
-                </a:solidFill>
-                <a:latin typeface="Calibri"/>
-                <a:ea typeface="Calibri"/>
-              </a:rPr>
-              <a:t>
-</a:t>
-            </a:r>
-            <a:r>
-              <a:rPr lang="en-US">
-                <a:solidFill>
-                  <a:srgbClr val="000000"/>
-                </a:solidFill>
-                <a:latin typeface="Calibri"/>
-                <a:ea typeface="Calibri"/>
-              </a:rPr>
-              <a:t>
-</a:t>
-            </a:r>
-            <a:r>
-              <a:rPr lang="en-US">
-                <a:solidFill>
-                  <a:srgbClr val="000000"/>
-                </a:solidFill>
-                <a:latin typeface="Calibri"/>
-                <a:ea typeface="Calibri"/>
-              </a:rPr>
-              <a:t>
-</a:t>
-            </a:r>
-            <a:r>
-              <a:rPr lang="en-US">
-                <a:solidFill>
-                  <a:srgbClr val="000000"/>
-                </a:solidFill>
-                <a:latin typeface="Calibri"/>
-                <a:ea typeface="Calibri"/>
-              </a:rPr>
-              <a:t>
-</a:t>
-            </a:r>
-            <a:r>
-              <a:rPr lang="en-US">
-                <a:solidFill>
-                  <a:srgbClr val="000000"/>
-                </a:solidFill>
-                <a:latin typeface="Calibri"/>
-                <a:ea typeface="Calibri"/>
-              </a:rPr>
-              <a:t>
-</a:t>
-            </a:r>
-            <a:endParaRPr/>
+              <a:rPr lang="en-US" sz="2400" dirty="0">
+                <a:solidFill>
+                  <a:srgbClr val="000000"/>
+                </a:solidFill>
+                <a:latin typeface="Calibri"/>
+                <a:ea typeface="Calibri"/>
+              </a:rPr>
+              <a:t>AFL is the query language for functions in </a:t>
+            </a:r>
+            <a:r>
+              <a:rPr lang="en-US" sz="2400" dirty="0" err="1">
+                <a:solidFill>
+                  <a:srgbClr val="000000"/>
+                </a:solidFill>
+                <a:latin typeface="Calibri"/>
+                <a:ea typeface="Calibri"/>
+              </a:rPr>
+              <a:t>SciDB</a:t>
+            </a:r>
+            <a:br>
+              <a:rPr lang="en-US" sz="2400" dirty="0">
+                <a:solidFill>
+                  <a:srgbClr val="000000"/>
+                </a:solidFill>
+                <a:latin typeface="Calibri"/>
+                <a:ea typeface="Calibri"/>
+              </a:rPr>
+            </a:br>
+            <a:br>
+              <a:rPr lang="en-US" sz="2400" dirty="0">
+                <a:solidFill>
+                  <a:srgbClr val="000000"/>
+                </a:solidFill>
+                <a:latin typeface="Calibri"/>
+                <a:ea typeface="Calibri"/>
+              </a:rPr>
+            </a:br>
+            <a:br>
+              <a:rPr lang="en-US" sz="2400" dirty="0">
+                <a:solidFill>
+                  <a:srgbClr val="000000"/>
+                </a:solidFill>
+                <a:latin typeface="Calibri"/>
+                <a:ea typeface="Calibri"/>
+              </a:rPr>
+            </a:br>
+            <a:br>
+              <a:rPr lang="en-US" sz="2400" dirty="0">
+                <a:solidFill>
+                  <a:srgbClr val="000000"/>
+                </a:solidFill>
+                <a:latin typeface="Calibri"/>
+                <a:ea typeface="Calibri"/>
+              </a:rPr>
+            </a:br>
+            <a:br>
+              <a:rPr lang="en-US" sz="2400" dirty="0">
+                <a:solidFill>
+                  <a:srgbClr val="000000"/>
+                </a:solidFill>
+                <a:latin typeface="Calibri"/>
+                <a:ea typeface="Calibri"/>
+              </a:rPr>
+            </a:br>
+            <a:br>
+              <a:rPr lang="en-US" sz="2400" dirty="0">
+                <a:solidFill>
+                  <a:srgbClr val="000000"/>
+                </a:solidFill>
+                <a:latin typeface="Calibri"/>
+                <a:ea typeface="Calibri"/>
+              </a:rPr>
+            </a:br>
+            <a:br>
+              <a:rPr lang="en-US" sz="2400" dirty="0">
+                <a:solidFill>
+                  <a:srgbClr val="000000"/>
+                </a:solidFill>
+                <a:latin typeface="Calibri"/>
+                <a:ea typeface="Calibri"/>
+              </a:rPr>
+            </a:br>
+            <a:endParaRPr sz="2400" dirty="0"/>
           </a:p>
           <a:p>
             <a:pPr>
@@ -5194,16 +6296,36 @@
               <a:buChar char="▪"/>
             </a:pPr>
             <a:r>
-              <a:rPr lang="en-US">
-                <a:solidFill>
-                  <a:srgbClr val="000000"/>
-                </a:solidFill>
-                <a:latin typeface="Calibri"/>
-                <a:ea typeface="Calibri"/>
-              </a:rPr>
-              <a:t>The scidb package provides an interface to R</a:t>
-            </a:r>
-            <a:endParaRPr/>
+              <a:rPr lang="en-US" sz="2400" dirty="0">
+                <a:solidFill>
+                  <a:srgbClr val="000000"/>
+                </a:solidFill>
+                <a:latin typeface="Calibri"/>
+                <a:ea typeface="Calibri"/>
+              </a:rPr>
+              <a:t>The </a:t>
+            </a:r>
+            <a:r>
+              <a:rPr lang="en-US" sz="2400" dirty="0" err="1">
+                <a:solidFill>
+                  <a:srgbClr val="000000"/>
+                </a:solidFill>
+                <a:latin typeface="Calibri"/>
+                <a:ea typeface="Calibri"/>
+              </a:rPr>
+              <a:t>scidb</a:t>
+            </a:r>
+            <a:r>
+              <a:rPr lang="en-US" sz="2400" dirty="0">
+                <a:solidFill>
+                  <a:srgbClr val="000000"/>
+                </a:solidFill>
+                <a:latin typeface="Calibri"/>
+                <a:ea typeface="Calibri"/>
+              </a:rPr>
+              <a:t> package provides an interface to R</a:t>
+            </a:r>
+            <a:endParaRPr sz="2400" dirty="0"/>
           </a:p>
         </p:txBody>
       </p:sp>
@@ -5224,6 +6346,7 @@
         </p:spPr>
         <p:txBody>
           <a:bodyPr anchor="ctr"/>
+          <a:lstStyle/>
           <a:p>
             <a:pPr algn="ctr">
               <a:lnSpc>
@@ -5261,6 +6384,7 @@
         </p:spPr>
         <p:txBody>
           <a:bodyPr anchor="ctr"/>
+          <a:lstStyle/>
           <a:p>
             <a:pPr algn="r">
               <a:lnSpc>
@@ -5268,14 +6392,14 @@
               </a:lnSpc>
             </a:pPr>
             <a:fld id="{28F05ABD-36D7-453D-B9DA-1049EC65DD61}" type="slidenum">
-              <a:rPr b="1" lang="en-US" sz="1600">
+              <a:rPr lang="en-US" sz="1600" b="1">
                 <a:solidFill>
                   <a:srgbClr val="888888"/>
                 </a:solidFill>
                 <a:latin typeface="Calibri"/>
                 <a:ea typeface="Calibri"/>
               </a:rPr>
-              <a:t>&lt;number&gt;</a:t>
+              <a:t>13</a:t>
             </a:fld>
             <a:endParaRPr/>
           </a:p>
@@ -5283,32 +6407,7 @@
       </p:sp>
       <p:pic>
         <p:nvPicPr>
-          <p:cNvPr id="141" name="" descr=""/>
-          <p:cNvPicPr/>
-          <p:nvPr/>
-        </p:nvPicPr>
-        <p:blipFill>
-          <a:blip r:embed="rId1"/>
-          <a:stretch>
-            <a:fillRect/>
-          </a:stretch>
-        </p:blipFill>
-        <p:spPr>
-          <a:xfrm>
-            <a:off x="2825640" y="2034000"/>
-            <a:ext cx="3392280" cy="914400"/>
-          </a:xfrm>
-          <a:prstGeom prst="rect">
-            <a:avLst/>
-          </a:prstGeom>
-          <a:ln>
-            <a:noFill/>
-          </a:ln>
-        </p:spPr>
-      </p:pic>
-      <p:pic>
-        <p:nvPicPr>
-          <p:cNvPr id="142" name="" descr=""/>
+          <p:cNvPr id="141" name="Picture 140"/>
           <p:cNvPicPr/>
           <p:nvPr/>
         </p:nvPicPr>
@@ -5320,8 +6419,8 @@
         </p:blipFill>
         <p:spPr>
           <a:xfrm>
-            <a:off x="1962360" y="4572000"/>
-            <a:ext cx="5852160" cy="822960"/>
+            <a:off x="2468288" y="2286000"/>
+            <a:ext cx="3392280" cy="914400"/>
           </a:xfrm>
           <a:prstGeom prst="rect">
             <a:avLst/>
@@ -5331,24 +6430,52 @@
           </a:ln>
         </p:spPr>
       </p:pic>
+      <p:pic>
+        <p:nvPicPr>
+          <p:cNvPr id="142" name="Picture 141"/>
+          <p:cNvPicPr/>
+          <p:nvPr/>
+        </p:nvPicPr>
+        <p:blipFill>
+          <a:blip r:embed="rId3"/>
+          <a:stretch>
+            <a:fillRect/>
+          </a:stretch>
+        </p:blipFill>
+        <p:spPr>
+          <a:xfrm>
+            <a:off x="1541946" y="5122028"/>
+            <a:ext cx="5852160" cy="822960"/>
+          </a:xfrm>
+          <a:prstGeom prst="rect">
+            <a:avLst/>
+          </a:prstGeom>
+          <a:ln>
+            <a:noFill/>
+          </a:ln>
+        </p:spPr>
+      </p:pic>
     </p:spTree>
   </p:cSld>
+  <p:clrMapOvr>
+    <a:masterClrMapping/>
+  </p:clrMapOvr>
   <p:timing>
     <p:tnLst>
       <p:par>
-        <p:cTn id="25" dur="indefinite" restart="never" nodeType="tmRoot">
+        <p:cTn id="1" dur="indefinite" restart="never" nodeType="tmRoot">
           <p:childTnLst>
             <p:seq>
-              <p:cTn id="26" nodeType="mainSeq"/>
+              <p:cTn id="2" nodeType="mainSeq"/>
               <p:prevCondLst>
-                <p:cond delay="0" evt="onPrev">
+                <p:cond evt="onPrev" delay="0">
                   <p:tgtEl>
                     <p:sldTgt/>
                   </p:tgtEl>
                 </p:cond>
               </p:prevCondLst>
               <p:nextCondLst>
-                <p:cond delay="0" evt="onNext">
+                <p:cond evt="onNext" delay="0">
                   <p:tgtEl>
                     <p:sldTgt/>
                   </p:tgtEl>
@@ -5364,7 +6491,7 @@
 </file>
 
 <file path=ppt/slides/slide14.xml><?xml version="1.0" encoding="utf-8"?>
-<p:sld xmlns:a="http://schemas.openxmlformats.org/drawingml/2006/main" xmlns:p="http://schemas.openxmlformats.org/presentationml/2006/main" xmlns:r="http://schemas.openxmlformats.org/officeDocument/2006/relationships">
+<p:sld xmlns:a="http://schemas.openxmlformats.org/drawingml/2006/main" xmlns:r="http://schemas.openxmlformats.org/officeDocument/2006/relationships" xmlns:p="http://schemas.openxmlformats.org/presentationml/2006/main">
   <p:cSld>
     <p:spTree>
       <p:nvGrpSpPr>
@@ -5397,6 +6524,7 @@
         </p:spPr>
         <p:txBody>
           <a:bodyPr anchor="ctr"/>
+          <a:lstStyle/>
           <a:p>
             <a:pPr algn="ctr">
               <a:lnSpc>
@@ -5404,16 +6532,26 @@
               </a:lnSpc>
             </a:pPr>
             <a:r>
-              <a:rPr lang="en-US" sz="3200">
-                <a:solidFill>
-                  <a:srgbClr val="0070c0"/>
-                </a:solidFill>
-                <a:latin typeface="Calibri"/>
-                <a:ea typeface="Calibri"/>
-              </a:rPr>
-              <a:t>Loading the Data</a:t>
-            </a:r>
-            <a:endParaRPr/>
+              <a:rPr lang="en-US" sz="3200" dirty="0">
+                <a:solidFill>
+                  <a:srgbClr val="0070C0"/>
+                </a:solidFill>
+                <a:latin typeface="Calibri"/>
+                <a:ea typeface="Calibri"/>
+              </a:rPr>
+              <a:t>Loading Data from CSV File into </a:t>
+            </a:r>
+            <a:r>
+              <a:rPr lang="en-US" sz="3200" dirty="0" err="1">
+                <a:solidFill>
+                  <a:srgbClr val="0070C0"/>
+                </a:solidFill>
+                <a:latin typeface="Calibri"/>
+                <a:ea typeface="Calibri"/>
+              </a:rPr>
+              <a:t>SciDB</a:t>
+            </a:r>
+            <a:endParaRPr dirty="0"/>
           </a:p>
         </p:txBody>
       </p:sp>
@@ -5434,6 +6572,402 @@
         </p:spPr>
         <p:txBody>
           <a:bodyPr/>
+          <a:lstStyle/>
+          <a:p>
+            <a:pPr marL="285750" indent="-285750">
+              <a:lnSpc>
+                <a:spcPct val="100000"/>
+              </a:lnSpc>
+              <a:buFont typeface="Wingdings" panose="05000000000000000000" pitchFamily="2" charset="2"/>
+              <a:buChar char="§"/>
+            </a:pPr>
+            <a:r>
+              <a:rPr lang="en-US" sz="2200" b="1" u="sng" dirty="0">
+                <a:solidFill>
+                  <a:srgbClr val="000000"/>
+                </a:solidFill>
+                <a:latin typeface="Calibri"/>
+                <a:ea typeface="Calibri"/>
+              </a:rPr>
+              <a:t>Step 1a</a:t>
+            </a:r>
+            <a:r>
+              <a:rPr lang="en-US" sz="2200" dirty="0">
+                <a:solidFill>
+                  <a:srgbClr val="000000"/>
+                </a:solidFill>
+                <a:latin typeface="Calibri"/>
+                <a:ea typeface="Calibri"/>
+              </a:rPr>
+              <a:t>: Create a 1D array </a:t>
+            </a:r>
+            <a:r>
+              <a:rPr lang="en-US" sz="2200" dirty="0">
+                <a:solidFill>
+                  <a:srgbClr val="000000"/>
+                </a:solidFill>
+                <a:latin typeface="Courier New" panose="02070309020205020404" pitchFamily="49" charset="0"/>
+                <a:ea typeface="Calibri"/>
+                <a:cs typeface="Courier New" panose="02070309020205020404" pitchFamily="49" charset="0"/>
+              </a:rPr>
+              <a:t>ratings</a:t>
+            </a:r>
+            <a:br>
+              <a:rPr lang="en-US" sz="2200" dirty="0">
+                <a:solidFill>
+                  <a:srgbClr val="000000"/>
+                </a:solidFill>
+                <a:latin typeface="Calibri"/>
+                <a:ea typeface="Calibri"/>
+              </a:rPr>
+            </a:br>
+            <a:br>
+              <a:rPr lang="en-US" sz="2200" dirty="0">
+                <a:solidFill>
+                  <a:srgbClr val="000000"/>
+                </a:solidFill>
+                <a:latin typeface="Calibri"/>
+                <a:ea typeface="Calibri"/>
+              </a:rPr>
+            </a:br>
+            <a:r>
+              <a:rPr lang="en-US" dirty="0">
+                <a:solidFill>
+                  <a:srgbClr val="000000"/>
+                </a:solidFill>
+                <a:latin typeface="Courier New" panose="02070309020205020404" pitchFamily="49" charset="0"/>
+                <a:ea typeface="Calibri"/>
+                <a:cs typeface="Courier New" panose="02070309020205020404" pitchFamily="49" charset="0"/>
+              </a:rPr>
+              <a:t>AFL% CREATE ARRAY ratings &lt;userId:int64, movieID:int64, </a:t>
+            </a:r>
+            <a:r>
+              <a:rPr lang="en-US" dirty="0" err="1">
+                <a:solidFill>
+                  <a:srgbClr val="000000"/>
+                </a:solidFill>
+                <a:latin typeface="Courier New" panose="02070309020205020404" pitchFamily="49" charset="0"/>
+                <a:ea typeface="Calibri"/>
+                <a:cs typeface="Courier New" panose="02070309020205020404" pitchFamily="49" charset="0"/>
+              </a:rPr>
+              <a:t>rating:double</a:t>
+            </a:r>
+            <a:r>
+              <a:rPr lang="en-US" dirty="0">
+                <a:solidFill>
+                  <a:srgbClr val="000000"/>
+                </a:solidFill>
+                <a:latin typeface="Courier New" panose="02070309020205020404" pitchFamily="49" charset="0"/>
+                <a:ea typeface="Calibri"/>
+                <a:cs typeface="Courier New" panose="02070309020205020404" pitchFamily="49" charset="0"/>
+              </a:rPr>
+              <a:t> NOT NULL, timestamp:int64&gt; [</a:t>
+            </a:r>
+            <a:r>
+              <a:rPr lang="en-US" dirty="0" err="1">
+                <a:solidFill>
+                  <a:srgbClr val="000000"/>
+                </a:solidFill>
+                <a:latin typeface="Courier New" panose="02070309020205020404" pitchFamily="49" charset="0"/>
+                <a:ea typeface="Calibri"/>
+                <a:cs typeface="Courier New" panose="02070309020205020404" pitchFamily="49" charset="0"/>
+              </a:rPr>
+              <a:t>i</a:t>
+            </a:r>
+            <a:r>
+              <a:rPr lang="en-US" dirty="0">
+                <a:solidFill>
+                  <a:srgbClr val="000000"/>
+                </a:solidFill>
+                <a:latin typeface="Courier New" panose="02070309020205020404" pitchFamily="49" charset="0"/>
+                <a:ea typeface="Calibri"/>
+                <a:cs typeface="Courier New" panose="02070309020205020404" pitchFamily="49" charset="0"/>
+              </a:rPr>
+              <a:t>=0:?,1000000,0];</a:t>
+            </a:r>
+            <a:br>
+              <a:rPr lang="en-US" dirty="0">
+                <a:latin typeface="Courier New" panose="02070309020205020404" pitchFamily="49" charset="0"/>
+                <a:cs typeface="Courier New" panose="02070309020205020404" pitchFamily="49" charset="0"/>
+              </a:rPr>
+            </a:br>
+            <a:endParaRPr lang="en-US" dirty="0">
+              <a:latin typeface="Courier New" panose="02070309020205020404" pitchFamily="49" charset="0"/>
+              <a:cs typeface="Courier New" panose="02070309020205020404" pitchFamily="49" charset="0"/>
+            </a:endParaRPr>
+          </a:p>
+          <a:p>
+            <a:pPr marL="285750" indent="-285750">
+              <a:lnSpc>
+                <a:spcPct val="100000"/>
+              </a:lnSpc>
+              <a:buFont typeface="Wingdings" panose="05000000000000000000" pitchFamily="2" charset="2"/>
+              <a:buChar char="§"/>
+            </a:pPr>
+            <a:r>
+              <a:rPr lang="en-US" sz="2200" b="1" u="sng" dirty="0">
+                <a:solidFill>
+                  <a:srgbClr val="000000"/>
+                </a:solidFill>
+                <a:latin typeface="Calibri"/>
+                <a:ea typeface="Calibri"/>
+              </a:rPr>
+              <a:t>Step 1b</a:t>
+            </a:r>
+            <a:r>
+              <a:rPr lang="en-US" sz="2200" dirty="0">
+                <a:solidFill>
+                  <a:srgbClr val="000000"/>
+                </a:solidFill>
+                <a:latin typeface="Calibri"/>
+                <a:ea typeface="Calibri"/>
+              </a:rPr>
+              <a:t>: Load from CSV into array</a:t>
+            </a:r>
+            <a:br>
+              <a:rPr lang="en-US" sz="2200" dirty="0">
+                <a:solidFill>
+                  <a:srgbClr val="000000"/>
+                </a:solidFill>
+                <a:latin typeface="Calibri"/>
+                <a:ea typeface="Calibri"/>
+              </a:rPr>
+            </a:br>
+            <a:br>
+              <a:rPr lang="en-US" sz="2200" dirty="0">
+                <a:solidFill>
+                  <a:srgbClr val="000000"/>
+                </a:solidFill>
+                <a:latin typeface="Calibri"/>
+                <a:ea typeface="Calibri"/>
+              </a:rPr>
+            </a:br>
+            <a:r>
+              <a:rPr lang="en-US" dirty="0">
+                <a:solidFill>
+                  <a:srgbClr val="000000"/>
+                </a:solidFill>
+                <a:latin typeface="Courier New" panose="02070309020205020404" pitchFamily="49" charset="0"/>
+                <a:ea typeface="Calibri"/>
+                <a:cs typeface="Courier New" panose="02070309020205020404" pitchFamily="49" charset="0"/>
+              </a:rPr>
+              <a:t>AFL% load(ratings, 'ratings_noHeader.csv', -2, 'csv');</a:t>
+            </a:r>
+            <a:br>
+              <a:rPr lang="en-US" dirty="0">
+                <a:solidFill>
+                  <a:srgbClr val="000000"/>
+                </a:solidFill>
+                <a:latin typeface="Calibri"/>
+                <a:ea typeface="Calibri"/>
+              </a:rPr>
+            </a:br>
+            <a:br>
+              <a:rPr lang="en-US" dirty="0">
+                <a:solidFill>
+                  <a:srgbClr val="000000"/>
+                </a:solidFill>
+                <a:latin typeface="Calibri"/>
+                <a:ea typeface="Calibri"/>
+              </a:rPr>
+            </a:br>
+            <a:endParaRPr lang="en-US" dirty="0">
+              <a:solidFill>
+                <a:srgbClr val="000000"/>
+              </a:solidFill>
+              <a:latin typeface="Calibri"/>
+              <a:ea typeface="Calibri"/>
+            </a:endParaRPr>
+          </a:p>
+          <a:p>
+            <a:pPr marL="285750" indent="-285750">
+              <a:lnSpc>
+                <a:spcPct val="100000"/>
+              </a:lnSpc>
+              <a:buFont typeface="Wingdings" panose="05000000000000000000" pitchFamily="2" charset="2"/>
+              <a:buChar char="§"/>
+            </a:pPr>
+            <a:r>
+              <a:rPr lang="en-US" sz="2200" b="1" u="sng" dirty="0">
+                <a:solidFill>
+                  <a:srgbClr val="000000"/>
+                </a:solidFill>
+                <a:latin typeface="Calibri"/>
+                <a:ea typeface="Calibri"/>
+              </a:rPr>
+              <a:t>Step 2</a:t>
+            </a:r>
+            <a:r>
+              <a:rPr lang="en-US" sz="2200" dirty="0">
+                <a:solidFill>
+                  <a:srgbClr val="000000"/>
+                </a:solidFill>
+                <a:latin typeface="Calibri"/>
+                <a:ea typeface="Calibri"/>
+              </a:rPr>
+              <a:t>: </a:t>
+            </a:r>
+            <a:r>
+              <a:rPr lang="en-US" sz="2200" dirty="0" err="1">
+                <a:solidFill>
+                  <a:srgbClr val="000000"/>
+                </a:solidFill>
+                <a:latin typeface="Calibri"/>
+                <a:ea typeface="Calibri"/>
+              </a:rPr>
+              <a:t>Redimension</a:t>
+            </a:r>
+            <a:r>
+              <a:rPr lang="en-US" sz="2200" dirty="0">
+                <a:solidFill>
+                  <a:srgbClr val="000000"/>
+                </a:solidFill>
+                <a:latin typeface="Calibri"/>
+                <a:ea typeface="Calibri"/>
+              </a:rPr>
+              <a:t> from 1D to 2D array </a:t>
+            </a:r>
+            <a:r>
+              <a:rPr lang="en-US" sz="2200" dirty="0" err="1">
+                <a:solidFill>
+                  <a:srgbClr val="000000"/>
+                </a:solidFill>
+                <a:latin typeface="Courier New" panose="02070309020205020404" pitchFamily="49" charset="0"/>
+                <a:ea typeface="Calibri"/>
+                <a:cs typeface="Courier New" panose="02070309020205020404" pitchFamily="49" charset="0"/>
+              </a:rPr>
+              <a:t>ratings_matrix</a:t>
+            </a:r>
+            <a:br>
+              <a:rPr lang="en-US" sz="2200" dirty="0">
+                <a:solidFill>
+                  <a:srgbClr val="000000"/>
+                </a:solidFill>
+                <a:latin typeface="Calibri"/>
+                <a:ea typeface="Calibri"/>
+              </a:rPr>
+            </a:br>
+            <a:br>
+              <a:rPr lang="en-US" sz="2200" dirty="0">
+                <a:solidFill>
+                  <a:srgbClr val="000000"/>
+                </a:solidFill>
+                <a:latin typeface="Calibri"/>
+                <a:ea typeface="Calibri"/>
+              </a:rPr>
+            </a:br>
+            <a:r>
+              <a:rPr lang="en-US" dirty="0">
+                <a:solidFill>
+                  <a:srgbClr val="000000"/>
+                </a:solidFill>
+                <a:latin typeface="Courier New" panose="02070309020205020404" pitchFamily="49" charset="0"/>
+                <a:ea typeface="Calibri"/>
+                <a:cs typeface="Courier New" panose="02070309020205020404" pitchFamily="49" charset="0"/>
+              </a:rPr>
+              <a:t>AFL% store(</a:t>
+            </a:r>
+            <a:r>
+              <a:rPr lang="en-US" dirty="0" err="1">
+                <a:solidFill>
+                  <a:srgbClr val="000000"/>
+                </a:solidFill>
+                <a:latin typeface="Courier New" panose="02070309020205020404" pitchFamily="49" charset="0"/>
+                <a:ea typeface="Calibri"/>
+                <a:cs typeface="Courier New" panose="02070309020205020404" pitchFamily="49" charset="0"/>
+              </a:rPr>
+              <a:t>redimension</a:t>
+            </a:r>
+            <a:r>
+              <a:rPr lang="en-US" dirty="0">
+                <a:solidFill>
+                  <a:srgbClr val="000000"/>
+                </a:solidFill>
+                <a:latin typeface="Courier New" panose="02070309020205020404" pitchFamily="49" charset="0"/>
+                <a:ea typeface="Calibri"/>
+                <a:cs typeface="Courier New" panose="02070309020205020404" pitchFamily="49" charset="0"/>
+              </a:rPr>
+              <a:t>(ratings, &lt;</a:t>
+            </a:r>
+            <a:r>
+              <a:rPr lang="en-US" dirty="0" err="1">
+                <a:solidFill>
+                  <a:srgbClr val="000000"/>
+                </a:solidFill>
+                <a:latin typeface="Courier New" panose="02070309020205020404" pitchFamily="49" charset="0"/>
+                <a:ea typeface="Calibri"/>
+                <a:cs typeface="Courier New" panose="02070309020205020404" pitchFamily="49" charset="0"/>
+              </a:rPr>
+              <a:t>rating:double</a:t>
+            </a:r>
+            <a:r>
+              <a:rPr lang="en-US" dirty="0">
+                <a:solidFill>
+                  <a:srgbClr val="000000"/>
+                </a:solidFill>
+                <a:latin typeface="Courier New" panose="02070309020205020404" pitchFamily="49" charset="0"/>
+                <a:ea typeface="Calibri"/>
+                <a:cs typeface="Courier New" panose="02070309020205020404" pitchFamily="49" charset="0"/>
+              </a:rPr>
+              <a:t> NOT NULL&gt;[</a:t>
+            </a:r>
+            <a:r>
+              <a:rPr lang="en-US" dirty="0" err="1">
+                <a:solidFill>
+                  <a:srgbClr val="000000"/>
+                </a:solidFill>
+                <a:latin typeface="Courier New" panose="02070309020205020404" pitchFamily="49" charset="0"/>
+                <a:ea typeface="Calibri"/>
+                <a:cs typeface="Courier New" panose="02070309020205020404" pitchFamily="49" charset="0"/>
+              </a:rPr>
+              <a:t>userId</a:t>
+            </a:r>
+            <a:r>
+              <a:rPr lang="en-US" dirty="0">
+                <a:solidFill>
+                  <a:srgbClr val="000000"/>
+                </a:solidFill>
+                <a:latin typeface="Courier New" panose="02070309020205020404" pitchFamily="49" charset="0"/>
+                <a:ea typeface="Calibri"/>
+                <a:cs typeface="Courier New" panose="02070309020205020404" pitchFamily="49" charset="0"/>
+              </a:rPr>
+              <a:t>=0:671,?,0,movieID=0:163949,?,0]), </a:t>
+            </a:r>
+            <a:r>
+              <a:rPr lang="en-US" dirty="0" err="1">
+                <a:solidFill>
+                  <a:srgbClr val="000000"/>
+                </a:solidFill>
+                <a:latin typeface="Courier New" panose="02070309020205020404" pitchFamily="49" charset="0"/>
+                <a:ea typeface="Calibri"/>
+                <a:cs typeface="Courier New" panose="02070309020205020404" pitchFamily="49" charset="0"/>
+              </a:rPr>
+              <a:t>ratings_matrix</a:t>
+            </a:r>
+            <a:r>
+              <a:rPr lang="en-US" dirty="0">
+                <a:solidFill>
+                  <a:srgbClr val="000000"/>
+                </a:solidFill>
+                <a:latin typeface="Courier New" panose="02070309020205020404" pitchFamily="49" charset="0"/>
+                <a:ea typeface="Calibri"/>
+                <a:cs typeface="Courier New" panose="02070309020205020404" pitchFamily="49" charset="0"/>
+              </a:rPr>
+              <a:t>);</a:t>
+            </a:r>
+            <a:endParaRPr dirty="0">
+              <a:latin typeface="Courier New" panose="02070309020205020404" pitchFamily="49" charset="0"/>
+              <a:cs typeface="Courier New" panose="02070309020205020404" pitchFamily="49" charset="0"/>
+            </a:endParaRPr>
+          </a:p>
+          <a:p>
+            <a:pPr>
+              <a:lnSpc>
+                <a:spcPct val="100000"/>
+              </a:lnSpc>
+            </a:pPr>
+            <a:endParaRPr sz="2200" dirty="0"/>
+          </a:p>
           <a:p>
             <a:pPr>
               <a:lnSpc>
@@ -5442,277 +6976,7 @@
               <a:buFont typeface="Calibri"/>
               <a:buChar char="▪"/>
             </a:pPr>
-            <a:r>
-              <a:rPr lang="en-US">
-                <a:solidFill>
-                  <a:srgbClr val="000000"/>
-                </a:solidFill>
-                <a:latin typeface="Calibri"/>
-                <a:ea typeface="Calibri"/>
-              </a:rPr>
-              <a:t>Load data from CSV file to SciDB database</a:t>
-            </a:r>
-            <a:endParaRPr/>
-          </a:p>
-          <a:p>
-            <a:pPr>
-              <a:lnSpc>
-                <a:spcPct val="100000"/>
-              </a:lnSpc>
-              <a:buFont typeface="Calibri"/>
-              <a:buChar char="▪"/>
-            </a:pPr>
-            <a:r>
-              <a:rPr lang="en-US">
-                <a:solidFill>
-                  <a:srgbClr val="000000"/>
-                </a:solidFill>
-                <a:latin typeface="Calibri"/>
-                <a:ea typeface="Calibri"/>
-              </a:rPr>
-              <a:t>
-</a:t>
-            </a:r>
-            <a:r>
-              <a:rPr b="1" lang="en-US" u="sng">
-                <a:solidFill>
-                  <a:srgbClr val="000000"/>
-                </a:solidFill>
-                <a:latin typeface="Calibri"/>
-                <a:ea typeface="Calibri"/>
-              </a:rPr>
-              <a:t>Step 1a</a:t>
-            </a:r>
-            <a:r>
-              <a:rPr lang="en-US">
-                <a:solidFill>
-                  <a:srgbClr val="000000"/>
-                </a:solidFill>
-                <a:latin typeface="Calibri"/>
-                <a:ea typeface="Calibri"/>
-              </a:rPr>
-              <a:t>: Create a 1D array 'ratings'</a:t>
-            </a:r>
-            <a:r>
-              <a:rPr lang="en-US">
-                <a:solidFill>
-                  <a:srgbClr val="000000"/>
-                </a:solidFill>
-                <a:latin typeface="Calibri"/>
-                <a:ea typeface="Calibri"/>
-              </a:rPr>
-              <a:t>
-</a:t>
-            </a:r>
-            <a:r>
-              <a:rPr lang="en-US">
-                <a:solidFill>
-                  <a:srgbClr val="000000"/>
-                </a:solidFill>
-                <a:latin typeface="Calibri"/>
-                <a:ea typeface="Calibri"/>
-              </a:rPr>
-              <a:t>
-</a:t>
-            </a:r>
-            <a:r>
-              <a:rPr lang="en-US">
-                <a:solidFill>
-                  <a:srgbClr val="000000"/>
-                </a:solidFill>
-                <a:latin typeface="Calibri"/>
-                <a:ea typeface="Calibri"/>
-              </a:rPr>
-              <a:t>AFL% CREATE ARRAY ratings &lt;userId:int64, movieID:int64, rating:double NOT NULL, timestamp:int64&gt; [i=0:?,1000000,0];</a:t>
-            </a:r>
-            <a:endParaRPr/>
-          </a:p>
-          <a:p>
-            <a:pPr>
-              <a:lnSpc>
-                <a:spcPct val="100000"/>
-              </a:lnSpc>
-              <a:buFont typeface="Calibri"/>
-              <a:buChar char="▪"/>
-            </a:pPr>
-            <a:r>
-              <a:rPr lang="en-US">
-                <a:solidFill>
-                  <a:srgbClr val="000000"/>
-                </a:solidFill>
-                <a:latin typeface="Calibri"/>
-                <a:ea typeface="Calibri"/>
-              </a:rPr>
-              <a:t>
-</a:t>
-            </a:r>
-            <a:r>
-              <a:rPr b="1" lang="en-US" u="sng">
-                <a:solidFill>
-                  <a:srgbClr val="000000"/>
-                </a:solidFill>
-                <a:latin typeface="Calibri"/>
-                <a:ea typeface="Calibri"/>
-              </a:rPr>
-              <a:t>Step 1b</a:t>
-            </a:r>
-            <a:r>
-              <a:rPr lang="en-US">
-                <a:solidFill>
-                  <a:srgbClr val="000000"/>
-                </a:solidFill>
-                <a:latin typeface="Calibri"/>
-                <a:ea typeface="Calibri"/>
-              </a:rPr>
-              <a:t>: Load from CSV into array</a:t>
-            </a:r>
-            <a:r>
-              <a:rPr lang="en-US">
-                <a:solidFill>
-                  <a:srgbClr val="000000"/>
-                </a:solidFill>
-                <a:latin typeface="Calibri"/>
-                <a:ea typeface="Calibri"/>
-              </a:rPr>
-              <a:t>
-</a:t>
-            </a:r>
-            <a:r>
-              <a:rPr lang="en-US">
-                <a:solidFill>
-                  <a:srgbClr val="000000"/>
-                </a:solidFill>
-                <a:latin typeface="Calibri"/>
-                <a:ea typeface="Calibri"/>
-              </a:rPr>
-              <a:t>
-</a:t>
-            </a:r>
-            <a:r>
-              <a:rPr lang="en-US">
-                <a:solidFill>
-                  <a:srgbClr val="000000"/>
-                </a:solidFill>
-                <a:latin typeface="Calibri"/>
-                <a:ea typeface="Calibri"/>
-              </a:rPr>
-              <a:t>AFL% load(ratings, 'ratings_noHeader.csv', -2, 'csv')</a:t>
-            </a:r>
-            <a:r>
-              <a:rPr lang="en-US">
-                <a:solidFill>
-                  <a:srgbClr val="000000"/>
-                </a:solidFill>
-                <a:latin typeface="Calibri"/>
-                <a:ea typeface="Calibri"/>
-              </a:rPr>
-              <a:t>
-</a:t>
-            </a:r>
-            <a:r>
-              <a:rPr lang="en-US">
-                <a:solidFill>
-                  <a:srgbClr val="000000"/>
-                </a:solidFill>
-                <a:latin typeface="Calibri"/>
-                <a:ea typeface="Calibri"/>
-              </a:rPr>
-              <a:t>
-</a:t>
-            </a:r>
-            <a:r>
-              <a:rPr lang="en-US">
-                <a:solidFill>
-                  <a:srgbClr val="000000"/>
-                </a:solidFill>
-                <a:latin typeface="Calibri"/>
-                <a:ea typeface="Calibri"/>
-              </a:rPr>
-              <a:t>
-</a:t>
-            </a:r>
-            <a:r>
-              <a:rPr b="1" lang="en-US" u="sng">
-                <a:solidFill>
-                  <a:srgbClr val="000000"/>
-                </a:solidFill>
-                <a:latin typeface="Calibri"/>
-                <a:ea typeface="Calibri"/>
-              </a:rPr>
-              <a:t>Step 2</a:t>
-            </a:r>
-            <a:r>
-              <a:rPr lang="en-US">
-                <a:solidFill>
-                  <a:srgbClr val="000000"/>
-                </a:solidFill>
-                <a:latin typeface="Calibri"/>
-                <a:ea typeface="Calibri"/>
-              </a:rPr>
-              <a:t>: Redimension from 1D to 2D array 'ratings_matrix'</a:t>
-            </a:r>
-            <a:r>
-              <a:rPr lang="en-US">
-                <a:solidFill>
-                  <a:srgbClr val="000000"/>
-                </a:solidFill>
-                <a:latin typeface="Calibri"/>
-                <a:ea typeface="Calibri"/>
-              </a:rPr>
-              <a:t>
-</a:t>
-            </a:r>
-            <a:r>
-              <a:rPr lang="en-US">
-                <a:solidFill>
-                  <a:srgbClr val="000000"/>
-                </a:solidFill>
-                <a:latin typeface="Calibri"/>
-                <a:ea typeface="Calibri"/>
-              </a:rPr>
-              <a:t>
-</a:t>
-            </a:r>
-            <a:r>
-              <a:rPr lang="en-US">
-                <a:solidFill>
-                  <a:srgbClr val="000000"/>
-                </a:solidFill>
-                <a:latin typeface="Calibri"/>
-                <a:ea typeface="Calibri"/>
-              </a:rPr>
-              <a:t>AFL% store(redimension(ratings, &lt;rating:double NOT NULL&gt;[userId=0:671,?,0,movieID=0:163949,?,0]), ratings_matrix)</a:t>
-            </a:r>
-            <a:r>
-              <a:rPr lang="en-US">
-                <a:solidFill>
-                  <a:srgbClr val="000000"/>
-                </a:solidFill>
-                <a:latin typeface="Calibri"/>
-                <a:ea typeface="Calibri"/>
-              </a:rPr>
-              <a:t>
-</a:t>
-            </a:r>
-            <a:endParaRPr/>
-          </a:p>
-          <a:p>
-            <a:pPr>
-              <a:lnSpc>
-                <a:spcPct val="100000"/>
-              </a:lnSpc>
-            </a:pPr>
-            <a:endParaRPr/>
-          </a:p>
-          <a:p>
-            <a:pPr>
-              <a:lnSpc>
-                <a:spcPct val="100000"/>
-              </a:lnSpc>
-              <a:buFont typeface="Calibri"/>
-              <a:buChar char="▪"/>
-            </a:pPr>
-            <a:endParaRPr/>
+            <a:endParaRPr sz="2200" dirty="0"/>
           </a:p>
         </p:txBody>
       </p:sp>
@@ -5733,6 +6997,7 @@
         </p:spPr>
         <p:txBody>
           <a:bodyPr anchor="ctr"/>
+          <a:lstStyle/>
           <a:p>
             <a:pPr algn="ctr">
               <a:lnSpc>
@@ -5770,6 +7035,7 @@
         </p:spPr>
         <p:txBody>
           <a:bodyPr anchor="ctr"/>
+          <a:lstStyle/>
           <a:p>
             <a:pPr algn="r">
               <a:lnSpc>
@@ -5777,14 +7043,14 @@
               </a:lnSpc>
             </a:pPr>
             <a:fld id="{195EEE33-5A7A-48E9-B9FD-BE393BECDE84}" type="slidenum">
-              <a:rPr b="1" lang="en-US" sz="1600">
+              <a:rPr lang="en-US" sz="1600" b="1">
                 <a:solidFill>
                   <a:srgbClr val="888888"/>
                 </a:solidFill>
                 <a:latin typeface="Calibri"/>
                 <a:ea typeface="Calibri"/>
               </a:rPr>
-              <a:t>&lt;number&gt;</a:t>
+              <a:t>14</a:t>
             </a:fld>
             <a:endParaRPr/>
           </a:p>
@@ -5792,22 +7058,25 @@
       </p:sp>
     </p:spTree>
   </p:cSld>
+  <p:clrMapOvr>
+    <a:masterClrMapping/>
+  </p:clrMapOvr>
   <p:timing>
     <p:tnLst>
       <p:par>
-        <p:cTn id="27" dur="indefinite" restart="never" nodeType="tmRoot">
+        <p:cTn id="1" dur="indefinite" restart="never" nodeType="tmRoot">
           <p:childTnLst>
             <p:seq>
-              <p:cTn id="28" nodeType="mainSeq"/>
+              <p:cTn id="2" nodeType="mainSeq"/>
               <p:prevCondLst>
-                <p:cond delay="0" evt="onPrev">
+                <p:cond evt="onPrev" delay="0">
                   <p:tgtEl>
                     <p:sldTgt/>
                   </p:tgtEl>
                 </p:cond>
               </p:prevCondLst>
               <p:nextCondLst>
-                <p:cond delay="0" evt="onNext">
+                <p:cond evt="onNext" delay="0">
                   <p:tgtEl>
                     <p:sldTgt/>
                   </p:tgtEl>
@@ -5823,7 +7092,7 @@
 </file>
 
 <file path=ppt/slides/slide15.xml><?xml version="1.0" encoding="utf-8"?>
-<p:sld xmlns:a="http://schemas.openxmlformats.org/drawingml/2006/main" xmlns:p="http://schemas.openxmlformats.org/presentationml/2006/main" xmlns:r="http://schemas.openxmlformats.org/officeDocument/2006/relationships">
+<p:sld xmlns:a="http://schemas.openxmlformats.org/drawingml/2006/main" xmlns:r="http://schemas.openxmlformats.org/officeDocument/2006/relationships" xmlns:p="http://schemas.openxmlformats.org/presentationml/2006/main">
   <p:cSld>
     <p:spTree>
       <p:nvGrpSpPr>
@@ -5856,6 +7125,7 @@
         </p:spPr>
         <p:txBody>
           <a:bodyPr anchor="ctr"/>
+          <a:lstStyle/>
           <a:p>
             <a:pPr algn="ctr">
               <a:lnSpc>
@@ -5865,7 +7135,7 @@
             <a:r>
               <a:rPr lang="en-US" sz="3200">
                 <a:solidFill>
-                  <a:srgbClr val="0070c0"/>
+                  <a:srgbClr val="0070C0"/>
                 </a:solidFill>
                 <a:latin typeface="Calibri"/>
                 <a:ea typeface="Calibri"/>
@@ -5893,6 +7163,243 @@
         </p:spPr>
         <p:txBody>
           <a:bodyPr/>
+          <a:lstStyle/>
+          <a:p>
+            <a:pPr marL="342900" indent="-342900">
+              <a:lnSpc>
+                <a:spcPct val="100000"/>
+              </a:lnSpc>
+              <a:buFont typeface="Wingdings" panose="05000000000000000000" pitchFamily="2" charset="2"/>
+              <a:buChar char="§"/>
+            </a:pPr>
+            <a:r>
+              <a:rPr lang="en-US" sz="2400" dirty="0">
+                <a:solidFill>
+                  <a:srgbClr val="000000"/>
+                </a:solidFill>
+                <a:latin typeface="Calibri"/>
+                <a:ea typeface="Calibri"/>
+              </a:rPr>
+              <a:t>What is the average rating of each user?</a:t>
+            </a:r>
+            <a:br>
+              <a:rPr lang="en-US" sz="2400" dirty="0">
+                <a:solidFill>
+                  <a:srgbClr val="000000"/>
+                </a:solidFill>
+                <a:latin typeface="Calibri"/>
+                <a:ea typeface="Calibri"/>
+              </a:rPr>
+            </a:br>
+            <a:r>
+              <a:rPr lang="en-US" dirty="0">
+                <a:solidFill>
+                  <a:srgbClr val="000000"/>
+                </a:solidFill>
+                <a:latin typeface="Courier New" panose="02070309020205020404" pitchFamily="49" charset="0"/>
+                <a:ea typeface="Calibri"/>
+                <a:cs typeface="Courier New" panose="02070309020205020404" pitchFamily="49" charset="0"/>
+              </a:rPr>
+              <a:t>AFL% aggregate(</a:t>
+            </a:r>
+            <a:r>
+              <a:rPr lang="en-US" dirty="0" err="1">
+                <a:solidFill>
+                  <a:srgbClr val="000000"/>
+                </a:solidFill>
+                <a:latin typeface="Courier New" panose="02070309020205020404" pitchFamily="49" charset="0"/>
+                <a:ea typeface="Calibri"/>
+                <a:cs typeface="Courier New" panose="02070309020205020404" pitchFamily="49" charset="0"/>
+              </a:rPr>
+              <a:t>ratings_matrix</a:t>
+            </a:r>
+            <a:r>
+              <a:rPr lang="en-US" dirty="0">
+                <a:solidFill>
+                  <a:srgbClr val="000000"/>
+                </a:solidFill>
+                <a:latin typeface="Courier New" panose="02070309020205020404" pitchFamily="49" charset="0"/>
+                <a:ea typeface="Calibri"/>
+                <a:cs typeface="Courier New" panose="02070309020205020404" pitchFamily="49" charset="0"/>
+              </a:rPr>
+              <a:t>, </a:t>
+            </a:r>
+            <a:r>
+              <a:rPr lang="en-US" dirty="0" err="1">
+                <a:solidFill>
+                  <a:srgbClr val="000000"/>
+                </a:solidFill>
+                <a:latin typeface="Courier New" panose="02070309020205020404" pitchFamily="49" charset="0"/>
+                <a:ea typeface="Calibri"/>
+                <a:cs typeface="Courier New" panose="02070309020205020404" pitchFamily="49" charset="0"/>
+              </a:rPr>
+              <a:t>avg</a:t>
+            </a:r>
+            <a:r>
+              <a:rPr lang="en-US" dirty="0">
+                <a:solidFill>
+                  <a:srgbClr val="000000"/>
+                </a:solidFill>
+                <a:latin typeface="Courier New" panose="02070309020205020404" pitchFamily="49" charset="0"/>
+                <a:ea typeface="Calibri"/>
+                <a:cs typeface="Courier New" panose="02070309020205020404" pitchFamily="49" charset="0"/>
+              </a:rPr>
+              <a:t>(rating), </a:t>
+            </a:r>
+            <a:r>
+              <a:rPr lang="en-US" dirty="0" err="1">
+                <a:solidFill>
+                  <a:srgbClr val="000000"/>
+                </a:solidFill>
+                <a:latin typeface="Courier New" panose="02070309020205020404" pitchFamily="49" charset="0"/>
+                <a:ea typeface="Calibri"/>
+                <a:cs typeface="Courier New" panose="02070309020205020404" pitchFamily="49" charset="0"/>
+              </a:rPr>
+              <a:t>userId</a:t>
+            </a:r>
+            <a:r>
+              <a:rPr lang="en-US" dirty="0">
+                <a:solidFill>
+                  <a:srgbClr val="000000"/>
+                </a:solidFill>
+                <a:latin typeface="Courier New" panose="02070309020205020404" pitchFamily="49" charset="0"/>
+                <a:ea typeface="Calibri"/>
+                <a:cs typeface="Courier New" panose="02070309020205020404" pitchFamily="49" charset="0"/>
+              </a:rPr>
+              <a:t>)</a:t>
+            </a:r>
+            <a:br>
+              <a:rPr lang="en-US" sz="2400" dirty="0">
+                <a:solidFill>
+                  <a:srgbClr val="000000"/>
+                </a:solidFill>
+                <a:latin typeface="Courier New" panose="02070309020205020404" pitchFamily="49" charset="0"/>
+                <a:ea typeface="Calibri"/>
+                <a:cs typeface="Courier New" panose="02070309020205020404" pitchFamily="49" charset="0"/>
+              </a:rPr>
+            </a:br>
+            <a:br>
+              <a:rPr lang="en-US" sz="2400" dirty="0">
+                <a:solidFill>
+                  <a:srgbClr val="000000"/>
+                </a:solidFill>
+                <a:latin typeface="Calibri"/>
+                <a:ea typeface="Calibri"/>
+              </a:rPr>
+            </a:br>
+            <a:br>
+              <a:rPr lang="en-US" sz="2400" dirty="0">
+                <a:solidFill>
+                  <a:srgbClr val="000000"/>
+                </a:solidFill>
+                <a:latin typeface="Calibri"/>
+                <a:ea typeface="Calibri"/>
+              </a:rPr>
+            </a:br>
+            <a:br>
+              <a:rPr lang="en-US" sz="2400" dirty="0">
+                <a:solidFill>
+                  <a:srgbClr val="000000"/>
+                </a:solidFill>
+                <a:latin typeface="Calibri"/>
+                <a:ea typeface="Calibri"/>
+              </a:rPr>
+            </a:br>
+            <a:br>
+              <a:rPr lang="en-US" sz="2400" dirty="0">
+                <a:solidFill>
+                  <a:srgbClr val="000000"/>
+                </a:solidFill>
+                <a:latin typeface="Calibri"/>
+                <a:ea typeface="Calibri"/>
+              </a:rPr>
+            </a:br>
+            <a:br>
+              <a:rPr lang="en-US" sz="2400" dirty="0">
+                <a:solidFill>
+                  <a:srgbClr val="000000"/>
+                </a:solidFill>
+                <a:latin typeface="Calibri"/>
+                <a:ea typeface="Calibri"/>
+              </a:rPr>
+            </a:br>
+            <a:r>
+              <a:rPr lang="en-US" sz="2400" dirty="0">
+                <a:solidFill>
+                  <a:srgbClr val="000000"/>
+                </a:solidFill>
+                <a:latin typeface="Calibri"/>
+                <a:ea typeface="Calibri"/>
+              </a:rPr>
+              <a:t>
+What is the maximum rating a movie has received?</a:t>
+            </a:r>
+            <a:br>
+              <a:rPr lang="en-US" sz="2400" dirty="0">
+                <a:solidFill>
+                  <a:srgbClr val="000000"/>
+                </a:solidFill>
+                <a:latin typeface="Calibri"/>
+                <a:ea typeface="Calibri"/>
+              </a:rPr>
+            </a:br>
+            <a:r>
+              <a:rPr lang="en-US" dirty="0">
+                <a:solidFill>
+                  <a:srgbClr val="000000"/>
+                </a:solidFill>
+                <a:latin typeface="Courier New" panose="02070309020205020404" pitchFamily="49" charset="0"/>
+                <a:ea typeface="Calibri"/>
+                <a:cs typeface="Courier New" panose="02070309020205020404" pitchFamily="49" charset="0"/>
+              </a:rPr>
+              <a:t>AFL% aggregate(</a:t>
+            </a:r>
+            <a:r>
+              <a:rPr lang="en-US" dirty="0" err="1">
+                <a:solidFill>
+                  <a:srgbClr val="000000"/>
+                </a:solidFill>
+                <a:latin typeface="Courier New" panose="02070309020205020404" pitchFamily="49" charset="0"/>
+                <a:ea typeface="Calibri"/>
+                <a:cs typeface="Courier New" panose="02070309020205020404" pitchFamily="49" charset="0"/>
+              </a:rPr>
+              <a:t>ratings_matrix</a:t>
+            </a:r>
+            <a:r>
+              <a:rPr lang="en-US" dirty="0">
+                <a:solidFill>
+                  <a:srgbClr val="000000"/>
+                </a:solidFill>
+                <a:latin typeface="Courier New" panose="02070309020205020404" pitchFamily="49" charset="0"/>
+                <a:ea typeface="Calibri"/>
+                <a:cs typeface="Courier New" panose="02070309020205020404" pitchFamily="49" charset="0"/>
+              </a:rPr>
+              <a:t>, max(rating), </a:t>
+            </a:r>
+            <a:r>
+              <a:rPr lang="en-US" dirty="0" err="1">
+                <a:solidFill>
+                  <a:srgbClr val="000000"/>
+                </a:solidFill>
+                <a:latin typeface="Courier New" panose="02070309020205020404" pitchFamily="49" charset="0"/>
+                <a:ea typeface="Calibri"/>
+                <a:cs typeface="Courier New" panose="02070309020205020404" pitchFamily="49" charset="0"/>
+              </a:rPr>
+              <a:t>movieID</a:t>
+            </a:r>
+            <a:r>
+              <a:rPr lang="en-US" dirty="0">
+                <a:solidFill>
+                  <a:srgbClr val="000000"/>
+                </a:solidFill>
+                <a:latin typeface="Courier New" panose="02070309020205020404" pitchFamily="49" charset="0"/>
+                <a:ea typeface="Calibri"/>
+                <a:cs typeface="Courier New" panose="02070309020205020404" pitchFamily="49" charset="0"/>
+              </a:rPr>
+              <a:t>)</a:t>
+            </a:r>
+            <a:endParaRPr sz="2400" dirty="0"/>
+          </a:p>
           <a:p>
             <a:pPr>
               <a:lnSpc>
@@ -5901,196 +7408,7 @@
               <a:buFont typeface="Calibri"/>
               <a:buChar char="▪"/>
             </a:pPr>
-            <a:r>
-              <a:rPr lang="en-US">
-                <a:solidFill>
-                  <a:srgbClr val="000000"/>
-                </a:solidFill>
-                <a:latin typeface="Calibri"/>
-                <a:ea typeface="Calibri"/>
-              </a:rPr>
-              <a:t>What is the average rating of each user?</a:t>
-            </a:r>
-            <a:r>
-              <a:rPr lang="en-US">
-                <a:solidFill>
-                  <a:srgbClr val="000000"/>
-                </a:solidFill>
-                <a:latin typeface="Calibri"/>
-                <a:ea typeface="Calibri"/>
-              </a:rPr>
-              <a:t>
-</a:t>
-            </a:r>
-            <a:r>
-              <a:rPr lang="en-US">
-                <a:solidFill>
-                  <a:srgbClr val="000000"/>
-                </a:solidFill>
-                <a:latin typeface="Calibri"/>
-                <a:ea typeface="Calibri"/>
-              </a:rPr>
-              <a:t>
-</a:t>
-            </a:r>
-            <a:r>
-              <a:rPr lang="en-US">
-                <a:solidFill>
-                  <a:srgbClr val="000000"/>
-                </a:solidFill>
-                <a:latin typeface="Calibri"/>
-                <a:ea typeface="Calibri"/>
-              </a:rPr>
-              <a:t>aggregate(ratings_matrix, avg(rating), userId)</a:t>
-            </a:r>
-            <a:r>
-              <a:rPr lang="en-US">
-                <a:solidFill>
-                  <a:srgbClr val="000000"/>
-                </a:solidFill>
-                <a:latin typeface="Calibri"/>
-                <a:ea typeface="Calibri"/>
-              </a:rPr>
-              <a:t>
-</a:t>
-            </a:r>
-            <a:r>
-              <a:rPr lang="en-US">
-                <a:solidFill>
-                  <a:srgbClr val="000000"/>
-                </a:solidFill>
-                <a:latin typeface="Calibri"/>
-                <a:ea typeface="Calibri"/>
-              </a:rPr>
-              <a:t>
-</a:t>
-            </a:r>
-            <a:r>
-              <a:rPr lang="en-US">
-                <a:solidFill>
-                  <a:srgbClr val="000000"/>
-                </a:solidFill>
-                <a:latin typeface="Calibri"/>
-                <a:ea typeface="Calibri"/>
-              </a:rPr>
-              <a:t>
-</a:t>
-            </a:r>
-            <a:r>
-              <a:rPr lang="en-US">
-                <a:solidFill>
-                  <a:srgbClr val="000000"/>
-                </a:solidFill>
-                <a:latin typeface="Calibri"/>
-                <a:ea typeface="Calibri"/>
-              </a:rPr>
-              <a:t>
-</a:t>
-            </a:r>
-            <a:r>
-              <a:rPr lang="en-US">
-                <a:solidFill>
-                  <a:srgbClr val="000000"/>
-                </a:solidFill>
-                <a:latin typeface="Calibri"/>
-                <a:ea typeface="Calibri"/>
-              </a:rPr>
-              <a:t>
-</a:t>
-            </a:r>
-            <a:r>
-              <a:rPr lang="en-US">
-                <a:solidFill>
-                  <a:srgbClr val="000000"/>
-                </a:solidFill>
-                <a:latin typeface="Calibri"/>
-                <a:ea typeface="Calibri"/>
-              </a:rPr>
-              <a:t>
-</a:t>
-            </a:r>
-            <a:endParaRPr/>
-          </a:p>
-          <a:p>
-            <a:pPr>
-              <a:lnSpc>
-                <a:spcPct val="100000"/>
-              </a:lnSpc>
-              <a:buFont typeface="Calibri"/>
-              <a:buChar char="▪"/>
-            </a:pPr>
-            <a:r>
-              <a:rPr lang="en-US">
-                <a:solidFill>
-                  <a:srgbClr val="000000"/>
-                </a:solidFill>
-                <a:latin typeface="Calibri"/>
-                <a:ea typeface="Calibri"/>
-              </a:rPr>
-              <a:t>What is the maximum rating a movie has received?</a:t>
-            </a:r>
-            <a:r>
-              <a:rPr lang="en-US">
-                <a:solidFill>
-                  <a:srgbClr val="000000"/>
-                </a:solidFill>
-                <a:latin typeface="Calibri"/>
-                <a:ea typeface="Calibri"/>
-              </a:rPr>
-              <a:t>
-</a:t>
-            </a:r>
-            <a:r>
-              <a:rPr lang="en-US">
-                <a:solidFill>
-                  <a:srgbClr val="000000"/>
-                </a:solidFill>
-                <a:latin typeface="Calibri"/>
-                <a:ea typeface="Calibri"/>
-              </a:rPr>
-              <a:t>
-</a:t>
-            </a:r>
-            <a:r>
-              <a:rPr lang="en-US">
-                <a:solidFill>
-                  <a:srgbClr val="000000"/>
-                </a:solidFill>
-                <a:latin typeface="Calibri"/>
-                <a:ea typeface="Calibri"/>
-              </a:rPr>
-              <a:t>aggregate(ratings_matrix, max(rating), movieID)</a:t>
-            </a:r>
-            <a:r>
-              <a:rPr lang="en-US">
-                <a:solidFill>
-                  <a:srgbClr val="000000"/>
-                </a:solidFill>
-                <a:latin typeface="Calibri"/>
-                <a:ea typeface="Calibri"/>
-              </a:rPr>
-              <a:t>
-</a:t>
-            </a:r>
-            <a:endParaRPr/>
-          </a:p>
-          <a:p>
-            <a:pPr>
-              <a:lnSpc>
-                <a:spcPct val="100000"/>
-              </a:lnSpc>
-            </a:pPr>
-            <a:endParaRPr/>
-          </a:p>
-          <a:p>
-            <a:pPr>
-              <a:lnSpc>
-                <a:spcPct val="100000"/>
-              </a:lnSpc>
-              <a:buFont typeface="Calibri"/>
-              <a:buChar char="▪"/>
-            </a:pPr>
-            <a:endParaRPr/>
+            <a:endParaRPr sz="2400" dirty="0"/>
           </a:p>
         </p:txBody>
       </p:sp>
@@ -6111,6 +7429,7 @@
         </p:spPr>
         <p:txBody>
           <a:bodyPr anchor="ctr"/>
+          <a:lstStyle/>
           <a:p>
             <a:pPr algn="ctr">
               <a:lnSpc>
@@ -6148,6 +7467,7 @@
         </p:spPr>
         <p:txBody>
           <a:bodyPr anchor="ctr"/>
+          <a:lstStyle/>
           <a:p>
             <a:pPr algn="r">
               <a:lnSpc>
@@ -6155,14 +7475,14 @@
               </a:lnSpc>
             </a:pPr>
             <a:fld id="{4D23FEF8-43E8-4BC3-BE2C-633FE9998109}" type="slidenum">
-              <a:rPr b="1" lang="en-US" sz="1600">
+              <a:rPr lang="en-US" sz="1600" b="1">
                 <a:solidFill>
                   <a:srgbClr val="888888"/>
                 </a:solidFill>
                 <a:latin typeface="Calibri"/>
                 <a:ea typeface="Calibri"/>
               </a:rPr>
-              <a:t>&lt;number&gt;</a:t>
+              <a:t>15</a:t>
             </a:fld>
             <a:endParaRPr/>
           </a:p>
@@ -6170,32 +7490,7 @@
       </p:sp>
       <p:pic>
         <p:nvPicPr>
-          <p:cNvPr id="151" name="" descr=""/>
-          <p:cNvPicPr/>
-          <p:nvPr/>
-        </p:nvPicPr>
-        <p:blipFill>
-          <a:blip r:embed="rId1"/>
-          <a:stretch>
-            <a:fillRect/>
-          </a:stretch>
-        </p:blipFill>
-        <p:spPr>
-          <a:xfrm>
-            <a:off x="6793920" y="1188720"/>
-            <a:ext cx="2075760" cy="1828800"/>
-          </a:xfrm>
-          <a:prstGeom prst="rect">
-            <a:avLst/>
-          </a:prstGeom>
-          <a:ln>
-            <a:noFill/>
-          </a:ln>
-        </p:spPr>
-      </p:pic>
-      <p:pic>
-        <p:nvPicPr>
-          <p:cNvPr id="152" name="" descr=""/>
+          <p:cNvPr id="151" name="Picture 150"/>
           <p:cNvPicPr/>
           <p:nvPr/>
         </p:nvPicPr>
@@ -6207,8 +7502,8 @@
         </p:blipFill>
         <p:spPr>
           <a:xfrm>
-            <a:off x="6675120" y="4114800"/>
-            <a:ext cx="2121480" cy="1828800"/>
+            <a:off x="3251933" y="1752480"/>
+            <a:ext cx="2075760" cy="1828800"/>
           </a:xfrm>
           <a:prstGeom prst="rect">
             <a:avLst/>
@@ -6218,24 +7513,52 @@
           </a:ln>
         </p:spPr>
       </p:pic>
+      <p:pic>
+        <p:nvPicPr>
+          <p:cNvPr id="152" name="Picture 151"/>
+          <p:cNvPicPr/>
+          <p:nvPr/>
+        </p:nvPicPr>
+        <p:blipFill>
+          <a:blip r:embed="rId3"/>
+          <a:stretch>
+            <a:fillRect/>
+          </a:stretch>
+        </p:blipFill>
+        <p:spPr>
+          <a:xfrm>
+            <a:off x="3229073" y="4710060"/>
+            <a:ext cx="2121480" cy="1828800"/>
+          </a:xfrm>
+          <a:prstGeom prst="rect">
+            <a:avLst/>
+          </a:prstGeom>
+          <a:ln>
+            <a:noFill/>
+          </a:ln>
+        </p:spPr>
+      </p:pic>
     </p:spTree>
   </p:cSld>
+  <p:clrMapOvr>
+    <a:masterClrMapping/>
+  </p:clrMapOvr>
   <p:timing>
     <p:tnLst>
       <p:par>
-        <p:cTn id="29" dur="indefinite" restart="never" nodeType="tmRoot">
+        <p:cTn id="1" dur="indefinite" restart="never" nodeType="tmRoot">
           <p:childTnLst>
             <p:seq>
-              <p:cTn id="30" nodeType="mainSeq"/>
+              <p:cTn id="2" nodeType="mainSeq"/>
               <p:prevCondLst>
-                <p:cond delay="0" evt="onPrev">
+                <p:cond evt="onPrev" delay="0">
                   <p:tgtEl>
                     <p:sldTgt/>
                   </p:tgtEl>
                 </p:cond>
               </p:prevCondLst>
               <p:nextCondLst>
-                <p:cond delay="0" evt="onNext">
+                <p:cond evt="onNext" delay="0">
                   <p:tgtEl>
                     <p:sldTgt/>
                   </p:tgtEl>
@@ -6251,7 +7574,7 @@
 </file>
 
 <file path=ppt/slides/slide16.xml><?xml version="1.0" encoding="utf-8"?>
-<p:sld xmlns:a="http://schemas.openxmlformats.org/drawingml/2006/main" xmlns:p="http://schemas.openxmlformats.org/presentationml/2006/main" xmlns:r="http://schemas.openxmlformats.org/officeDocument/2006/relationships">
+<p:sld xmlns:a="http://schemas.openxmlformats.org/drawingml/2006/main" xmlns:r="http://schemas.openxmlformats.org/officeDocument/2006/relationships" xmlns:p="http://schemas.openxmlformats.org/presentationml/2006/main">
   <p:cSld>
     <p:spTree>
       <p:nvGrpSpPr>
@@ -6284,6 +7607,7 @@
         </p:spPr>
         <p:txBody>
           <a:bodyPr anchor="ctr"/>
+          <a:lstStyle/>
           <a:p>
             <a:pPr algn="ctr">
               <a:lnSpc>
@@ -6293,7 +7617,7 @@
             <a:r>
               <a:rPr lang="en-US" sz="3200">
                 <a:solidFill>
-                  <a:srgbClr val="0070c0"/>
+                  <a:srgbClr val="0070C0"/>
                 </a:solidFill>
                 <a:latin typeface="Calibri"/>
                 <a:ea typeface="Calibri"/>
@@ -6321,6 +7645,199 @@
         </p:spPr>
         <p:txBody>
           <a:bodyPr/>
+          <a:lstStyle/>
+          <a:p>
+            <a:pPr marL="285750" indent="-285750">
+              <a:lnSpc>
+                <a:spcPct val="100000"/>
+              </a:lnSpc>
+              <a:buFont typeface="Wingdings" panose="05000000000000000000" pitchFamily="2" charset="2"/>
+              <a:buChar char="§"/>
+            </a:pPr>
+            <a:r>
+              <a:rPr lang="en-US" sz="2400" dirty="0">
+                <a:solidFill>
+                  <a:srgbClr val="000000"/>
+                </a:solidFill>
+                <a:latin typeface="Calibri"/>
+                <a:ea typeface="Calibri"/>
+              </a:rPr>
+              <a:t>Correlation matrix: M * M</a:t>
+            </a:r>
+            <a:r>
+              <a:rPr lang="en-US" sz="2400" baseline="30000" dirty="0">
+                <a:solidFill>
+                  <a:srgbClr val="000000"/>
+                </a:solidFill>
+                <a:latin typeface="Calibri"/>
+                <a:ea typeface="Calibri"/>
+              </a:rPr>
+              <a:t>T</a:t>
+            </a:r>
+            <a:br>
+              <a:rPr lang="en-US" sz="2400" dirty="0">
+                <a:solidFill>
+                  <a:srgbClr val="000000"/>
+                </a:solidFill>
+                <a:latin typeface="Calibri"/>
+                <a:ea typeface="Calibri"/>
+              </a:rPr>
+            </a:br>
+            <a:r>
+              <a:rPr lang="en-US" dirty="0">
+                <a:solidFill>
+                  <a:srgbClr val="000000"/>
+                </a:solidFill>
+                <a:latin typeface="Courier New" panose="02070309020205020404" pitchFamily="49" charset="0"/>
+                <a:ea typeface="Calibri"/>
+                <a:cs typeface="Courier New" panose="02070309020205020404" pitchFamily="49" charset="0"/>
+              </a:rPr>
+              <a:t>AFL% </a:t>
+            </a:r>
+            <a:r>
+              <a:rPr lang="en-US" dirty="0" err="1">
+                <a:solidFill>
+                  <a:srgbClr val="000000"/>
+                </a:solidFill>
+                <a:latin typeface="Courier New" panose="02070309020205020404" pitchFamily="49" charset="0"/>
+                <a:ea typeface="Calibri"/>
+                <a:cs typeface="Courier New" panose="02070309020205020404" pitchFamily="49" charset="0"/>
+              </a:rPr>
+              <a:t>load_library</a:t>
+            </a:r>
+            <a:r>
+              <a:rPr lang="en-US" dirty="0">
+                <a:solidFill>
+                  <a:srgbClr val="000000"/>
+                </a:solidFill>
+                <a:latin typeface="Courier New" panose="02070309020205020404" pitchFamily="49" charset="0"/>
+                <a:ea typeface="Calibri"/>
+                <a:cs typeface="Courier New" panose="02070309020205020404" pitchFamily="49" charset="0"/>
+              </a:rPr>
+              <a:t>('</a:t>
+            </a:r>
+            <a:r>
+              <a:rPr lang="en-US" dirty="0" err="1">
+                <a:solidFill>
+                  <a:srgbClr val="000000"/>
+                </a:solidFill>
+                <a:latin typeface="Courier New" panose="02070309020205020404" pitchFamily="49" charset="0"/>
+                <a:ea typeface="Calibri"/>
+                <a:cs typeface="Courier New" panose="02070309020205020404" pitchFamily="49" charset="0"/>
+              </a:rPr>
+              <a:t>linear_algebra</a:t>
+            </a:r>
+            <a:r>
+              <a:rPr lang="en-US" dirty="0">
+                <a:solidFill>
+                  <a:srgbClr val="000000"/>
+                </a:solidFill>
+                <a:latin typeface="Courier New" panose="02070309020205020404" pitchFamily="49" charset="0"/>
+                <a:ea typeface="Calibri"/>
+                <a:cs typeface="Courier New" panose="02070309020205020404" pitchFamily="49" charset="0"/>
+              </a:rPr>
+              <a:t>')</a:t>
+            </a:r>
+            <a:br>
+              <a:rPr lang="en-US" dirty="0">
+                <a:solidFill>
+                  <a:srgbClr val="000000"/>
+                </a:solidFill>
+                <a:latin typeface="Courier New" panose="02070309020205020404" pitchFamily="49" charset="0"/>
+                <a:ea typeface="Calibri"/>
+                <a:cs typeface="Courier New" panose="02070309020205020404" pitchFamily="49" charset="0"/>
+              </a:rPr>
+            </a:br>
+            <a:r>
+              <a:rPr lang="en-US" dirty="0">
+                <a:solidFill>
+                  <a:srgbClr val="000000"/>
+                </a:solidFill>
+                <a:latin typeface="Courier New" panose="02070309020205020404" pitchFamily="49" charset="0"/>
+                <a:ea typeface="Calibri"/>
+                <a:cs typeface="Courier New" panose="02070309020205020404" pitchFamily="49" charset="0"/>
+              </a:rPr>
+              <a:t>AFL% </a:t>
+            </a:r>
+            <a:r>
+              <a:rPr lang="en-US" dirty="0" err="1">
+                <a:solidFill>
+                  <a:srgbClr val="000000"/>
+                </a:solidFill>
+                <a:latin typeface="Courier New" panose="02070309020205020404" pitchFamily="49" charset="0"/>
+                <a:ea typeface="Calibri"/>
+                <a:cs typeface="Courier New" panose="02070309020205020404" pitchFamily="49" charset="0"/>
+              </a:rPr>
+              <a:t>spgemm</a:t>
+            </a:r>
+            <a:r>
+              <a:rPr lang="en-US" dirty="0">
+                <a:solidFill>
+                  <a:srgbClr val="000000"/>
+                </a:solidFill>
+                <a:latin typeface="Courier New" panose="02070309020205020404" pitchFamily="49" charset="0"/>
+                <a:ea typeface="Calibri"/>
+                <a:cs typeface="Courier New" panose="02070309020205020404" pitchFamily="49" charset="0"/>
+              </a:rPr>
+              <a:t>(</a:t>
+            </a:r>
+            <a:r>
+              <a:rPr lang="en-US" dirty="0" err="1">
+                <a:solidFill>
+                  <a:srgbClr val="000000"/>
+                </a:solidFill>
+                <a:latin typeface="Courier New" panose="02070309020205020404" pitchFamily="49" charset="0"/>
+                <a:ea typeface="Calibri"/>
+                <a:cs typeface="Courier New" panose="02070309020205020404" pitchFamily="49" charset="0"/>
+              </a:rPr>
+              <a:t>ratings_matrix</a:t>
+            </a:r>
+            <a:r>
+              <a:rPr lang="en-US" dirty="0">
+                <a:solidFill>
+                  <a:srgbClr val="000000"/>
+                </a:solidFill>
+                <a:latin typeface="Courier New" panose="02070309020205020404" pitchFamily="49" charset="0"/>
+                <a:ea typeface="Calibri"/>
+                <a:cs typeface="Courier New" panose="02070309020205020404" pitchFamily="49" charset="0"/>
+              </a:rPr>
+              <a:t>, transpose(</a:t>
+            </a:r>
+            <a:r>
+              <a:rPr lang="en-US" dirty="0" err="1">
+                <a:solidFill>
+                  <a:srgbClr val="000000"/>
+                </a:solidFill>
+                <a:latin typeface="Courier New" panose="02070309020205020404" pitchFamily="49" charset="0"/>
+                <a:ea typeface="Calibri"/>
+                <a:cs typeface="Courier New" panose="02070309020205020404" pitchFamily="49" charset="0"/>
+              </a:rPr>
+              <a:t>ratings_matrix</a:t>
+            </a:r>
+            <a:r>
+              <a:rPr lang="en-US" dirty="0">
+                <a:solidFill>
+                  <a:srgbClr val="000000"/>
+                </a:solidFill>
+                <a:latin typeface="Courier New" panose="02070309020205020404" pitchFamily="49" charset="0"/>
+                <a:ea typeface="Calibri"/>
+                <a:cs typeface="Courier New" panose="02070309020205020404" pitchFamily="49" charset="0"/>
+              </a:rPr>
+              <a:t>))</a:t>
+            </a:r>
+            <a:endParaRPr dirty="0">
+              <a:latin typeface="Courier New" panose="02070309020205020404" pitchFamily="49" charset="0"/>
+              <a:cs typeface="Courier New" panose="02070309020205020404" pitchFamily="49" charset="0"/>
+            </a:endParaRPr>
+          </a:p>
+          <a:p>
+            <a:pPr>
+              <a:lnSpc>
+                <a:spcPct val="100000"/>
+              </a:lnSpc>
+            </a:pPr>
+            <a:endParaRPr dirty="0"/>
+          </a:p>
           <a:p>
             <a:pPr>
               <a:lnSpc>
@@ -6329,88 +7846,7 @@
               <a:buFont typeface="Calibri"/>
               <a:buChar char="▪"/>
             </a:pPr>
-            <a:r>
-              <a:rPr lang="en-US">
-                <a:solidFill>
-                  <a:srgbClr val="000000"/>
-                </a:solidFill>
-                <a:latin typeface="Calibri"/>
-                <a:ea typeface="Calibri"/>
-              </a:rPr>
-              <a:t>Correlation matrix: M * M^T</a:t>
-            </a:r>
-            <a:r>
-              <a:rPr lang="en-US">
-                <a:solidFill>
-                  <a:srgbClr val="000000"/>
-                </a:solidFill>
-                <a:latin typeface="Calibri"/>
-                <a:ea typeface="Calibri"/>
-              </a:rPr>
-              <a:t>
-</a:t>
-            </a:r>
-            <a:r>
-              <a:rPr lang="en-US">
-                <a:solidFill>
-                  <a:srgbClr val="000000"/>
-                </a:solidFill>
-                <a:latin typeface="Calibri"/>
-                <a:ea typeface="Calibri"/>
-              </a:rPr>
-              <a:t>
-</a:t>
-            </a:r>
-            <a:r>
-              <a:rPr lang="en-US">
-                <a:solidFill>
-                  <a:srgbClr val="000000"/>
-                </a:solidFill>
-                <a:latin typeface="Calibri"/>
-                <a:ea typeface="Calibri"/>
-              </a:rPr>
-              <a:t>AFL% load_library('linear_algebra')</a:t>
-            </a:r>
-            <a:r>
-              <a:rPr lang="en-US">
-                <a:solidFill>
-                  <a:srgbClr val="000000"/>
-                </a:solidFill>
-                <a:latin typeface="Calibri"/>
-                <a:ea typeface="Calibri"/>
-              </a:rPr>
-              <a:t>
-</a:t>
-            </a:r>
-            <a:r>
-              <a:rPr lang="en-US">
-                <a:solidFill>
-                  <a:srgbClr val="000000"/>
-                </a:solidFill>
-                <a:latin typeface="Calibri"/>
-                <a:ea typeface="Calibri"/>
-              </a:rPr>
-              <a:t>AFL% spgemm(ratings_matrix, transpose(ratings_matrix))</a:t>
-            </a:r>
-            <a:endParaRPr/>
-          </a:p>
-          <a:p>
-            <a:pPr>
-              <a:lnSpc>
-                <a:spcPct val="100000"/>
-              </a:lnSpc>
-            </a:pPr>
-            <a:endParaRPr/>
-          </a:p>
-          <a:p>
-            <a:pPr>
-              <a:lnSpc>
-                <a:spcPct val="100000"/>
-              </a:lnSpc>
-              <a:buFont typeface="Calibri"/>
-              <a:buChar char="▪"/>
-            </a:pPr>
-            <a:endParaRPr/>
+            <a:endParaRPr dirty="0"/>
           </a:p>
         </p:txBody>
       </p:sp>
@@ -6431,6 +7867,7 @@
         </p:spPr>
         <p:txBody>
           <a:bodyPr anchor="ctr"/>
+          <a:lstStyle/>
           <a:p>
             <a:pPr algn="ctr">
               <a:lnSpc>
@@ -6468,6 +7905,7 @@
         </p:spPr>
         <p:txBody>
           <a:bodyPr anchor="ctr"/>
+          <a:lstStyle/>
           <a:p>
             <a:pPr algn="r">
               <a:lnSpc>
@@ -6475,14 +7913,14 @@
               </a:lnSpc>
             </a:pPr>
             <a:fld id="{53DD6B85-1B38-40A7-890D-8E68915EAEB1}" type="slidenum">
-              <a:rPr b="1" lang="en-US" sz="1600">
+              <a:rPr lang="en-US" sz="1600" b="1">
                 <a:solidFill>
                   <a:srgbClr val="888888"/>
                 </a:solidFill>
                 <a:latin typeface="Calibri"/>
                 <a:ea typeface="Calibri"/>
               </a:rPr>
-              <a:t>&lt;number&gt;</a:t>
+              <a:t>16</a:t>
             </a:fld>
             <a:endParaRPr/>
           </a:p>
@@ -6490,12 +7928,12 @@
       </p:sp>
       <p:pic>
         <p:nvPicPr>
-          <p:cNvPr id="157" name="" descr=""/>
+          <p:cNvPr id="157" name="Picture 156"/>
           <p:cNvPicPr/>
           <p:nvPr/>
         </p:nvPicPr>
         <p:blipFill>
-          <a:blip r:embed="rId1"/>
+          <a:blip r:embed="rId2"/>
           <a:stretch>
             <a:fillRect/>
           </a:stretch>
@@ -6515,22 +7953,25 @@
       </p:pic>
     </p:spTree>
   </p:cSld>
+  <p:clrMapOvr>
+    <a:masterClrMapping/>
+  </p:clrMapOvr>
   <p:timing>
     <p:tnLst>
       <p:par>
-        <p:cTn id="31" dur="indefinite" restart="never" nodeType="tmRoot">
+        <p:cTn id="1" dur="indefinite" restart="never" nodeType="tmRoot">
           <p:childTnLst>
             <p:seq>
-              <p:cTn id="32" nodeType="mainSeq"/>
+              <p:cTn id="2" nodeType="mainSeq"/>
               <p:prevCondLst>
-                <p:cond delay="0" evt="onPrev">
+                <p:cond evt="onPrev" delay="0">
                   <p:tgtEl>
                     <p:sldTgt/>
                   </p:tgtEl>
                 </p:cond>
               </p:prevCondLst>
               <p:nextCondLst>
-                <p:cond delay="0" evt="onNext">
+                <p:cond evt="onNext" delay="0">
                   <p:tgtEl>
                     <p:sldTgt/>
                   </p:tgtEl>
@@ -6546,7 +7987,7 @@
 </file>
 
 <file path=ppt/slides/slide17.xml><?xml version="1.0" encoding="utf-8"?>
-<p:sld xmlns:a="http://schemas.openxmlformats.org/drawingml/2006/main" xmlns:p="http://schemas.openxmlformats.org/presentationml/2006/main" xmlns:r="http://schemas.openxmlformats.org/officeDocument/2006/relationships">
+<p:sld xmlns:a="http://schemas.openxmlformats.org/drawingml/2006/main" xmlns:r="http://schemas.openxmlformats.org/officeDocument/2006/relationships" xmlns:p="http://schemas.openxmlformats.org/presentationml/2006/main">
   <p:cSld>
     <p:spTree>
       <p:nvGrpSpPr>
@@ -6579,6 +8020,7 @@
         </p:spPr>
         <p:txBody>
           <a:bodyPr anchor="ctr"/>
+          <a:lstStyle/>
           <a:p>
             <a:pPr algn="ctr">
               <a:lnSpc>
@@ -6588,7 +8030,7 @@
             <a:r>
               <a:rPr lang="en-US" sz="3200">
                 <a:solidFill>
-                  <a:srgbClr val="0070c0"/>
+                  <a:srgbClr val="0070C0"/>
                 </a:solidFill>
                 <a:latin typeface="Calibri"/>
                 <a:ea typeface="Calibri"/>
@@ -6616,6 +8058,252 @@
         </p:spPr>
         <p:txBody>
           <a:bodyPr/>
+          <a:lstStyle/>
+          <a:p>
+            <a:pPr marL="342900" indent="-342900">
+              <a:buFont typeface="Wingdings" panose="05000000000000000000" pitchFamily="2" charset="2"/>
+              <a:buChar char="§"/>
+            </a:pPr>
+            <a:r>
+              <a:rPr lang="en-US" sz="2400" dirty="0">
+                <a:solidFill>
+                  <a:srgbClr val="000000"/>
+                </a:solidFill>
+                <a:latin typeface="Calibri"/>
+                <a:ea typeface="Calibri"/>
+              </a:rPr>
+              <a:t>Singular Value Decomposition: M = U * S * V</a:t>
+            </a:r>
+            <a:r>
+              <a:rPr lang="en-US" sz="2400" baseline="30000" dirty="0">
+                <a:solidFill>
+                  <a:srgbClr val="000000"/>
+                </a:solidFill>
+                <a:latin typeface="Calibri"/>
+                <a:ea typeface="Calibri"/>
+              </a:rPr>
+              <a:t>T</a:t>
+            </a:r>
+            <a:br>
+              <a:rPr lang="en-US" dirty="0">
+                <a:solidFill>
+                  <a:srgbClr val="000000"/>
+                </a:solidFill>
+                <a:latin typeface="Calibri"/>
+                <a:ea typeface="Calibri"/>
+              </a:rPr>
+            </a:br>
+            <a:r>
+              <a:rPr lang="en-US" dirty="0">
+                <a:solidFill>
+                  <a:srgbClr val="000000"/>
+                </a:solidFill>
+                <a:latin typeface="Courier New" panose="02070309020205020404" pitchFamily="49" charset="0"/>
+                <a:ea typeface="Calibri"/>
+                <a:cs typeface="Courier New" panose="02070309020205020404" pitchFamily="49" charset="0"/>
+              </a:rPr>
+              <a:t>AFL% </a:t>
+            </a:r>
+            <a:r>
+              <a:rPr lang="en-US" dirty="0" err="1">
+                <a:solidFill>
+                  <a:srgbClr val="000000"/>
+                </a:solidFill>
+                <a:latin typeface="Courier New" panose="02070309020205020404" pitchFamily="49" charset="0"/>
+                <a:ea typeface="Calibri"/>
+                <a:cs typeface="Courier New" panose="02070309020205020404" pitchFamily="49" charset="0"/>
+              </a:rPr>
+              <a:t>load_library</a:t>
+            </a:r>
+            <a:r>
+              <a:rPr lang="en-US" dirty="0">
+                <a:solidFill>
+                  <a:srgbClr val="000000"/>
+                </a:solidFill>
+                <a:latin typeface="Courier New" panose="02070309020205020404" pitchFamily="49" charset="0"/>
+                <a:ea typeface="Calibri"/>
+                <a:cs typeface="Courier New" panose="02070309020205020404" pitchFamily="49" charset="0"/>
+              </a:rPr>
+              <a:t>('</a:t>
+            </a:r>
+            <a:r>
+              <a:rPr lang="en-US" dirty="0" err="1">
+                <a:solidFill>
+                  <a:srgbClr val="000000"/>
+                </a:solidFill>
+                <a:latin typeface="Courier New" panose="02070309020205020404" pitchFamily="49" charset="0"/>
+                <a:ea typeface="Calibri"/>
+                <a:cs typeface="Courier New" panose="02070309020205020404" pitchFamily="49" charset="0"/>
+              </a:rPr>
+              <a:t>dense_linear_algebra</a:t>
+            </a:r>
+            <a:r>
+              <a:rPr lang="en-US" dirty="0">
+                <a:solidFill>
+                  <a:srgbClr val="000000"/>
+                </a:solidFill>
+                <a:latin typeface="Courier New" panose="02070309020205020404" pitchFamily="49" charset="0"/>
+                <a:ea typeface="Calibri"/>
+                <a:cs typeface="Courier New" panose="02070309020205020404" pitchFamily="49" charset="0"/>
+              </a:rPr>
+              <a:t>')</a:t>
+            </a:r>
+            <a:br>
+              <a:rPr lang="en-US" dirty="0">
+                <a:solidFill>
+                  <a:srgbClr val="000000"/>
+                </a:solidFill>
+                <a:latin typeface="Courier New" panose="02070309020205020404" pitchFamily="49" charset="0"/>
+                <a:ea typeface="Calibri"/>
+                <a:cs typeface="Courier New" panose="02070309020205020404" pitchFamily="49" charset="0"/>
+              </a:rPr>
+            </a:br>
+            <a:r>
+              <a:rPr lang="en-US" dirty="0">
+                <a:solidFill>
+                  <a:srgbClr val="000000"/>
+                </a:solidFill>
+                <a:latin typeface="Courier New" panose="02070309020205020404" pitchFamily="49" charset="0"/>
+                <a:ea typeface="Calibri"/>
+                <a:cs typeface="Courier New" panose="02070309020205020404" pitchFamily="49" charset="0"/>
+              </a:rPr>
+              <a:t>AFL% </a:t>
+            </a:r>
+            <a:r>
+              <a:rPr lang="en-US" dirty="0" err="1">
+                <a:solidFill>
+                  <a:srgbClr val="000000"/>
+                </a:solidFill>
+                <a:latin typeface="Courier New" panose="02070309020205020404" pitchFamily="49" charset="0"/>
+                <a:ea typeface="Calibri"/>
+                <a:cs typeface="Courier New" panose="02070309020205020404" pitchFamily="49" charset="0"/>
+              </a:rPr>
+              <a:t>gesvd</a:t>
+            </a:r>
+            <a:r>
+              <a:rPr lang="en-US" dirty="0">
+                <a:solidFill>
+                  <a:srgbClr val="000000"/>
+                </a:solidFill>
+                <a:latin typeface="Courier New" panose="02070309020205020404" pitchFamily="49" charset="0"/>
+                <a:ea typeface="Calibri"/>
+                <a:cs typeface="Courier New" panose="02070309020205020404" pitchFamily="49" charset="0"/>
+              </a:rPr>
+              <a:t>(</a:t>
+            </a:r>
+            <a:r>
+              <a:rPr lang="en-US" dirty="0" err="1">
+                <a:solidFill>
+                  <a:srgbClr val="000000"/>
+                </a:solidFill>
+                <a:latin typeface="Courier New" panose="02070309020205020404" pitchFamily="49" charset="0"/>
+                <a:ea typeface="Calibri"/>
+                <a:cs typeface="Courier New" panose="02070309020205020404" pitchFamily="49" charset="0"/>
+              </a:rPr>
+              <a:t>ratings_matrix_centered</a:t>
+            </a:r>
+            <a:r>
+              <a:rPr lang="en-US" dirty="0">
+                <a:solidFill>
+                  <a:srgbClr val="000000"/>
+                </a:solidFill>
+                <a:latin typeface="Courier New" panose="02070309020205020404" pitchFamily="49" charset="0"/>
+                <a:ea typeface="Calibri"/>
+                <a:cs typeface="Courier New" panose="02070309020205020404" pitchFamily="49" charset="0"/>
+              </a:rPr>
+              <a:t>, 'S')</a:t>
+            </a:r>
+            <a:br>
+              <a:rPr lang="en-US" dirty="0">
+                <a:solidFill>
+                  <a:srgbClr val="000000"/>
+                </a:solidFill>
+                <a:latin typeface="Courier New" panose="02070309020205020404" pitchFamily="49" charset="0"/>
+                <a:ea typeface="Calibri"/>
+                <a:cs typeface="Courier New" panose="02070309020205020404" pitchFamily="49" charset="0"/>
+              </a:rPr>
+            </a:br>
+            <a:r>
+              <a:rPr lang="en-US" dirty="0">
+                <a:solidFill>
+                  <a:srgbClr val="000000"/>
+                </a:solidFill>
+                <a:latin typeface="Courier New" panose="02070309020205020404" pitchFamily="49" charset="0"/>
+                <a:ea typeface="Calibri"/>
+                <a:cs typeface="Courier New" panose="02070309020205020404" pitchFamily="49" charset="0"/>
+              </a:rPr>
+              <a:t>AFL% </a:t>
+            </a:r>
+            <a:r>
+              <a:rPr lang="en-US" dirty="0" err="1">
+                <a:solidFill>
+                  <a:srgbClr val="000000"/>
+                </a:solidFill>
+                <a:latin typeface="Courier New" panose="02070309020205020404" pitchFamily="49" charset="0"/>
+                <a:ea typeface="Calibri"/>
+                <a:cs typeface="Courier New" panose="02070309020205020404" pitchFamily="49" charset="0"/>
+              </a:rPr>
+              <a:t>gesvd</a:t>
+            </a:r>
+            <a:r>
+              <a:rPr lang="en-US" dirty="0">
+                <a:solidFill>
+                  <a:srgbClr val="000000"/>
+                </a:solidFill>
+                <a:latin typeface="Courier New" panose="02070309020205020404" pitchFamily="49" charset="0"/>
+                <a:ea typeface="Calibri"/>
+                <a:cs typeface="Courier New" panose="02070309020205020404" pitchFamily="49" charset="0"/>
+              </a:rPr>
+              <a:t>(</a:t>
+            </a:r>
+            <a:r>
+              <a:rPr lang="en-US" dirty="0" err="1">
+                <a:solidFill>
+                  <a:srgbClr val="000000"/>
+                </a:solidFill>
+                <a:latin typeface="Courier New" panose="02070309020205020404" pitchFamily="49" charset="0"/>
+                <a:ea typeface="Calibri"/>
+                <a:cs typeface="Courier New" panose="02070309020205020404" pitchFamily="49" charset="0"/>
+              </a:rPr>
+              <a:t>ratings_matrix_centered</a:t>
+            </a:r>
+            <a:r>
+              <a:rPr lang="en-US" dirty="0">
+                <a:solidFill>
+                  <a:srgbClr val="000000"/>
+                </a:solidFill>
+                <a:latin typeface="Courier New" panose="02070309020205020404" pitchFamily="49" charset="0"/>
+                <a:ea typeface="Calibri"/>
+                <a:cs typeface="Courier New" panose="02070309020205020404" pitchFamily="49" charset="0"/>
+              </a:rPr>
+              <a:t>, 'U')</a:t>
+            </a:r>
+            <a:endParaRPr lang="en-US" dirty="0">
+              <a:latin typeface="Courier New" panose="02070309020205020404" pitchFamily="49" charset="0"/>
+              <a:cs typeface="Courier New" panose="02070309020205020404" pitchFamily="49" charset="0"/>
+            </a:endParaRPr>
+          </a:p>
+          <a:p>
+            <a:pPr marL="342900" indent="-342900">
+              <a:lnSpc>
+                <a:spcPct val="100000"/>
+              </a:lnSpc>
+              <a:buFont typeface="Wingdings" panose="05000000000000000000" pitchFamily="2" charset="2"/>
+              <a:buChar char="§"/>
+            </a:pPr>
+            <a:endParaRPr dirty="0">
+              <a:latin typeface="Courier New" panose="02070309020205020404" pitchFamily="49" charset="0"/>
+              <a:cs typeface="Courier New" panose="02070309020205020404" pitchFamily="49" charset="0"/>
+            </a:endParaRPr>
+          </a:p>
+          <a:p>
+            <a:pPr>
+              <a:lnSpc>
+                <a:spcPct val="100000"/>
+              </a:lnSpc>
+            </a:pPr>
+            <a:endParaRPr dirty="0"/>
+          </a:p>
           <a:p>
             <a:pPr>
               <a:lnSpc>
@@ -6624,88 +8312,7 @@
               <a:buFont typeface="Calibri"/>
               <a:buChar char="▪"/>
             </a:pPr>
-            <a:r>
-              <a:rPr lang="en-US">
-                <a:solidFill>
-                  <a:srgbClr val="000000"/>
-                </a:solidFill>
-                <a:latin typeface="Calibri"/>
-                <a:ea typeface="Calibri"/>
-              </a:rPr>
-              <a:t>Singular Value Decomposition: M = U * S * V^T</a:t>
-            </a:r>
-            <a:r>
-              <a:rPr lang="en-US">
-                <a:solidFill>
-                  <a:srgbClr val="000000"/>
-                </a:solidFill>
-                <a:latin typeface="Calibri"/>
-                <a:ea typeface="Calibri"/>
-              </a:rPr>
-              <a:t>
-</a:t>
-            </a:r>
-            <a:r>
-              <a:rPr lang="en-US">
-                <a:solidFill>
-                  <a:srgbClr val="000000"/>
-                </a:solidFill>
-                <a:latin typeface="Calibri"/>
-                <a:ea typeface="Calibri"/>
-              </a:rPr>
-              <a:t>
-</a:t>
-            </a:r>
-            <a:r>
-              <a:rPr lang="en-US">
-                <a:solidFill>
-                  <a:srgbClr val="000000"/>
-                </a:solidFill>
-                <a:latin typeface="Calibri"/>
-                <a:ea typeface="Calibri"/>
-              </a:rPr>
-              <a:t>AFL% load_library('linear_algebra')</a:t>
-            </a:r>
-            <a:r>
-              <a:rPr lang="en-US">
-                <a:solidFill>
-                  <a:srgbClr val="000000"/>
-                </a:solidFill>
-                <a:latin typeface="Calibri"/>
-                <a:ea typeface="Calibri"/>
-              </a:rPr>
-              <a:t>
-</a:t>
-            </a:r>
-            <a:r>
-              <a:rPr lang="en-US">
-                <a:solidFill>
-                  <a:srgbClr val="000000"/>
-                </a:solidFill>
-                <a:latin typeface="Calibri"/>
-                <a:ea typeface="Calibri"/>
-              </a:rPr>
-              <a:t>AFL% gesvd(ratings_matrix_centered, 'S')</a:t>
-            </a:r>
-            <a:endParaRPr/>
-          </a:p>
-          <a:p>
-            <a:pPr>
-              <a:lnSpc>
-                <a:spcPct val="100000"/>
-              </a:lnSpc>
-            </a:pPr>
-            <a:endParaRPr/>
-          </a:p>
-          <a:p>
-            <a:pPr>
-              <a:lnSpc>
-                <a:spcPct val="100000"/>
-              </a:lnSpc>
-              <a:buFont typeface="Calibri"/>
-              <a:buChar char="▪"/>
-            </a:pPr>
-            <a:endParaRPr/>
+            <a:endParaRPr dirty="0"/>
           </a:p>
         </p:txBody>
       </p:sp>
@@ -6726,6 +8333,7 @@
         </p:spPr>
         <p:txBody>
           <a:bodyPr anchor="ctr"/>
+          <a:lstStyle/>
           <a:p>
             <a:pPr algn="ctr">
               <a:lnSpc>
@@ -6763,6 +8371,7 @@
         </p:spPr>
         <p:txBody>
           <a:bodyPr anchor="ctr"/>
+          <a:lstStyle/>
           <a:p>
             <a:pPr algn="r">
               <a:lnSpc>
@@ -6770,14 +8379,14 @@
               </a:lnSpc>
             </a:pPr>
             <a:fld id="{99F566C0-1323-4284-9A4B-0E2C9F76A7BA}" type="slidenum">
-              <a:rPr b="1" lang="en-US" sz="1600">
+              <a:rPr lang="en-US" sz="1600" b="1">
                 <a:solidFill>
                   <a:srgbClr val="888888"/>
                 </a:solidFill>
                 <a:latin typeface="Calibri"/>
                 <a:ea typeface="Calibri"/>
               </a:rPr>
-              <a:t>&lt;number&gt;</a:t>
+              <a:t>17</a:t>
             </a:fld>
             <a:endParaRPr/>
           </a:p>
@@ -6785,19 +8394,19 @@
       </p:sp>
       <p:pic>
         <p:nvPicPr>
-          <p:cNvPr id="162" name="" descr=""/>
+          <p:cNvPr id="162" name="Picture 161"/>
           <p:cNvPicPr/>
           <p:nvPr/>
         </p:nvPicPr>
         <p:blipFill>
-          <a:blip r:embed="rId1"/>
+          <a:blip r:embed="rId2"/>
           <a:stretch>
             <a:fillRect/>
           </a:stretch>
         </p:blipFill>
         <p:spPr>
           <a:xfrm>
-            <a:off x="1691640" y="2247120"/>
+            <a:off x="1691640" y="2278651"/>
             <a:ext cx="5715000" cy="4572000"/>
           </a:xfrm>
           <a:prstGeom prst="rect">
@@ -6808,52 +8417,27 @@
           </a:ln>
         </p:spPr>
       </p:pic>
-      <p:sp>
-        <p:nvSpPr>
-          <p:cNvPr id="163" name="TextShape 5"/>
-          <p:cNvSpPr txBox="1"/>
-          <p:nvPr/>
-        </p:nvSpPr>
-        <p:spPr>
-          <a:xfrm>
-            <a:off x="3168360" y="3367080"/>
-            <a:ext cx="2847600" cy="235440"/>
-          </a:xfrm>
-          <a:prstGeom prst="rect">
-            <a:avLst/>
-          </a:prstGeom>
-        </p:spPr>
-        <p:txBody>
-          <a:bodyPr lIns="90000" rIns="90000" tIns="45000" bIns="45000"/>
-          <a:p>
-            <a:r>
-              <a:rPr lang="en-US" sz="1000">
-                <a:latin typeface="Liberation Mono;Cumberland AMT;Cumberland;Courier New;Cousine;Nimbus Mono L;DejaVu Sans Mono;Courier;Lucida Sans Typewriter;Lucida Typewriter;Monaco;Monospaced"/>
-              </a:rPr>
-              <a:t>gesvd(ratings_matrix_centered, 'S')</a:t>
-            </a:r>
-            <a:endParaRPr/>
-          </a:p>
-        </p:txBody>
-      </p:sp>
     </p:spTree>
   </p:cSld>
+  <p:clrMapOvr>
+    <a:masterClrMapping/>
+  </p:clrMapOvr>
   <p:timing>
     <p:tnLst>
       <p:par>
-        <p:cTn id="33" dur="indefinite" restart="never" nodeType="tmRoot">
+        <p:cTn id="1" dur="indefinite" restart="never" nodeType="tmRoot">
           <p:childTnLst>
             <p:seq>
-              <p:cTn id="34" nodeType="mainSeq"/>
+              <p:cTn id="2" nodeType="mainSeq"/>
               <p:prevCondLst>
-                <p:cond delay="0" evt="onPrev">
+                <p:cond evt="onPrev" delay="0">
                   <p:tgtEl>
                     <p:sldTgt/>
                   </p:tgtEl>
                 </p:cond>
               </p:prevCondLst>
               <p:nextCondLst>
-                <p:cond delay="0" evt="onNext">
+                <p:cond evt="onNext" delay="0">
                   <p:tgtEl>
                     <p:sldTgt/>
                   </p:tgtEl>
@@ -6869,7 +8453,7 @@
 </file>
 
 <file path=ppt/slides/slide18.xml><?xml version="1.0" encoding="utf-8"?>
-<p:sld xmlns:a="http://schemas.openxmlformats.org/drawingml/2006/main" xmlns:p="http://schemas.openxmlformats.org/presentationml/2006/main" xmlns:r="http://schemas.openxmlformats.org/officeDocument/2006/relationships">
+<p:sld xmlns:a="http://schemas.openxmlformats.org/drawingml/2006/main" xmlns:r="http://schemas.openxmlformats.org/officeDocument/2006/relationships" xmlns:p="http://schemas.openxmlformats.org/presentationml/2006/main">
   <p:cSld>
     <p:spTree>
       <p:nvGrpSpPr>
@@ -6902,6 +8486,7 @@
         </p:spPr>
         <p:txBody>
           <a:bodyPr anchor="ctr"/>
+          <a:lstStyle/>
           <a:p>
             <a:pPr algn="ctr">
               <a:lnSpc>
@@ -6911,7 +8496,7 @@
             <a:r>
               <a:rPr lang="en-US" sz="3200">
                 <a:solidFill>
-                  <a:srgbClr val="0070c0"/>
+                  <a:srgbClr val="0070C0"/>
                 </a:solidFill>
                 <a:latin typeface="Calibri"/>
                 <a:ea typeface="Calibri"/>
@@ -6939,6 +8524,72 @@
         </p:spPr>
         <p:txBody>
           <a:bodyPr/>
+          <a:lstStyle/>
+          <a:p>
+            <a:pPr marL="285750" indent="-285750">
+              <a:lnSpc>
+                <a:spcPct val="100000"/>
+              </a:lnSpc>
+              <a:buFont typeface="Wingdings" panose="05000000000000000000" pitchFamily="2" charset="2"/>
+              <a:buChar char="§"/>
+            </a:pPr>
+            <a:r>
+              <a:rPr lang="en-US" dirty="0">
+                <a:solidFill>
+                  <a:srgbClr val="000000"/>
+                </a:solidFill>
+                <a:latin typeface="Calibri"/>
+                <a:ea typeface="Calibri"/>
+              </a:rPr>
+              <a:t>Principal component coordinates: U * S</a:t>
+            </a:r>
+            <a:br>
+              <a:rPr lang="en-US" dirty="0">
+                <a:solidFill>
+                  <a:srgbClr val="000000"/>
+                </a:solidFill>
+                <a:latin typeface="Calibri"/>
+                <a:ea typeface="Calibri"/>
+              </a:rPr>
+            </a:br>
+            <a:br>
+              <a:rPr lang="en-US" dirty="0">
+                <a:solidFill>
+                  <a:srgbClr val="000000"/>
+                </a:solidFill>
+                <a:latin typeface="Calibri"/>
+                <a:ea typeface="Calibri"/>
+              </a:rPr>
+            </a:br>
+            <a:br>
+              <a:rPr lang="en-US" dirty="0">
+                <a:solidFill>
+                  <a:srgbClr val="000000"/>
+                </a:solidFill>
+                <a:latin typeface="Calibri"/>
+                <a:ea typeface="Calibri"/>
+              </a:rPr>
+            </a:br>
+            <a:r>
+              <a:rPr lang="en-US" dirty="0">
+                <a:solidFill>
+                  <a:srgbClr val="000000"/>
+                </a:solidFill>
+                <a:latin typeface="Calibri"/>
+                <a:ea typeface="Calibri"/>
+              </a:rPr>
+              <a:t>&lt;add PC coordinates plot&gt;</a:t>
+            </a:r>
+            <a:endParaRPr dirty="0"/>
+          </a:p>
+          <a:p>
+            <a:pPr>
+              <a:lnSpc>
+                <a:spcPct val="100000"/>
+              </a:lnSpc>
+            </a:pPr>
+            <a:endParaRPr dirty="0"/>
+          </a:p>
           <a:p>
             <a:pPr>
               <a:lnSpc>
@@ -6947,96 +8598,7 @@
               <a:buFont typeface="Calibri"/>
               <a:buChar char="▪"/>
             </a:pPr>
-            <a:r>
-              <a:rPr lang="en-US">
-                <a:solidFill>
-                  <a:srgbClr val="000000"/>
-                </a:solidFill>
-                <a:latin typeface="Calibri"/>
-                <a:ea typeface="Calibri"/>
-              </a:rPr>
-              <a:t>Principal component coordinates: U * S</a:t>
-            </a:r>
-            <a:endParaRPr/>
-          </a:p>
-          <a:p>
-            <a:pPr>
-              <a:lnSpc>
-                <a:spcPct val="100000"/>
-              </a:lnSpc>
-              <a:buFont typeface="Calibri"/>
-              <a:buChar char="▪"/>
-            </a:pPr>
-            <a:r>
-              <a:rPr lang="en-US">
-                <a:solidFill>
-                  <a:srgbClr val="000000"/>
-                </a:solidFill>
-                <a:latin typeface="Calibri"/>
-                <a:ea typeface="Calibri"/>
-              </a:rPr>
-              <a:t>
-</a:t>
-            </a:r>
-            <a:r>
-              <a:rPr lang="en-US">
-                <a:solidFill>
-                  <a:srgbClr val="000000"/>
-                </a:solidFill>
-                <a:latin typeface="Calibri"/>
-                <a:ea typeface="Calibri"/>
-              </a:rPr>
-              <a:t>AFL% gesvd(ratings_matrix_centered, 'U')</a:t>
-            </a:r>
-            <a:endParaRPr/>
-          </a:p>
-          <a:p>
-            <a:pPr>
-              <a:lnSpc>
-                <a:spcPct val="100000"/>
-              </a:lnSpc>
-              <a:buFont typeface="Calibri"/>
-              <a:buChar char="▪"/>
-            </a:pPr>
-            <a:endParaRPr/>
-          </a:p>
-          <a:p>
-            <a:pPr>
-              <a:lnSpc>
-                <a:spcPct val="100000"/>
-              </a:lnSpc>
-              <a:buFont typeface="Calibri"/>
-              <a:buChar char="▪"/>
-            </a:pPr>
-            <a:r>
-              <a:rPr lang="en-US">
-                <a:solidFill>
-                  <a:srgbClr val="000000"/>
-                </a:solidFill>
-                <a:latin typeface="Calibri"/>
-                <a:ea typeface="Calibri"/>
-              </a:rPr>
-              <a:t>&lt;add PC coordinates plot&gt;</a:t>
-            </a:r>
-            <a:endParaRPr/>
-          </a:p>
-          <a:p>
-            <a:pPr>
-              <a:lnSpc>
-                <a:spcPct val="100000"/>
-              </a:lnSpc>
-            </a:pPr>
-            <a:endParaRPr/>
-          </a:p>
-          <a:p>
-            <a:pPr>
-              <a:lnSpc>
-                <a:spcPct val="100000"/>
-              </a:lnSpc>
-              <a:buFont typeface="Calibri"/>
-              <a:buChar char="▪"/>
-            </a:pPr>
-            <a:endParaRPr/>
+            <a:endParaRPr dirty="0"/>
           </a:p>
         </p:txBody>
       </p:sp>
@@ -7057,6 +8619,7 @@
         </p:spPr>
         <p:txBody>
           <a:bodyPr anchor="ctr"/>
+          <a:lstStyle/>
           <a:p>
             <a:pPr algn="ctr">
               <a:lnSpc>
@@ -7094,6 +8657,7 @@
         </p:spPr>
         <p:txBody>
           <a:bodyPr anchor="ctr"/>
+          <a:lstStyle/>
           <a:p>
             <a:pPr algn="r">
               <a:lnSpc>
@@ -7101,14 +8665,14 @@
               </a:lnSpc>
             </a:pPr>
             <a:fld id="{DB1AE15E-E289-4277-ABD2-FC0641E0B01C}" type="slidenum">
-              <a:rPr b="1" lang="en-US" sz="1600">
+              <a:rPr lang="en-US" sz="1600" b="1">
                 <a:solidFill>
                   <a:srgbClr val="888888"/>
                 </a:solidFill>
                 <a:latin typeface="Calibri"/>
                 <a:ea typeface="Calibri"/>
               </a:rPr>
-              <a:t>&lt;number&gt;</a:t>
+              <a:t>18</a:t>
             </a:fld>
             <a:endParaRPr/>
           </a:p>
@@ -7116,22 +8680,25 @@
       </p:sp>
     </p:spTree>
   </p:cSld>
+  <p:clrMapOvr>
+    <a:masterClrMapping/>
+  </p:clrMapOvr>
   <p:timing>
     <p:tnLst>
       <p:par>
-        <p:cTn id="35" dur="indefinite" restart="never" nodeType="tmRoot">
+        <p:cTn id="1" dur="indefinite" restart="never" nodeType="tmRoot">
           <p:childTnLst>
             <p:seq>
-              <p:cTn id="36" nodeType="mainSeq"/>
+              <p:cTn id="2" nodeType="mainSeq"/>
               <p:prevCondLst>
-                <p:cond delay="0" evt="onPrev">
+                <p:cond evt="onPrev" delay="0">
                   <p:tgtEl>
                     <p:sldTgt/>
                   </p:tgtEl>
                 </p:cond>
               </p:prevCondLst>
               <p:nextCondLst>
-                <p:cond delay="0" evt="onNext">
+                <p:cond evt="onNext" delay="0">
                   <p:tgtEl>
                     <p:sldTgt/>
                   </p:tgtEl>
@@ -7147,7 +8714,7 @@
 </file>
 
 <file path=ppt/slides/slide2.xml><?xml version="1.0" encoding="utf-8"?>
-<p:sld xmlns:a="http://schemas.openxmlformats.org/drawingml/2006/main" xmlns:p="http://schemas.openxmlformats.org/presentationml/2006/main" xmlns:r="http://schemas.openxmlformats.org/officeDocument/2006/relationships">
+<p:sld xmlns:a="http://schemas.openxmlformats.org/drawingml/2006/main" xmlns:r="http://schemas.openxmlformats.org/officeDocument/2006/relationships" xmlns:p="http://schemas.openxmlformats.org/presentationml/2006/main">
   <p:cSld>
     <p:spTree>
       <p:nvGrpSpPr>
@@ -7180,6 +8747,7 @@
         </p:spPr>
         <p:txBody>
           <a:bodyPr anchor="ctr"/>
+          <a:lstStyle/>
           <a:p>
             <a:pPr algn="ctr">
               <a:lnSpc>
@@ -7189,7 +8757,7 @@
             <a:r>
               <a:rPr lang="en-US" sz="3200">
                 <a:solidFill>
-                  <a:srgbClr val="0070c0"/>
+                  <a:srgbClr val="0070C0"/>
                 </a:solidFill>
                 <a:latin typeface="Calibri"/>
                 <a:ea typeface="Calibri"/>
@@ -7217,6 +8785,7 @@
         </p:spPr>
         <p:txBody>
           <a:bodyPr/>
+          <a:lstStyle/>
           <a:p>
             <a:pPr>
               <a:lnSpc>
@@ -7256,6 +8825,7 @@
         </p:spPr>
         <p:txBody>
           <a:bodyPr anchor="ctr"/>
+          <a:lstStyle/>
           <a:p>
             <a:pPr algn="ctr">
               <a:lnSpc>
@@ -7293,6 +8863,7 @@
         </p:spPr>
         <p:txBody>
           <a:bodyPr anchor="ctr"/>
+          <a:lstStyle/>
           <a:p>
             <a:pPr algn="r">
               <a:lnSpc>
@@ -7300,14 +8871,14 @@
               </a:lnSpc>
             </a:pPr>
             <a:fld id="{89944E2C-95A4-4C4C-8CC7-8F7C8B76BCC9}" type="slidenum">
-              <a:rPr b="1" lang="en-US" sz="1600">
+              <a:rPr lang="en-US" sz="1600" b="1">
                 <a:solidFill>
                   <a:srgbClr val="888888"/>
                 </a:solidFill>
                 <a:latin typeface="Calibri"/>
                 <a:ea typeface="Calibri"/>
               </a:rPr>
-              <a:t>&lt;number&gt;</a:t>
+              <a:t>2</a:t>
             </a:fld>
             <a:endParaRPr/>
           </a:p>
@@ -7315,22 +8886,25 @@
       </p:sp>
     </p:spTree>
   </p:cSld>
+  <p:clrMapOvr>
+    <a:masterClrMapping/>
+  </p:clrMapOvr>
   <p:timing>
     <p:tnLst>
       <p:par>
-        <p:cTn id="3" dur="indefinite" restart="never" nodeType="tmRoot">
+        <p:cTn id="1" dur="indefinite" restart="never" nodeType="tmRoot">
           <p:childTnLst>
             <p:seq>
-              <p:cTn id="4" nodeType="mainSeq"/>
+              <p:cTn id="2" nodeType="mainSeq"/>
               <p:prevCondLst>
-                <p:cond delay="0" evt="onPrev">
+                <p:cond evt="onPrev" delay="0">
                   <p:tgtEl>
                     <p:sldTgt/>
                   </p:tgtEl>
                 </p:cond>
               </p:prevCondLst>
               <p:nextCondLst>
-                <p:cond delay="0" evt="onNext">
+                <p:cond evt="onNext" delay="0">
                   <p:tgtEl>
                     <p:sldTgt/>
                   </p:tgtEl>
@@ -7346,7 +8920,7 @@
 </file>
 
 <file path=ppt/slides/slide3.xml><?xml version="1.0" encoding="utf-8"?>
-<p:sld xmlns:a="http://schemas.openxmlformats.org/drawingml/2006/main" xmlns:p="http://schemas.openxmlformats.org/presentationml/2006/main" xmlns:r="http://schemas.openxmlformats.org/officeDocument/2006/relationships">
+<p:sld xmlns:a="http://schemas.openxmlformats.org/drawingml/2006/main" xmlns:r="http://schemas.openxmlformats.org/officeDocument/2006/relationships" xmlns:p="http://schemas.openxmlformats.org/presentationml/2006/main">
   <p:cSld>
     <p:spTree>
       <p:nvGrpSpPr>
@@ -7379,6 +8953,7 @@
         </p:spPr>
         <p:txBody>
           <a:bodyPr anchor="ctr"/>
+          <a:lstStyle/>
           <a:p>
             <a:pPr algn="ctr">
               <a:lnSpc>
@@ -7388,7 +8963,7 @@
             <a:r>
               <a:rPr lang="en-US" sz="3200">
                 <a:solidFill>
-                  <a:srgbClr val="0070c0"/>
+                  <a:srgbClr val="0070C0"/>
                 </a:solidFill>
                 <a:latin typeface="Calibri"/>
                 <a:ea typeface="Calibri"/>
@@ -7416,6 +8991,7 @@
         </p:spPr>
         <p:txBody>
           <a:bodyPr/>
+          <a:lstStyle/>
           <a:p>
             <a:pPr>
               <a:lnSpc>
@@ -7475,6 +9051,7 @@
         </p:spPr>
         <p:txBody>
           <a:bodyPr anchor="ctr"/>
+          <a:lstStyle/>
           <a:p>
             <a:pPr algn="ctr">
               <a:lnSpc>
@@ -7512,6 +9089,7 @@
         </p:spPr>
         <p:txBody>
           <a:bodyPr anchor="ctr"/>
+          <a:lstStyle/>
           <a:p>
             <a:pPr algn="r">
               <a:lnSpc>
@@ -7519,14 +9097,14 @@
               </a:lnSpc>
             </a:pPr>
             <a:fld id="{051E98FB-D346-4381-AADE-3393CBC1DEBE}" type="slidenum">
-              <a:rPr b="1" lang="en-US" sz="1600">
+              <a:rPr lang="en-US" sz="1600" b="1">
                 <a:solidFill>
                   <a:srgbClr val="888888"/>
                 </a:solidFill>
                 <a:latin typeface="Calibri"/>
                 <a:ea typeface="Calibri"/>
               </a:rPr>
-              <a:t>&lt;number&gt;</a:t>
+              <a:t>3</a:t>
             </a:fld>
             <a:endParaRPr/>
           </a:p>
@@ -7534,22 +9112,25 @@
       </p:sp>
     </p:spTree>
   </p:cSld>
+  <p:clrMapOvr>
+    <a:masterClrMapping/>
+  </p:clrMapOvr>
   <p:timing>
     <p:tnLst>
       <p:par>
-        <p:cTn id="5" dur="indefinite" restart="never" nodeType="tmRoot">
+        <p:cTn id="1" dur="indefinite" restart="never" nodeType="tmRoot">
           <p:childTnLst>
             <p:seq>
-              <p:cTn id="6" nodeType="mainSeq"/>
+              <p:cTn id="2" nodeType="mainSeq"/>
               <p:prevCondLst>
-                <p:cond delay="0" evt="onPrev">
+                <p:cond evt="onPrev" delay="0">
                   <p:tgtEl>
                     <p:sldTgt/>
                   </p:tgtEl>
                 </p:cond>
               </p:prevCondLst>
               <p:nextCondLst>
-                <p:cond delay="0" evt="onNext">
+                <p:cond evt="onNext" delay="0">
                   <p:tgtEl>
                     <p:sldTgt/>
                   </p:tgtEl>
@@ -7565,7 +9146,7 @@
 </file>
 
 <file path=ppt/slides/slide4.xml><?xml version="1.0" encoding="utf-8"?>
-<p:sld xmlns:a="http://schemas.openxmlformats.org/drawingml/2006/main" xmlns:p="http://schemas.openxmlformats.org/presentationml/2006/main" xmlns:r="http://schemas.openxmlformats.org/officeDocument/2006/relationships">
+<p:sld xmlns:a="http://schemas.openxmlformats.org/drawingml/2006/main" xmlns:r="http://schemas.openxmlformats.org/officeDocument/2006/relationships" xmlns:p="http://schemas.openxmlformats.org/presentationml/2006/main">
   <p:cSld>
     <p:spTree>
       <p:nvGrpSpPr>
@@ -7598,6 +9179,7 @@
         </p:spPr>
         <p:txBody>
           <a:bodyPr anchor="ctr"/>
+          <a:lstStyle/>
           <a:p>
             <a:pPr algn="ctr">
               <a:lnSpc>
@@ -7607,7 +9189,7 @@
             <a:r>
               <a:rPr lang="en-US" sz="3200">
                 <a:solidFill>
-                  <a:srgbClr val="0070c0"/>
+                  <a:srgbClr val="0070C0"/>
                 </a:solidFill>
                 <a:latin typeface="Calibri"/>
                 <a:ea typeface="Calibri"/>
@@ -7635,6 +9217,7 @@
         </p:spPr>
         <p:txBody>
           <a:bodyPr/>
+          <a:lstStyle/>
           <a:p>
             <a:pPr>
               <a:lnSpc>
@@ -7644,7 +9227,7 @@
               <a:buChar char="▪"/>
             </a:pPr>
             <a:r>
-              <a:rPr lang="en-US">
+              <a:rPr lang="en-US" sz="2400" dirty="0">
                 <a:solidFill>
                   <a:srgbClr val="000000"/>
                 </a:solidFill>
@@ -7653,7 +9236,7 @@
               </a:rPr>
               <a:t>MovieLens.org maintains a database of movie ratings</a:t>
             </a:r>
-            <a:endParaRPr/>
+            <a:endParaRPr sz="2400" dirty="0"/>
           </a:p>
           <a:p>
             <a:pPr>
@@ -7663,7 +9246,7 @@
               <a:buFont typeface="Noto Sans Symbols"/>
               <a:buChar char="▪"/>
             </a:pPr>
-            <a:endParaRPr/>
+            <a:endParaRPr sz="2400" dirty="0"/>
           </a:p>
           <a:p>
             <a:pPr>
@@ -7674,7 +9257,7 @@
               <a:buChar char="▪"/>
             </a:pPr>
             <a:r>
-              <a:rPr lang="en-US">
+              <a:rPr lang="en-US" sz="2400" dirty="0">
                 <a:solidFill>
                   <a:srgbClr val="000000"/>
                 </a:solidFill>
@@ -7683,16 +9266,16 @@
               </a:rPr>
               <a:t>Full dataset: </a:t>
             </a:r>
-            <a:endParaRPr/>
-          </a:p>
-          <a:p>
-            <a:pPr lvl="1">
+            <a:endParaRPr sz="2400" dirty="0"/>
+          </a:p>
+          <a:p>
+            <a:pPr marL="800100" lvl="1" indent="-342900">
               <a:buSzPct val="75000"/>
-              <a:buFont typeface="StarSymbol"/>
-              <a:buChar char=""/>
-            </a:pPr>
-            <a:r>
-              <a:rPr lang="en-US">
+              <a:buFont typeface="+mj-lt"/>
+              <a:buAutoNum type="arabicPeriod"/>
+            </a:pPr>
+            <a:r>
+              <a:rPr lang="en-US" sz="2200" dirty="0">
                 <a:solidFill>
                   <a:srgbClr val="000000"/>
                 </a:solidFill>
@@ -7701,16 +9284,16 @@
               </a:rPr>
               <a:t>27,000 rated movies</a:t>
             </a:r>
-            <a:endParaRPr/>
-          </a:p>
-          <a:p>
-            <a:pPr lvl="1">
+            <a:endParaRPr sz="2200" dirty="0"/>
+          </a:p>
+          <a:p>
+            <a:pPr marL="800100" lvl="1" indent="-342900">
               <a:buSzPct val="75000"/>
-              <a:buFont typeface="StarSymbol"/>
-              <a:buChar char=""/>
-            </a:pPr>
-            <a:r>
-              <a:rPr lang="en-US">
+              <a:buFont typeface="+mj-lt"/>
+              <a:buAutoNum type="arabicPeriod"/>
+            </a:pPr>
+            <a:r>
+              <a:rPr lang="en-US" sz="2200" dirty="0">
                 <a:solidFill>
                   <a:srgbClr val="000000"/>
                 </a:solidFill>
@@ -7719,16 +9302,16 @@
               </a:rPr>
               <a:t>138,000 users</a:t>
             </a:r>
-            <a:endParaRPr/>
-          </a:p>
-          <a:p>
-            <a:pPr lvl="1">
+            <a:endParaRPr sz="2200" dirty="0"/>
+          </a:p>
+          <a:p>
+            <a:pPr marL="800100" lvl="1" indent="-342900">
               <a:buSzPct val="75000"/>
-              <a:buFont typeface="StarSymbol"/>
-              <a:buChar char=""/>
-            </a:pPr>
-            <a:r>
-              <a:rPr lang="en-US">
+              <a:buFont typeface="+mj-lt"/>
+              <a:buAutoNum type="arabicPeriod"/>
+            </a:pPr>
+            <a:r>
+              <a:rPr lang="en-US" sz="2200" dirty="0">
                 <a:solidFill>
                   <a:srgbClr val="000000"/>
                 </a:solidFill>
@@ -7737,18 +9320,7 @@
               </a:rPr>
               <a:t>20 million ratings</a:t>
             </a:r>
-            <a:r>
-              <a:rPr lang="en-US">
-                <a:solidFill>
-                  <a:srgbClr val="000000"/>
-                </a:solidFill>
-                <a:latin typeface="Calibri"/>
-                <a:ea typeface="Calibri"/>
-              </a:rPr>
-              <a:t>
-</a:t>
-            </a:r>
-            <a:endParaRPr/>
+            <a:endParaRPr sz="2400" dirty="0"/>
           </a:p>
           <a:p>
             <a:pPr>
@@ -7759,7 +9331,7 @@
               <a:buChar char="▪"/>
             </a:pPr>
             <a:r>
-              <a:rPr lang="en-US">
+              <a:rPr lang="en-US" sz="2400" dirty="0">
                 <a:solidFill>
                   <a:srgbClr val="000000"/>
                 </a:solidFill>
@@ -7768,16 +9340,16 @@
               </a:rPr>
               <a:t>Small dataset:</a:t>
             </a:r>
-            <a:endParaRPr/>
-          </a:p>
-          <a:p>
-            <a:pPr lvl="1">
+            <a:endParaRPr sz="2400" dirty="0"/>
+          </a:p>
+          <a:p>
+            <a:pPr marL="914400" lvl="1" indent="-457200">
               <a:buSzPct val="75000"/>
-              <a:buFont typeface="StarSymbol"/>
-              <a:buChar char=""/>
-            </a:pPr>
-            <a:r>
-              <a:rPr lang="en-US">
+              <a:buFont typeface="+mj-lt"/>
+              <a:buAutoNum type="arabicPeriod"/>
+            </a:pPr>
+            <a:r>
+              <a:rPr lang="en-US" sz="2200" dirty="0">
                 <a:solidFill>
                   <a:srgbClr val="000000"/>
                 </a:solidFill>
@@ -7786,16 +9358,16 @@
               </a:rPr>
               <a:t>9,000 rated movies</a:t>
             </a:r>
-            <a:endParaRPr/>
-          </a:p>
-          <a:p>
-            <a:pPr lvl="1">
+            <a:endParaRPr sz="2200" dirty="0"/>
+          </a:p>
+          <a:p>
+            <a:pPr marL="914400" lvl="1" indent="-457200">
               <a:buSzPct val="75000"/>
-              <a:buFont typeface="StarSymbol"/>
-              <a:buChar char=""/>
-            </a:pPr>
-            <a:r>
-              <a:rPr lang="en-US">
+              <a:buFont typeface="+mj-lt"/>
+              <a:buAutoNum type="arabicPeriod"/>
+            </a:pPr>
+            <a:r>
+              <a:rPr lang="en-US" sz="2200" dirty="0">
                 <a:solidFill>
                   <a:srgbClr val="000000"/>
                 </a:solidFill>
@@ -7804,16 +9376,16 @@
               </a:rPr>
               <a:t>700 users</a:t>
             </a:r>
-            <a:endParaRPr/>
-          </a:p>
-          <a:p>
-            <a:pPr lvl="1">
+            <a:endParaRPr sz="2200" dirty="0"/>
+          </a:p>
+          <a:p>
+            <a:pPr marL="914400" lvl="1" indent="-457200">
               <a:buSzPct val="75000"/>
-              <a:buFont typeface="StarSymbol"/>
-              <a:buChar char=""/>
-            </a:pPr>
-            <a:r>
-              <a:rPr lang="en-US">
+              <a:buFont typeface="+mj-lt"/>
+              <a:buAutoNum type="arabicPeriod"/>
+            </a:pPr>
+            <a:r>
+              <a:rPr lang="en-US" sz="2200" dirty="0">
                 <a:solidFill>
                   <a:srgbClr val="000000"/>
                 </a:solidFill>
@@ -7822,18 +9394,16 @@
               </a:rPr>
               <a:t>100,000 ratings</a:t>
             </a:r>
-            <a:r>
-              <a:rPr lang="en-US">
-                <a:solidFill>
-                  <a:srgbClr val="000000"/>
-                </a:solidFill>
-                <a:latin typeface="Calibri"/>
-                <a:ea typeface="Calibri"/>
-              </a:rPr>
-              <a:t>
-</a:t>
-            </a:r>
-            <a:endParaRPr/>
+            <a:br>
+              <a:rPr lang="en-US" sz="2400" dirty="0">
+                <a:solidFill>
+                  <a:srgbClr val="000000"/>
+                </a:solidFill>
+                <a:latin typeface="Calibri"/>
+                <a:ea typeface="Calibri"/>
+              </a:rPr>
+            </a:br>
+            <a:endParaRPr sz="2400" dirty="0"/>
           </a:p>
           <a:p>
             <a:pPr>
@@ -7841,48 +9411,61 @@
               <a:buChar char="▪"/>
             </a:pPr>
             <a:r>
-              <a:rPr lang="en-US">
-                <a:solidFill>
-                  <a:srgbClr val="000000"/>
-                </a:solidFill>
-                <a:latin typeface="Calibri"/>
-                <a:ea typeface="Calibri"/>
-              </a:rPr>
-              <a:t>Challenge: linear algebra on huge matrices</a:t>
-            </a:r>
-            <a:r>
-              <a:rPr lang="en-US">
-                <a:solidFill>
-                  <a:srgbClr val="000000"/>
-                </a:solidFill>
-                <a:latin typeface="Calibri"/>
-                <a:ea typeface="Calibri"/>
-              </a:rPr>
-              <a:t>
-</a:t>
-            </a:r>
-            <a:r>
-              <a:rPr lang="en-US">
-                <a:solidFill>
-                  <a:srgbClr val="000000"/>
-                </a:solidFill>
-                <a:latin typeface="Calibri"/>
-                <a:ea typeface="Calibri"/>
-              </a:rPr>
-              <a:t>
-</a:t>
-            </a:r>
-            <a:endParaRPr/>
+              <a:rPr lang="en-US" sz="2400" dirty="0">
+                <a:solidFill>
+                  <a:srgbClr val="000000"/>
+                </a:solidFill>
+                <a:latin typeface="Calibri"/>
+                <a:ea typeface="Calibri"/>
+              </a:rPr>
+              <a:t>Big Data ML Goal: </a:t>
+            </a:r>
+          </a:p>
+          <a:p>
+            <a:pPr algn="ctr"/>
+            <a:r>
+              <a:rPr lang="en-US" sz="2400" b="1" i="1" dirty="0">
+                <a:solidFill>
+                  <a:srgbClr val="000000"/>
+                </a:solidFill>
+                <a:latin typeface="Calibri"/>
+                <a:ea typeface="Calibri"/>
+              </a:rPr>
+              <a:t>Cluster users according to similar movies they liked!</a:t>
+            </a:r>
+            <a:br>
+              <a:rPr lang="en-US" sz="2400" b="1" i="1" dirty="0">
+                <a:solidFill>
+                  <a:srgbClr val="000000"/>
+                </a:solidFill>
+                <a:latin typeface="Calibri"/>
+                <a:ea typeface="Calibri"/>
+              </a:rPr>
+            </a:br>
+            <a:endParaRPr lang="en-US" sz="2400" dirty="0">
+              <a:solidFill>
+                <a:srgbClr val="000000"/>
+              </a:solidFill>
+              <a:latin typeface="Calibri"/>
+              <a:ea typeface="Calibri"/>
+            </a:endParaRPr>
           </a:p>
           <a:p>
             <a:pPr>
-              <a:lnSpc>
-                <a:spcPct val="100000"/>
-              </a:lnSpc>
               <a:buFont typeface="Noto Sans Symbols"/>
               <a:buChar char="▪"/>
             </a:pPr>
-            <a:endParaRPr/>
+            <a:r>
+              <a:rPr lang="en-US" sz="2400" dirty="0">
+                <a:solidFill>
+                  <a:srgbClr val="000000"/>
+                </a:solidFill>
+                <a:latin typeface="Calibri"/>
+                <a:ea typeface="Calibri"/>
+              </a:rPr>
+              <a:t>Challenge: linear algebra on huge matrices</a:t>
+            </a:r>
+            <a:endParaRPr sz="2400" dirty="0"/>
           </a:p>
         </p:txBody>
       </p:sp>
@@ -7903,6 +9486,7 @@
         </p:spPr>
         <p:txBody>
           <a:bodyPr anchor="ctr"/>
+          <a:lstStyle/>
           <a:p>
             <a:pPr algn="ctr">
               <a:lnSpc>
@@ -7940,6 +9524,7 @@
         </p:spPr>
         <p:txBody>
           <a:bodyPr anchor="ctr"/>
+          <a:lstStyle/>
           <a:p>
             <a:pPr algn="r">
               <a:lnSpc>
@@ -7947,14 +9532,14 @@
               </a:lnSpc>
             </a:pPr>
             <a:fld id="{E0B35581-8617-43B3-B2D8-CD72D7879CFE}" type="slidenum">
-              <a:rPr b="1" lang="en-US" sz="1600">
+              <a:rPr lang="en-US" sz="1600" b="1">
                 <a:solidFill>
                   <a:srgbClr val="888888"/>
                 </a:solidFill>
                 <a:latin typeface="Calibri"/>
                 <a:ea typeface="Calibri"/>
               </a:rPr>
-              <a:t>&lt;number&gt;</a:t>
+              <a:t>4</a:t>
             </a:fld>
             <a:endParaRPr/>
           </a:p>
@@ -7962,12 +9547,12 @@
       </p:sp>
       <p:pic>
         <p:nvPicPr>
-          <p:cNvPr id="101" name="" descr=""/>
+          <p:cNvPr id="101" name="Picture 100"/>
           <p:cNvPicPr/>
           <p:nvPr/>
         </p:nvPicPr>
         <p:blipFill>
-          <a:blip r:embed="rId1"/>
+          <a:blip r:embed="rId2"/>
           <a:stretch>
             <a:fillRect/>
           </a:stretch>
@@ -7987,22 +9572,25 @@
       </p:pic>
     </p:spTree>
   </p:cSld>
+  <p:clrMapOvr>
+    <a:masterClrMapping/>
+  </p:clrMapOvr>
   <p:timing>
     <p:tnLst>
       <p:par>
-        <p:cTn id="7" dur="indefinite" restart="never" nodeType="tmRoot">
+        <p:cTn id="1" dur="indefinite" restart="never" nodeType="tmRoot">
           <p:childTnLst>
             <p:seq>
-              <p:cTn id="8" nodeType="mainSeq"/>
+              <p:cTn id="2" nodeType="mainSeq"/>
               <p:prevCondLst>
-                <p:cond delay="0" evt="onPrev">
+                <p:cond evt="onPrev" delay="0">
                   <p:tgtEl>
                     <p:sldTgt/>
                   </p:tgtEl>
                 </p:cond>
               </p:prevCondLst>
               <p:nextCondLst>
-                <p:cond delay="0" evt="onNext">
+                <p:cond evt="onNext" delay="0">
                   <p:tgtEl>
                     <p:sldTgt/>
                   </p:tgtEl>
@@ -8018,7 +9606,7 @@
 </file>
 
 <file path=ppt/slides/slide5.xml><?xml version="1.0" encoding="utf-8"?>
-<p:sld xmlns:a="http://schemas.openxmlformats.org/drawingml/2006/main" xmlns:p="http://schemas.openxmlformats.org/presentationml/2006/main" xmlns:r="http://schemas.openxmlformats.org/officeDocument/2006/relationships">
+<p:sld xmlns:a="http://schemas.openxmlformats.org/drawingml/2006/main" xmlns:r="http://schemas.openxmlformats.org/officeDocument/2006/relationships" xmlns:p="http://schemas.openxmlformats.org/presentationml/2006/main">
   <p:cSld>
     <p:spTree>
       <p:nvGrpSpPr>
@@ -8051,6 +9639,7 @@
         </p:spPr>
         <p:txBody>
           <a:bodyPr anchor="ctr"/>
+          <a:lstStyle/>
           <a:p>
             <a:pPr algn="ctr">
               <a:lnSpc>
@@ -8058,16 +9647,26 @@
               </a:lnSpc>
             </a:pPr>
             <a:r>
-              <a:rPr lang="en-US" sz="3200">
-                <a:solidFill>
-                  <a:srgbClr val="0070c0"/>
-                </a:solidFill>
-                <a:latin typeface="Calibri"/>
-                <a:ea typeface="Calibri"/>
-              </a:rPr>
-              <a:t>Big Data ML Goal</a:t>
-            </a:r>
-            <a:endParaRPr/>
+              <a:rPr lang="en-US" sz="3200" dirty="0" err="1">
+                <a:solidFill>
+                  <a:srgbClr val="0070C0"/>
+                </a:solidFill>
+                <a:latin typeface="Calibri"/>
+                <a:ea typeface="Calibri"/>
+              </a:rPr>
+              <a:t>SciDB</a:t>
+            </a:r>
+            <a:r>
+              <a:rPr lang="en-US" sz="3200" dirty="0">
+                <a:solidFill>
+                  <a:srgbClr val="0070C0"/>
+                </a:solidFill>
+                <a:latin typeface="Calibri"/>
+                <a:ea typeface="Calibri"/>
+              </a:rPr>
+              <a:t> for Large Scale Math and Stats</a:t>
+            </a:r>
+            <a:endParaRPr dirty="0"/>
           </a:p>
         </p:txBody>
       </p:sp>
@@ -8088,8 +9687,61 @@
         </p:spPr>
         <p:txBody>
           <a:bodyPr/>
-          <a:p>
-            <a:pPr algn="ctr">
+          <a:lstStyle/>
+          <a:p>
+            <a:pPr algn="ctr"/>
+            <a:r>
+              <a:rPr lang="en-US" sz="2400" b="1" i="1" dirty="0" err="1">
+                <a:solidFill>
+                  <a:srgbClr val="000000"/>
+                </a:solidFill>
+                <a:latin typeface="Calibri"/>
+                <a:ea typeface="Calibri"/>
+              </a:rPr>
+              <a:t>SciDB</a:t>
+            </a:r>
+            <a:r>
+              <a:rPr lang="en-US" sz="2400" b="1" i="1" dirty="0">
+                <a:solidFill>
+                  <a:srgbClr val="000000"/>
+                </a:solidFill>
+                <a:latin typeface="Calibri"/>
+                <a:ea typeface="Calibri"/>
+              </a:rPr>
+              <a:t> is designed for fast linear algebra on large arrays.</a:t>
+            </a:r>
+            <a:br>
+              <a:rPr lang="en-US" sz="2400" i="1" dirty="0">
+                <a:solidFill>
+                  <a:srgbClr val="000000"/>
+                </a:solidFill>
+                <a:latin typeface="Calibri"/>
+                <a:ea typeface="Calibri"/>
+              </a:rPr>
+            </a:br>
+            <a:r>
+              <a:rPr lang="en-US" sz="2400" i="1" dirty="0">
+                <a:solidFill>
+                  <a:srgbClr val="000000"/>
+                </a:solidFill>
+                <a:latin typeface="Calibri"/>
+                <a:ea typeface="Calibri"/>
+              </a:rPr>
+              <a:t>Efficient architecture for data storage and distributed computing suitable for mathematical and statistical operations</a:t>
+            </a:r>
+            <a:br>
+              <a:rPr lang="en-US" sz="2400" i="1" dirty="0">
+                <a:solidFill>
+                  <a:srgbClr val="000000"/>
+                </a:solidFill>
+                <a:latin typeface="Calibri"/>
+                <a:ea typeface="Calibri"/>
+              </a:rPr>
+            </a:br>
+            <a:endParaRPr sz="2400" dirty="0"/>
+          </a:p>
+          <a:p>
+            <a:pPr>
               <a:lnSpc>
                 <a:spcPct val="100000"/>
               </a:lnSpc>
@@ -8097,57 +9749,45 @@
               <a:buChar char="▪"/>
             </a:pPr>
             <a:r>
-              <a:rPr b="1" i="1" lang="en-US">
-                <a:solidFill>
-                  <a:srgbClr val="000000"/>
-                </a:solidFill>
-                <a:latin typeface="Calibri"/>
-                <a:ea typeface="Calibri"/>
-              </a:rPr>
-              <a:t>Cluster users according to similar movies they liked!</a:t>
-            </a:r>
-            <a:endParaRPr/>
-          </a:p>
-          <a:p>
-            <a:pPr>
-              <a:lnSpc>
-                <a:spcPct val="100000"/>
-              </a:lnSpc>
-              <a:buFont typeface="Noto Sans Symbols"/>
-              <a:buChar char="▪"/>
-            </a:pPr>
-            <a:endParaRPr/>
-          </a:p>
-          <a:p>
-            <a:pPr>
-              <a:lnSpc>
-                <a:spcPct val="100000"/>
-              </a:lnSpc>
-              <a:buFont typeface="Noto Sans Symbols"/>
-              <a:buChar char="▪"/>
-            </a:pPr>
-            <a:r>
-              <a:rPr lang="en-US">
-                <a:solidFill>
-                  <a:srgbClr val="000000"/>
-                </a:solidFill>
-                <a:latin typeface="Calibri"/>
-                <a:ea typeface="Calibri"/>
-              </a:rPr>
-              <a:t>2 approaches using SciDB:</a:t>
-            </a:r>
-            <a:r>
-              <a:rPr lang="en-US">
-                <a:solidFill>
-                  <a:srgbClr val="000000"/>
-                </a:solidFill>
-                <a:latin typeface="Calibri"/>
-                <a:ea typeface="Calibri"/>
-              </a:rPr>
-              <a:t>
-</a:t>
-            </a:r>
-            <a:endParaRPr/>
+              <a:rPr lang="en-US" sz="2400" dirty="0">
+                <a:solidFill>
+                  <a:srgbClr val="000000"/>
+                </a:solidFill>
+                <a:latin typeface="Calibri"/>
+                <a:ea typeface="Calibri"/>
+              </a:rPr>
+              <a:t>Demo of </a:t>
+            </a:r>
+            <a:r>
+              <a:rPr lang="en-US" sz="2400" dirty="0" err="1">
+                <a:solidFill>
+                  <a:srgbClr val="000000"/>
+                </a:solidFill>
+                <a:latin typeface="Calibri"/>
+                <a:ea typeface="Calibri"/>
+              </a:rPr>
+              <a:t>SciDB's</a:t>
+            </a:r>
+            <a:r>
+              <a:rPr lang="en-US" sz="2400" dirty="0">
+                <a:solidFill>
+                  <a:srgbClr val="000000"/>
+                </a:solidFill>
+                <a:latin typeface="Calibri"/>
+                <a:ea typeface="Calibri"/>
+              </a:rPr>
+              <a:t> capabilities:</a:t>
+            </a:r>
+            <a:br>
+              <a:rPr lang="en-US" sz="2400" dirty="0">
+                <a:solidFill>
+                  <a:srgbClr val="000000"/>
+                </a:solidFill>
+                <a:latin typeface="Calibri"/>
+                <a:ea typeface="Calibri"/>
+              </a:rPr>
+            </a:br>
+            <a:endParaRPr sz="2400" dirty="0"/>
           </a:p>
           <a:p>
             <a:pPr lvl="1">
@@ -8155,27 +9795,30 @@
               <a:buAutoNum type="arabicParenR"/>
             </a:pPr>
             <a:r>
-              <a:rPr lang="en-US">
-                <a:solidFill>
-                  <a:srgbClr val="000000"/>
-                </a:solidFill>
-                <a:latin typeface="Calibri"/>
-                <a:ea typeface="Calibri"/>
-              </a:rPr>
-              <a:t>Cluster users based on correlations between users' ratings. </a:t>
-            </a:r>
-            <a:r>
-              <a:rPr lang="en-US">
-                <a:solidFill>
-                  <a:srgbClr val="000000"/>
-                </a:solidFill>
-                <a:latin typeface="Calibri"/>
-                <a:ea typeface="Calibri"/>
-              </a:rPr>
-              <a:t>
-</a:t>
-            </a:r>
-            <a:endParaRPr/>
+              <a:rPr lang="en-US" sz="2400" dirty="0">
+                <a:solidFill>
+                  <a:srgbClr val="000000"/>
+                </a:solidFill>
+                <a:latin typeface="Calibri"/>
+                <a:ea typeface="Calibri"/>
+              </a:rPr>
+              <a:t> </a:t>
+            </a:r>
+            <a:r>
+              <a:rPr lang="en-US" sz="2400" i="1" dirty="0">
+                <a:solidFill>
+                  <a:srgbClr val="00B0F0"/>
+                </a:solidFill>
+                <a:latin typeface="Calibri"/>
+                <a:ea typeface="Calibri"/>
+              </a:rPr>
+              <a:t>Sparse matrix multiply</a:t>
+            </a:r>
+            <a:endParaRPr sz="2400" dirty="0">
+              <a:solidFill>
+                <a:srgbClr val="00B0F0"/>
+              </a:solidFill>
+            </a:endParaRPr>
           </a:p>
           <a:p>
             <a:pPr lvl="1">
@@ -8183,27 +9826,41 @@
               <a:buAutoNum type="arabicParenR"/>
             </a:pPr>
             <a:r>
-              <a:rPr lang="en-US">
-                <a:solidFill>
-                  <a:srgbClr val="000000"/>
-                </a:solidFill>
-                <a:latin typeface="Calibri"/>
-                <a:ea typeface="Calibri"/>
-              </a:rPr>
-              <a:t>Cluster users by Principle Component Analysis.</a:t>
-            </a:r>
-            <a:r>
-              <a:rPr lang="en-US">
-                <a:solidFill>
-                  <a:srgbClr val="000000"/>
-                </a:solidFill>
-                <a:latin typeface="Calibri"/>
-                <a:ea typeface="Calibri"/>
-              </a:rPr>
-              <a:t>
-</a:t>
-            </a:r>
-            <a:endParaRPr/>
+              <a:rPr lang="en-US" sz="2400" dirty="0">
+                <a:solidFill>
+                  <a:srgbClr val="000000"/>
+                </a:solidFill>
+                <a:latin typeface="Calibri"/>
+                <a:ea typeface="Calibri"/>
+              </a:rPr>
+              <a:t> </a:t>
+            </a:r>
+            <a:r>
+              <a:rPr lang="en-US" sz="2400" i="1" dirty="0">
+                <a:solidFill>
+                  <a:srgbClr val="00B050"/>
+                </a:solidFill>
+                <a:latin typeface="Calibri"/>
+                <a:ea typeface="Calibri"/>
+              </a:rPr>
+              <a:t>Singular Value Decomposition</a:t>
+            </a:r>
+            <a:br>
+              <a:rPr lang="en-US" sz="2400" i="1" dirty="0">
+                <a:solidFill>
+                  <a:srgbClr val="00B050"/>
+                </a:solidFill>
+                <a:latin typeface="Calibri"/>
+                <a:ea typeface="Calibri"/>
+              </a:rPr>
+            </a:br>
+            <a:endParaRPr lang="en-US" sz="2400" i="1" dirty="0">
+              <a:solidFill>
+                <a:srgbClr val="00B050"/>
+              </a:solidFill>
+              <a:latin typeface="Calibri"/>
+              <a:ea typeface="Calibri"/>
+            </a:endParaRPr>
           </a:p>
           <a:p>
             <a:pPr>
@@ -8214,27 +9871,45 @@
               <a:buChar char="▪"/>
             </a:pPr>
             <a:r>
-              <a:rPr lang="en-US">
-                <a:solidFill>
-                  <a:srgbClr val="000000"/>
-                </a:solidFill>
-                <a:latin typeface="Calibri"/>
-                <a:ea typeface="Calibri"/>
-              </a:rPr>
-              <a:t>Demo of SciDB's capabilities:</a:t>
-            </a:r>
-            <a:r>
-              <a:rPr lang="en-US">
-                <a:solidFill>
-                  <a:srgbClr val="000000"/>
-                </a:solidFill>
-                <a:latin typeface="Calibri"/>
-                <a:ea typeface="Calibri"/>
-              </a:rPr>
-              <a:t>
-</a:t>
-            </a:r>
-            <a:endParaRPr/>
+              <a:rPr lang="en-US" sz="2400" dirty="0">
+                <a:solidFill>
+                  <a:srgbClr val="000000"/>
+                </a:solidFill>
+                <a:latin typeface="Calibri"/>
+                <a:ea typeface="Calibri"/>
+              </a:rPr>
+              <a:t>Demo 2 clustering methods using </a:t>
+            </a:r>
+            <a:r>
+              <a:rPr lang="en-US" sz="2400" dirty="0" err="1">
+                <a:solidFill>
+                  <a:srgbClr val="000000"/>
+                </a:solidFill>
+                <a:latin typeface="Calibri"/>
+                <a:ea typeface="Calibri"/>
+              </a:rPr>
+              <a:t>SciDB</a:t>
+            </a:r>
+            <a:r>
+              <a:rPr lang="en-US" sz="2400" dirty="0">
+                <a:solidFill>
+                  <a:srgbClr val="000000"/>
+                </a:solidFill>
+                <a:latin typeface="Calibri"/>
+                <a:ea typeface="Calibri"/>
+              </a:rPr>
+              <a:t>:</a:t>
+            </a:r>
+            <a:br>
+              <a:rPr lang="en-US" sz="2400" dirty="0">
+                <a:solidFill>
+                  <a:srgbClr val="000000"/>
+                </a:solidFill>
+                <a:latin typeface="Calibri"/>
+                <a:ea typeface="Calibri"/>
+              </a:rPr>
+            </a:br>
+            <a:endParaRPr lang="en-US" sz="2400" dirty="0"/>
           </a:p>
           <a:p>
             <a:pPr lvl="1">
@@ -8242,26 +9917,36 @@
               <a:buAutoNum type="arabicParenR"/>
             </a:pPr>
             <a:r>
-              <a:rPr lang="en-US">
-                <a:solidFill>
-                  <a:srgbClr val="000000"/>
-                </a:solidFill>
-                <a:latin typeface="Calibri"/>
-                <a:ea typeface="Calibri"/>
-              </a:rPr>
-              <a:t>Compute Correlations: </a:t>
-            </a:r>
-            <a:r>
-              <a:rPr i="1" lang="en-US">
-                <a:solidFill>
-                  <a:srgbClr val="000000"/>
-                </a:solidFill>
-                <a:latin typeface="Calibri"/>
-                <a:ea typeface="Calibri"/>
-              </a:rPr>
-              <a:t>sparse matrix multiply</a:t>
-            </a:r>
-            <a:endParaRPr/>
+              <a:rPr lang="en-US" sz="2400" dirty="0">
+                <a:solidFill>
+                  <a:srgbClr val="000000"/>
+                </a:solidFill>
+                <a:latin typeface="Calibri"/>
+                <a:ea typeface="Calibri"/>
+              </a:rPr>
+              <a:t>Cluster users based on </a:t>
+            </a:r>
+            <a:r>
+              <a:rPr lang="en-US" sz="2400" dirty="0">
+                <a:solidFill>
+                  <a:srgbClr val="00B0F0"/>
+                </a:solidFill>
+                <a:latin typeface="Calibri"/>
+                <a:ea typeface="Calibri"/>
+              </a:rPr>
+              <a:t>correlations</a:t>
+            </a:r>
+            <a:r>
+              <a:rPr lang="en-US" sz="2400" dirty="0">
+                <a:solidFill>
+                  <a:srgbClr val="000000"/>
+                </a:solidFill>
+                <a:latin typeface="Calibri"/>
+                <a:ea typeface="Calibri"/>
+              </a:rPr>
+              <a:t> between users' ratings. </a:t>
+            </a:r>
+            <a:endParaRPr lang="en-US" sz="2400" dirty="0"/>
           </a:p>
           <a:p>
             <a:pPr lvl="1">
@@ -8269,73 +9954,45 @@
               <a:buAutoNum type="arabicParenR"/>
             </a:pPr>
             <a:r>
-              <a:rPr lang="en-US">
-                <a:solidFill>
-                  <a:srgbClr val="000000"/>
-                </a:solidFill>
-                <a:latin typeface="Calibri"/>
-                <a:ea typeface="Calibri"/>
-              </a:rPr>
-              <a:t>Perform Principle Component Analysis: </a:t>
-            </a:r>
-            <a:r>
-              <a:rPr i="1" lang="en-US">
-                <a:solidFill>
-                  <a:srgbClr val="000000"/>
-                </a:solidFill>
-                <a:latin typeface="Calibri"/>
-                <a:ea typeface="Calibri"/>
-              </a:rPr>
-              <a:t>SVD</a:t>
-            </a:r>
-            <a:r>
-              <a:rPr lang="en-US">
-                <a:solidFill>
-                  <a:srgbClr val="000000"/>
-                </a:solidFill>
-                <a:latin typeface="Calibri"/>
-                <a:ea typeface="Calibri"/>
-              </a:rPr>
-              <a:t>
-</a:t>
-            </a:r>
-            <a:r>
-              <a:rPr lang="en-US">
-                <a:solidFill>
-                  <a:srgbClr val="000000"/>
-                </a:solidFill>
-                <a:latin typeface="Calibri"/>
-                <a:ea typeface="Calibri"/>
-              </a:rPr>
-              <a:t>
-</a:t>
-            </a:r>
-            <a:endParaRPr/>
-          </a:p>
-          <a:p>
-            <a:pPr>
-              <a:buFont typeface="StarSymbol"/>
-              <a:buAutoNum type="arabicParenR"/>
-            </a:pPr>
-            <a:r>
-              <a:rPr i="1" lang="en-US">
-                <a:solidFill>
-                  <a:srgbClr val="000000"/>
-                </a:solidFill>
-                <a:latin typeface="Calibri"/>
-                <a:ea typeface="Calibri"/>
-              </a:rPr>
-              <a:t>SciDB database is designed for fast linear algebra on large arrays.</a:t>
-            </a:r>
-            <a:endParaRPr/>
-          </a:p>
-          <a:p>
-            <a:pPr>
-              <a:buSzPct val="45000"/>
-              <a:buFont typeface="StarSymbol"/>
-              <a:buChar char=""/>
-            </a:pPr>
-            <a:endParaRPr/>
+              <a:rPr lang="en-US" sz="2400" dirty="0">
+                <a:solidFill>
+                  <a:srgbClr val="000000"/>
+                </a:solidFill>
+                <a:latin typeface="Calibri"/>
+                <a:ea typeface="Calibri"/>
+              </a:rPr>
+              <a:t>Cluster users by </a:t>
+            </a:r>
+            <a:r>
+              <a:rPr lang="en-US" sz="2400" dirty="0">
+                <a:solidFill>
+                  <a:srgbClr val="00B050"/>
+                </a:solidFill>
+                <a:latin typeface="Calibri"/>
+                <a:ea typeface="Calibri"/>
+              </a:rPr>
+              <a:t>Principle Component Analysis</a:t>
+            </a:r>
+            <a:r>
+              <a:rPr lang="en-US" sz="2400" dirty="0">
+                <a:solidFill>
+                  <a:srgbClr val="000000"/>
+                </a:solidFill>
+                <a:latin typeface="Calibri"/>
+                <a:ea typeface="Calibri"/>
+              </a:rPr>
+              <a:t>.</a:t>
+            </a:r>
+            <a:br>
+              <a:rPr lang="en-US" sz="2400" dirty="0">
+                <a:solidFill>
+                  <a:srgbClr val="000000"/>
+                </a:solidFill>
+                <a:latin typeface="Calibri"/>
+                <a:ea typeface="Calibri"/>
+              </a:rPr>
+            </a:br>
+            <a:endParaRPr lang="en-US" sz="2400" dirty="0"/>
           </a:p>
         </p:txBody>
       </p:sp>
@@ -8356,6 +10013,7 @@
         </p:spPr>
         <p:txBody>
           <a:bodyPr anchor="ctr"/>
+          <a:lstStyle/>
           <a:p>
             <a:pPr algn="ctr">
               <a:lnSpc>
@@ -8393,6 +10051,7 @@
         </p:spPr>
         <p:txBody>
           <a:bodyPr anchor="ctr"/>
+          <a:lstStyle/>
           <a:p>
             <a:pPr algn="r">
               <a:lnSpc>
@@ -8400,14 +10059,14 @@
               </a:lnSpc>
             </a:pPr>
             <a:fld id="{8E645972-D5F4-41D2-919E-91DE80804DA4}" type="slidenum">
-              <a:rPr b="1" lang="en-US" sz="1600">
+              <a:rPr lang="en-US" sz="1600" b="1">
                 <a:solidFill>
                   <a:srgbClr val="888888"/>
                 </a:solidFill>
                 <a:latin typeface="Calibri"/>
                 <a:ea typeface="Calibri"/>
               </a:rPr>
-              <a:t>&lt;number&gt;</a:t>
+              <a:t>5</a:t>
             </a:fld>
             <a:endParaRPr/>
           </a:p>
@@ -8415,22 +10074,25 @@
       </p:sp>
     </p:spTree>
   </p:cSld>
+  <p:clrMapOvr>
+    <a:masterClrMapping/>
+  </p:clrMapOvr>
   <p:timing>
     <p:tnLst>
       <p:par>
-        <p:cTn id="9" dur="indefinite" restart="never" nodeType="tmRoot">
+        <p:cTn id="1" dur="indefinite" restart="never" nodeType="tmRoot">
           <p:childTnLst>
             <p:seq>
-              <p:cTn id="10" nodeType="mainSeq"/>
+              <p:cTn id="2" nodeType="mainSeq"/>
               <p:prevCondLst>
-                <p:cond delay="0" evt="onPrev">
+                <p:cond evt="onPrev" delay="0">
                   <p:tgtEl>
                     <p:sldTgt/>
                   </p:tgtEl>
                 </p:cond>
               </p:prevCondLst>
               <p:nextCondLst>
-                <p:cond delay="0" evt="onNext">
+                <p:cond evt="onNext" delay="0">
                   <p:tgtEl>
                     <p:sldTgt/>
                   </p:tgtEl>
@@ -8446,7 +10108,7 @@
 </file>
 
 <file path=ppt/slides/slide6.xml><?xml version="1.0" encoding="utf-8"?>
-<p:sld xmlns:a="http://schemas.openxmlformats.org/drawingml/2006/main" xmlns:p="http://schemas.openxmlformats.org/presentationml/2006/main" xmlns:r="http://schemas.openxmlformats.org/officeDocument/2006/relationships">
+<p:sld xmlns:a="http://schemas.openxmlformats.org/drawingml/2006/main" xmlns:r="http://schemas.openxmlformats.org/officeDocument/2006/relationships" xmlns:p="http://schemas.openxmlformats.org/presentationml/2006/main">
   <p:cSld>
     <p:spTree>
       <p:nvGrpSpPr>
@@ -8479,6 +10141,7 @@
         </p:spPr>
         <p:txBody>
           <a:bodyPr anchor="ctr"/>
+          <a:lstStyle/>
           <a:p>
             <a:pPr algn="ctr">
               <a:lnSpc>
@@ -8488,7 +10151,7 @@
             <a:r>
               <a:rPr lang="en-US" sz="3200">
                 <a:solidFill>
-                  <a:srgbClr val="0070c0"/>
+                  <a:srgbClr val="0070C0"/>
                 </a:solidFill>
                 <a:latin typeface="Calibri"/>
                 <a:ea typeface="Calibri"/>
@@ -8516,6 +10179,7 @@
         </p:spPr>
         <p:txBody>
           <a:bodyPr/>
+          <a:lstStyle/>
           <a:p>
             <a:pPr>
               <a:lnSpc>
@@ -8537,7 +10201,7 @@
             <a:r>
               <a:rPr lang="en-US" u="sng">
                 <a:solidFill>
-                  <a:srgbClr val="0000ff"/>
+                  <a:srgbClr val="0000FF"/>
                 </a:solidFill>
                 <a:latin typeface="Calibri"/>
                 <a:ea typeface="Calibri"/>
@@ -8575,7 +10239,7 @@
             <a:r>
               <a:rPr lang="en-US" u="sng">
                 <a:solidFill>
-                  <a:srgbClr val="0000ff"/>
+                  <a:srgbClr val="0000FF"/>
                 </a:solidFill>
                 <a:latin typeface="Calibri"/>
                 <a:ea typeface="Calibri"/>
@@ -8598,17 +10262,7 @@
                 <a:latin typeface="Calibri"/>
                 <a:ea typeface="Calibri"/>
               </a:rPr>
-              <a:t>	</a:t>
-            </a:r>
-            <a:r>
-              <a:rPr lang="en-US">
-                <a:solidFill>
-                  <a:srgbClr val="000000"/>
-                </a:solidFill>
-                <a:latin typeface="Calibri"/>
-                <a:ea typeface="Calibri"/>
-              </a:rPr>
-              <a:t>has several problems:</a:t>
+              <a:t>	has several problems:</a:t>
             </a:r>
             <a:endParaRPr/>
           </a:p>
@@ -8631,7 +10285,7 @@
               <a:t>The pre-installed </a:t>
             </a:r>
             <a:r>
-              <a:rPr i="1" lang="en-US">
+              <a:rPr lang="en-US" i="1">
                 <a:solidFill>
                   <a:srgbClr val="000000"/>
                 </a:solidFill>
@@ -8671,7 +10325,7 @@
               <a:t>There exists a problem with the system’s MPI library that would prevent us to perform many important linear algebra operations like </a:t>
             </a:r>
             <a:r>
-              <a:rPr i="1" lang="en-US">
+              <a:rPr lang="en-US" i="1">
                 <a:solidFill>
                   <a:srgbClr val="000000"/>
                 </a:solidFill>
@@ -8719,7 +10373,7 @@
               <a:t>Install </a:t>
             </a:r>
             <a:r>
-              <a:rPr i="1" lang="en-US">
+              <a:rPr lang="en-US" i="1">
                 <a:solidFill>
                   <a:srgbClr val="000000"/>
                 </a:solidFill>
@@ -8759,6 +10413,7 @@
         </p:spPr>
         <p:txBody>
           <a:bodyPr anchor="ctr"/>
+          <a:lstStyle/>
           <a:p>
             <a:pPr algn="ctr">
               <a:lnSpc>
@@ -8796,6 +10451,7 @@
         </p:spPr>
         <p:txBody>
           <a:bodyPr anchor="ctr"/>
+          <a:lstStyle/>
           <a:p>
             <a:pPr algn="r">
               <a:lnSpc>
@@ -8803,14 +10459,14 @@
               </a:lnSpc>
             </a:pPr>
             <a:fld id="{D32AF26C-8008-4327-A64E-C74BB1F5A427}" type="slidenum">
-              <a:rPr b="1" lang="en-US" sz="1600">
+              <a:rPr lang="en-US" sz="1600" b="1">
                 <a:solidFill>
                   <a:srgbClr val="888888"/>
                 </a:solidFill>
                 <a:latin typeface="Calibri"/>
                 <a:ea typeface="Calibri"/>
               </a:rPr>
-              <a:t>&lt;number&gt;</a:t>
+              <a:t>6</a:t>
             </a:fld>
             <a:endParaRPr/>
           </a:p>
@@ -8818,22 +10474,25 @@
       </p:sp>
     </p:spTree>
   </p:cSld>
+  <p:clrMapOvr>
+    <a:masterClrMapping/>
+  </p:clrMapOvr>
   <p:timing>
     <p:tnLst>
       <p:par>
-        <p:cTn id="11" dur="indefinite" restart="never" nodeType="tmRoot">
+        <p:cTn id="1" dur="indefinite" restart="never" nodeType="tmRoot">
           <p:childTnLst>
             <p:seq>
-              <p:cTn id="12" nodeType="mainSeq"/>
+              <p:cTn id="2" nodeType="mainSeq"/>
               <p:prevCondLst>
-                <p:cond delay="0" evt="onPrev">
+                <p:cond evt="onPrev" delay="0">
                   <p:tgtEl>
                     <p:sldTgt/>
                   </p:tgtEl>
                 </p:cond>
               </p:prevCondLst>
               <p:nextCondLst>
-                <p:cond delay="0" evt="onNext">
+                <p:cond evt="onNext" delay="0">
                   <p:tgtEl>
                     <p:sldTgt/>
                   </p:tgtEl>
@@ -8849,7 +10508,7 @@
 </file>
 
 <file path=ppt/slides/slide7.xml><?xml version="1.0" encoding="utf-8"?>
-<p:sld xmlns:a="http://schemas.openxmlformats.org/drawingml/2006/main" xmlns:p="http://schemas.openxmlformats.org/presentationml/2006/main" xmlns:r="http://schemas.openxmlformats.org/officeDocument/2006/relationships">
+<p:sld xmlns:a="http://schemas.openxmlformats.org/drawingml/2006/main" xmlns:r="http://schemas.openxmlformats.org/officeDocument/2006/relationships" xmlns:p="http://schemas.openxmlformats.org/presentationml/2006/main">
   <p:cSld>
     <p:spTree>
       <p:nvGrpSpPr>
@@ -8882,6 +10541,7 @@
         </p:spPr>
         <p:txBody>
           <a:bodyPr anchor="ctr"/>
+          <a:lstStyle/>
           <a:p>
             <a:pPr algn="ctr">
               <a:lnSpc>
@@ -8891,7 +10551,7 @@
             <a:r>
               <a:rPr lang="en-US" sz="3200">
                 <a:solidFill>
-                  <a:srgbClr val="0070c0"/>
+                  <a:srgbClr val="0070C0"/>
                 </a:solidFill>
                 <a:latin typeface="Calibri"/>
                 <a:ea typeface="Calibri"/>
@@ -8919,6 +10579,7 @@
         </p:spPr>
         <p:txBody>
           <a:bodyPr/>
+          <a:lstStyle/>
           <a:p>
             <a:pPr>
               <a:lnSpc>
@@ -8950,7 +10611,7 @@
             <a:r>
               <a:rPr lang="en-US" u="sng">
                 <a:solidFill>
-                  <a:srgbClr val="0000ff"/>
+                  <a:srgbClr val="0000FF"/>
                 </a:solidFill>
                 <a:latin typeface="Calibri"/>
                 <a:ea typeface="Calibri"/>
@@ -8980,7 +10641,7 @@
             <a:r>
               <a:rPr lang="en-US" u="sng">
                 <a:solidFill>
-                  <a:srgbClr val="0000ff"/>
+                  <a:srgbClr val="0000FF"/>
                 </a:solidFill>
                 <a:latin typeface="Calibri"/>
                 <a:ea typeface="Calibri"/>
@@ -9056,7 +10717,7 @@
               <a:t>Copy the generated public key file  </a:t>
             </a:r>
             <a:r>
-              <a:rPr i="1" lang="en-US" sz="1600">
+              <a:rPr lang="en-US" sz="1600" i="1">
                 <a:solidFill>
                   <a:srgbClr val="000000"/>
                 </a:solidFill>
@@ -9076,7 +10737,7 @@
               <a:t> in the </a:t>
             </a:r>
             <a:r>
-              <a:rPr i="1" lang="en-US" sz="1600">
+              <a:rPr lang="en-US" sz="1600" i="1">
                 <a:solidFill>
                   <a:srgbClr val="000000"/>
                 </a:solidFill>
@@ -9096,7 +10757,7 @@
               <a:t> directory to the </a:t>
             </a:r>
             <a:r>
-              <a:rPr i="1" lang="en-US" sz="1600">
+              <a:rPr lang="en-US" sz="1600" i="1">
                 <a:solidFill>
                   <a:srgbClr val="000000"/>
                 </a:solidFill>
@@ -9116,7 +10777,7 @@
               <a:t> directories of all the users living on the cluster of one or more hosts, and rename it as “</a:t>
             </a:r>
             <a:r>
-              <a:rPr i="1" lang="en-US" sz="1600">
+              <a:rPr lang="en-US" sz="1600" i="1">
                 <a:solidFill>
                   <a:srgbClr val="000000"/>
                 </a:solidFill>
@@ -9156,7 +10817,7 @@
               <a:t>In our case, 1 host 2 uses, “scidb” and “root”, so copy and rename </a:t>
             </a:r>
             <a:r>
-              <a:rPr i="1" lang="en-US" sz="1600">
+              <a:rPr lang="en-US" sz="1600" i="1">
                 <a:solidFill>
                   <a:srgbClr val="000000"/>
                 </a:solidFill>
@@ -9216,6 +10877,7 @@
         </p:spPr>
         <p:txBody>
           <a:bodyPr anchor="ctr"/>
+          <a:lstStyle/>
           <a:p>
             <a:pPr algn="ctr">
               <a:lnSpc>
@@ -9253,6 +10915,7 @@
         </p:spPr>
         <p:txBody>
           <a:bodyPr anchor="ctr"/>
+          <a:lstStyle/>
           <a:p>
             <a:pPr algn="r">
               <a:lnSpc>
@@ -9260,14 +10923,14 @@
               </a:lnSpc>
             </a:pPr>
             <a:fld id="{4C51B21A-2C4E-4720-8CB1-447BB240DED8}" type="slidenum">
-              <a:rPr b="1" lang="en-US" sz="1600">
+              <a:rPr lang="en-US" sz="1600" b="1">
                 <a:solidFill>
                   <a:srgbClr val="888888"/>
                 </a:solidFill>
                 <a:latin typeface="Calibri"/>
                 <a:ea typeface="Calibri"/>
               </a:rPr>
-              <a:t>&lt;number&gt;</a:t>
+              <a:t>7</a:t>
             </a:fld>
             <a:endParaRPr/>
           </a:p>
@@ -9275,22 +10938,25 @@
       </p:sp>
     </p:spTree>
   </p:cSld>
+  <p:clrMapOvr>
+    <a:masterClrMapping/>
+  </p:clrMapOvr>
   <p:timing>
     <p:tnLst>
       <p:par>
-        <p:cTn id="13" dur="indefinite" restart="never" nodeType="tmRoot">
+        <p:cTn id="1" dur="indefinite" restart="never" nodeType="tmRoot">
           <p:childTnLst>
             <p:seq>
-              <p:cTn id="14" nodeType="mainSeq"/>
+              <p:cTn id="2" nodeType="mainSeq"/>
               <p:prevCondLst>
-                <p:cond delay="0" evt="onPrev">
+                <p:cond evt="onPrev" delay="0">
                   <p:tgtEl>
                     <p:sldTgt/>
                   </p:tgtEl>
                 </p:cond>
               </p:prevCondLst>
               <p:nextCondLst>
-                <p:cond delay="0" evt="onNext">
+                <p:cond evt="onNext" delay="0">
                   <p:tgtEl>
                     <p:sldTgt/>
                   </p:tgtEl>
@@ -9306,7 +10972,7 @@
 </file>
 
 <file path=ppt/slides/slide8.xml><?xml version="1.0" encoding="utf-8"?>
-<p:sld xmlns:a="http://schemas.openxmlformats.org/drawingml/2006/main" xmlns:p="http://schemas.openxmlformats.org/presentationml/2006/main" xmlns:r="http://schemas.openxmlformats.org/officeDocument/2006/relationships">
+<p:sld xmlns:a="http://schemas.openxmlformats.org/drawingml/2006/main" xmlns:r="http://schemas.openxmlformats.org/officeDocument/2006/relationships" xmlns:p="http://schemas.openxmlformats.org/presentationml/2006/main">
   <p:cSld>
     <p:spTree>
       <p:nvGrpSpPr>
@@ -9339,6 +11005,7 @@
         </p:spPr>
         <p:txBody>
           <a:bodyPr anchor="ctr"/>
+          <a:lstStyle/>
           <a:p>
             <a:pPr algn="ctr">
               <a:lnSpc>
@@ -9348,7 +11015,7 @@
             <a:r>
               <a:rPr lang="en-US" sz="3200">
                 <a:solidFill>
-                  <a:srgbClr val="0070c0"/>
+                  <a:srgbClr val="0070C0"/>
                 </a:solidFill>
                 <a:latin typeface="Calibri"/>
                 <a:ea typeface="Calibri"/>
@@ -9376,6 +11043,7 @@
         </p:spPr>
         <p:txBody>
           <a:bodyPr/>
+          <a:lstStyle/>
           <a:p>
             <a:pPr>
               <a:lnSpc>
@@ -9392,17 +11060,7 @@
                 <a:latin typeface="Calibri"/>
                 <a:ea typeface="Calibri"/>
               </a:rPr>
-              <a:t>“</a:t>
-            </a:r>
-            <a:r>
-              <a:rPr lang="en-US">
-                <a:solidFill>
-                  <a:srgbClr val="000000"/>
-                </a:solidFill>
-                <a:latin typeface="Calibri"/>
-                <a:ea typeface="Calibri"/>
-              </a:rPr>
-              <a:t>Agent admitted failure to sign using the key”</a:t>
+              <a:t>“Agent admitted failure to sign using the key”</a:t>
             </a:r>
             <a:endParaRPr/>
           </a:p>
@@ -9465,7 +11123,7 @@
               <a:t>To confirm the cause, add </a:t>
             </a:r>
             <a:r>
-              <a:rPr i="1" lang="en-US">
+              <a:rPr lang="en-US" i="1">
                 <a:solidFill>
                   <a:srgbClr val="000000"/>
                 </a:solidFill>
@@ -9495,7 +11153,7 @@
               <a:buChar char="▪"/>
             </a:pPr>
             <a:r>
-              <a:rPr i="1" lang="en-US">
+              <a:rPr lang="en-US" i="1">
                 <a:solidFill>
                   <a:srgbClr val="000000"/>
                 </a:solidFill>
@@ -9561,6 +11219,7 @@
         </p:spPr>
         <p:txBody>
           <a:bodyPr anchor="ctr"/>
+          <a:lstStyle/>
           <a:p>
             <a:pPr algn="ctr">
               <a:lnSpc>
@@ -9598,6 +11257,7 @@
         </p:spPr>
         <p:txBody>
           <a:bodyPr anchor="ctr"/>
+          <a:lstStyle/>
           <a:p>
             <a:pPr algn="r">
               <a:lnSpc>
@@ -9605,14 +11265,14 @@
               </a:lnSpc>
             </a:pPr>
             <a:fld id="{E1C26889-2E3E-4B2A-9430-95BECD9A46EB}" type="slidenum">
-              <a:rPr b="1" lang="en-US" sz="1600">
+              <a:rPr lang="en-US" sz="1600" b="1">
                 <a:solidFill>
                   <a:srgbClr val="888888"/>
                 </a:solidFill>
                 <a:latin typeface="Calibri"/>
                 <a:ea typeface="Calibri"/>
               </a:rPr>
-              <a:t>&lt;number&gt;</a:t>
+              <a:t>8</a:t>
             </a:fld>
             <a:endParaRPr/>
           </a:p>
@@ -9620,12 +11280,12 @@
       </p:sp>
       <p:pic>
         <p:nvPicPr>
-          <p:cNvPr id="118" name="Shape 144" descr=""/>
+          <p:cNvPr id="118" name="Shape 144"/>
           <p:cNvPicPr/>
           <p:nvPr/>
         </p:nvPicPr>
         <p:blipFill>
-          <a:blip r:embed="rId1"/>
+          <a:blip r:embed="rId2"/>
           <a:stretch>
             <a:fillRect/>
           </a:stretch>
@@ -9645,22 +11305,25 @@
       </p:pic>
     </p:spTree>
   </p:cSld>
+  <p:clrMapOvr>
+    <a:masterClrMapping/>
+  </p:clrMapOvr>
   <p:timing>
     <p:tnLst>
       <p:par>
-        <p:cTn id="15" dur="indefinite" restart="never" nodeType="tmRoot">
+        <p:cTn id="1" dur="indefinite" restart="never" nodeType="tmRoot">
           <p:childTnLst>
             <p:seq>
-              <p:cTn id="16" nodeType="mainSeq"/>
+              <p:cTn id="2" nodeType="mainSeq"/>
               <p:prevCondLst>
-                <p:cond delay="0" evt="onPrev">
+                <p:cond evt="onPrev" delay="0">
                   <p:tgtEl>
                     <p:sldTgt/>
                   </p:tgtEl>
                 </p:cond>
               </p:prevCondLst>
               <p:nextCondLst>
-                <p:cond delay="0" evt="onNext">
+                <p:cond evt="onNext" delay="0">
                   <p:tgtEl>
                     <p:sldTgt/>
                   </p:tgtEl>
@@ -9676,7 +11339,7 @@
 </file>
 
 <file path=ppt/slides/slide9.xml><?xml version="1.0" encoding="utf-8"?>
-<p:sld xmlns:a="http://schemas.openxmlformats.org/drawingml/2006/main" xmlns:p="http://schemas.openxmlformats.org/presentationml/2006/main" xmlns:r="http://schemas.openxmlformats.org/officeDocument/2006/relationships">
+<p:sld xmlns:a="http://schemas.openxmlformats.org/drawingml/2006/main" xmlns:r="http://schemas.openxmlformats.org/officeDocument/2006/relationships" xmlns:p="http://schemas.openxmlformats.org/presentationml/2006/main">
   <p:cSld>
     <p:spTree>
       <p:nvGrpSpPr>
@@ -9709,6 +11372,7 @@
         </p:spPr>
         <p:txBody>
           <a:bodyPr anchor="ctr"/>
+          <a:lstStyle/>
           <a:p>
             <a:pPr algn="ctr">
               <a:lnSpc>
@@ -9718,7 +11382,7 @@
             <a:r>
               <a:rPr lang="en-US" sz="3200">
                 <a:solidFill>
-                  <a:srgbClr val="0070c0"/>
+                  <a:srgbClr val="0070C0"/>
                 </a:solidFill>
                 <a:latin typeface="Calibri"/>
                 <a:ea typeface="Calibri"/>
@@ -9746,6 +11410,7 @@
         </p:spPr>
         <p:txBody>
           <a:bodyPr/>
+          <a:lstStyle/>
           <a:p>
             <a:pPr>
               <a:lnSpc>
@@ -9765,7 +11430,7 @@
               <a:t>Build from source, </a:t>
             </a:r>
             <a:r>
-              <a:rPr i="1" lang="en-US">
+              <a:rPr lang="en-US" i="1">
                 <a:solidFill>
                   <a:srgbClr val="000000"/>
                 </a:solidFill>
@@ -9815,7 +11480,7 @@
               <a:t>Assign appropriate number of processors to the VM in order to compile the source code in parallel fashion, e.g. </a:t>
             </a:r>
             <a:r>
-              <a:rPr i="1" lang="en-US">
+              <a:rPr lang="en-US" i="1">
                 <a:solidFill>
                   <a:srgbClr val="000000"/>
                 </a:solidFill>
@@ -9903,7 +11568,7 @@
               <a:t>Install the package from github by </a:t>
             </a:r>
             <a:r>
-              <a:rPr i="1" lang="en-US">
+              <a:rPr lang="en-US" i="1">
                 <a:solidFill>
                   <a:srgbClr val="000000"/>
                 </a:solidFill>
@@ -9943,7 +11608,7 @@
               <a:buChar char="▪"/>
             </a:pPr>
             <a:r>
-              <a:rPr i="1" lang="en-US" sz="1600">
+              <a:rPr lang="en-US" sz="1600" i="1">
                 <a:solidFill>
                   <a:srgbClr val="000000"/>
                 </a:solidFill>
@@ -9973,7 +11638,7 @@
               <a:t>In R terminal, execute </a:t>
             </a:r>
             <a:r>
-              <a:rPr i="1" lang="en-US">
+              <a:rPr lang="en-US" i="1">
                 <a:solidFill>
                   <a:srgbClr val="000000"/>
                 </a:solidFill>
@@ -10003,6 +11668,7 @@
         </p:spPr>
         <p:txBody>
           <a:bodyPr anchor="ctr"/>
+          <a:lstStyle/>
           <a:p>
             <a:pPr algn="ctr">
               <a:lnSpc>
@@ -10040,6 +11706,7 @@
         </p:spPr>
         <p:txBody>
           <a:bodyPr anchor="ctr"/>
+          <a:lstStyle/>
           <a:p>
             <a:pPr algn="r">
               <a:lnSpc>
@@ -10047,14 +11714,14 @@
               </a:lnSpc>
             </a:pPr>
             <a:fld id="{A3909B2F-9E3D-4DAD-B39B-EE43F6ABE817}" type="slidenum">
-              <a:rPr b="1" lang="en-US" sz="1600">
+              <a:rPr lang="en-US" sz="1600" b="1">
                 <a:solidFill>
                   <a:srgbClr val="888888"/>
                 </a:solidFill>
                 <a:latin typeface="Calibri"/>
                 <a:ea typeface="Calibri"/>
               </a:rPr>
-              <a:t>&lt;number&gt;</a:t>
+              <a:t>9</a:t>
             </a:fld>
             <a:endParaRPr/>
           </a:p>
@@ -10062,22 +11729,25 @@
       </p:sp>
     </p:spTree>
   </p:cSld>
+  <p:clrMapOvr>
+    <a:masterClrMapping/>
+  </p:clrMapOvr>
   <p:timing>
     <p:tnLst>
       <p:par>
-        <p:cTn id="17" dur="indefinite" restart="never" nodeType="tmRoot">
+        <p:cTn id="1" dur="indefinite" restart="never" nodeType="tmRoot">
           <p:childTnLst>
             <p:seq>
-              <p:cTn id="18" nodeType="mainSeq"/>
+              <p:cTn id="2" nodeType="mainSeq"/>
               <p:prevCondLst>
-                <p:cond delay="0" evt="onPrev">
+                <p:cond evt="onPrev" delay="0">
                   <p:tgtEl>
                     <p:sldTgt/>
                   </p:tgtEl>
                 </p:cond>
               </p:prevCondLst>
               <p:nextCondLst>
-                <p:cond delay="0" evt="onNext">
+                <p:cond evt="onNext" delay="0">
                   <p:tgtEl>
                     <p:sldTgt/>
                   </p:tgtEl>
@@ -10312,6 +11982,8 @@
       </a:bgFillStyleLst>
     </a:fmtScheme>
   </a:themeElements>
+  <a:objectDefaults/>
+  <a:extraClrSchemeLst/>
 </a:theme>
 </file>
 
@@ -10535,6 +12207,8 @@
       </a:bgFillStyleLst>
     </a:fmtScheme>
   </a:themeElements>
+  <a:objectDefaults/>
+  <a:extraClrSchemeLst/>
 </a:theme>
 </file>
 
@@ -10758,5 +12432,7 @@
       </a:bgFillStyleLst>
     </a:fmtScheme>
   </a:themeElements>
+  <a:objectDefaults/>
+  <a:extraClrSchemeLst/>
 </a:theme>
 </file>
--- a/FinalProjectSlides and YouTubeTitlePage_e63_2017.pptx
+++ b/FinalProjectSlides and YouTubeTitlePage_e63_2017.pptx
@@ -127,7 +127,7 @@
   </p:defaultTextStyle>
   <p:extLst>
     <p:ext uri="{EFAFB233-063F-42B5-8137-9DF3F51BA10A}">
-      <p15:sldGuideLst xmlns:p15="http://schemas.microsoft.com/office/powerpoint/2012/main"/>
+      <p15:sldGuideLst xmlns:p15="http://schemas.microsoft.com/office/powerpoint/2012/main" xmlns=""/>
     </p:ext>
   </p:extLst>
 </p:presentation>
@@ -327,6 +327,11 @@
         </p:txBody>
       </p:sp>
     </p:spTree>
+    <p:extLst>
+      <p:ext uri="{BB962C8B-B14F-4D97-AF65-F5344CB8AC3E}">
+        <p14:creationId xmlns:p14="http://schemas.microsoft.com/office/powerpoint/2010/main" val="2427351243"/>
+      </p:ext>
+    </p:extLst>
   </p:cSld>
   <p:clrMap bg1="lt1" tx1="dk1" bg2="lt2" tx2="dk2" accent1="accent1" accent2="accent2" accent3="accent3" accent4="accent4" accent5="accent5" accent6="accent6" hlink="hlink" folHlink="folHlink"/>
   <p:notesStyle>
@@ -5206,6 +5211,16 @@
                 <a:ea typeface="Calibri"/>
               </a:rPr>
             </a:br>
+            <a:r>
+              <a:rPr lang="en-US" sz="2200" dirty="0">
+                <a:solidFill>
+                  <a:srgbClr val="000000"/>
+                </a:solidFill>
+                <a:latin typeface="Calibri"/>
+                <a:ea typeface="Calibri"/>
+              </a:rPr>
+              <a:t/>
+            </a:r>
             <a:br>
               <a:rPr lang="en-US" sz="2200" dirty="0">
                 <a:solidFill>
@@ -5215,6 +5230,16 @@
                 <a:ea typeface="Calibri"/>
               </a:rPr>
             </a:br>
+            <a:r>
+              <a:rPr lang="en-US" sz="2200" dirty="0">
+                <a:solidFill>
+                  <a:srgbClr val="000000"/>
+                </a:solidFill>
+                <a:latin typeface="Calibri"/>
+                <a:ea typeface="Calibri"/>
+              </a:rPr>
+              <a:t/>
+            </a:r>
             <a:br>
               <a:rPr lang="en-US" sz="2200" dirty="0">
                 <a:solidFill>
@@ -5224,6 +5249,16 @@
                 <a:ea typeface="Calibri"/>
               </a:rPr>
             </a:br>
+            <a:r>
+              <a:rPr lang="en-US" sz="2200" dirty="0">
+                <a:solidFill>
+                  <a:srgbClr val="000000"/>
+                </a:solidFill>
+                <a:latin typeface="Calibri"/>
+                <a:ea typeface="Calibri"/>
+              </a:rPr>
+              <a:t/>
+            </a:r>
             <a:br>
               <a:rPr lang="en-US" sz="2200" dirty="0">
                 <a:solidFill>
@@ -5233,6 +5268,16 @@
                 <a:ea typeface="Calibri"/>
               </a:rPr>
             </a:br>
+            <a:r>
+              <a:rPr lang="en-US" sz="2200" dirty="0">
+                <a:solidFill>
+                  <a:srgbClr val="000000"/>
+                </a:solidFill>
+                <a:latin typeface="Calibri"/>
+                <a:ea typeface="Calibri"/>
+              </a:rPr>
+              <a:t/>
+            </a:r>
             <a:br>
               <a:rPr lang="en-US" sz="2200" dirty="0">
                 <a:solidFill>
@@ -5242,6 +5287,16 @@
                 <a:ea typeface="Calibri"/>
               </a:rPr>
             </a:br>
+            <a:r>
+              <a:rPr lang="en-US" sz="2200" dirty="0">
+                <a:solidFill>
+                  <a:srgbClr val="000000"/>
+                </a:solidFill>
+                <a:latin typeface="Calibri"/>
+                <a:ea typeface="Calibri"/>
+              </a:rPr>
+              <a:t/>
+            </a:r>
             <a:br>
               <a:rPr lang="en-US" sz="2200" dirty="0">
                 <a:solidFill>
@@ -5251,6 +5306,16 @@
                 <a:ea typeface="Calibri"/>
               </a:rPr>
             </a:br>
+            <a:r>
+              <a:rPr lang="en-US" sz="2200" dirty="0">
+                <a:solidFill>
+                  <a:srgbClr val="000000"/>
+                </a:solidFill>
+                <a:latin typeface="Calibri"/>
+                <a:ea typeface="Calibri"/>
+              </a:rPr>
+              <a:t/>
+            </a:r>
             <a:br>
               <a:rPr lang="en-US" sz="2200" dirty="0">
                 <a:solidFill>
@@ -5260,6 +5325,16 @@
                 <a:ea typeface="Calibri"/>
               </a:rPr>
             </a:br>
+            <a:r>
+              <a:rPr lang="en-US" sz="2200" dirty="0">
+                <a:solidFill>
+                  <a:srgbClr val="000000"/>
+                </a:solidFill>
+                <a:latin typeface="Calibri"/>
+                <a:ea typeface="Calibri"/>
+              </a:rPr>
+              <a:t/>
+            </a:r>
             <a:br>
               <a:rPr lang="en-US" sz="2200" dirty="0">
                 <a:solidFill>
@@ -5269,6 +5344,16 @@
                 <a:ea typeface="Calibri"/>
               </a:rPr>
             </a:br>
+            <a:r>
+              <a:rPr lang="en-US" sz="2200" dirty="0">
+                <a:solidFill>
+                  <a:srgbClr val="000000"/>
+                </a:solidFill>
+                <a:latin typeface="Calibri"/>
+                <a:ea typeface="Calibri"/>
+              </a:rPr>
+              <a:t/>
+            </a:r>
             <a:br>
               <a:rPr lang="en-US" sz="2200" dirty="0">
                 <a:solidFill>
@@ -5278,6 +5363,16 @@
                 <a:ea typeface="Calibri"/>
               </a:rPr>
             </a:br>
+            <a:r>
+              <a:rPr lang="en-US" sz="2200" dirty="0">
+                <a:solidFill>
+                  <a:srgbClr val="000000"/>
+                </a:solidFill>
+                <a:latin typeface="Calibri"/>
+                <a:ea typeface="Calibri"/>
+              </a:rPr>
+              <a:t/>
+            </a:r>
             <a:br>
               <a:rPr lang="en-US" sz="2200" dirty="0">
                 <a:solidFill>
@@ -5287,6 +5382,16 @@
                 <a:ea typeface="Calibri"/>
               </a:rPr>
             </a:br>
+            <a:r>
+              <a:rPr lang="en-US" sz="2200" dirty="0">
+                <a:solidFill>
+                  <a:srgbClr val="000000"/>
+                </a:solidFill>
+                <a:latin typeface="Calibri"/>
+                <a:ea typeface="Calibri"/>
+              </a:rPr>
+              <a:t/>
+            </a:r>
             <a:br>
               <a:rPr lang="en-US" sz="2200" dirty="0">
                 <a:solidFill>
@@ -5767,6 +5872,16 @@
                 <a:ea typeface="Calibri"/>
               </a:rPr>
             </a:br>
+            <a:r>
+              <a:rPr lang="en-US" sz="2400" dirty="0">
+                <a:solidFill>
+                  <a:srgbClr val="000000"/>
+                </a:solidFill>
+                <a:latin typeface="Calibri"/>
+                <a:ea typeface="Calibri"/>
+              </a:rPr>
+              <a:t/>
+            </a:r>
             <a:br>
               <a:rPr lang="en-US" sz="2400" dirty="0">
                 <a:solidFill>
@@ -5776,6 +5891,16 @@
                 <a:ea typeface="Calibri"/>
               </a:rPr>
             </a:br>
+            <a:r>
+              <a:rPr lang="en-US" sz="2400" dirty="0">
+                <a:solidFill>
+                  <a:srgbClr val="000000"/>
+                </a:solidFill>
+                <a:latin typeface="Calibri"/>
+                <a:ea typeface="Calibri"/>
+              </a:rPr>
+              <a:t/>
+            </a:r>
             <a:br>
               <a:rPr lang="en-US" sz="2400" dirty="0">
                 <a:solidFill>
@@ -5785,6 +5910,16 @@
                 <a:ea typeface="Calibri"/>
               </a:rPr>
             </a:br>
+            <a:r>
+              <a:rPr lang="en-US" sz="2400" dirty="0">
+                <a:solidFill>
+                  <a:srgbClr val="000000"/>
+                </a:solidFill>
+                <a:latin typeface="Calibri"/>
+                <a:ea typeface="Calibri"/>
+              </a:rPr>
+              <a:t/>
+            </a:r>
             <a:br>
               <a:rPr lang="en-US" sz="2400" dirty="0">
                 <a:solidFill>
@@ -5794,6 +5929,16 @@
                 <a:ea typeface="Calibri"/>
               </a:rPr>
             </a:br>
+            <a:r>
+              <a:rPr lang="en-US" sz="2400" dirty="0">
+                <a:solidFill>
+                  <a:srgbClr val="000000"/>
+                </a:solidFill>
+                <a:latin typeface="Calibri"/>
+                <a:ea typeface="Calibri"/>
+              </a:rPr>
+              <a:t/>
+            </a:r>
             <a:br>
               <a:rPr lang="en-US" sz="2400" dirty="0">
                 <a:solidFill>
@@ -5803,6 +5948,16 @@
                 <a:ea typeface="Calibri"/>
               </a:rPr>
             </a:br>
+            <a:r>
+              <a:rPr lang="en-US" sz="2400" dirty="0">
+                <a:solidFill>
+                  <a:srgbClr val="000000"/>
+                </a:solidFill>
+                <a:latin typeface="Calibri"/>
+                <a:ea typeface="Calibri"/>
+              </a:rPr>
+              <a:t/>
+            </a:r>
             <a:br>
               <a:rPr lang="en-US" sz="2400" dirty="0">
                 <a:solidFill>
@@ -5812,6 +5967,16 @@
                 <a:ea typeface="Calibri"/>
               </a:rPr>
             </a:br>
+            <a:r>
+              <a:rPr lang="en-US" sz="2400" dirty="0">
+                <a:solidFill>
+                  <a:srgbClr val="000000"/>
+                </a:solidFill>
+                <a:latin typeface="Calibri"/>
+                <a:ea typeface="Calibri"/>
+              </a:rPr>
+              <a:t/>
+            </a:r>
             <a:br>
               <a:rPr lang="en-US" sz="2400" dirty="0">
                 <a:solidFill>
@@ -5821,6 +5986,16 @@
                 <a:ea typeface="Calibri"/>
               </a:rPr>
             </a:br>
+            <a:r>
+              <a:rPr lang="en-US" sz="2400" dirty="0">
+                <a:solidFill>
+                  <a:srgbClr val="000000"/>
+                </a:solidFill>
+                <a:latin typeface="Calibri"/>
+                <a:ea typeface="Calibri"/>
+              </a:rPr>
+              <a:t/>
+            </a:r>
             <a:br>
               <a:rPr lang="en-US" sz="2400" dirty="0">
                 <a:solidFill>
@@ -5830,6 +6005,16 @@
                 <a:ea typeface="Calibri"/>
               </a:rPr>
             </a:br>
+            <a:r>
+              <a:rPr lang="en-US" sz="2400" dirty="0">
+                <a:solidFill>
+                  <a:srgbClr val="000000"/>
+                </a:solidFill>
+                <a:latin typeface="Calibri"/>
+                <a:ea typeface="Calibri"/>
+              </a:rPr>
+              <a:t/>
+            </a:r>
             <a:br>
               <a:rPr lang="en-US" sz="2400" dirty="0">
                 <a:solidFill>
@@ -5839,6 +6024,16 @@
                 <a:ea typeface="Calibri"/>
               </a:rPr>
             </a:br>
+            <a:r>
+              <a:rPr lang="en-US" sz="2400" dirty="0">
+                <a:solidFill>
+                  <a:srgbClr val="000000"/>
+                </a:solidFill>
+                <a:latin typeface="Calibri"/>
+                <a:ea typeface="Calibri"/>
+              </a:rPr>
+              <a:t/>
+            </a:r>
             <a:br>
               <a:rPr lang="en-US" sz="2400" dirty="0">
                 <a:solidFill>
@@ -5848,6 +6043,16 @@
                 <a:ea typeface="Calibri"/>
               </a:rPr>
             </a:br>
+            <a:r>
+              <a:rPr lang="en-US" sz="2400" dirty="0">
+                <a:solidFill>
+                  <a:srgbClr val="000000"/>
+                </a:solidFill>
+                <a:latin typeface="Calibri"/>
+                <a:ea typeface="Calibri"/>
+              </a:rPr>
+              <a:t/>
+            </a:r>
             <a:br>
               <a:rPr lang="en-US" sz="2400" dirty="0">
                 <a:solidFill>
@@ -5857,6 +6062,16 @@
                 <a:ea typeface="Calibri"/>
               </a:rPr>
             </a:br>
+            <a:r>
+              <a:rPr lang="en-US" sz="2400" dirty="0">
+                <a:solidFill>
+                  <a:srgbClr val="000000"/>
+                </a:solidFill>
+                <a:latin typeface="Calibri"/>
+                <a:ea typeface="Calibri"/>
+              </a:rPr>
+              <a:t/>
+            </a:r>
             <a:br>
               <a:rPr lang="en-US" sz="2400" dirty="0">
                 <a:solidFill>
@@ -6222,6 +6437,16 @@
               </a:rPr>
               <a:t>SciDB</a:t>
             </a:r>
+            <a:r>
+              <a:rPr lang="en-US" sz="2400" dirty="0">
+                <a:solidFill>
+                  <a:srgbClr val="000000"/>
+                </a:solidFill>
+                <a:latin typeface="Calibri"/>
+                <a:ea typeface="Calibri"/>
+              </a:rPr>
+              <a:t/>
+            </a:r>
             <a:br>
               <a:rPr lang="en-US" sz="2400" dirty="0">
                 <a:solidFill>
@@ -6231,6 +6456,16 @@
                 <a:ea typeface="Calibri"/>
               </a:rPr>
             </a:br>
+            <a:r>
+              <a:rPr lang="en-US" sz="2400" dirty="0">
+                <a:solidFill>
+                  <a:srgbClr val="000000"/>
+                </a:solidFill>
+                <a:latin typeface="Calibri"/>
+                <a:ea typeface="Calibri"/>
+              </a:rPr>
+              <a:t/>
+            </a:r>
             <a:br>
               <a:rPr lang="en-US" sz="2400" dirty="0">
                 <a:solidFill>
@@ -6240,6 +6475,16 @@
                 <a:ea typeface="Calibri"/>
               </a:rPr>
             </a:br>
+            <a:r>
+              <a:rPr lang="en-US" sz="2400" dirty="0">
+                <a:solidFill>
+                  <a:srgbClr val="000000"/>
+                </a:solidFill>
+                <a:latin typeface="Calibri"/>
+                <a:ea typeface="Calibri"/>
+              </a:rPr>
+              <a:t/>
+            </a:r>
             <a:br>
               <a:rPr lang="en-US" sz="2400" dirty="0">
                 <a:solidFill>
@@ -6249,6 +6494,16 @@
                 <a:ea typeface="Calibri"/>
               </a:rPr>
             </a:br>
+            <a:r>
+              <a:rPr lang="en-US" sz="2400" dirty="0">
+                <a:solidFill>
+                  <a:srgbClr val="000000"/>
+                </a:solidFill>
+                <a:latin typeface="Calibri"/>
+                <a:ea typeface="Calibri"/>
+              </a:rPr>
+              <a:t/>
+            </a:r>
             <a:br>
               <a:rPr lang="en-US" sz="2400" dirty="0">
                 <a:solidFill>
@@ -6258,6 +6513,16 @@
                 <a:ea typeface="Calibri"/>
               </a:rPr>
             </a:br>
+            <a:r>
+              <a:rPr lang="en-US" sz="2400" dirty="0">
+                <a:solidFill>
+                  <a:srgbClr val="000000"/>
+                </a:solidFill>
+                <a:latin typeface="Calibri"/>
+                <a:ea typeface="Calibri"/>
+              </a:rPr>
+              <a:t/>
+            </a:r>
             <a:br>
               <a:rPr lang="en-US" sz="2400" dirty="0">
                 <a:solidFill>
@@ -6267,6 +6532,16 @@
                 <a:ea typeface="Calibri"/>
               </a:rPr>
             </a:br>
+            <a:r>
+              <a:rPr lang="en-US" sz="2400" dirty="0">
+                <a:solidFill>
+                  <a:srgbClr val="000000"/>
+                </a:solidFill>
+                <a:latin typeface="Calibri"/>
+                <a:ea typeface="Calibri"/>
+              </a:rPr>
+              <a:t/>
+            </a:r>
             <a:br>
               <a:rPr lang="en-US" sz="2400" dirty="0">
                 <a:solidFill>
@@ -6276,6 +6551,16 @@
                 <a:ea typeface="Calibri"/>
               </a:rPr>
             </a:br>
+            <a:r>
+              <a:rPr lang="en-US" sz="2400" dirty="0">
+                <a:solidFill>
+                  <a:srgbClr val="000000"/>
+                </a:solidFill>
+                <a:latin typeface="Calibri"/>
+                <a:ea typeface="Calibri"/>
+              </a:rPr>
+              <a:t/>
+            </a:r>
             <a:br>
               <a:rPr lang="en-US" sz="2400" dirty="0">
                 <a:solidFill>
@@ -6612,6 +6897,16 @@
               </a:rPr>
               <a:t>ratings</a:t>
             </a:r>
+            <a:r>
+              <a:rPr lang="en-US" sz="2200" dirty="0">
+                <a:solidFill>
+                  <a:srgbClr val="000000"/>
+                </a:solidFill>
+                <a:latin typeface="Calibri"/>
+                <a:ea typeface="Calibri"/>
+              </a:rPr>
+              <a:t/>
+            </a:r>
             <a:br>
               <a:rPr lang="en-US" sz="2200" dirty="0">
                 <a:solidFill>
@@ -6621,6 +6916,16 @@
                 <a:ea typeface="Calibri"/>
               </a:rPr>
             </a:br>
+            <a:r>
+              <a:rPr lang="en-US" sz="2200" dirty="0">
+                <a:solidFill>
+                  <a:srgbClr val="000000"/>
+                </a:solidFill>
+                <a:latin typeface="Calibri"/>
+                <a:ea typeface="Calibri"/>
+              </a:rPr>
+              <a:t/>
+            </a:r>
             <a:br>
               <a:rPr lang="en-US" sz="2200" dirty="0">
                 <a:solidFill>
@@ -6684,6 +6989,13 @@
                 <a:cs typeface="Courier New" panose="02070309020205020404" pitchFamily="49" charset="0"/>
               </a:rPr>
               <a:t>=0:?,1000000,0];</a:t>
+            </a:r>
+            <a:r>
+              <a:rPr lang="en-US" dirty="0">
+                <a:latin typeface="Courier New" panose="02070309020205020404" pitchFamily="49" charset="0"/>
+                <a:cs typeface="Courier New" panose="02070309020205020404" pitchFamily="49" charset="0"/>
+              </a:rPr>
+              <a:t/>
             </a:r>
             <a:br>
               <a:rPr lang="en-US" dirty="0">
@@ -6733,6 +7045,16 @@
                 <a:ea typeface="Calibri"/>
               </a:rPr>
             </a:br>
+            <a:r>
+              <a:rPr lang="en-US" sz="2200" dirty="0">
+                <a:solidFill>
+                  <a:srgbClr val="000000"/>
+                </a:solidFill>
+                <a:latin typeface="Calibri"/>
+                <a:ea typeface="Calibri"/>
+              </a:rPr>
+              <a:t/>
+            </a:r>
             <a:br>
               <a:rPr lang="en-US" sz="2200" dirty="0">
                 <a:solidFill>
@@ -6753,6 +7075,16 @@
               </a:rPr>
               <a:t>AFL% load(ratings, 'ratings_noHeader.csv', -2, 'csv');</a:t>
             </a:r>
+            <a:r>
+              <a:rPr lang="en-US" dirty="0">
+                <a:solidFill>
+                  <a:srgbClr val="000000"/>
+                </a:solidFill>
+                <a:latin typeface="Calibri"/>
+                <a:ea typeface="Calibri"/>
+              </a:rPr>
+              <a:t/>
+            </a:r>
             <a:br>
               <a:rPr lang="en-US" dirty="0">
                 <a:solidFill>
@@ -6762,6 +7094,16 @@
                 <a:ea typeface="Calibri"/>
               </a:rPr>
             </a:br>
+            <a:r>
+              <a:rPr lang="en-US" dirty="0">
+                <a:solidFill>
+                  <a:srgbClr val="000000"/>
+                </a:solidFill>
+                <a:latin typeface="Calibri"/>
+                <a:ea typeface="Calibri"/>
+              </a:rPr>
+              <a:t/>
+            </a:r>
             <a:br>
               <a:rPr lang="en-US" dirty="0">
                 <a:solidFill>
@@ -6838,6 +7180,16 @@
               </a:rPr>
               <a:t>ratings_matrix</a:t>
             </a:r>
+            <a:r>
+              <a:rPr lang="en-US" sz="2200" dirty="0">
+                <a:solidFill>
+                  <a:srgbClr val="000000"/>
+                </a:solidFill>
+                <a:latin typeface="Calibri"/>
+                <a:ea typeface="Calibri"/>
+              </a:rPr>
+              <a:t/>
+            </a:r>
             <a:br>
               <a:rPr lang="en-US" sz="2200" dirty="0">
                 <a:solidFill>
@@ -6847,6 +7199,16 @@
                 <a:ea typeface="Calibri"/>
               </a:rPr>
             </a:br>
+            <a:r>
+              <a:rPr lang="en-US" sz="2200" dirty="0">
+                <a:solidFill>
+                  <a:srgbClr val="000000"/>
+                </a:solidFill>
+                <a:latin typeface="Calibri"/>
+                <a:ea typeface="Calibri"/>
+              </a:rPr>
+              <a:t/>
+            </a:r>
             <a:br>
               <a:rPr lang="en-US" sz="2200" dirty="0">
                 <a:solidFill>
@@ -7268,6 +7630,17 @@
               </a:rPr>
               <a:t>)</a:t>
             </a:r>
+            <a:r>
+              <a:rPr lang="en-US" sz="2400" dirty="0">
+                <a:solidFill>
+                  <a:srgbClr val="000000"/>
+                </a:solidFill>
+                <a:latin typeface="Courier New" panose="02070309020205020404" pitchFamily="49" charset="0"/>
+                <a:ea typeface="Calibri"/>
+                <a:cs typeface="Courier New" panose="02070309020205020404" pitchFamily="49" charset="0"/>
+              </a:rPr>
+              <a:t/>
+            </a:r>
             <a:br>
               <a:rPr lang="en-US" sz="2400" dirty="0">
                 <a:solidFill>
@@ -7278,6 +7651,16 @@
                 <a:cs typeface="Courier New" panose="02070309020205020404" pitchFamily="49" charset="0"/>
               </a:rPr>
             </a:br>
+            <a:r>
+              <a:rPr lang="en-US" sz="2400" dirty="0">
+                <a:solidFill>
+                  <a:srgbClr val="000000"/>
+                </a:solidFill>
+                <a:latin typeface="Calibri"/>
+                <a:ea typeface="Calibri"/>
+              </a:rPr>
+              <a:t/>
+            </a:r>
             <a:br>
               <a:rPr lang="en-US" sz="2400" dirty="0">
                 <a:solidFill>
@@ -7287,6 +7670,16 @@
                 <a:ea typeface="Calibri"/>
               </a:rPr>
             </a:br>
+            <a:r>
+              <a:rPr lang="en-US" sz="2400" dirty="0">
+                <a:solidFill>
+                  <a:srgbClr val="000000"/>
+                </a:solidFill>
+                <a:latin typeface="Calibri"/>
+                <a:ea typeface="Calibri"/>
+              </a:rPr>
+              <a:t/>
+            </a:r>
             <a:br>
               <a:rPr lang="en-US" sz="2400" dirty="0">
                 <a:solidFill>
@@ -7296,6 +7689,16 @@
                 <a:ea typeface="Calibri"/>
               </a:rPr>
             </a:br>
+            <a:r>
+              <a:rPr lang="en-US" sz="2400" dirty="0">
+                <a:solidFill>
+                  <a:srgbClr val="000000"/>
+                </a:solidFill>
+                <a:latin typeface="Calibri"/>
+                <a:ea typeface="Calibri"/>
+              </a:rPr>
+              <a:t/>
+            </a:r>
             <a:br>
               <a:rPr lang="en-US" sz="2400" dirty="0">
                 <a:solidFill>
@@ -7305,6 +7708,16 @@
                 <a:ea typeface="Calibri"/>
               </a:rPr>
             </a:br>
+            <a:r>
+              <a:rPr lang="en-US" sz="2400" dirty="0">
+                <a:solidFill>
+                  <a:srgbClr val="000000"/>
+                </a:solidFill>
+                <a:latin typeface="Calibri"/>
+                <a:ea typeface="Calibri"/>
+              </a:rPr>
+              <a:t/>
+            </a:r>
             <a:br>
               <a:rPr lang="en-US" sz="2400" dirty="0">
                 <a:solidFill>
@@ -7314,6 +7727,16 @@
                 <a:ea typeface="Calibri"/>
               </a:rPr>
             </a:br>
+            <a:r>
+              <a:rPr lang="en-US" sz="2400" dirty="0">
+                <a:solidFill>
+                  <a:srgbClr val="000000"/>
+                </a:solidFill>
+                <a:latin typeface="Calibri"/>
+                <a:ea typeface="Calibri"/>
+              </a:rPr>
+              <a:t/>
+            </a:r>
             <a:br>
               <a:rPr lang="en-US" sz="2400" dirty="0">
                 <a:solidFill>
@@ -7674,6 +8097,16 @@
               </a:rPr>
               <a:t>T</a:t>
             </a:r>
+            <a:r>
+              <a:rPr lang="en-US" sz="2400" dirty="0">
+                <a:solidFill>
+                  <a:srgbClr val="000000"/>
+                </a:solidFill>
+                <a:latin typeface="Calibri"/>
+                <a:ea typeface="Calibri"/>
+              </a:rPr>
+              <a:t/>
+            </a:r>
             <a:br>
               <a:rPr lang="en-US" sz="2400" dirty="0">
                 <a:solidFill>
@@ -8084,6 +8517,16 @@
               </a:rPr>
               <a:t>T</a:t>
             </a:r>
+            <a:r>
+              <a:rPr lang="en-US" dirty="0">
+                <a:solidFill>
+                  <a:srgbClr val="000000"/>
+                </a:solidFill>
+                <a:latin typeface="Calibri"/>
+                <a:ea typeface="Calibri"/>
+              </a:rPr>
+              <a:t/>
+            </a:r>
             <a:br>
               <a:rPr lang="en-US" dirty="0">
                 <a:solidFill>
@@ -8552,6 +8995,16 @@
                 <a:ea typeface="Calibri"/>
               </a:rPr>
             </a:br>
+            <a:r>
+              <a:rPr lang="en-US" dirty="0">
+                <a:solidFill>
+                  <a:srgbClr val="000000"/>
+                </a:solidFill>
+                <a:latin typeface="Calibri"/>
+                <a:ea typeface="Calibri"/>
+              </a:rPr>
+              <a:t/>
+            </a:r>
             <a:br>
               <a:rPr lang="en-US" dirty="0">
                 <a:solidFill>
@@ -8561,6 +9014,16 @@
                 <a:ea typeface="Calibri"/>
               </a:rPr>
             </a:br>
+            <a:r>
+              <a:rPr lang="en-US" dirty="0">
+                <a:solidFill>
+                  <a:srgbClr val="000000"/>
+                </a:solidFill>
+                <a:latin typeface="Calibri"/>
+                <a:ea typeface="Calibri"/>
+              </a:rPr>
+              <a:t/>
+            </a:r>
             <a:br>
               <a:rPr lang="en-US" dirty="0">
                 <a:solidFill>
@@ -9393,6 +9856,16 @@
                 <a:ea typeface="Calibri"/>
               </a:rPr>
               <a:t>100,000 ratings</a:t>
+            </a:r>
+            <a:r>
+              <a:rPr lang="en-US" sz="2400" dirty="0">
+                <a:solidFill>
+                  <a:srgbClr val="000000"/>
+                </a:solidFill>
+                <a:latin typeface="Calibri"/>
+                <a:ea typeface="Calibri"/>
+              </a:rPr>
+              <a:t/>
             </a:r>
             <a:br>
               <a:rPr lang="en-US" sz="2400" dirty="0">
@@ -9710,6 +10183,16 @@
               </a:rPr>
               <a:t> is designed for fast linear algebra on large arrays.</a:t>
             </a:r>
+            <a:r>
+              <a:rPr lang="en-US" sz="2400" i="1" dirty="0">
+                <a:solidFill>
+                  <a:srgbClr val="000000"/>
+                </a:solidFill>
+                <a:latin typeface="Calibri"/>
+                <a:ea typeface="Calibri"/>
+              </a:rPr>
+              <a:t/>
+            </a:r>
             <a:br>
               <a:rPr lang="en-US" sz="2400" i="1" dirty="0">
                 <a:solidFill>
@@ -11420,7 +11903,7 @@
               <a:buChar char="▪"/>
             </a:pPr>
             <a:r>
-              <a:rPr lang="en-US">
+              <a:rPr lang="en-US" dirty="0">
                 <a:solidFill>
                   <a:srgbClr val="000000"/>
                 </a:solidFill>
@@ -11430,7 +11913,7 @@
               <a:t>Build from source, </a:t>
             </a:r>
             <a:r>
-              <a:rPr lang="en-US" i="1">
+              <a:rPr lang="en-US" i="1" dirty="0">
                 <a:solidFill>
                   <a:srgbClr val="000000"/>
                 </a:solidFill>
@@ -11439,7 +11922,7 @@
               </a:rPr>
               <a:t>./run.py make</a:t>
             </a:r>
-            <a:endParaRPr/>
+            <a:endParaRPr dirty="0"/>
           </a:p>
           <a:p>
             <a:pPr lvl="1">
@@ -11450,16 +11933,36 @@
               <a:buChar char="▪"/>
             </a:pPr>
             <a:r>
-              <a:rPr lang="en-US">
-                <a:solidFill>
-                  <a:srgbClr val="000000"/>
-                </a:solidFill>
-                <a:latin typeface="Calibri"/>
-                <a:ea typeface="Calibri"/>
-              </a:rPr>
-              <a:t>Assign at least 8 GB memory to the VM. Several compiling steps need considerable amount of memory. If the memory is not enough, it runs into fatal errors.</a:t>
-            </a:r>
-            <a:endParaRPr/>
+              <a:rPr lang="en-US" dirty="0">
+                <a:solidFill>
+                  <a:srgbClr val="000000"/>
+                </a:solidFill>
+                <a:latin typeface="Calibri"/>
+                <a:ea typeface="Calibri"/>
+              </a:rPr>
+              <a:t>Assign </a:t>
+            </a:r>
+            <a:r>
+              <a:rPr lang="en-US" dirty="0" smtClean="0">
+                <a:solidFill>
+                  <a:srgbClr val="000000"/>
+                </a:solidFill>
+                <a:latin typeface="Calibri"/>
+                <a:ea typeface="Calibri"/>
+              </a:rPr>
+              <a:t>as much memory as possible </a:t>
+            </a:r>
+            <a:r>
+              <a:rPr lang="en-US" dirty="0">
+                <a:solidFill>
+                  <a:srgbClr val="000000"/>
+                </a:solidFill>
+                <a:latin typeface="Calibri"/>
+                <a:ea typeface="Calibri"/>
+              </a:rPr>
+              <a:t>to the VM. Several compiling steps need considerable amount of memory. If the memory is not enough, it runs into fatal errors.</a:t>
+            </a:r>
+            <a:endParaRPr dirty="0"/>
           </a:p>
           <a:p>
             <a:pPr lvl="1">
@@ -11470,7 +11973,7 @@
               <a:buChar char="▪"/>
             </a:pPr>
             <a:r>
-              <a:rPr lang="en-US">
+              <a:rPr lang="en-US" dirty="0">
                 <a:solidFill>
                   <a:srgbClr val="000000"/>
                 </a:solidFill>
@@ -11480,7 +11983,7 @@
               <a:t>Assign appropriate number of processors to the VM in order to compile the source code in parallel fashion, e.g. </a:t>
             </a:r>
             <a:r>
-              <a:rPr lang="en-US" i="1">
+              <a:rPr lang="en-US" i="1" dirty="0">
                 <a:solidFill>
                   <a:srgbClr val="000000"/>
                 </a:solidFill>
@@ -11490,7 +11993,7 @@
               <a:t>./run.py make -j4 </a:t>
             </a:r>
             <a:r>
-              <a:rPr lang="en-US">
+              <a:rPr lang="en-US" dirty="0">
                 <a:solidFill>
                   <a:srgbClr val="000000"/>
                 </a:solidFill>
@@ -11499,7 +12002,7 @@
               </a:rPr>
               <a:t>(4 threads)</a:t>
             </a:r>
-            <a:endParaRPr/>
+            <a:endParaRPr dirty="0"/>
           </a:p>
           <a:p>
             <a:pPr>
@@ -11507,7 +12010,7 @@
                 <a:spcPct val="100000"/>
               </a:lnSpc>
             </a:pPr>
-            <a:endParaRPr/>
+            <a:endParaRPr dirty="0"/>
           </a:p>
           <a:p>
             <a:pPr>
@@ -11518,16 +12021,26 @@
               <a:buChar char="▪"/>
             </a:pPr>
             <a:r>
-              <a:rPr lang="en-US">
-                <a:solidFill>
-                  <a:srgbClr val="000000"/>
-                </a:solidFill>
-                <a:latin typeface="Calibri"/>
-                <a:ea typeface="Calibri"/>
-              </a:rPr>
-              <a:t>Install R, Rstudio, R package scidb</a:t>
-            </a:r>
-            <a:endParaRPr/>
+              <a:rPr lang="en-US" dirty="0">
+                <a:solidFill>
+                  <a:srgbClr val="000000"/>
+                </a:solidFill>
+                <a:latin typeface="Calibri"/>
+                <a:ea typeface="Calibri"/>
+              </a:rPr>
+              <a:t>Install R, Rstudio, R package </a:t>
+            </a:r>
+            <a:r>
+              <a:rPr lang="en-US" dirty="0" err="1">
+                <a:solidFill>
+                  <a:srgbClr val="000000"/>
+                </a:solidFill>
+                <a:latin typeface="Calibri"/>
+                <a:ea typeface="Calibri"/>
+              </a:rPr>
+              <a:t>scidb</a:t>
+            </a:r>
+            <a:endParaRPr dirty="0"/>
           </a:p>
           <a:p>
             <a:pPr lvl="1">
@@ -11538,16 +12051,36 @@
               <a:buChar char="▪"/>
             </a:pPr>
             <a:r>
-              <a:rPr lang="en-US">
-                <a:solidFill>
-                  <a:srgbClr val="000000"/>
-                </a:solidFill>
-                <a:latin typeface="Calibri"/>
-                <a:ea typeface="Calibri"/>
-              </a:rPr>
-              <a:t>Do not install the CRAN package scidb 2.0.0, which currently is not stable.</a:t>
-            </a:r>
-            <a:endParaRPr/>
+              <a:rPr lang="en-US" dirty="0">
+                <a:solidFill>
+                  <a:srgbClr val="000000"/>
+                </a:solidFill>
+                <a:latin typeface="Calibri"/>
+                <a:ea typeface="Calibri"/>
+              </a:rPr>
+              <a:t>Do not install the CRAN package </a:t>
+            </a:r>
+            <a:r>
+              <a:rPr lang="en-US" dirty="0" err="1">
+                <a:solidFill>
+                  <a:srgbClr val="000000"/>
+                </a:solidFill>
+                <a:latin typeface="Calibri"/>
+                <a:ea typeface="Calibri"/>
+              </a:rPr>
+              <a:t>scidb</a:t>
+            </a:r>
+            <a:r>
+              <a:rPr lang="en-US" dirty="0">
+                <a:solidFill>
+                  <a:srgbClr val="000000"/>
+                </a:solidFill>
+                <a:latin typeface="Calibri"/>
+                <a:ea typeface="Calibri"/>
+              </a:rPr>
+              <a:t> 2.0.0, which currently is not stable.</a:t>
+            </a:r>
+            <a:endParaRPr dirty="0"/>
           </a:p>
           <a:p>
             <a:pPr lvl="1">
@@ -11558,26 +12091,96 @@
               <a:buChar char="▪"/>
             </a:pPr>
             <a:r>
-              <a:rPr lang="en-US">
-                <a:solidFill>
-                  <a:srgbClr val="000000"/>
-                </a:solidFill>
-                <a:latin typeface="Calibri"/>
-                <a:ea typeface="Calibri"/>
-              </a:rPr>
-              <a:t>Install the package from github by </a:t>
-            </a:r>
-            <a:r>
-              <a:rPr lang="en-US" i="1">
-                <a:solidFill>
-                  <a:srgbClr val="000000"/>
-                </a:solidFill>
-                <a:latin typeface="Calibri"/>
-                <a:ea typeface="Calibri"/>
-              </a:rPr>
-              <a:t>devtools::install_github("Paradigm4/SciDBR")</a:t>
-            </a:r>
-            <a:endParaRPr/>
+              <a:rPr lang="en-US" dirty="0">
+                <a:solidFill>
+                  <a:srgbClr val="000000"/>
+                </a:solidFill>
+                <a:latin typeface="Calibri"/>
+                <a:ea typeface="Calibri"/>
+              </a:rPr>
+              <a:t>Install the package from </a:t>
+            </a:r>
+            <a:r>
+              <a:rPr lang="en-US" dirty="0" err="1">
+                <a:solidFill>
+                  <a:srgbClr val="000000"/>
+                </a:solidFill>
+                <a:latin typeface="Calibri"/>
+                <a:ea typeface="Calibri"/>
+              </a:rPr>
+              <a:t>github</a:t>
+            </a:r>
+            <a:r>
+              <a:rPr lang="en-US" dirty="0">
+                <a:solidFill>
+                  <a:srgbClr val="000000"/>
+                </a:solidFill>
+                <a:latin typeface="Calibri"/>
+                <a:ea typeface="Calibri"/>
+              </a:rPr>
+              <a:t> by </a:t>
+            </a:r>
+            <a:r>
+              <a:rPr lang="en-US" i="1" dirty="0" err="1">
+                <a:solidFill>
+                  <a:srgbClr val="000000"/>
+                </a:solidFill>
+                <a:latin typeface="Calibri"/>
+                <a:ea typeface="Calibri"/>
+              </a:rPr>
+              <a:t>devtools</a:t>
+            </a:r>
+            <a:r>
+              <a:rPr lang="en-US" i="1" dirty="0">
+                <a:solidFill>
+                  <a:srgbClr val="000000"/>
+                </a:solidFill>
+                <a:latin typeface="Calibri"/>
+                <a:ea typeface="Calibri"/>
+              </a:rPr>
+              <a:t>::</a:t>
+            </a:r>
+            <a:r>
+              <a:rPr lang="en-US" i="1" dirty="0" err="1">
+                <a:solidFill>
+                  <a:srgbClr val="000000"/>
+                </a:solidFill>
+                <a:latin typeface="Calibri"/>
+                <a:ea typeface="Calibri"/>
+              </a:rPr>
+              <a:t>install_github</a:t>
+            </a:r>
+            <a:r>
+              <a:rPr lang="en-US" i="1" dirty="0">
+                <a:solidFill>
+                  <a:srgbClr val="000000"/>
+                </a:solidFill>
+                <a:latin typeface="Calibri"/>
+                <a:ea typeface="Calibri"/>
+              </a:rPr>
+              <a:t>("Paradigm4/</a:t>
+            </a:r>
+            <a:r>
+              <a:rPr lang="en-US" i="1" dirty="0" err="1">
+                <a:solidFill>
+                  <a:srgbClr val="000000"/>
+                </a:solidFill>
+                <a:latin typeface="Calibri"/>
+                <a:ea typeface="Calibri"/>
+              </a:rPr>
+              <a:t>SciDBR</a:t>
+            </a:r>
+            <a:r>
+              <a:rPr lang="en-US" i="1" dirty="0">
+                <a:solidFill>
+                  <a:srgbClr val="000000"/>
+                </a:solidFill>
+                <a:latin typeface="Calibri"/>
+                <a:ea typeface="Calibri"/>
+              </a:rPr>
+              <a:t>")</a:t>
+            </a:r>
+            <a:endParaRPr dirty="0"/>
           </a:p>
           <a:p>
             <a:pPr lvl="1">
@@ -11588,16 +12191,36 @@
               <a:buChar char="▪"/>
             </a:pPr>
             <a:r>
-              <a:rPr lang="en-US">
-                <a:solidFill>
-                  <a:srgbClr val="000000"/>
-                </a:solidFill>
-                <a:latin typeface="Calibri"/>
-                <a:ea typeface="Calibri"/>
-              </a:rPr>
-              <a:t>To install devtools, first in terminal do</a:t>
-            </a:r>
-            <a:endParaRPr/>
+              <a:rPr lang="en-US" dirty="0">
+                <a:solidFill>
+                  <a:srgbClr val="000000"/>
+                </a:solidFill>
+                <a:latin typeface="Calibri"/>
+                <a:ea typeface="Calibri"/>
+              </a:rPr>
+              <a:t>To install </a:t>
+            </a:r>
+            <a:r>
+              <a:rPr lang="en-US" dirty="0" err="1">
+                <a:solidFill>
+                  <a:srgbClr val="000000"/>
+                </a:solidFill>
+                <a:latin typeface="Calibri"/>
+                <a:ea typeface="Calibri"/>
+              </a:rPr>
+              <a:t>devtools</a:t>
+            </a:r>
+            <a:r>
+              <a:rPr lang="en-US" dirty="0">
+                <a:solidFill>
+                  <a:srgbClr val="000000"/>
+                </a:solidFill>
+                <a:latin typeface="Calibri"/>
+                <a:ea typeface="Calibri"/>
+              </a:rPr>
+              <a:t>, first in terminal do</a:t>
+            </a:r>
+            <a:endParaRPr dirty="0"/>
           </a:p>
           <a:p>
             <a:pPr lvl="2">
@@ -11608,16 +12231,46 @@
               <a:buChar char="▪"/>
             </a:pPr>
             <a:r>
-              <a:rPr lang="en-US" sz="1600" i="1">
-                <a:solidFill>
-                  <a:srgbClr val="000000"/>
-                </a:solidFill>
-                <a:latin typeface="Calibri"/>
-                <a:ea typeface="Calibri"/>
-              </a:rPr>
-              <a:t>sudo apt-get install libcurl4-openssl-dev libssl-dev</a:t>
-            </a:r>
-            <a:endParaRPr/>
+              <a:rPr lang="en-US" sz="1600" i="1" dirty="0" err="1">
+                <a:solidFill>
+                  <a:srgbClr val="000000"/>
+                </a:solidFill>
+                <a:latin typeface="Calibri"/>
+                <a:ea typeface="Calibri"/>
+              </a:rPr>
+              <a:t>sudo</a:t>
+            </a:r>
+            <a:r>
+              <a:rPr lang="en-US" sz="1600" i="1" dirty="0">
+                <a:solidFill>
+                  <a:srgbClr val="000000"/>
+                </a:solidFill>
+                <a:latin typeface="Calibri"/>
+                <a:ea typeface="Calibri"/>
+              </a:rPr>
+              <a:t> apt-get install libcurl4-openssl-dev </a:t>
+            </a:r>
+            <a:r>
+              <a:rPr lang="en-US" sz="1600" i="1" dirty="0" err="1">
+                <a:solidFill>
+                  <a:srgbClr val="000000"/>
+                </a:solidFill>
+                <a:latin typeface="Calibri"/>
+                <a:ea typeface="Calibri"/>
+              </a:rPr>
+              <a:t>libssl</a:t>
+            </a:r>
+            <a:r>
+              <a:rPr lang="en-US" sz="1600" i="1" dirty="0">
+                <a:solidFill>
+                  <a:srgbClr val="000000"/>
+                </a:solidFill>
+                <a:latin typeface="Calibri"/>
+                <a:ea typeface="Calibri"/>
+              </a:rPr>
+              <a:t>-dev</a:t>
+            </a:r>
+            <a:endParaRPr dirty="0"/>
           </a:p>
           <a:p>
             <a:pPr lvl="1">
@@ -11628,7 +12281,7 @@
               <a:buChar char="▪"/>
             </a:pPr>
             <a:r>
-              <a:rPr lang="en-US">
+              <a:rPr lang="en-US" dirty="0">
                 <a:solidFill>
                   <a:srgbClr val="000000"/>
                 </a:solidFill>
@@ -11638,16 +12291,36 @@
               <a:t>In R terminal, execute </a:t>
             </a:r>
             <a:r>
-              <a:rPr lang="en-US" i="1">
-                <a:solidFill>
-                  <a:srgbClr val="000000"/>
-                </a:solidFill>
-                <a:latin typeface="Calibri"/>
-                <a:ea typeface="Calibri"/>
-              </a:rPr>
-              <a:t>install.packages("devtools")</a:t>
-            </a:r>
-            <a:endParaRPr/>
+              <a:rPr lang="en-US" i="1" dirty="0">
+                <a:solidFill>
+                  <a:srgbClr val="000000"/>
+                </a:solidFill>
+                <a:latin typeface="Calibri"/>
+                <a:ea typeface="Calibri"/>
+              </a:rPr>
+              <a:t>install.packages("</a:t>
+            </a:r>
+            <a:r>
+              <a:rPr lang="en-US" i="1" dirty="0" err="1">
+                <a:solidFill>
+                  <a:srgbClr val="000000"/>
+                </a:solidFill>
+                <a:latin typeface="Calibri"/>
+                <a:ea typeface="Calibri"/>
+              </a:rPr>
+              <a:t>devtools</a:t>
+            </a:r>
+            <a:r>
+              <a:rPr lang="en-US" i="1" dirty="0">
+                <a:solidFill>
+                  <a:srgbClr val="000000"/>
+                </a:solidFill>
+                <a:latin typeface="Calibri"/>
+                <a:ea typeface="Calibri"/>
+              </a:rPr>
+              <a:t>")</a:t>
+            </a:r>
+            <a:endParaRPr dirty="0"/>
           </a:p>
         </p:txBody>
       </p:sp>

--- a/FinalProjectSlides and YouTubeTitlePage_e63_2017.pptx
+++ b/FinalProjectSlides and YouTubeTitlePage_e63_2017.pptx
@@ -10,23 +10,23 @@
   </p:notesMasterIdLst>
   <p:sldIdLst>
     <p:sldId id="256" r:id="rId3"/>
-    <p:sldId id="257" r:id="rId4"/>
-    <p:sldId id="258" r:id="rId5"/>
-    <p:sldId id="259" r:id="rId6"/>
-    <p:sldId id="260" r:id="rId7"/>
-    <p:sldId id="261" r:id="rId8"/>
-    <p:sldId id="262" r:id="rId9"/>
-    <p:sldId id="263" r:id="rId10"/>
-    <p:sldId id="264" r:id="rId11"/>
-    <p:sldId id="265" r:id="rId12"/>
-    <p:sldId id="266" r:id="rId13"/>
-    <p:sldId id="267" r:id="rId14"/>
-    <p:sldId id="268" r:id="rId15"/>
-    <p:sldId id="269" r:id="rId16"/>
-    <p:sldId id="270" r:id="rId17"/>
-    <p:sldId id="271" r:id="rId18"/>
-    <p:sldId id="272" r:id="rId19"/>
-    <p:sldId id="273" r:id="rId20"/>
+    <p:sldId id="259" r:id="rId4"/>
+    <p:sldId id="260" r:id="rId5"/>
+    <p:sldId id="261" r:id="rId6"/>
+    <p:sldId id="262" r:id="rId7"/>
+    <p:sldId id="263" r:id="rId8"/>
+    <p:sldId id="264" r:id="rId9"/>
+    <p:sldId id="265" r:id="rId10"/>
+    <p:sldId id="266" r:id="rId11"/>
+    <p:sldId id="267" r:id="rId12"/>
+    <p:sldId id="268" r:id="rId13"/>
+    <p:sldId id="269" r:id="rId14"/>
+    <p:sldId id="270" r:id="rId15"/>
+    <p:sldId id="271" r:id="rId16"/>
+    <p:sldId id="272" r:id="rId17"/>
+    <p:sldId id="274" r:id="rId18"/>
+    <p:sldId id="258" r:id="rId19"/>
+    <p:sldId id="275" r:id="rId20"/>
   </p:sldIdLst>
   <p:sldSz cx="9144000" cy="6858000" type="screen4x3"/>
   <p:notesSz cx="6858000" cy="9144000"/>
@@ -127,7 +127,18 @@
   </p:defaultTextStyle>
   <p:extLst>
     <p:ext uri="{EFAFB233-063F-42B5-8137-9DF3F51BA10A}">
-      <p15:sldGuideLst xmlns:p15="http://schemas.microsoft.com/office/powerpoint/2012/main" xmlns=""/>
+      <p15:sldGuideLst xmlns:p15="http://schemas.microsoft.com/office/powerpoint/2012/main">
+        <p15:guide id="1" orient="horz" pos="2160">
+          <p15:clr>
+            <a:srgbClr val="A4A3A4"/>
+          </p15:clr>
+        </p15:guide>
+        <p15:guide id="2" pos="2880">
+          <p15:clr>
+            <a:srgbClr val="A4A3A4"/>
+          </p15:clr>
+        </p15:guide>
+      </p15:sldGuideLst>
     </p:ext>
   </p:extLst>
 </p:presentation>
@@ -4300,7 +4311,7 @@
         </p:nvSpPr>
         <p:spPr>
           <a:xfrm>
-            <a:off x="647640" y="1219320"/>
+            <a:off x="647640" y="935545"/>
             <a:ext cx="7772040" cy="1828440"/>
           </a:xfrm>
           <a:prstGeom prst="rect">
@@ -4317,7 +4328,7 @@
               </a:lnSpc>
             </a:pPr>
             <a:r>
-              <a:rPr lang="en-US" sz="3200">
+              <a:rPr lang="en-US" sz="3200" dirty="0">
                 <a:solidFill>
                   <a:srgbClr val="0000FF"/>
                 </a:solidFill>
@@ -4328,7 +4339,7 @@
 </a:t>
             </a:r>
             <a:r>
-              <a:rPr lang="en-US" sz="2400">
+              <a:rPr lang="en-US" sz="2400" dirty="0">
                 <a:solidFill>
                   <a:srgbClr val="0000FF"/>
                 </a:solidFill>
@@ -4338,7 +4349,7 @@
               <a:t>Final Project</a:t>
             </a:r>
             <a:r>
-              <a:rPr lang="en-US" sz="3200">
+              <a:rPr lang="en-US" sz="3200" dirty="0">
                 <a:solidFill>
                   <a:srgbClr val="0000FF"/>
                 </a:solidFill>
@@ -4346,10 +4357,69 @@
                 <a:ea typeface="Calibri"/>
               </a:rPr>
               <a:t>
- SciDB for MovieLens Ratings Data</a:t>
-            </a:r>
-            <a:r>
-              <a:rPr lang="en-US" sz="3200" b="1">
+ </a:t>
+            </a:r>
+            <a:r>
+              <a:rPr lang="en-US" sz="3200" dirty="0" err="1">
+                <a:solidFill>
+                  <a:srgbClr val="0000FF"/>
+                </a:solidFill>
+                <a:latin typeface="Calibri"/>
+                <a:ea typeface="Calibri"/>
+              </a:rPr>
+              <a:t>SciDB</a:t>
+            </a:r>
+            <a:r>
+              <a:rPr lang="en-US" sz="3200" dirty="0">
+                <a:solidFill>
+                  <a:srgbClr val="0000FF"/>
+                </a:solidFill>
+                <a:latin typeface="Calibri"/>
+                <a:ea typeface="Calibri"/>
+              </a:rPr>
+              <a:t> for Clustering Analysis of</a:t>
+            </a:r>
+            <a:br>
+              <a:rPr lang="en-US" sz="3200" dirty="0">
+                <a:solidFill>
+                  <a:srgbClr val="0000FF"/>
+                </a:solidFill>
+                <a:latin typeface="Calibri"/>
+                <a:ea typeface="Calibri"/>
+              </a:rPr>
+            </a:br>
+            <a:r>
+              <a:rPr lang="en-US" sz="3200" dirty="0">
+                <a:solidFill>
+                  <a:srgbClr val="0000FF"/>
+                </a:solidFill>
+                <a:latin typeface="Calibri"/>
+                <a:ea typeface="Calibri"/>
+              </a:rPr>
+              <a:t> </a:t>
+            </a:r>
+            <a:r>
+              <a:rPr lang="en-US" sz="3200" dirty="0" err="1">
+                <a:solidFill>
+                  <a:srgbClr val="0000FF"/>
+                </a:solidFill>
+                <a:latin typeface="Calibri"/>
+                <a:ea typeface="Calibri"/>
+              </a:rPr>
+              <a:t>MovieLens</a:t>
+            </a:r>
+            <a:r>
+              <a:rPr lang="en-US" sz="3200" dirty="0">
+                <a:solidFill>
+                  <a:srgbClr val="0000FF"/>
+                </a:solidFill>
+                <a:latin typeface="Calibri"/>
+                <a:ea typeface="Calibri"/>
+              </a:rPr>
+              <a:t> Ratings Data</a:t>
+            </a:r>
+            <a:r>
+              <a:rPr lang="en-US" sz="3200" b="1" dirty="0">
                 <a:solidFill>
                   <a:srgbClr val="0000FF"/>
                 </a:solidFill>
@@ -4359,7 +4429,7 @@
               <a:t>
 </a:t>
             </a:r>
-            <a:endParaRPr/>
+            <a:endParaRPr dirty="0"/>
           </a:p>
         </p:txBody>
       </p:sp>
@@ -4603,33 +4673,6 @@
   <p:clrMapOvr>
     <a:masterClrMapping/>
   </p:clrMapOvr>
-  <p:timing>
-    <p:tnLst>
-      <p:par>
-        <p:cTn id="1" dur="indefinite" restart="never" nodeType="tmRoot">
-          <p:childTnLst>
-            <p:seq>
-              <p:cTn id="2" nodeType="mainSeq"/>
-              <p:prevCondLst>
-                <p:cond evt="onPrev" delay="0">
-                  <p:tgtEl>
-                    <p:sldTgt/>
-                  </p:tgtEl>
-                </p:cond>
-              </p:prevCondLst>
-              <p:nextCondLst>
-                <p:cond evt="onNext" delay="0">
-                  <p:tgtEl>
-                    <p:sldTgt/>
-                  </p:tgtEl>
-                </p:cond>
-              </p:nextCondLst>
-            </p:seq>
-          </p:childTnLst>
-        </p:cTn>
-      </p:par>
-    </p:tnLst>
-  </p:timing>
 </p:sld>
 </file>
 
@@ -4652,7 +4695,7 @@
       </p:grpSpPr>
       <p:sp>
         <p:nvSpPr>
-          <p:cNvPr id="123" name="TextShape 1"/>
+          <p:cNvPr id="131" name="TextShape 1"/>
           <p:cNvSpPr txBox="1"/>
           <p:nvPr/>
         </p:nvSpPr>
@@ -4682,15 +4725,15 @@
                 <a:latin typeface="Calibri"/>
                 <a:ea typeface="Calibri"/>
               </a:rPr>
-              <a:t>Installation Notes</a:t>
-            </a:r>
-            <a:endParaRPr/>
-          </a:p>
-        </p:txBody>
-      </p:sp>
-      <p:sp>
-        <p:nvSpPr>
-          <p:cNvPr id="124" name="TextShape 2"/>
+              <a:t>SciDB Schema</a:t>
+            </a:r>
+            <a:endParaRPr/>
+          </a:p>
+        </p:txBody>
+      </p:sp>
+      <p:sp>
+        <p:nvSpPr>
+          <p:cNvPr id="132" name="TextShape 2"/>
           <p:cNvSpPr txBox="1"/>
           <p:nvPr/>
         </p:nvSpPr>
@@ -4711,232 +4754,159 @@
               <a:lnSpc>
                 <a:spcPct val="100000"/>
               </a:lnSpc>
-              <a:buFont typeface="Noto Sans Symbols"/>
+              <a:buFont typeface="Calibri"/>
               <a:buChar char="▪"/>
             </a:pPr>
             <a:r>
-              <a:rPr lang="en-US">
-                <a:solidFill>
-                  <a:srgbClr val="000000"/>
-                </a:solidFill>
-                <a:latin typeface="Calibri"/>
-                <a:ea typeface="Calibri"/>
-              </a:rPr>
-              <a:t>Install </a:t>
-            </a:r>
-            <a:r>
-              <a:rPr lang="en-US" i="1">
-                <a:solidFill>
-                  <a:srgbClr val="000000"/>
-                </a:solidFill>
-                <a:latin typeface="Calibri"/>
-                <a:ea typeface="Calibri"/>
-              </a:rPr>
-              <a:t>shim</a:t>
-            </a:r>
-            <a:endParaRPr/>
-          </a:p>
-          <a:p>
-            <a:pPr lvl="1">
-              <a:lnSpc>
-                <a:spcPct val="100000"/>
-              </a:lnSpc>
-              <a:buFont typeface="Noto Sans Symbols"/>
+              <a:rPr lang="en-US" sz="2400" dirty="0">
+                <a:solidFill>
+                  <a:srgbClr val="000000"/>
+                </a:solidFill>
+                <a:latin typeface="Calibri"/>
+                <a:ea typeface="Calibri"/>
+              </a:rPr>
+              <a:t>The </a:t>
+            </a:r>
+            <a:r>
+              <a:rPr lang="en-US" sz="2400" dirty="0" err="1">
+                <a:solidFill>
+                  <a:srgbClr val="000000"/>
+                </a:solidFill>
+                <a:latin typeface="Calibri"/>
+                <a:ea typeface="Calibri"/>
+              </a:rPr>
+              <a:t>SciDB</a:t>
+            </a:r>
+            <a:r>
+              <a:rPr lang="en-US" sz="2400" dirty="0">
+                <a:solidFill>
+                  <a:srgbClr val="000000"/>
+                </a:solidFill>
+                <a:latin typeface="Calibri"/>
+                <a:ea typeface="Calibri"/>
+              </a:rPr>
+              <a:t> schema defines the array structure and data types</a:t>
+            </a:r>
+            <a:br>
+              <a:rPr lang="en-US" sz="2400" dirty="0">
+                <a:solidFill>
+                  <a:srgbClr val="000000"/>
+                </a:solidFill>
+                <a:latin typeface="Calibri"/>
+                <a:ea typeface="Calibri"/>
+              </a:rPr>
+            </a:br>
+            <a:br>
+              <a:rPr lang="en-US" sz="2400" dirty="0">
+                <a:solidFill>
+                  <a:srgbClr val="000000"/>
+                </a:solidFill>
+                <a:latin typeface="Calibri"/>
+                <a:ea typeface="Calibri"/>
+              </a:rPr>
+            </a:br>
+            <a:br>
+              <a:rPr lang="en-US" sz="2400" dirty="0">
+                <a:solidFill>
+                  <a:srgbClr val="000000"/>
+                </a:solidFill>
+                <a:latin typeface="Calibri"/>
+                <a:ea typeface="Calibri"/>
+              </a:rPr>
+            </a:br>
+            <a:br>
+              <a:rPr lang="en-US" sz="2400" dirty="0">
+                <a:solidFill>
+                  <a:srgbClr val="000000"/>
+                </a:solidFill>
+                <a:latin typeface="Calibri"/>
+                <a:ea typeface="Calibri"/>
+              </a:rPr>
+            </a:br>
+            <a:br>
+              <a:rPr lang="en-US" sz="2400" dirty="0">
+                <a:solidFill>
+                  <a:srgbClr val="000000"/>
+                </a:solidFill>
+                <a:latin typeface="Calibri"/>
+                <a:ea typeface="Calibri"/>
+              </a:rPr>
+            </a:br>
+            <a:endParaRPr sz="2400" dirty="0"/>
+          </a:p>
+          <a:p>
+            <a:pPr>
+              <a:lnSpc>
+                <a:spcPct val="100000"/>
+              </a:lnSpc>
+              <a:buFont typeface="Calibri"/>
               <a:buChar char="▪"/>
             </a:pPr>
             <a:r>
-              <a:rPr lang="en-US" i="1">
-                <a:solidFill>
-                  <a:srgbClr val="000000"/>
-                </a:solidFill>
-                <a:latin typeface="Calibri"/>
-                <a:ea typeface="Calibri"/>
-              </a:rPr>
-              <a:t>shim</a:t>
-            </a:r>
-            <a:r>
-              <a:rPr lang="en-US">
-                <a:solidFill>
-                  <a:srgbClr val="000000"/>
-                </a:solidFill>
-                <a:latin typeface="Calibri"/>
-                <a:ea typeface="Calibri"/>
-              </a:rPr>
-              <a:t> is a simple SciDB client that exposes limited SciDB functionality through a simple HTTP API.</a:t>
-            </a:r>
-            <a:endParaRPr/>
-          </a:p>
-          <a:p>
-            <a:pPr lvl="1">
-              <a:lnSpc>
-                <a:spcPct val="100000"/>
-              </a:lnSpc>
-              <a:buFont typeface="Noto Sans Symbols"/>
+              <a:rPr lang="en-US" sz="2400" dirty="0">
+                <a:solidFill>
+                  <a:srgbClr val="000000"/>
+                </a:solidFill>
+                <a:latin typeface="Calibri"/>
+                <a:ea typeface="Calibri"/>
+              </a:rPr>
+              <a:t>Arrays are stored efficiently in </a:t>
+            </a:r>
+            <a:r>
+              <a:rPr lang="en-US" sz="2400" b="1" i="1" dirty="0">
+                <a:solidFill>
+                  <a:srgbClr val="000000"/>
+                </a:solidFill>
+                <a:latin typeface="Calibri"/>
+                <a:ea typeface="Calibri"/>
+              </a:rPr>
+              <a:t>sparse</a:t>
+            </a:r>
+            <a:r>
+              <a:rPr lang="en-US" sz="2400" dirty="0">
+                <a:solidFill>
+                  <a:srgbClr val="000000"/>
+                </a:solidFill>
+                <a:latin typeface="Calibri"/>
+                <a:ea typeface="Calibri"/>
+              </a:rPr>
+              <a:t> format</a:t>
+            </a:r>
+          </a:p>
+          <a:p>
+            <a:pPr>
+              <a:lnSpc>
+                <a:spcPct val="100000"/>
+              </a:lnSpc>
+              <a:buFont typeface="Calibri"/>
               <a:buChar char="▪"/>
             </a:pPr>
             <a:r>
-              <a:rPr lang="en-US">
-                <a:solidFill>
-                  <a:srgbClr val="000000"/>
-                </a:solidFill>
-                <a:latin typeface="Calibri"/>
-                <a:ea typeface="Calibri"/>
-              </a:rPr>
-              <a:t>Will enable us to connect to </a:t>
-            </a:r>
-            <a:r>
-              <a:rPr lang="en-US" i="1">
-                <a:solidFill>
-                  <a:srgbClr val="000000"/>
-                </a:solidFill>
-                <a:latin typeface="Calibri"/>
-                <a:ea typeface="Calibri"/>
-              </a:rPr>
-              <a:t>localhost:8080</a:t>
-            </a:r>
-            <a:r>
-              <a:rPr lang="en-US">
-                <a:solidFill>
-                  <a:srgbClr val="000000"/>
-                </a:solidFill>
-                <a:latin typeface="Calibri"/>
-                <a:ea typeface="Calibri"/>
-              </a:rPr>
-              <a:t> (if the host IP is set as 127.0.0.1) and submit </a:t>
-            </a:r>
-            <a:r>
-              <a:rPr lang="en-US" i="1">
-                <a:solidFill>
-                  <a:srgbClr val="000000"/>
-                </a:solidFill>
-                <a:latin typeface="Calibri"/>
-                <a:ea typeface="Calibri"/>
-              </a:rPr>
-              <a:t>iquery.</a:t>
-            </a:r>
-            <a:endParaRPr/>
-          </a:p>
-          <a:p>
-            <a:pPr lvl="1">
-              <a:lnSpc>
-                <a:spcPct val="100000"/>
-              </a:lnSpc>
-              <a:buFont typeface="Noto Sans Symbols"/>
+              <a:rPr lang="en-US" sz="2400" dirty="0">
+                <a:solidFill>
+                  <a:srgbClr val="000000"/>
+                </a:solidFill>
+                <a:latin typeface="Calibri"/>
+              </a:rPr>
+              <a:t>Arrays are stored in chunks may overlap to facilitate math ops.</a:t>
+            </a:r>
+            <a:endParaRPr sz="2400" dirty="0"/>
+          </a:p>
+          <a:p>
+            <a:pPr>
+              <a:lnSpc>
+                <a:spcPct val="100000"/>
+              </a:lnSpc>
+              <a:buFont typeface="Calibri"/>
               <a:buChar char="▪"/>
             </a:pPr>
-            <a:r>
-              <a:rPr lang="en-US">
-                <a:solidFill>
-                  <a:srgbClr val="000000"/>
-                </a:solidFill>
-                <a:latin typeface="Calibri"/>
-                <a:ea typeface="Calibri"/>
-              </a:rPr>
-              <a:t>Will enable us to connect </a:t>
-            </a:r>
-            <a:r>
-              <a:rPr lang="en-US" i="1">
-                <a:solidFill>
-                  <a:srgbClr val="000000"/>
-                </a:solidFill>
-                <a:latin typeface="Calibri"/>
-                <a:ea typeface="Calibri"/>
-              </a:rPr>
-              <a:t>scidb</a:t>
-            </a:r>
-            <a:r>
-              <a:rPr lang="en-US">
-                <a:solidFill>
-                  <a:srgbClr val="000000"/>
-                </a:solidFill>
-                <a:latin typeface="Calibri"/>
-                <a:ea typeface="Calibri"/>
-              </a:rPr>
-              <a:t> in R.</a:t>
-            </a:r>
-            <a:endParaRPr/>
-          </a:p>
-          <a:p>
-            <a:pPr lvl="1">
-              <a:lnSpc>
-                <a:spcPct val="100000"/>
-              </a:lnSpc>
-              <a:buFont typeface="Noto Sans Symbols"/>
-              <a:buChar char="▪"/>
-            </a:pPr>
-            <a:r>
-              <a:rPr lang="en-US">
-                <a:solidFill>
-                  <a:srgbClr val="000000"/>
-                </a:solidFill>
-                <a:latin typeface="Calibri"/>
-                <a:ea typeface="Calibri"/>
-              </a:rPr>
-              <a:t>Instruction site: </a:t>
-            </a:r>
-            <a:r>
-              <a:rPr lang="en-US" u="sng">
-                <a:solidFill>
-                  <a:srgbClr val="0000FF"/>
-                </a:solidFill>
-                <a:latin typeface="Calibri"/>
-                <a:ea typeface="Calibri"/>
-              </a:rPr>
-              <a:t>https://github.com/Paradigm4/shim</a:t>
-            </a:r>
-            <a:endParaRPr/>
-          </a:p>
-          <a:p>
-            <a:pPr lvl="1">
-              <a:lnSpc>
-                <a:spcPct val="100000"/>
-              </a:lnSpc>
-              <a:buFont typeface="Noto Sans Symbols"/>
-              <a:buChar char="▪"/>
-            </a:pPr>
-            <a:r>
-              <a:rPr lang="en-US">
-                <a:solidFill>
-                  <a:srgbClr val="000000"/>
-                </a:solidFill>
-                <a:latin typeface="Calibri"/>
-                <a:ea typeface="Calibri"/>
-              </a:rPr>
-              <a:t>Head to section “LD_LIBRARY_PATH issues” if a library linking error happens when trying to run </a:t>
-            </a:r>
-            <a:r>
-              <a:rPr lang="en-US" i="1">
-                <a:solidFill>
-                  <a:srgbClr val="000000"/>
-                </a:solidFill>
-                <a:latin typeface="Calibri"/>
-                <a:ea typeface="Calibri"/>
-              </a:rPr>
-              <a:t>shim</a:t>
-            </a:r>
-            <a:endParaRPr/>
-          </a:p>
-          <a:p>
-            <a:pPr>
-              <a:lnSpc>
-                <a:spcPct val="100000"/>
-              </a:lnSpc>
-            </a:pPr>
-            <a:endParaRPr/>
-          </a:p>
-          <a:p>
-            <a:pPr>
-              <a:lnSpc>
-                <a:spcPct val="100000"/>
-              </a:lnSpc>
-            </a:pPr>
-            <a:endParaRPr/>
-          </a:p>
-        </p:txBody>
-      </p:sp>
-      <p:sp>
-        <p:nvSpPr>
-          <p:cNvPr id="125" name="TextShape 3"/>
+            <a:endParaRPr sz="2400" dirty="0"/>
+          </a:p>
+        </p:txBody>
+      </p:sp>
+      <p:sp>
+        <p:nvSpPr>
+          <p:cNvPr id="133" name="TextShape 3"/>
           <p:cNvSpPr txBox="1"/>
           <p:nvPr/>
         </p:nvSpPr>
@@ -4974,7 +4944,7 @@
       </p:sp>
       <p:sp>
         <p:nvSpPr>
-          <p:cNvPr id="126" name="TextShape 4"/>
+          <p:cNvPr id="134" name="TextShape 4"/>
           <p:cNvSpPr txBox="1"/>
           <p:nvPr/>
         </p:nvSpPr>
@@ -4996,7 +4966,7 @@
                 <a:spcPct val="100000"/>
               </a:lnSpc>
             </a:pPr>
-            <a:fld id="{A2FA3F6F-3534-4228-A91A-D121FA66BF45}" type="slidenum">
+            <a:fld id="{3EB8FC4F-302C-46C4-BBE3-D13FD9B46105}" type="slidenum">
               <a:rPr lang="en-US" sz="1600" b="1">
                 <a:solidFill>
                   <a:srgbClr val="888888"/>
@@ -5010,6 +4980,56 @@
           </a:p>
         </p:txBody>
       </p:sp>
+      <p:pic>
+        <p:nvPicPr>
+          <p:cNvPr id="135" name="Picture 134"/>
+          <p:cNvPicPr/>
+          <p:nvPr/>
+        </p:nvPicPr>
+        <p:blipFill>
+          <a:blip r:embed="rId2"/>
+          <a:stretch>
+            <a:fillRect/>
+          </a:stretch>
+        </p:blipFill>
+        <p:spPr>
+          <a:xfrm>
+            <a:off x="1051034" y="1645919"/>
+            <a:ext cx="6812806" cy="1381059"/>
+          </a:xfrm>
+          <a:prstGeom prst="rect">
+            <a:avLst/>
+          </a:prstGeom>
+          <a:ln>
+            <a:noFill/>
+          </a:ln>
+        </p:spPr>
+      </p:pic>
+      <p:pic>
+        <p:nvPicPr>
+          <p:cNvPr id="136" name="Picture 135"/>
+          <p:cNvPicPr/>
+          <p:nvPr/>
+        </p:nvPicPr>
+        <p:blipFill>
+          <a:blip r:embed="rId3"/>
+          <a:stretch>
+            <a:fillRect/>
+          </a:stretch>
+        </p:blipFill>
+        <p:spPr>
+          <a:xfrm>
+            <a:off x="1188720" y="4338614"/>
+            <a:ext cx="6739200" cy="1792080"/>
+          </a:xfrm>
+          <a:prstGeom prst="rect">
+            <a:avLst/>
+          </a:prstGeom>
+          <a:ln>
+            <a:noFill/>
+          </a:ln>
+        </p:spPr>
+      </p:pic>
     </p:spTree>
   </p:cSld>
   <p:clrMapOvr>
@@ -5064,7 +5084,7 @@
       </p:grpSpPr>
       <p:sp>
         <p:nvSpPr>
-          <p:cNvPr id="127" name="TextShape 1"/>
+          <p:cNvPr id="137" name="TextShape 1"/>
           <p:cNvSpPr txBox="1"/>
           <p:nvPr/>
         </p:nvSpPr>
@@ -5094,15 +5114,15 @@
                 <a:latin typeface="Calibri"/>
                 <a:ea typeface="Calibri"/>
               </a:rPr>
-              <a:t>SciDB Arrays</a:t>
-            </a:r>
-            <a:endParaRPr/>
-          </a:p>
-        </p:txBody>
-      </p:sp>
-      <p:sp>
-        <p:nvSpPr>
-          <p:cNvPr id="128" name="TextShape 2"/>
+              <a:t>SciDB Query Language and R package</a:t>
+            </a:r>
+            <a:endParaRPr/>
+          </a:p>
+        </p:txBody>
+      </p:sp>
+      <p:sp>
+        <p:nvSpPr>
+          <p:cNvPr id="138" name="TextShape 2"/>
           <p:cNvSpPr txBox="1"/>
           <p:nvPr/>
         </p:nvSpPr>
@@ -5127,7 +5147,17 @@
               <a:buChar char="▪"/>
             </a:pPr>
             <a:r>
-              <a:rPr lang="en-US" sz="2300" dirty="0" err="1">
+              <a:rPr lang="en-US" sz="2400" dirty="0">
+                <a:solidFill>
+                  <a:srgbClr val="000000"/>
+                </a:solidFill>
+                <a:latin typeface="Calibri"/>
+                <a:ea typeface="Calibri"/>
+              </a:rPr>
+              <a:t>AQL is the basic </a:t>
+            </a:r>
+            <a:r>
+              <a:rPr lang="en-US" sz="2400" dirty="0" err="1">
                 <a:solidFill>
                   <a:srgbClr val="000000"/>
                 </a:solidFill>
@@ -5137,16 +5167,16 @@
               <a:t>SciDB</a:t>
             </a:r>
             <a:r>
-              <a:rPr lang="en-US" sz="2300" dirty="0">
-                <a:solidFill>
-                  <a:srgbClr val="000000"/>
-                </a:solidFill>
-                <a:latin typeface="Calibri"/>
-                <a:ea typeface="Calibri"/>
-              </a:rPr>
-              <a:t> arrays are the basic data structure</a:t>
-            </a:r>
-            <a:endParaRPr sz="2300" dirty="0"/>
+              <a:rPr lang="en-US" sz="2400" dirty="0">
+                <a:solidFill>
+                  <a:srgbClr val="000000"/>
+                </a:solidFill>
+                <a:latin typeface="Calibri"/>
+                <a:ea typeface="Calibri"/>
+              </a:rPr>
+              <a:t> query language</a:t>
+            </a:r>
+            <a:endParaRPr sz="2400" dirty="0"/>
           </a:p>
           <a:p>
             <a:pPr>
@@ -5157,53 +5187,27 @@
               <a:buChar char="▪"/>
             </a:pPr>
             <a:r>
-              <a:rPr lang="en-US" sz="2300" dirty="0">
-                <a:solidFill>
-                  <a:srgbClr val="000000"/>
-                </a:solidFill>
-                <a:latin typeface="Calibri"/>
-                <a:ea typeface="Calibri"/>
-              </a:rPr>
-              <a:t>Arrays have one or more dimensions, and one or more attributes</a:t>
-            </a:r>
-            <a:endParaRPr sz="2300" dirty="0"/>
-          </a:p>
-          <a:p>
-            <a:pPr marL="742950" lvl="1" indent="-285750">
-              <a:buSzPct val="75000"/>
-              <a:buFont typeface="Courier New" panose="02070309020205020404" pitchFamily="49" charset="0"/>
-              <a:buChar char="o"/>
-            </a:pPr>
-            <a:r>
-              <a:rPr lang="en-US" sz="2200" dirty="0">
-                <a:solidFill>
-                  <a:srgbClr val="000000"/>
-                </a:solidFill>
-                <a:latin typeface="Calibri"/>
-                <a:ea typeface="Calibri"/>
-              </a:rPr>
-              <a:t>Dimensions index the array cell</a:t>
-            </a:r>
-            <a:endParaRPr sz="2200" dirty="0"/>
-          </a:p>
-          <a:p>
-            <a:pPr marL="742950" lvl="1" indent="-285750">
-              <a:buSzPct val="75000"/>
-              <a:buFont typeface="Courier New" panose="02070309020205020404" pitchFamily="49" charset="0"/>
-              <a:buChar char="o"/>
-            </a:pPr>
-            <a:r>
-              <a:rPr lang="en-US" sz="2200" dirty="0">
-                <a:solidFill>
-                  <a:srgbClr val="000000"/>
-                </a:solidFill>
-                <a:latin typeface="Calibri"/>
-                <a:ea typeface="Calibri"/>
-              </a:rPr>
-              <a:t>Attributes store the data</a:t>
+              <a:rPr lang="en-US" sz="2400" dirty="0">
+                <a:solidFill>
+                  <a:srgbClr val="000000"/>
+                </a:solidFill>
+                <a:latin typeface="Calibri"/>
+                <a:ea typeface="Calibri"/>
+              </a:rPr>
+              <a:t>AFL is the query language for functions in </a:t>
+            </a:r>
+            <a:r>
+              <a:rPr lang="en-US" sz="2400" dirty="0" err="1">
+                <a:solidFill>
+                  <a:srgbClr val="000000"/>
+                </a:solidFill>
+                <a:latin typeface="Calibri"/>
+                <a:ea typeface="Calibri"/>
+              </a:rPr>
+              <a:t>SciDB</a:t>
             </a:r>
             <a:br>
-              <a:rPr lang="en-US" sz="2200" dirty="0">
+              <a:rPr lang="en-US" sz="2400" dirty="0">
                 <a:solidFill>
                   <a:srgbClr val="000000"/>
                 </a:solidFill>
@@ -5211,18 +5215,8 @@
                 <a:ea typeface="Calibri"/>
               </a:rPr>
             </a:br>
-            <a:r>
-              <a:rPr lang="en-US" sz="2200" dirty="0">
-                <a:solidFill>
-                  <a:srgbClr val="000000"/>
-                </a:solidFill>
-                <a:latin typeface="Calibri"/>
-                <a:ea typeface="Calibri"/>
-              </a:rPr>
-              <a:t/>
-            </a:r>
             <a:br>
-              <a:rPr lang="en-US" sz="2200" dirty="0">
+              <a:rPr lang="en-US" sz="2400" dirty="0">
                 <a:solidFill>
                   <a:srgbClr val="000000"/>
                 </a:solidFill>
@@ -5230,18 +5224,8 @@
                 <a:ea typeface="Calibri"/>
               </a:rPr>
             </a:br>
-            <a:r>
-              <a:rPr lang="en-US" sz="2200" dirty="0">
-                <a:solidFill>
-                  <a:srgbClr val="000000"/>
-                </a:solidFill>
-                <a:latin typeface="Calibri"/>
-                <a:ea typeface="Calibri"/>
-              </a:rPr>
-              <a:t/>
-            </a:r>
             <a:br>
-              <a:rPr lang="en-US" sz="2200" dirty="0">
+              <a:rPr lang="en-US" sz="2400" dirty="0">
                 <a:solidFill>
                   <a:srgbClr val="000000"/>
                 </a:solidFill>
@@ -5249,18 +5233,8 @@
                 <a:ea typeface="Calibri"/>
               </a:rPr>
             </a:br>
-            <a:r>
-              <a:rPr lang="en-US" sz="2200" dirty="0">
-                <a:solidFill>
-                  <a:srgbClr val="000000"/>
-                </a:solidFill>
-                <a:latin typeface="Calibri"/>
-                <a:ea typeface="Calibri"/>
-              </a:rPr>
-              <a:t/>
-            </a:r>
             <a:br>
-              <a:rPr lang="en-US" sz="2200" dirty="0">
+              <a:rPr lang="en-US" sz="2400" dirty="0">
                 <a:solidFill>
                   <a:srgbClr val="000000"/>
                 </a:solidFill>
@@ -5268,18 +5242,8 @@
                 <a:ea typeface="Calibri"/>
               </a:rPr>
             </a:br>
-            <a:r>
-              <a:rPr lang="en-US" sz="2200" dirty="0">
-                <a:solidFill>
-                  <a:srgbClr val="000000"/>
-                </a:solidFill>
-                <a:latin typeface="Calibri"/>
-                <a:ea typeface="Calibri"/>
-              </a:rPr>
-              <a:t/>
-            </a:r>
             <a:br>
-              <a:rPr lang="en-US" sz="2200" dirty="0">
+              <a:rPr lang="en-US" sz="2400" dirty="0">
                 <a:solidFill>
                   <a:srgbClr val="000000"/>
                 </a:solidFill>
@@ -5287,18 +5251,8 @@
                 <a:ea typeface="Calibri"/>
               </a:rPr>
             </a:br>
-            <a:r>
-              <a:rPr lang="en-US" sz="2200" dirty="0">
-                <a:solidFill>
-                  <a:srgbClr val="000000"/>
-                </a:solidFill>
-                <a:latin typeface="Calibri"/>
-                <a:ea typeface="Calibri"/>
-              </a:rPr>
-              <a:t/>
-            </a:r>
             <a:br>
-              <a:rPr lang="en-US" sz="2200" dirty="0">
+              <a:rPr lang="en-US" sz="2400" dirty="0">
                 <a:solidFill>
                   <a:srgbClr val="000000"/>
                 </a:solidFill>
@@ -5306,18 +5260,8 @@
                 <a:ea typeface="Calibri"/>
               </a:rPr>
             </a:br>
-            <a:r>
-              <a:rPr lang="en-US" sz="2200" dirty="0">
-                <a:solidFill>
-                  <a:srgbClr val="000000"/>
-                </a:solidFill>
-                <a:latin typeface="Calibri"/>
-                <a:ea typeface="Calibri"/>
-              </a:rPr>
-              <a:t/>
-            </a:r>
             <a:br>
-              <a:rPr lang="en-US" sz="2200" dirty="0">
+              <a:rPr lang="en-US" sz="2400" dirty="0">
                 <a:solidFill>
                   <a:srgbClr val="000000"/>
                 </a:solidFill>
@@ -5325,102 +5269,53 @@
                 <a:ea typeface="Calibri"/>
               </a:rPr>
             </a:br>
-            <a:r>
-              <a:rPr lang="en-US" sz="2200" dirty="0">
-                <a:solidFill>
-                  <a:srgbClr val="000000"/>
-                </a:solidFill>
-                <a:latin typeface="Calibri"/>
-                <a:ea typeface="Calibri"/>
-              </a:rPr>
-              <a:t/>
-            </a:r>
-            <a:br>
-              <a:rPr lang="en-US" sz="2200" dirty="0">
-                <a:solidFill>
-                  <a:srgbClr val="000000"/>
-                </a:solidFill>
-                <a:latin typeface="Calibri"/>
-                <a:ea typeface="Calibri"/>
-              </a:rPr>
-            </a:br>
-            <a:r>
-              <a:rPr lang="en-US" sz="2200" dirty="0">
-                <a:solidFill>
-                  <a:srgbClr val="000000"/>
-                </a:solidFill>
-                <a:latin typeface="Calibri"/>
-                <a:ea typeface="Calibri"/>
-              </a:rPr>
-              <a:t/>
-            </a:r>
-            <a:br>
-              <a:rPr lang="en-US" sz="2200" dirty="0">
-                <a:solidFill>
-                  <a:srgbClr val="000000"/>
-                </a:solidFill>
-                <a:latin typeface="Calibri"/>
-                <a:ea typeface="Calibri"/>
-              </a:rPr>
-            </a:br>
-            <a:r>
-              <a:rPr lang="en-US" sz="2200" dirty="0">
-                <a:solidFill>
-                  <a:srgbClr val="000000"/>
-                </a:solidFill>
-                <a:latin typeface="Calibri"/>
-                <a:ea typeface="Calibri"/>
-              </a:rPr>
-              <a:t/>
-            </a:r>
-            <a:br>
-              <a:rPr lang="en-US" sz="2200" dirty="0">
-                <a:solidFill>
-                  <a:srgbClr val="000000"/>
-                </a:solidFill>
-                <a:latin typeface="Calibri"/>
-                <a:ea typeface="Calibri"/>
-              </a:rPr>
-            </a:br>
-            <a:r>
-              <a:rPr lang="en-US" sz="2200" dirty="0">
-                <a:solidFill>
-                  <a:srgbClr val="000000"/>
-                </a:solidFill>
-                <a:latin typeface="Calibri"/>
-                <a:ea typeface="Calibri"/>
-              </a:rPr>
-              <a:t/>
-            </a:r>
-            <a:br>
-              <a:rPr lang="en-US" sz="2200" dirty="0">
-                <a:solidFill>
-                  <a:srgbClr val="000000"/>
-                </a:solidFill>
-                <a:latin typeface="Calibri"/>
-                <a:ea typeface="Calibri"/>
-              </a:rPr>
-            </a:br>
-            <a:endParaRPr sz="2200" dirty="0"/>
-          </a:p>
-          <a:p>
-            <a:pPr algn="ctr"/>
-            <a:r>
-              <a:rPr lang="en-US" sz="2200" i="1" dirty="0">
-                <a:solidFill>
-                  <a:srgbClr val="000000"/>
-                </a:solidFill>
-                <a:latin typeface="Calibri"/>
-                <a:ea typeface="Calibri"/>
-              </a:rPr>
-              <a:t>Dimensions play a similar role to primary keys in other databases</a:t>
-            </a:r>
-          </a:p>
-        </p:txBody>
-      </p:sp>
-      <p:sp>
-        <p:nvSpPr>
-          <p:cNvPr id="129" name="TextShape 3"/>
+            <a:endParaRPr sz="2400" dirty="0"/>
+          </a:p>
+          <a:p>
+            <a:pPr>
+              <a:lnSpc>
+                <a:spcPct val="100000"/>
+              </a:lnSpc>
+              <a:buFont typeface="Calibri"/>
+              <a:buChar char="▪"/>
+            </a:pPr>
+            <a:r>
+              <a:rPr lang="en-US" sz="2400" dirty="0">
+                <a:solidFill>
+                  <a:srgbClr val="000000"/>
+                </a:solidFill>
+                <a:latin typeface="Calibri"/>
+                <a:ea typeface="Calibri"/>
+              </a:rPr>
+              <a:t>The </a:t>
+            </a:r>
+            <a:r>
+              <a:rPr lang="en-US" sz="2400" dirty="0" err="1">
+                <a:solidFill>
+                  <a:srgbClr val="000000"/>
+                </a:solidFill>
+                <a:latin typeface="Calibri"/>
+                <a:ea typeface="Calibri"/>
+              </a:rPr>
+              <a:t>scidb</a:t>
+            </a:r>
+            <a:r>
+              <a:rPr lang="en-US" sz="2400" dirty="0">
+                <a:solidFill>
+                  <a:srgbClr val="000000"/>
+                </a:solidFill>
+                <a:latin typeface="Calibri"/>
+                <a:ea typeface="Calibri"/>
+              </a:rPr>
+              <a:t> package provides an interface to R</a:t>
+            </a:r>
+            <a:endParaRPr sz="2400" dirty="0"/>
+          </a:p>
+        </p:txBody>
+      </p:sp>
+      <p:sp>
+        <p:nvSpPr>
+          <p:cNvPr id="139" name="TextShape 3"/>
           <p:cNvSpPr txBox="1"/>
           <p:nvPr/>
         </p:nvSpPr>
@@ -5458,7 +5353,7 @@
       </p:sp>
       <p:sp>
         <p:nvSpPr>
-          <p:cNvPr id="130" name="TextShape 4"/>
+          <p:cNvPr id="140" name="TextShape 4"/>
           <p:cNvSpPr txBox="1"/>
           <p:nvPr/>
         </p:nvSpPr>
@@ -5480,7 +5375,7 @@
                 <a:spcPct val="100000"/>
               </a:lnSpc>
             </a:pPr>
-            <a:fld id="{B275E160-3120-44B1-A3A5-F52DB55E5DB0}" type="slidenum">
+            <a:fld id="{28F05ABD-36D7-453D-B9DA-1049EC65DD61}" type="slidenum">
               <a:rPr lang="en-US" sz="1600" b="1">
                 <a:solidFill>
                   <a:srgbClr val="888888"/>
@@ -5496,10 +5391,8 @@
       </p:sp>
       <p:pic>
         <p:nvPicPr>
-          <p:cNvPr id="3" name="Picture 2"/>
-          <p:cNvPicPr>
-            <a:picLocks noChangeAspect="1"/>
-          </p:cNvPicPr>
+          <p:cNvPr id="141" name="Picture 140"/>
+          <p:cNvPicPr/>
           <p:nvPr/>
         </p:nvPicPr>
         <p:blipFill>
@@ -5510,20 +5403,21 @@
         </p:blipFill>
         <p:spPr>
           <a:xfrm>
-            <a:off x="5909318" y="3320124"/>
-            <a:ext cx="1342815" cy="2096435"/>
-          </a:xfrm>
-          <a:prstGeom prst="rect">
-            <a:avLst/>
-          </a:prstGeom>
+            <a:off x="2468288" y="2286000"/>
+            <a:ext cx="3392280" cy="914400"/>
+          </a:xfrm>
+          <a:prstGeom prst="rect">
+            <a:avLst/>
+          </a:prstGeom>
+          <a:ln>
+            <a:noFill/>
+          </a:ln>
         </p:spPr>
       </p:pic>
       <p:pic>
         <p:nvPicPr>
-          <p:cNvPr id="4" name="Picture 3"/>
-          <p:cNvPicPr>
-            <a:picLocks noChangeAspect="1"/>
-          </p:cNvPicPr>
+          <p:cNvPr id="142" name="Picture 141"/>
+          <p:cNvPicPr/>
           <p:nvPr/>
         </p:nvPicPr>
         <p:blipFill>
@@ -5534,189 +5428,17 @@
         </p:blipFill>
         <p:spPr>
           <a:xfrm>
-            <a:off x="1595183" y="3134934"/>
-            <a:ext cx="1547407" cy="2355962"/>
-          </a:xfrm>
-          <a:prstGeom prst="rect">
-            <a:avLst/>
-          </a:prstGeom>
+            <a:off x="1541946" y="5122028"/>
+            <a:ext cx="5852160" cy="822960"/>
+          </a:xfrm>
+          <a:prstGeom prst="rect">
+            <a:avLst/>
+          </a:prstGeom>
+          <a:ln>
+            <a:noFill/>
+          </a:ln>
         </p:spPr>
       </p:pic>
-      <p:sp>
-        <p:nvSpPr>
-          <p:cNvPr id="5" name="TextBox 4"/>
-          <p:cNvSpPr txBox="1"/>
-          <p:nvPr/>
-        </p:nvSpPr>
-        <p:spPr>
-          <a:xfrm>
-            <a:off x="1713187" y="2418757"/>
-            <a:ext cx="1479892" cy="646331"/>
-          </a:xfrm>
-          <a:prstGeom prst="rect">
-            <a:avLst/>
-          </a:prstGeom>
-          <a:noFill/>
-        </p:spPr>
-        <p:txBody>
-          <a:bodyPr wrap="none" rtlCol="0">
-            <a:spAutoFit/>
-          </a:bodyPr>
-          <a:lstStyle/>
-          <a:p>
-            <a:pPr algn="ctr"/>
-            <a:r>
-              <a:rPr lang="en-US" dirty="0"/>
-              <a:t>1D array </a:t>
-            </a:r>
-            <a:br>
-              <a:rPr lang="en-US" dirty="0"/>
-            </a:br>
-            <a:r>
-              <a:rPr lang="en-US" dirty="0"/>
-              <a:t>(3 attributes)</a:t>
-            </a:r>
-          </a:p>
-        </p:txBody>
-      </p:sp>
-      <p:sp>
-        <p:nvSpPr>
-          <p:cNvPr id="11" name="TextBox 10"/>
-          <p:cNvSpPr txBox="1"/>
-          <p:nvPr/>
-        </p:nvSpPr>
-        <p:spPr>
-          <a:xfrm>
-            <a:off x="5889924" y="2418756"/>
-            <a:ext cx="1364476" cy="646331"/>
-          </a:xfrm>
-          <a:prstGeom prst="rect">
-            <a:avLst/>
-          </a:prstGeom>
-          <a:noFill/>
-        </p:spPr>
-        <p:txBody>
-          <a:bodyPr wrap="none" rtlCol="0">
-            <a:spAutoFit/>
-          </a:bodyPr>
-          <a:lstStyle/>
-          <a:p>
-            <a:pPr algn="ctr"/>
-            <a:r>
-              <a:rPr lang="en-US" dirty="0"/>
-              <a:t>2D array </a:t>
-            </a:r>
-            <a:br>
-              <a:rPr lang="en-US" dirty="0"/>
-            </a:br>
-            <a:r>
-              <a:rPr lang="en-US" dirty="0"/>
-              <a:t>(1 attribute)</a:t>
-            </a:r>
-          </a:p>
-        </p:txBody>
-      </p:sp>
-      <p:sp>
-        <p:nvSpPr>
-          <p:cNvPr id="7" name="Arrow: Right 6"/>
-          <p:cNvSpPr/>
-          <p:nvPr/>
-        </p:nvSpPr>
-        <p:spPr>
-          <a:xfrm>
-            <a:off x="3741682" y="4312915"/>
-            <a:ext cx="1860332" cy="427251"/>
-          </a:xfrm>
-          <a:prstGeom prst="rightArrow">
-            <a:avLst/>
-          </a:prstGeom>
-        </p:spPr>
-        <p:style>
-          <a:lnRef idx="2">
-            <a:schemeClr val="accent1">
-              <a:shade val="50000"/>
-            </a:schemeClr>
-          </a:lnRef>
-          <a:fillRef idx="1">
-            <a:schemeClr val="accent1"/>
-          </a:fillRef>
-          <a:effectRef idx="0">
-            <a:schemeClr val="accent1"/>
-          </a:effectRef>
-          <a:fontRef idx="minor">
-            <a:schemeClr val="lt1"/>
-          </a:fontRef>
-        </p:style>
-        <p:txBody>
-          <a:bodyPr rtlCol="0" anchor="ctr"/>
-          <a:lstStyle/>
-          <a:p>
-            <a:pPr algn="ctr"/>
-            <a:r>
-              <a:rPr lang="en-US" dirty="0" err="1"/>
-              <a:t>Redimension</a:t>
-            </a:r>
-            <a:endParaRPr lang="en-US" dirty="0"/>
-          </a:p>
-        </p:txBody>
-      </p:sp>
-      <p:sp>
-        <p:nvSpPr>
-          <p:cNvPr id="8" name="TextBox 7"/>
-          <p:cNvSpPr txBox="1"/>
-          <p:nvPr/>
-        </p:nvSpPr>
-        <p:spPr>
-          <a:xfrm flipH="1">
-            <a:off x="5381295" y="5463028"/>
-            <a:ext cx="3657600" cy="246221"/>
-          </a:xfrm>
-          <a:prstGeom prst="rect">
-            <a:avLst/>
-          </a:prstGeom>
-          <a:noFill/>
-        </p:spPr>
-        <p:txBody>
-          <a:bodyPr wrap="square" rtlCol="0">
-            <a:spAutoFit/>
-          </a:bodyPr>
-          <a:lstStyle/>
-          <a:p>
-            <a:r>
-              <a:rPr lang="en-US" sz="1000" dirty="0" err="1"/>
-              <a:t>Poliakov</a:t>
-            </a:r>
-            <a:r>
-              <a:rPr lang="en-US" sz="1000" dirty="0"/>
-              <a:t>, Brown. </a:t>
-            </a:r>
-            <a:r>
-              <a:rPr lang="en-US" sz="1000" i="1" dirty="0"/>
-              <a:t>Using </a:t>
-            </a:r>
-            <a:r>
-              <a:rPr lang="en-US" sz="1000" i="1" dirty="0" err="1"/>
-              <a:t>SciDB</a:t>
-            </a:r>
-            <a:r>
-              <a:rPr lang="en-US" sz="1000" i="1" dirty="0"/>
-              <a:t> and </a:t>
-            </a:r>
-            <a:r>
-              <a:rPr lang="en-US" sz="1000" i="1" dirty="0" err="1"/>
-              <a:t>SciDB</a:t>
-            </a:r>
-            <a:r>
-              <a:rPr lang="en-US" sz="1000" i="1" dirty="0"/>
-              <a:t>-R.</a:t>
-            </a:r>
-            <a:r>
-              <a:rPr lang="en-US" sz="1000" dirty="0"/>
-              <a:t> Paradigm4 2013</a:t>
-            </a:r>
-          </a:p>
-        </p:txBody>
-      </p:sp>
     </p:spTree>
   </p:cSld>
   <p:clrMapOvr>
@@ -5771,7 +5493,7 @@
       </p:grpSpPr>
       <p:sp>
         <p:nvSpPr>
-          <p:cNvPr id="131" name="TextShape 1"/>
+          <p:cNvPr id="143" name="TextShape 1"/>
           <p:cNvSpPr txBox="1"/>
           <p:nvPr/>
         </p:nvSpPr>
@@ -5794,22 +5516,32 @@
               </a:lnSpc>
             </a:pPr>
             <a:r>
-              <a:rPr lang="en-US" sz="3200">
+              <a:rPr lang="en-US" sz="3200" dirty="0">
                 <a:solidFill>
                   <a:srgbClr val="0070C0"/>
                 </a:solidFill>
                 <a:latin typeface="Calibri"/>
                 <a:ea typeface="Calibri"/>
               </a:rPr>
-              <a:t>SciDB Schema</a:t>
-            </a:r>
-            <a:endParaRPr/>
-          </a:p>
-        </p:txBody>
-      </p:sp>
-      <p:sp>
-        <p:nvSpPr>
-          <p:cNvPr id="132" name="TextShape 2"/>
+              <a:t>Loading Data from CSV File into </a:t>
+            </a:r>
+            <a:r>
+              <a:rPr lang="en-US" sz="3200" dirty="0" err="1">
+                <a:solidFill>
+                  <a:srgbClr val="0070C0"/>
+                </a:solidFill>
+                <a:latin typeface="Calibri"/>
+                <a:ea typeface="Calibri"/>
+              </a:rPr>
+              <a:t>SciDB</a:t>
+            </a:r>
+            <a:endParaRPr dirty="0"/>
+          </a:p>
+        </p:txBody>
+      </p:sp>
+      <p:sp>
+        <p:nvSpPr>
+          <p:cNvPr id="144" name="TextShape 2"/>
           <p:cNvSpPr txBox="1"/>
           <p:nvPr/>
         </p:nvSpPr>
@@ -5826,6 +5558,401 @@
           <a:bodyPr/>
           <a:lstStyle/>
           <a:p>
+            <a:pPr marL="285750" indent="-285750">
+              <a:lnSpc>
+                <a:spcPct val="100000"/>
+              </a:lnSpc>
+              <a:buFont typeface="Wingdings" panose="05000000000000000000" pitchFamily="2" charset="2"/>
+              <a:buChar char="§"/>
+            </a:pPr>
+            <a:r>
+              <a:rPr lang="en-US" sz="2200" b="1" u="sng" dirty="0">
+                <a:solidFill>
+                  <a:srgbClr val="000000"/>
+                </a:solidFill>
+                <a:latin typeface="Calibri"/>
+                <a:ea typeface="Calibri"/>
+              </a:rPr>
+              <a:t>Step 1a</a:t>
+            </a:r>
+            <a:r>
+              <a:rPr lang="en-US" sz="2200" dirty="0">
+                <a:solidFill>
+                  <a:srgbClr val="000000"/>
+                </a:solidFill>
+                <a:latin typeface="Calibri"/>
+                <a:ea typeface="Calibri"/>
+              </a:rPr>
+              <a:t>: Create a 1D array </a:t>
+            </a:r>
+            <a:r>
+              <a:rPr lang="en-US" sz="2200" dirty="0">
+                <a:solidFill>
+                  <a:srgbClr val="000000"/>
+                </a:solidFill>
+                <a:latin typeface="Courier New" panose="02070309020205020404" pitchFamily="49" charset="0"/>
+                <a:ea typeface="Calibri"/>
+                <a:cs typeface="Courier New" panose="02070309020205020404" pitchFamily="49" charset="0"/>
+              </a:rPr>
+              <a:t>ratings</a:t>
+            </a:r>
+            <a:br>
+              <a:rPr lang="en-US" sz="2200" dirty="0">
+                <a:solidFill>
+                  <a:srgbClr val="000000"/>
+                </a:solidFill>
+                <a:latin typeface="Calibri"/>
+                <a:ea typeface="Calibri"/>
+              </a:rPr>
+            </a:br>
+            <a:br>
+              <a:rPr lang="en-US" sz="2200" dirty="0">
+                <a:solidFill>
+                  <a:srgbClr val="000000"/>
+                </a:solidFill>
+                <a:latin typeface="Calibri"/>
+                <a:ea typeface="Calibri"/>
+              </a:rPr>
+            </a:br>
+            <a:r>
+              <a:rPr lang="en-US" dirty="0">
+                <a:solidFill>
+                  <a:srgbClr val="000000"/>
+                </a:solidFill>
+                <a:latin typeface="Courier New" panose="02070309020205020404" pitchFamily="49" charset="0"/>
+                <a:ea typeface="Calibri"/>
+                <a:cs typeface="Courier New" panose="02070309020205020404" pitchFamily="49" charset="0"/>
+              </a:rPr>
+              <a:t>AFL% CREATE ARRAY ratings &lt;userId:int64, movieID:int64, </a:t>
+            </a:r>
+            <a:r>
+              <a:rPr lang="en-US" dirty="0" err="1">
+                <a:solidFill>
+                  <a:srgbClr val="000000"/>
+                </a:solidFill>
+                <a:latin typeface="Courier New" panose="02070309020205020404" pitchFamily="49" charset="0"/>
+                <a:ea typeface="Calibri"/>
+                <a:cs typeface="Courier New" panose="02070309020205020404" pitchFamily="49" charset="0"/>
+              </a:rPr>
+              <a:t>rating:double</a:t>
+            </a:r>
+            <a:r>
+              <a:rPr lang="en-US" dirty="0">
+                <a:solidFill>
+                  <a:srgbClr val="000000"/>
+                </a:solidFill>
+                <a:latin typeface="Courier New" panose="02070309020205020404" pitchFamily="49" charset="0"/>
+                <a:ea typeface="Calibri"/>
+                <a:cs typeface="Courier New" panose="02070309020205020404" pitchFamily="49" charset="0"/>
+              </a:rPr>
+              <a:t> NOT NULL, timestamp:int64&gt; [</a:t>
+            </a:r>
+            <a:r>
+              <a:rPr lang="en-US" dirty="0" err="1">
+                <a:solidFill>
+                  <a:srgbClr val="000000"/>
+                </a:solidFill>
+                <a:latin typeface="Courier New" panose="02070309020205020404" pitchFamily="49" charset="0"/>
+                <a:ea typeface="Calibri"/>
+                <a:cs typeface="Courier New" panose="02070309020205020404" pitchFamily="49" charset="0"/>
+              </a:rPr>
+              <a:t>i</a:t>
+            </a:r>
+            <a:r>
+              <a:rPr lang="en-US" dirty="0">
+                <a:solidFill>
+                  <a:srgbClr val="000000"/>
+                </a:solidFill>
+                <a:latin typeface="Courier New" panose="02070309020205020404" pitchFamily="49" charset="0"/>
+                <a:ea typeface="Calibri"/>
+                <a:cs typeface="Courier New" panose="02070309020205020404" pitchFamily="49" charset="0"/>
+              </a:rPr>
+              <a:t>=0:?,1000000,0];</a:t>
+            </a:r>
+            <a:br>
+              <a:rPr lang="en-US" dirty="0">
+                <a:latin typeface="Courier New" panose="02070309020205020404" pitchFamily="49" charset="0"/>
+                <a:cs typeface="Courier New" panose="02070309020205020404" pitchFamily="49" charset="0"/>
+              </a:rPr>
+            </a:br>
+            <a:endParaRPr lang="en-US" dirty="0">
+              <a:latin typeface="Courier New" panose="02070309020205020404" pitchFamily="49" charset="0"/>
+              <a:cs typeface="Courier New" panose="02070309020205020404" pitchFamily="49" charset="0"/>
+            </a:endParaRPr>
+          </a:p>
+          <a:p>
+            <a:pPr marL="285750" indent="-285750">
+              <a:lnSpc>
+                <a:spcPct val="100000"/>
+              </a:lnSpc>
+              <a:buFont typeface="Wingdings" panose="05000000000000000000" pitchFamily="2" charset="2"/>
+              <a:buChar char="§"/>
+            </a:pPr>
+            <a:r>
+              <a:rPr lang="en-US" sz="2200" b="1" u="sng" dirty="0">
+                <a:solidFill>
+                  <a:srgbClr val="000000"/>
+                </a:solidFill>
+                <a:latin typeface="Calibri"/>
+                <a:ea typeface="Calibri"/>
+              </a:rPr>
+              <a:t>Step 1b</a:t>
+            </a:r>
+            <a:r>
+              <a:rPr lang="en-US" sz="2200" dirty="0">
+                <a:solidFill>
+                  <a:srgbClr val="000000"/>
+                </a:solidFill>
+                <a:latin typeface="Calibri"/>
+                <a:ea typeface="Calibri"/>
+              </a:rPr>
+              <a:t>: Load from CSV into array</a:t>
+            </a:r>
+            <a:br>
+              <a:rPr lang="en-US" sz="2200" dirty="0">
+                <a:solidFill>
+                  <a:srgbClr val="000000"/>
+                </a:solidFill>
+                <a:latin typeface="Calibri"/>
+                <a:ea typeface="Calibri"/>
+              </a:rPr>
+            </a:br>
+            <a:br>
+              <a:rPr lang="en-US" sz="2200" dirty="0">
+                <a:solidFill>
+                  <a:srgbClr val="000000"/>
+                </a:solidFill>
+                <a:latin typeface="Calibri"/>
+                <a:ea typeface="Calibri"/>
+              </a:rPr>
+            </a:br>
+            <a:r>
+              <a:rPr lang="en-US" dirty="0">
+                <a:solidFill>
+                  <a:srgbClr val="000000"/>
+                </a:solidFill>
+                <a:latin typeface="Courier New" panose="02070309020205020404" pitchFamily="49" charset="0"/>
+                <a:ea typeface="Calibri"/>
+                <a:cs typeface="Courier New" panose="02070309020205020404" pitchFamily="49" charset="0"/>
+              </a:rPr>
+              <a:t>AFL% load(ratings, 'ratings_noHeader.csv', -2, 'csv');</a:t>
+            </a:r>
+            <a:br>
+              <a:rPr lang="en-US" dirty="0">
+                <a:solidFill>
+                  <a:srgbClr val="000000"/>
+                </a:solidFill>
+                <a:latin typeface="Calibri"/>
+                <a:ea typeface="Calibri"/>
+              </a:rPr>
+            </a:br>
+            <a:br>
+              <a:rPr lang="en-US" dirty="0">
+                <a:solidFill>
+                  <a:srgbClr val="000000"/>
+                </a:solidFill>
+                <a:latin typeface="Calibri"/>
+                <a:ea typeface="Calibri"/>
+              </a:rPr>
+            </a:br>
+            <a:endParaRPr lang="en-US" dirty="0">
+              <a:solidFill>
+                <a:srgbClr val="000000"/>
+              </a:solidFill>
+              <a:latin typeface="Calibri"/>
+              <a:ea typeface="Calibri"/>
+            </a:endParaRPr>
+          </a:p>
+          <a:p>
+            <a:pPr marL="285750" indent="-285750">
+              <a:lnSpc>
+                <a:spcPct val="100000"/>
+              </a:lnSpc>
+              <a:buFont typeface="Wingdings" panose="05000000000000000000" pitchFamily="2" charset="2"/>
+              <a:buChar char="§"/>
+            </a:pPr>
+            <a:r>
+              <a:rPr lang="en-US" sz="2200" b="1" u="sng" dirty="0">
+                <a:solidFill>
+                  <a:srgbClr val="000000"/>
+                </a:solidFill>
+                <a:latin typeface="Calibri"/>
+                <a:ea typeface="Calibri"/>
+              </a:rPr>
+              <a:t>Step 2</a:t>
+            </a:r>
+            <a:r>
+              <a:rPr lang="en-US" sz="2200" dirty="0">
+                <a:solidFill>
+                  <a:srgbClr val="000000"/>
+                </a:solidFill>
+                <a:latin typeface="Calibri"/>
+                <a:ea typeface="Calibri"/>
+              </a:rPr>
+              <a:t>: </a:t>
+            </a:r>
+            <a:r>
+              <a:rPr lang="en-US" sz="2200" dirty="0" err="1">
+                <a:solidFill>
+                  <a:srgbClr val="000000"/>
+                </a:solidFill>
+                <a:latin typeface="Calibri"/>
+                <a:ea typeface="Calibri"/>
+              </a:rPr>
+              <a:t>Redimension</a:t>
+            </a:r>
+            <a:r>
+              <a:rPr lang="en-US" sz="2200" dirty="0">
+                <a:solidFill>
+                  <a:srgbClr val="000000"/>
+                </a:solidFill>
+                <a:latin typeface="Calibri"/>
+                <a:ea typeface="Calibri"/>
+              </a:rPr>
+              <a:t> from 1D to 2D array </a:t>
+            </a:r>
+            <a:r>
+              <a:rPr lang="en-US" sz="2200" dirty="0" err="1">
+                <a:solidFill>
+                  <a:srgbClr val="000000"/>
+                </a:solidFill>
+                <a:latin typeface="Courier New" panose="02070309020205020404" pitchFamily="49" charset="0"/>
+                <a:ea typeface="Calibri"/>
+                <a:cs typeface="Courier New" panose="02070309020205020404" pitchFamily="49" charset="0"/>
+              </a:rPr>
+              <a:t>ratings_matrix</a:t>
+            </a:r>
+            <a:br>
+              <a:rPr lang="en-US" sz="2200" dirty="0">
+                <a:solidFill>
+                  <a:srgbClr val="000000"/>
+                </a:solidFill>
+                <a:latin typeface="Calibri"/>
+                <a:ea typeface="Calibri"/>
+              </a:rPr>
+            </a:br>
+            <a:br>
+              <a:rPr lang="en-US" sz="2200" dirty="0">
+                <a:solidFill>
+                  <a:srgbClr val="000000"/>
+                </a:solidFill>
+                <a:latin typeface="Calibri"/>
+                <a:ea typeface="Calibri"/>
+              </a:rPr>
+            </a:br>
+            <a:r>
+              <a:rPr lang="en-US" dirty="0">
+                <a:solidFill>
+                  <a:srgbClr val="000000"/>
+                </a:solidFill>
+                <a:latin typeface="Courier New" panose="02070309020205020404" pitchFamily="49" charset="0"/>
+                <a:ea typeface="Calibri"/>
+                <a:cs typeface="Courier New" panose="02070309020205020404" pitchFamily="49" charset="0"/>
+              </a:rPr>
+              <a:t>AFL% store(</a:t>
+            </a:r>
+            <a:r>
+              <a:rPr lang="en-US" dirty="0" err="1">
+                <a:solidFill>
+                  <a:srgbClr val="000000"/>
+                </a:solidFill>
+                <a:latin typeface="Courier New" panose="02070309020205020404" pitchFamily="49" charset="0"/>
+                <a:ea typeface="Calibri"/>
+                <a:cs typeface="Courier New" panose="02070309020205020404" pitchFamily="49" charset="0"/>
+              </a:rPr>
+              <a:t>redimension</a:t>
+            </a:r>
+            <a:r>
+              <a:rPr lang="en-US" dirty="0">
+                <a:solidFill>
+                  <a:srgbClr val="000000"/>
+                </a:solidFill>
+                <a:latin typeface="Courier New" panose="02070309020205020404" pitchFamily="49" charset="0"/>
+                <a:ea typeface="Calibri"/>
+                <a:cs typeface="Courier New" panose="02070309020205020404" pitchFamily="49" charset="0"/>
+              </a:rPr>
+              <a:t>(ratings, &lt;</a:t>
+            </a:r>
+            <a:r>
+              <a:rPr lang="en-US" dirty="0" err="1">
+                <a:solidFill>
+                  <a:srgbClr val="000000"/>
+                </a:solidFill>
+                <a:latin typeface="Courier New" panose="02070309020205020404" pitchFamily="49" charset="0"/>
+                <a:ea typeface="Calibri"/>
+                <a:cs typeface="Courier New" panose="02070309020205020404" pitchFamily="49" charset="0"/>
+              </a:rPr>
+              <a:t>rating:double</a:t>
+            </a:r>
+            <a:r>
+              <a:rPr lang="en-US" dirty="0">
+                <a:solidFill>
+                  <a:srgbClr val="000000"/>
+                </a:solidFill>
+                <a:latin typeface="Courier New" panose="02070309020205020404" pitchFamily="49" charset="0"/>
+                <a:ea typeface="Calibri"/>
+                <a:cs typeface="Courier New" panose="02070309020205020404" pitchFamily="49" charset="0"/>
+              </a:rPr>
+              <a:t> NOT NULL&gt;[</a:t>
+            </a:r>
+            <a:r>
+              <a:rPr lang="en-US" dirty="0" err="1">
+                <a:solidFill>
+                  <a:srgbClr val="000000"/>
+                </a:solidFill>
+                <a:latin typeface="Courier New" panose="02070309020205020404" pitchFamily="49" charset="0"/>
+                <a:ea typeface="Calibri"/>
+                <a:cs typeface="Courier New" panose="02070309020205020404" pitchFamily="49" charset="0"/>
+              </a:rPr>
+              <a:t>userId</a:t>
+            </a:r>
+            <a:r>
+              <a:rPr lang="en-US" dirty="0">
+                <a:solidFill>
+                  <a:srgbClr val="000000"/>
+                </a:solidFill>
+                <a:latin typeface="Courier New" panose="02070309020205020404" pitchFamily="49" charset="0"/>
+                <a:ea typeface="Calibri"/>
+                <a:cs typeface="Courier New" panose="02070309020205020404" pitchFamily="49" charset="0"/>
+              </a:rPr>
+              <a:t>=0:671,?,0,movieID=0:163949,?,0]), </a:t>
+            </a:r>
+            <a:r>
+              <a:rPr lang="en-US" dirty="0" err="1">
+                <a:solidFill>
+                  <a:srgbClr val="000000"/>
+                </a:solidFill>
+                <a:latin typeface="Courier New" panose="02070309020205020404" pitchFamily="49" charset="0"/>
+                <a:ea typeface="Calibri"/>
+                <a:cs typeface="Courier New" panose="02070309020205020404" pitchFamily="49" charset="0"/>
+              </a:rPr>
+              <a:t>ratings_matrix</a:t>
+            </a:r>
+            <a:r>
+              <a:rPr lang="en-US" dirty="0">
+                <a:solidFill>
+                  <a:srgbClr val="000000"/>
+                </a:solidFill>
+                <a:latin typeface="Courier New" panose="02070309020205020404" pitchFamily="49" charset="0"/>
+                <a:ea typeface="Calibri"/>
+                <a:cs typeface="Courier New" panose="02070309020205020404" pitchFamily="49" charset="0"/>
+              </a:rPr>
+              <a:t>);</a:t>
+            </a:r>
+            <a:endParaRPr dirty="0">
+              <a:latin typeface="Courier New" panose="02070309020205020404" pitchFamily="49" charset="0"/>
+              <a:cs typeface="Courier New" panose="02070309020205020404" pitchFamily="49" charset="0"/>
+            </a:endParaRPr>
+          </a:p>
+          <a:p>
+            <a:pPr>
+              <a:lnSpc>
+                <a:spcPct val="100000"/>
+              </a:lnSpc>
+            </a:pPr>
+            <a:endParaRPr sz="2200" dirty="0"/>
+          </a:p>
+          <a:p>
             <a:pPr>
               <a:lnSpc>
                 <a:spcPct val="100000"/>
@@ -5833,311 +5960,13 @@
               <a:buFont typeface="Calibri"/>
               <a:buChar char="▪"/>
             </a:pPr>
-            <a:r>
-              <a:rPr lang="en-US" sz="2400" dirty="0">
-                <a:solidFill>
-                  <a:srgbClr val="000000"/>
-                </a:solidFill>
-                <a:latin typeface="Calibri"/>
-                <a:ea typeface="Calibri"/>
-              </a:rPr>
-              <a:t>The </a:t>
-            </a:r>
-            <a:r>
-              <a:rPr lang="en-US" sz="2400" dirty="0" err="1">
-                <a:solidFill>
-                  <a:srgbClr val="000000"/>
-                </a:solidFill>
-                <a:latin typeface="Calibri"/>
-                <a:ea typeface="Calibri"/>
-              </a:rPr>
-              <a:t>SciDB</a:t>
-            </a:r>
-            <a:r>
-              <a:rPr lang="en-US" sz="2400" dirty="0">
-                <a:solidFill>
-                  <a:srgbClr val="000000"/>
-                </a:solidFill>
-                <a:latin typeface="Calibri"/>
-                <a:ea typeface="Calibri"/>
-              </a:rPr>
-              <a:t> schema defines the array structure and data types</a:t>
-            </a:r>
-            <a:br>
-              <a:rPr lang="en-US" sz="2400" dirty="0">
-                <a:solidFill>
-                  <a:srgbClr val="000000"/>
-                </a:solidFill>
-                <a:latin typeface="Calibri"/>
-                <a:ea typeface="Calibri"/>
-              </a:rPr>
-            </a:br>
-            <a:r>
-              <a:rPr lang="en-US" sz="2400" dirty="0">
-                <a:solidFill>
-                  <a:srgbClr val="000000"/>
-                </a:solidFill>
-                <a:latin typeface="Calibri"/>
-                <a:ea typeface="Calibri"/>
-              </a:rPr>
-              <a:t/>
-            </a:r>
-            <a:br>
-              <a:rPr lang="en-US" sz="2400" dirty="0">
-                <a:solidFill>
-                  <a:srgbClr val="000000"/>
-                </a:solidFill>
-                <a:latin typeface="Calibri"/>
-                <a:ea typeface="Calibri"/>
-              </a:rPr>
-            </a:br>
-            <a:r>
-              <a:rPr lang="en-US" sz="2400" dirty="0">
-                <a:solidFill>
-                  <a:srgbClr val="000000"/>
-                </a:solidFill>
-                <a:latin typeface="Calibri"/>
-                <a:ea typeface="Calibri"/>
-              </a:rPr>
-              <a:t/>
-            </a:r>
-            <a:br>
-              <a:rPr lang="en-US" sz="2400" dirty="0">
-                <a:solidFill>
-                  <a:srgbClr val="000000"/>
-                </a:solidFill>
-                <a:latin typeface="Calibri"/>
-                <a:ea typeface="Calibri"/>
-              </a:rPr>
-            </a:br>
-            <a:r>
-              <a:rPr lang="en-US" sz="2400" dirty="0">
-                <a:solidFill>
-                  <a:srgbClr val="000000"/>
-                </a:solidFill>
-                <a:latin typeface="Calibri"/>
-                <a:ea typeface="Calibri"/>
-              </a:rPr>
-              <a:t/>
-            </a:r>
-            <a:br>
-              <a:rPr lang="en-US" sz="2400" dirty="0">
-                <a:solidFill>
-                  <a:srgbClr val="000000"/>
-                </a:solidFill>
-                <a:latin typeface="Calibri"/>
-                <a:ea typeface="Calibri"/>
-              </a:rPr>
-            </a:br>
-            <a:r>
-              <a:rPr lang="en-US" sz="2400" dirty="0">
-                <a:solidFill>
-                  <a:srgbClr val="000000"/>
-                </a:solidFill>
-                <a:latin typeface="Calibri"/>
-                <a:ea typeface="Calibri"/>
-              </a:rPr>
-              <a:t/>
-            </a:r>
-            <a:br>
-              <a:rPr lang="en-US" sz="2400" dirty="0">
-                <a:solidFill>
-                  <a:srgbClr val="000000"/>
-                </a:solidFill>
-                <a:latin typeface="Calibri"/>
-                <a:ea typeface="Calibri"/>
-              </a:rPr>
-            </a:br>
-            <a:r>
-              <a:rPr lang="en-US" sz="2400" dirty="0">
-                <a:solidFill>
-                  <a:srgbClr val="000000"/>
-                </a:solidFill>
-                <a:latin typeface="Calibri"/>
-                <a:ea typeface="Calibri"/>
-              </a:rPr>
-              <a:t/>
-            </a:r>
-            <a:br>
-              <a:rPr lang="en-US" sz="2400" dirty="0">
-                <a:solidFill>
-                  <a:srgbClr val="000000"/>
-                </a:solidFill>
-                <a:latin typeface="Calibri"/>
-                <a:ea typeface="Calibri"/>
-              </a:rPr>
-            </a:br>
-            <a:r>
-              <a:rPr lang="en-US" sz="2400" dirty="0">
-                <a:solidFill>
-                  <a:srgbClr val="000000"/>
-                </a:solidFill>
-                <a:latin typeface="Calibri"/>
-                <a:ea typeface="Calibri"/>
-              </a:rPr>
-              <a:t/>
-            </a:r>
-            <a:br>
-              <a:rPr lang="en-US" sz="2400" dirty="0">
-                <a:solidFill>
-                  <a:srgbClr val="000000"/>
-                </a:solidFill>
-                <a:latin typeface="Calibri"/>
-                <a:ea typeface="Calibri"/>
-              </a:rPr>
-            </a:br>
-            <a:r>
-              <a:rPr lang="en-US" sz="2400" dirty="0">
-                <a:solidFill>
-                  <a:srgbClr val="000000"/>
-                </a:solidFill>
-                <a:latin typeface="Calibri"/>
-                <a:ea typeface="Calibri"/>
-              </a:rPr>
-              <a:t/>
-            </a:r>
-            <a:br>
-              <a:rPr lang="en-US" sz="2400" dirty="0">
-                <a:solidFill>
-                  <a:srgbClr val="000000"/>
-                </a:solidFill>
-                <a:latin typeface="Calibri"/>
-                <a:ea typeface="Calibri"/>
-              </a:rPr>
-            </a:br>
-            <a:r>
-              <a:rPr lang="en-US" sz="2400" dirty="0">
-                <a:solidFill>
-                  <a:srgbClr val="000000"/>
-                </a:solidFill>
-                <a:latin typeface="Calibri"/>
-                <a:ea typeface="Calibri"/>
-              </a:rPr>
-              <a:t/>
-            </a:r>
-            <a:br>
-              <a:rPr lang="en-US" sz="2400" dirty="0">
-                <a:solidFill>
-                  <a:srgbClr val="000000"/>
-                </a:solidFill>
-                <a:latin typeface="Calibri"/>
-                <a:ea typeface="Calibri"/>
-              </a:rPr>
-            </a:br>
-            <a:r>
-              <a:rPr lang="en-US" sz="2400" dirty="0">
-                <a:solidFill>
-                  <a:srgbClr val="000000"/>
-                </a:solidFill>
-                <a:latin typeface="Calibri"/>
-                <a:ea typeface="Calibri"/>
-              </a:rPr>
-              <a:t/>
-            </a:r>
-            <a:br>
-              <a:rPr lang="en-US" sz="2400" dirty="0">
-                <a:solidFill>
-                  <a:srgbClr val="000000"/>
-                </a:solidFill>
-                <a:latin typeface="Calibri"/>
-                <a:ea typeface="Calibri"/>
-              </a:rPr>
-            </a:br>
-            <a:r>
-              <a:rPr lang="en-US" sz="2400" dirty="0">
-                <a:solidFill>
-                  <a:srgbClr val="000000"/>
-                </a:solidFill>
-                <a:latin typeface="Calibri"/>
-                <a:ea typeface="Calibri"/>
-              </a:rPr>
-              <a:t/>
-            </a:r>
-            <a:br>
-              <a:rPr lang="en-US" sz="2400" dirty="0">
-                <a:solidFill>
-                  <a:srgbClr val="000000"/>
-                </a:solidFill>
-                <a:latin typeface="Calibri"/>
-                <a:ea typeface="Calibri"/>
-              </a:rPr>
-            </a:br>
-            <a:r>
-              <a:rPr lang="en-US" sz="2400" dirty="0">
-                <a:solidFill>
-                  <a:srgbClr val="000000"/>
-                </a:solidFill>
-                <a:latin typeface="Calibri"/>
-                <a:ea typeface="Calibri"/>
-              </a:rPr>
-              <a:t/>
-            </a:r>
-            <a:br>
-              <a:rPr lang="en-US" sz="2400" dirty="0">
-                <a:solidFill>
-                  <a:srgbClr val="000000"/>
-                </a:solidFill>
-                <a:latin typeface="Calibri"/>
-                <a:ea typeface="Calibri"/>
-              </a:rPr>
-            </a:br>
-            <a:endParaRPr sz="2400" dirty="0"/>
-          </a:p>
-          <a:p>
-            <a:pPr>
-              <a:lnSpc>
-                <a:spcPct val="100000"/>
-              </a:lnSpc>
-              <a:buFont typeface="Calibri"/>
-              <a:buChar char="▪"/>
-            </a:pPr>
-            <a:r>
-              <a:rPr lang="en-US" sz="2400" dirty="0">
-                <a:solidFill>
-                  <a:srgbClr val="000000"/>
-                </a:solidFill>
-                <a:latin typeface="Calibri"/>
-                <a:ea typeface="Calibri"/>
-              </a:rPr>
-              <a:t>Arrays are stored in </a:t>
-            </a:r>
-            <a:r>
-              <a:rPr lang="en-US" sz="2400" b="1" i="1" dirty="0">
-                <a:solidFill>
-                  <a:srgbClr val="000000"/>
-                </a:solidFill>
-                <a:latin typeface="Calibri"/>
-                <a:ea typeface="Calibri"/>
-              </a:rPr>
-              <a:t>sparse</a:t>
-            </a:r>
-            <a:r>
-              <a:rPr lang="en-US" sz="2400" dirty="0">
-                <a:solidFill>
-                  <a:srgbClr val="000000"/>
-                </a:solidFill>
-                <a:latin typeface="Calibri"/>
-                <a:ea typeface="Calibri"/>
-              </a:rPr>
-              <a:t> format</a:t>
-            </a:r>
-            <a:endParaRPr sz="2400" dirty="0"/>
-          </a:p>
-          <a:p>
-            <a:pPr>
-              <a:lnSpc>
-                <a:spcPct val="100000"/>
-              </a:lnSpc>
-              <a:buFont typeface="Calibri"/>
-              <a:buChar char="▪"/>
-            </a:pPr>
-            <a:endParaRPr sz="2400" dirty="0"/>
-          </a:p>
-        </p:txBody>
-      </p:sp>
-      <p:sp>
-        <p:nvSpPr>
-          <p:cNvPr id="133" name="TextShape 3"/>
+            <a:endParaRPr sz="2200" dirty="0"/>
+          </a:p>
+        </p:txBody>
+      </p:sp>
+      <p:sp>
+        <p:nvSpPr>
+          <p:cNvPr id="145" name="TextShape 3"/>
           <p:cNvSpPr txBox="1"/>
           <p:nvPr/>
         </p:nvSpPr>
@@ -6175,7 +6004,7 @@
       </p:sp>
       <p:sp>
         <p:nvSpPr>
-          <p:cNvPr id="134" name="TextShape 4"/>
+          <p:cNvPr id="146" name="TextShape 4"/>
           <p:cNvSpPr txBox="1"/>
           <p:nvPr/>
         </p:nvSpPr>
@@ -6197,7 +6026,7 @@
                 <a:spcPct val="100000"/>
               </a:lnSpc>
             </a:pPr>
-            <a:fld id="{3EB8FC4F-302C-46C4-BBE3-D13FD9B46105}" type="slidenum">
+            <a:fld id="{195EEE33-5A7A-48E9-B9FD-BE393BECDE84}" type="slidenum">
               <a:rPr lang="en-US" sz="1600" b="1">
                 <a:solidFill>
                   <a:srgbClr val="888888"/>
@@ -6211,56 +6040,6 @@
           </a:p>
         </p:txBody>
       </p:sp>
-      <p:pic>
-        <p:nvPicPr>
-          <p:cNvPr id="135" name="Picture 134"/>
-          <p:cNvPicPr/>
-          <p:nvPr/>
-        </p:nvPicPr>
-        <p:blipFill>
-          <a:blip r:embed="rId2"/>
-          <a:stretch>
-            <a:fillRect/>
-          </a:stretch>
-        </p:blipFill>
-        <p:spPr>
-          <a:xfrm>
-            <a:off x="1188720" y="1645920"/>
-            <a:ext cx="6675120" cy="1316880"/>
-          </a:xfrm>
-          <a:prstGeom prst="rect">
-            <a:avLst/>
-          </a:prstGeom>
-          <a:ln>
-            <a:noFill/>
-          </a:ln>
-        </p:spPr>
-      </p:pic>
-      <p:pic>
-        <p:nvPicPr>
-          <p:cNvPr id="136" name="Picture 135"/>
-          <p:cNvPicPr/>
-          <p:nvPr/>
-        </p:nvPicPr>
-        <p:blipFill>
-          <a:blip r:embed="rId3"/>
-          <a:stretch>
-            <a:fillRect/>
-          </a:stretch>
-        </p:blipFill>
-        <p:spPr>
-          <a:xfrm>
-            <a:off x="1188720" y="3602880"/>
-            <a:ext cx="6739200" cy="1792080"/>
-          </a:xfrm>
-          <a:prstGeom prst="rect">
-            <a:avLst/>
-          </a:prstGeom>
-          <a:ln>
-            <a:noFill/>
-          </a:ln>
-        </p:spPr>
-      </p:pic>
     </p:spTree>
   </p:cSld>
   <p:clrMapOvr>
@@ -6315,7 +6094,7 @@
       </p:grpSpPr>
       <p:sp>
         <p:nvSpPr>
-          <p:cNvPr id="137" name="TextShape 1"/>
+          <p:cNvPr id="147" name="TextShape 1"/>
           <p:cNvSpPr txBox="1"/>
           <p:nvPr/>
         </p:nvSpPr>
@@ -6345,15 +6124,15 @@
                 <a:latin typeface="Calibri"/>
                 <a:ea typeface="Calibri"/>
               </a:rPr>
-              <a:t>SciDB Query Language and R package</a:t>
-            </a:r>
-            <a:endParaRPr/>
-          </a:p>
-        </p:txBody>
-      </p:sp>
-      <p:sp>
-        <p:nvSpPr>
-          <p:cNvPr id="138" name="TextShape 2"/>
+              <a:t>Computing Statistics in SciDB</a:t>
+            </a:r>
+            <a:endParaRPr/>
+          </a:p>
+        </p:txBody>
+      </p:sp>
+      <p:sp>
+        <p:nvSpPr>
+          <p:cNvPr id="148" name="TextShape 2"/>
           <p:cNvSpPr txBox="1"/>
           <p:nvPr/>
         </p:nvSpPr>
@@ -6370,6 +6149,242 @@
           <a:bodyPr/>
           <a:lstStyle/>
           <a:p>
+            <a:pPr marL="342900" indent="-342900">
+              <a:lnSpc>
+                <a:spcPct val="100000"/>
+              </a:lnSpc>
+              <a:buFont typeface="Wingdings" panose="05000000000000000000" pitchFamily="2" charset="2"/>
+              <a:buChar char="§"/>
+            </a:pPr>
+            <a:r>
+              <a:rPr lang="en-US" sz="2400" dirty="0">
+                <a:solidFill>
+                  <a:srgbClr val="000000"/>
+                </a:solidFill>
+                <a:latin typeface="Calibri"/>
+                <a:ea typeface="Calibri"/>
+              </a:rPr>
+              <a:t>What is the average rating of each user?</a:t>
+            </a:r>
+            <a:br>
+              <a:rPr lang="en-US" sz="2400" dirty="0">
+                <a:solidFill>
+                  <a:srgbClr val="000000"/>
+                </a:solidFill>
+                <a:latin typeface="Calibri"/>
+                <a:ea typeface="Calibri"/>
+              </a:rPr>
+            </a:br>
+            <a:r>
+              <a:rPr lang="en-US" dirty="0">
+                <a:solidFill>
+                  <a:srgbClr val="000000"/>
+                </a:solidFill>
+                <a:latin typeface="Courier New" panose="02070309020205020404" pitchFamily="49" charset="0"/>
+                <a:ea typeface="Calibri"/>
+                <a:cs typeface="Courier New" panose="02070309020205020404" pitchFamily="49" charset="0"/>
+              </a:rPr>
+              <a:t>AFL% aggregate(</a:t>
+            </a:r>
+            <a:r>
+              <a:rPr lang="en-US" dirty="0" err="1">
+                <a:solidFill>
+                  <a:srgbClr val="000000"/>
+                </a:solidFill>
+                <a:latin typeface="Courier New" panose="02070309020205020404" pitchFamily="49" charset="0"/>
+                <a:ea typeface="Calibri"/>
+                <a:cs typeface="Courier New" panose="02070309020205020404" pitchFamily="49" charset="0"/>
+              </a:rPr>
+              <a:t>ratings_matrix</a:t>
+            </a:r>
+            <a:r>
+              <a:rPr lang="en-US" dirty="0">
+                <a:solidFill>
+                  <a:srgbClr val="000000"/>
+                </a:solidFill>
+                <a:latin typeface="Courier New" panose="02070309020205020404" pitchFamily="49" charset="0"/>
+                <a:ea typeface="Calibri"/>
+                <a:cs typeface="Courier New" panose="02070309020205020404" pitchFamily="49" charset="0"/>
+              </a:rPr>
+              <a:t>, </a:t>
+            </a:r>
+            <a:r>
+              <a:rPr lang="en-US" dirty="0" err="1">
+                <a:solidFill>
+                  <a:srgbClr val="000000"/>
+                </a:solidFill>
+                <a:latin typeface="Courier New" panose="02070309020205020404" pitchFamily="49" charset="0"/>
+                <a:ea typeface="Calibri"/>
+                <a:cs typeface="Courier New" panose="02070309020205020404" pitchFamily="49" charset="0"/>
+              </a:rPr>
+              <a:t>avg</a:t>
+            </a:r>
+            <a:r>
+              <a:rPr lang="en-US" dirty="0">
+                <a:solidFill>
+                  <a:srgbClr val="000000"/>
+                </a:solidFill>
+                <a:latin typeface="Courier New" panose="02070309020205020404" pitchFamily="49" charset="0"/>
+                <a:ea typeface="Calibri"/>
+                <a:cs typeface="Courier New" panose="02070309020205020404" pitchFamily="49" charset="0"/>
+              </a:rPr>
+              <a:t>(rating), </a:t>
+            </a:r>
+            <a:r>
+              <a:rPr lang="en-US" dirty="0" err="1">
+                <a:solidFill>
+                  <a:srgbClr val="000000"/>
+                </a:solidFill>
+                <a:latin typeface="Courier New" panose="02070309020205020404" pitchFamily="49" charset="0"/>
+                <a:ea typeface="Calibri"/>
+                <a:cs typeface="Courier New" panose="02070309020205020404" pitchFamily="49" charset="0"/>
+              </a:rPr>
+              <a:t>userId</a:t>
+            </a:r>
+            <a:r>
+              <a:rPr lang="en-US" dirty="0">
+                <a:solidFill>
+                  <a:srgbClr val="000000"/>
+                </a:solidFill>
+                <a:latin typeface="Courier New" panose="02070309020205020404" pitchFamily="49" charset="0"/>
+                <a:ea typeface="Calibri"/>
+                <a:cs typeface="Courier New" panose="02070309020205020404" pitchFamily="49" charset="0"/>
+              </a:rPr>
+              <a:t>)</a:t>
+            </a:r>
+            <a:br>
+              <a:rPr lang="en-US" sz="2400" dirty="0">
+                <a:solidFill>
+                  <a:srgbClr val="000000"/>
+                </a:solidFill>
+                <a:latin typeface="Courier New" panose="02070309020205020404" pitchFamily="49" charset="0"/>
+                <a:ea typeface="Calibri"/>
+                <a:cs typeface="Courier New" panose="02070309020205020404" pitchFamily="49" charset="0"/>
+              </a:rPr>
+            </a:br>
+            <a:br>
+              <a:rPr lang="en-US" sz="2400" dirty="0">
+                <a:solidFill>
+                  <a:srgbClr val="000000"/>
+                </a:solidFill>
+                <a:latin typeface="Calibri"/>
+                <a:ea typeface="Calibri"/>
+              </a:rPr>
+            </a:br>
+            <a:br>
+              <a:rPr lang="en-US" sz="2400" dirty="0">
+                <a:solidFill>
+                  <a:srgbClr val="000000"/>
+                </a:solidFill>
+                <a:latin typeface="Calibri"/>
+                <a:ea typeface="Calibri"/>
+              </a:rPr>
+            </a:br>
+            <a:br>
+              <a:rPr lang="en-US" sz="2400" dirty="0">
+                <a:solidFill>
+                  <a:srgbClr val="000000"/>
+                </a:solidFill>
+                <a:latin typeface="Calibri"/>
+                <a:ea typeface="Calibri"/>
+              </a:rPr>
+            </a:br>
+            <a:br>
+              <a:rPr lang="en-US" sz="2400" dirty="0">
+                <a:solidFill>
+                  <a:srgbClr val="000000"/>
+                </a:solidFill>
+                <a:latin typeface="Calibri"/>
+                <a:ea typeface="Calibri"/>
+              </a:rPr>
+            </a:br>
+            <a:br>
+              <a:rPr lang="en-US" sz="2400" dirty="0">
+                <a:solidFill>
+                  <a:srgbClr val="000000"/>
+                </a:solidFill>
+                <a:latin typeface="Calibri"/>
+                <a:ea typeface="Calibri"/>
+              </a:rPr>
+            </a:br>
+            <a:r>
+              <a:rPr lang="en-US" sz="2400" dirty="0">
+                <a:solidFill>
+                  <a:srgbClr val="000000"/>
+                </a:solidFill>
+                <a:latin typeface="Calibri"/>
+                <a:ea typeface="Calibri"/>
+              </a:rPr>
+              <a:t>
+What is the maximum rating a movie has received?</a:t>
+            </a:r>
+            <a:br>
+              <a:rPr lang="en-US" sz="2400" dirty="0">
+                <a:solidFill>
+                  <a:srgbClr val="000000"/>
+                </a:solidFill>
+                <a:latin typeface="Calibri"/>
+                <a:ea typeface="Calibri"/>
+              </a:rPr>
+            </a:br>
+            <a:r>
+              <a:rPr lang="en-US" dirty="0">
+                <a:solidFill>
+                  <a:srgbClr val="000000"/>
+                </a:solidFill>
+                <a:latin typeface="Courier New" panose="02070309020205020404" pitchFamily="49" charset="0"/>
+                <a:ea typeface="Calibri"/>
+                <a:cs typeface="Courier New" panose="02070309020205020404" pitchFamily="49" charset="0"/>
+              </a:rPr>
+              <a:t>AFL% aggregate(</a:t>
+            </a:r>
+            <a:r>
+              <a:rPr lang="en-US" dirty="0" err="1">
+                <a:solidFill>
+                  <a:srgbClr val="000000"/>
+                </a:solidFill>
+                <a:latin typeface="Courier New" panose="02070309020205020404" pitchFamily="49" charset="0"/>
+                <a:ea typeface="Calibri"/>
+                <a:cs typeface="Courier New" panose="02070309020205020404" pitchFamily="49" charset="0"/>
+              </a:rPr>
+              <a:t>ratings_matrix</a:t>
+            </a:r>
+            <a:r>
+              <a:rPr lang="en-US" dirty="0">
+                <a:solidFill>
+                  <a:srgbClr val="000000"/>
+                </a:solidFill>
+                <a:latin typeface="Courier New" panose="02070309020205020404" pitchFamily="49" charset="0"/>
+                <a:ea typeface="Calibri"/>
+                <a:cs typeface="Courier New" panose="02070309020205020404" pitchFamily="49" charset="0"/>
+              </a:rPr>
+              <a:t>, max(rating), </a:t>
+            </a:r>
+            <a:r>
+              <a:rPr lang="en-US" dirty="0" err="1">
+                <a:solidFill>
+                  <a:srgbClr val="000000"/>
+                </a:solidFill>
+                <a:latin typeface="Courier New" panose="02070309020205020404" pitchFamily="49" charset="0"/>
+                <a:ea typeface="Calibri"/>
+                <a:cs typeface="Courier New" panose="02070309020205020404" pitchFamily="49" charset="0"/>
+              </a:rPr>
+              <a:t>movieID</a:t>
+            </a:r>
+            <a:r>
+              <a:rPr lang="en-US" dirty="0">
+                <a:solidFill>
+                  <a:srgbClr val="000000"/>
+                </a:solidFill>
+                <a:latin typeface="Courier New" panose="02070309020205020404" pitchFamily="49" charset="0"/>
+                <a:ea typeface="Calibri"/>
+                <a:cs typeface="Courier New" panose="02070309020205020404" pitchFamily="49" charset="0"/>
+              </a:rPr>
+              <a:t>)</a:t>
+            </a:r>
+            <a:endParaRPr sz="2400" dirty="0"/>
+          </a:p>
+          <a:p>
             <a:pPr>
               <a:lnSpc>
                 <a:spcPct val="100000"/>
@@ -6377,246 +6392,13 @@
               <a:buFont typeface="Calibri"/>
               <a:buChar char="▪"/>
             </a:pPr>
-            <a:r>
-              <a:rPr lang="en-US" sz="2400" dirty="0">
-                <a:solidFill>
-                  <a:srgbClr val="000000"/>
-                </a:solidFill>
-                <a:latin typeface="Calibri"/>
-                <a:ea typeface="Calibri"/>
-              </a:rPr>
-              <a:t>AQL is the basic </a:t>
-            </a:r>
-            <a:r>
-              <a:rPr lang="en-US" sz="2400" dirty="0" err="1">
-                <a:solidFill>
-                  <a:srgbClr val="000000"/>
-                </a:solidFill>
-                <a:latin typeface="Calibri"/>
-                <a:ea typeface="Calibri"/>
-              </a:rPr>
-              <a:t>SciDB</a:t>
-            </a:r>
-            <a:r>
-              <a:rPr lang="en-US" sz="2400" dirty="0">
-                <a:solidFill>
-                  <a:srgbClr val="000000"/>
-                </a:solidFill>
-                <a:latin typeface="Calibri"/>
-                <a:ea typeface="Calibri"/>
-              </a:rPr>
-              <a:t> query language</a:t>
-            </a:r>
             <a:endParaRPr sz="2400" dirty="0"/>
           </a:p>
-          <a:p>
-            <a:pPr>
-              <a:lnSpc>
-                <a:spcPct val="100000"/>
-              </a:lnSpc>
-              <a:buFont typeface="Calibri"/>
-              <a:buChar char="▪"/>
-            </a:pPr>
-            <a:r>
-              <a:rPr lang="en-US" sz="2400" dirty="0">
-                <a:solidFill>
-                  <a:srgbClr val="000000"/>
-                </a:solidFill>
-                <a:latin typeface="Calibri"/>
-                <a:ea typeface="Calibri"/>
-              </a:rPr>
-              <a:t>AFL is the query language for functions in </a:t>
-            </a:r>
-            <a:r>
-              <a:rPr lang="en-US" sz="2400" dirty="0" err="1">
-                <a:solidFill>
-                  <a:srgbClr val="000000"/>
-                </a:solidFill>
-                <a:latin typeface="Calibri"/>
-                <a:ea typeface="Calibri"/>
-              </a:rPr>
-              <a:t>SciDB</a:t>
-            </a:r>
-            <a:r>
-              <a:rPr lang="en-US" sz="2400" dirty="0">
-                <a:solidFill>
-                  <a:srgbClr val="000000"/>
-                </a:solidFill>
-                <a:latin typeface="Calibri"/>
-                <a:ea typeface="Calibri"/>
-              </a:rPr>
-              <a:t/>
-            </a:r>
-            <a:br>
-              <a:rPr lang="en-US" sz="2400" dirty="0">
-                <a:solidFill>
-                  <a:srgbClr val="000000"/>
-                </a:solidFill>
-                <a:latin typeface="Calibri"/>
-                <a:ea typeface="Calibri"/>
-              </a:rPr>
-            </a:br>
-            <a:r>
-              <a:rPr lang="en-US" sz="2400" dirty="0">
-                <a:solidFill>
-                  <a:srgbClr val="000000"/>
-                </a:solidFill>
-                <a:latin typeface="Calibri"/>
-                <a:ea typeface="Calibri"/>
-              </a:rPr>
-              <a:t/>
-            </a:r>
-            <a:br>
-              <a:rPr lang="en-US" sz="2400" dirty="0">
-                <a:solidFill>
-                  <a:srgbClr val="000000"/>
-                </a:solidFill>
-                <a:latin typeface="Calibri"/>
-                <a:ea typeface="Calibri"/>
-              </a:rPr>
-            </a:br>
-            <a:r>
-              <a:rPr lang="en-US" sz="2400" dirty="0">
-                <a:solidFill>
-                  <a:srgbClr val="000000"/>
-                </a:solidFill>
-                <a:latin typeface="Calibri"/>
-                <a:ea typeface="Calibri"/>
-              </a:rPr>
-              <a:t/>
-            </a:r>
-            <a:br>
-              <a:rPr lang="en-US" sz="2400" dirty="0">
-                <a:solidFill>
-                  <a:srgbClr val="000000"/>
-                </a:solidFill>
-                <a:latin typeface="Calibri"/>
-                <a:ea typeface="Calibri"/>
-              </a:rPr>
-            </a:br>
-            <a:r>
-              <a:rPr lang="en-US" sz="2400" dirty="0">
-                <a:solidFill>
-                  <a:srgbClr val="000000"/>
-                </a:solidFill>
-                <a:latin typeface="Calibri"/>
-                <a:ea typeface="Calibri"/>
-              </a:rPr>
-              <a:t/>
-            </a:r>
-            <a:br>
-              <a:rPr lang="en-US" sz="2400" dirty="0">
-                <a:solidFill>
-                  <a:srgbClr val="000000"/>
-                </a:solidFill>
-                <a:latin typeface="Calibri"/>
-                <a:ea typeface="Calibri"/>
-              </a:rPr>
-            </a:br>
-            <a:r>
-              <a:rPr lang="en-US" sz="2400" dirty="0">
-                <a:solidFill>
-                  <a:srgbClr val="000000"/>
-                </a:solidFill>
-                <a:latin typeface="Calibri"/>
-                <a:ea typeface="Calibri"/>
-              </a:rPr>
-              <a:t/>
-            </a:r>
-            <a:br>
-              <a:rPr lang="en-US" sz="2400" dirty="0">
-                <a:solidFill>
-                  <a:srgbClr val="000000"/>
-                </a:solidFill>
-                <a:latin typeface="Calibri"/>
-                <a:ea typeface="Calibri"/>
-              </a:rPr>
-            </a:br>
-            <a:r>
-              <a:rPr lang="en-US" sz="2400" dirty="0">
-                <a:solidFill>
-                  <a:srgbClr val="000000"/>
-                </a:solidFill>
-                <a:latin typeface="Calibri"/>
-                <a:ea typeface="Calibri"/>
-              </a:rPr>
-              <a:t/>
-            </a:r>
-            <a:br>
-              <a:rPr lang="en-US" sz="2400" dirty="0">
-                <a:solidFill>
-                  <a:srgbClr val="000000"/>
-                </a:solidFill>
-                <a:latin typeface="Calibri"/>
-                <a:ea typeface="Calibri"/>
-              </a:rPr>
-            </a:br>
-            <a:r>
-              <a:rPr lang="en-US" sz="2400" dirty="0">
-                <a:solidFill>
-                  <a:srgbClr val="000000"/>
-                </a:solidFill>
-                <a:latin typeface="Calibri"/>
-                <a:ea typeface="Calibri"/>
-              </a:rPr>
-              <a:t/>
-            </a:r>
-            <a:br>
-              <a:rPr lang="en-US" sz="2400" dirty="0">
-                <a:solidFill>
-                  <a:srgbClr val="000000"/>
-                </a:solidFill>
-                <a:latin typeface="Calibri"/>
-                <a:ea typeface="Calibri"/>
-              </a:rPr>
-            </a:br>
-            <a:endParaRPr sz="2400" dirty="0"/>
-          </a:p>
-          <a:p>
-            <a:pPr>
-              <a:lnSpc>
-                <a:spcPct val="100000"/>
-              </a:lnSpc>
-              <a:buFont typeface="Calibri"/>
-              <a:buChar char="▪"/>
-            </a:pPr>
-            <a:r>
-              <a:rPr lang="en-US" sz="2400" dirty="0">
-                <a:solidFill>
-                  <a:srgbClr val="000000"/>
-                </a:solidFill>
-                <a:latin typeface="Calibri"/>
-                <a:ea typeface="Calibri"/>
-              </a:rPr>
-              <a:t>The </a:t>
-            </a:r>
-            <a:r>
-              <a:rPr lang="en-US" sz="2400" dirty="0" err="1">
-                <a:solidFill>
-                  <a:srgbClr val="000000"/>
-                </a:solidFill>
-                <a:latin typeface="Calibri"/>
-                <a:ea typeface="Calibri"/>
-              </a:rPr>
-              <a:t>scidb</a:t>
-            </a:r>
-            <a:r>
-              <a:rPr lang="en-US" sz="2400" dirty="0">
-                <a:solidFill>
-                  <a:srgbClr val="000000"/>
-                </a:solidFill>
-                <a:latin typeface="Calibri"/>
-                <a:ea typeface="Calibri"/>
-              </a:rPr>
-              <a:t> package provides an interface to R</a:t>
-            </a:r>
-            <a:endParaRPr sz="2400" dirty="0"/>
-          </a:p>
-        </p:txBody>
-      </p:sp>
-      <p:sp>
-        <p:nvSpPr>
-          <p:cNvPr id="139" name="TextShape 3"/>
+        </p:txBody>
+      </p:sp>
+      <p:sp>
+        <p:nvSpPr>
+          <p:cNvPr id="149" name="TextShape 3"/>
           <p:cNvSpPr txBox="1"/>
           <p:nvPr/>
         </p:nvSpPr>
@@ -6654,7 +6436,7 @@
       </p:sp>
       <p:sp>
         <p:nvSpPr>
-          <p:cNvPr id="140" name="TextShape 4"/>
+          <p:cNvPr id="150" name="TextShape 4"/>
           <p:cNvSpPr txBox="1"/>
           <p:nvPr/>
         </p:nvSpPr>
@@ -6676,7 +6458,7 @@
                 <a:spcPct val="100000"/>
               </a:lnSpc>
             </a:pPr>
-            <a:fld id="{28F05ABD-36D7-453D-B9DA-1049EC65DD61}" type="slidenum">
+            <a:fld id="{4D23FEF8-43E8-4BC3-BE2C-633FE9998109}" type="slidenum">
               <a:rPr lang="en-US" sz="1600" b="1">
                 <a:solidFill>
                   <a:srgbClr val="888888"/>
@@ -6692,7 +6474,7 @@
       </p:sp>
       <p:pic>
         <p:nvPicPr>
-          <p:cNvPr id="141" name="Picture 140"/>
+          <p:cNvPr id="151" name="Picture 150"/>
           <p:cNvPicPr/>
           <p:nvPr/>
         </p:nvPicPr>
@@ -6704,8 +6486,8 @@
         </p:blipFill>
         <p:spPr>
           <a:xfrm>
-            <a:off x="2468288" y="2286000"/>
-            <a:ext cx="3392280" cy="914400"/>
+            <a:off x="3251933" y="1752480"/>
+            <a:ext cx="2075760" cy="1828800"/>
           </a:xfrm>
           <a:prstGeom prst="rect">
             <a:avLst/>
@@ -6717,7 +6499,7 @@
       </p:pic>
       <p:pic>
         <p:nvPicPr>
-          <p:cNvPr id="142" name="Picture 141"/>
+          <p:cNvPr id="152" name="Picture 151"/>
           <p:cNvPicPr/>
           <p:nvPr/>
         </p:nvPicPr>
@@ -6729,8 +6511,8 @@
         </p:blipFill>
         <p:spPr>
           <a:xfrm>
-            <a:off x="1541946" y="5122028"/>
-            <a:ext cx="5852160" cy="822960"/>
+            <a:off x="3229073" y="4710060"/>
+            <a:ext cx="2121480" cy="1828800"/>
           </a:xfrm>
           <a:prstGeom prst="rect">
             <a:avLst/>
@@ -6794,7 +6576,7 @@
       </p:grpSpPr>
       <p:sp>
         <p:nvSpPr>
-          <p:cNvPr id="143" name="TextShape 1"/>
+          <p:cNvPr id="153" name="TextShape 1"/>
           <p:cNvSpPr txBox="1"/>
           <p:nvPr/>
         </p:nvSpPr>
@@ -6824,17 +6606,7 @@
                 <a:latin typeface="Calibri"/>
                 <a:ea typeface="Calibri"/>
               </a:rPr>
-              <a:t>Loading Data from CSV File into </a:t>
-            </a:r>
-            <a:r>
-              <a:rPr lang="en-US" sz="3200" dirty="0" err="1">
-                <a:solidFill>
-                  <a:srgbClr val="0070C0"/>
-                </a:solidFill>
-                <a:latin typeface="Calibri"/>
-                <a:ea typeface="Calibri"/>
-              </a:rPr>
-              <a:t>SciDB</a:t>
+              <a:t>Clustering Analysis #1: Based on Correlation</a:t>
             </a:r>
             <a:endParaRPr dirty="0"/>
           </a:p>
@@ -6842,7 +6614,7 @@
       </p:sp>
       <p:sp>
         <p:nvSpPr>
-          <p:cNvPr id="144" name="TextShape 2"/>
+          <p:cNvPr id="154" name="TextShape 2"/>
           <p:cNvSpPr txBox="1"/>
           <p:nvPr/>
         </p:nvSpPr>
@@ -6867,27 +6639,36 @@
               <a:buChar char="§"/>
             </a:pPr>
             <a:r>
-              <a:rPr lang="en-US" sz="2200" b="1" u="sng" dirty="0">
-                <a:solidFill>
-                  <a:srgbClr val="000000"/>
-                </a:solidFill>
-                <a:latin typeface="Calibri"/>
-                <a:ea typeface="Calibri"/>
-              </a:rPr>
-              <a:t>Step 1a</a:t>
-            </a:r>
-            <a:r>
-              <a:rPr lang="en-US" sz="2200" dirty="0">
-                <a:solidFill>
-                  <a:srgbClr val="000000"/>
-                </a:solidFill>
-                <a:latin typeface="Calibri"/>
-                <a:ea typeface="Calibri"/>
-              </a:rPr>
-              <a:t>: Create a 1D array </a:t>
-            </a:r>
-            <a:r>
-              <a:rPr lang="en-US" sz="2200" dirty="0">
+              <a:rPr lang="en-US" sz="2400" dirty="0">
+                <a:solidFill>
+                  <a:srgbClr val="000000"/>
+                </a:solidFill>
+                <a:latin typeface="Calibri"/>
+                <a:ea typeface="Calibri"/>
+              </a:rPr>
+              <a:t>Correlation matrix: M * M</a:t>
+            </a:r>
+            <a:r>
+              <a:rPr lang="en-US" sz="2400" baseline="30000" dirty="0">
+                <a:solidFill>
+                  <a:srgbClr val="000000"/>
+                </a:solidFill>
+                <a:latin typeface="Calibri"/>
+                <a:ea typeface="Calibri"/>
+              </a:rPr>
+              <a:t>T</a:t>
+            </a:r>
+            <a:br>
+              <a:rPr lang="en-US" sz="2400" dirty="0">
+                <a:solidFill>
+                  <a:srgbClr val="000000"/>
+                </a:solidFill>
+                <a:latin typeface="Calibri"/>
+                <a:ea typeface="Calibri"/>
+              </a:rPr>
+            </a:br>
+            <a:r>
+              <a:rPr lang="en-US" dirty="0">
                 <a:solidFill>
                   <a:srgbClr val="000000"/>
                 </a:solidFill>
@@ -6895,46 +6676,19 @@
                 <a:ea typeface="Calibri"/>
                 <a:cs typeface="Courier New" panose="02070309020205020404" pitchFamily="49" charset="0"/>
               </a:rPr>
-              <a:t>ratings</a:t>
-            </a:r>
-            <a:r>
-              <a:rPr lang="en-US" sz="2200" dirty="0">
-                <a:solidFill>
-                  <a:srgbClr val="000000"/>
-                </a:solidFill>
-                <a:latin typeface="Calibri"/>
-                <a:ea typeface="Calibri"/>
-              </a:rPr>
-              <a:t/>
-            </a:r>
-            <a:br>
-              <a:rPr lang="en-US" sz="2200" dirty="0">
-                <a:solidFill>
-                  <a:srgbClr val="000000"/>
-                </a:solidFill>
-                <a:latin typeface="Calibri"/>
-                <a:ea typeface="Calibri"/>
-              </a:rPr>
-            </a:br>
-            <a:r>
-              <a:rPr lang="en-US" sz="2200" dirty="0">
-                <a:solidFill>
-                  <a:srgbClr val="000000"/>
-                </a:solidFill>
-                <a:latin typeface="Calibri"/>
-                <a:ea typeface="Calibri"/>
-              </a:rPr>
-              <a:t/>
-            </a:r>
-            <a:br>
-              <a:rPr lang="en-US" sz="2200" dirty="0">
-                <a:solidFill>
-                  <a:srgbClr val="000000"/>
-                </a:solidFill>
-                <a:latin typeface="Calibri"/>
-                <a:ea typeface="Calibri"/>
-              </a:rPr>
-            </a:br>
+              <a:t>AFL% </a:t>
+            </a:r>
+            <a:r>
+              <a:rPr lang="en-US" dirty="0" err="1">
+                <a:solidFill>
+                  <a:srgbClr val="000000"/>
+                </a:solidFill>
+                <a:latin typeface="Courier New" panose="02070309020205020404" pitchFamily="49" charset="0"/>
+                <a:ea typeface="Calibri"/>
+                <a:cs typeface="Courier New" panose="02070309020205020404" pitchFamily="49" charset="0"/>
+              </a:rPr>
+              <a:t>load_library</a:t>
+            </a:r>
             <a:r>
               <a:rPr lang="en-US" dirty="0">
                 <a:solidFill>
@@ -6944,7 +6698,7 @@
                 <a:ea typeface="Calibri"/>
                 <a:cs typeface="Courier New" panose="02070309020205020404" pitchFamily="49" charset="0"/>
               </a:rPr>
-              <a:t>AFL% CREATE ARRAY ratings &lt;userId:int64, movieID:int64, </a:t>
+              <a:t>('</a:t>
             </a:r>
             <a:r>
               <a:rPr lang="en-US" dirty="0" err="1">
@@ -6955,7 +6709,7 @@
                 <a:ea typeface="Calibri"/>
                 <a:cs typeface="Courier New" panose="02070309020205020404" pitchFamily="49" charset="0"/>
               </a:rPr>
-              <a:t>rating:double</a:t>
+              <a:t>linear_algebra</a:t>
             </a:r>
             <a:r>
               <a:rPr lang="en-US" dirty="0">
@@ -6966,104 +6720,18 @@
                 <a:ea typeface="Calibri"/>
                 <a:cs typeface="Courier New" panose="02070309020205020404" pitchFamily="49" charset="0"/>
               </a:rPr>
-              <a:t> NOT NULL, timestamp:int64&gt; [</a:t>
-            </a:r>
-            <a:r>
-              <a:rPr lang="en-US" dirty="0" err="1">
-                <a:solidFill>
-                  <a:srgbClr val="000000"/>
-                </a:solidFill>
-                <a:latin typeface="Courier New" panose="02070309020205020404" pitchFamily="49" charset="0"/>
-                <a:ea typeface="Calibri"/>
-                <a:cs typeface="Courier New" panose="02070309020205020404" pitchFamily="49" charset="0"/>
-              </a:rPr>
-              <a:t>i</a:t>
-            </a:r>
-            <a:r>
-              <a:rPr lang="en-US" dirty="0">
-                <a:solidFill>
-                  <a:srgbClr val="000000"/>
-                </a:solidFill>
-                <a:latin typeface="Courier New" panose="02070309020205020404" pitchFamily="49" charset="0"/>
-                <a:ea typeface="Calibri"/>
-                <a:cs typeface="Courier New" panose="02070309020205020404" pitchFamily="49" charset="0"/>
-              </a:rPr>
-              <a:t>=0:?,1000000,0];</a:t>
-            </a:r>
-            <a:r>
-              <a:rPr lang="en-US" dirty="0">
-                <a:latin typeface="Courier New" panose="02070309020205020404" pitchFamily="49" charset="0"/>
-                <a:cs typeface="Courier New" panose="02070309020205020404" pitchFamily="49" charset="0"/>
-              </a:rPr>
-              <a:t/>
+              <a:t>')</a:t>
             </a:r>
             <a:br>
               <a:rPr lang="en-US" dirty="0">
+                <a:solidFill>
+                  <a:srgbClr val="000000"/>
+                </a:solidFill>
                 <a:latin typeface="Courier New" panose="02070309020205020404" pitchFamily="49" charset="0"/>
+                <a:ea typeface="Calibri"/>
                 <a:cs typeface="Courier New" panose="02070309020205020404" pitchFamily="49" charset="0"/>
               </a:rPr>
             </a:br>
-            <a:endParaRPr lang="en-US" dirty="0">
-              <a:latin typeface="Courier New" panose="02070309020205020404" pitchFamily="49" charset="0"/>
-              <a:cs typeface="Courier New" panose="02070309020205020404" pitchFamily="49" charset="0"/>
-            </a:endParaRPr>
-          </a:p>
-          <a:p>
-            <a:pPr marL="285750" indent="-285750">
-              <a:lnSpc>
-                <a:spcPct val="100000"/>
-              </a:lnSpc>
-              <a:buFont typeface="Wingdings" panose="05000000000000000000" pitchFamily="2" charset="2"/>
-              <a:buChar char="§"/>
-            </a:pPr>
-            <a:r>
-              <a:rPr lang="en-US" sz="2200" b="1" u="sng" dirty="0">
-                <a:solidFill>
-                  <a:srgbClr val="000000"/>
-                </a:solidFill>
-                <a:latin typeface="Calibri"/>
-                <a:ea typeface="Calibri"/>
-              </a:rPr>
-              <a:t>Step 1b</a:t>
-            </a:r>
-            <a:r>
-              <a:rPr lang="en-US" sz="2200" dirty="0">
-                <a:solidFill>
-                  <a:srgbClr val="000000"/>
-                </a:solidFill>
-                <a:latin typeface="Calibri"/>
-                <a:ea typeface="Calibri"/>
-              </a:rPr>
-              <a:t>: Load from CSV into array</a:t>
-            </a:r>
-            <a:br>
-              <a:rPr lang="en-US" sz="2200" dirty="0">
-                <a:solidFill>
-                  <a:srgbClr val="000000"/>
-                </a:solidFill>
-                <a:latin typeface="Calibri"/>
-                <a:ea typeface="Calibri"/>
-              </a:rPr>
-            </a:br>
-            <a:r>
-              <a:rPr lang="en-US" sz="2200" dirty="0">
-                <a:solidFill>
-                  <a:srgbClr val="000000"/>
-                </a:solidFill>
-                <a:latin typeface="Calibri"/>
-                <a:ea typeface="Calibri"/>
-              </a:rPr>
-              <a:t/>
-            </a:r>
-            <a:br>
-              <a:rPr lang="en-US" sz="2200" dirty="0">
-                <a:solidFill>
-                  <a:srgbClr val="000000"/>
-                </a:solidFill>
-                <a:latin typeface="Calibri"/>
-                <a:ea typeface="Calibri"/>
-              </a:rPr>
-            </a:br>
             <a:r>
               <a:rPr lang="en-US" dirty="0">
                 <a:solidFill>
@@ -7073,249 +6741,73 @@
                 <a:ea typeface="Calibri"/>
                 <a:cs typeface="Courier New" panose="02070309020205020404" pitchFamily="49" charset="0"/>
               </a:rPr>
-              <a:t>AFL% load(ratings, 'ratings_noHeader.csv', -2, 'csv');</a:t>
+              <a:t>AFL% </a:t>
+            </a:r>
+            <a:r>
+              <a:rPr lang="en-US" dirty="0" err="1">
+                <a:solidFill>
+                  <a:srgbClr val="000000"/>
+                </a:solidFill>
+                <a:latin typeface="Courier New" panose="02070309020205020404" pitchFamily="49" charset="0"/>
+                <a:ea typeface="Calibri"/>
+                <a:cs typeface="Courier New" panose="02070309020205020404" pitchFamily="49" charset="0"/>
+              </a:rPr>
+              <a:t>spgemm</a:t>
             </a:r>
             <a:r>
               <a:rPr lang="en-US" dirty="0">
                 <a:solidFill>
                   <a:srgbClr val="000000"/>
                 </a:solidFill>
-                <a:latin typeface="Calibri"/>
-                <a:ea typeface="Calibri"/>
-              </a:rPr>
-              <a:t/>
-            </a:r>
-            <a:br>
+                <a:latin typeface="Courier New" panose="02070309020205020404" pitchFamily="49" charset="0"/>
+                <a:ea typeface="Calibri"/>
+                <a:cs typeface="Courier New" panose="02070309020205020404" pitchFamily="49" charset="0"/>
+              </a:rPr>
+              <a:t>(</a:t>
+            </a:r>
+            <a:r>
+              <a:rPr lang="en-US" dirty="0" err="1">
+                <a:solidFill>
+                  <a:srgbClr val="000000"/>
+                </a:solidFill>
+                <a:latin typeface="Courier New" panose="02070309020205020404" pitchFamily="49" charset="0"/>
+                <a:ea typeface="Calibri"/>
+                <a:cs typeface="Courier New" panose="02070309020205020404" pitchFamily="49" charset="0"/>
+              </a:rPr>
+              <a:t>ratings_matrix</a:t>
+            </a:r>
+            <a:r>
               <a:rPr lang="en-US" dirty="0">
                 <a:solidFill>
                   <a:srgbClr val="000000"/>
                 </a:solidFill>
-                <a:latin typeface="Calibri"/>
-                <a:ea typeface="Calibri"/>
-              </a:rPr>
-            </a:br>
+                <a:latin typeface="Courier New" panose="02070309020205020404" pitchFamily="49" charset="0"/>
+                <a:ea typeface="Calibri"/>
+                <a:cs typeface="Courier New" panose="02070309020205020404" pitchFamily="49" charset="0"/>
+              </a:rPr>
+              <a:t>, transpose(</a:t>
+            </a:r>
+            <a:r>
+              <a:rPr lang="en-US" dirty="0" err="1">
+                <a:solidFill>
+                  <a:srgbClr val="000000"/>
+                </a:solidFill>
+                <a:latin typeface="Courier New" panose="02070309020205020404" pitchFamily="49" charset="0"/>
+                <a:ea typeface="Calibri"/>
+                <a:cs typeface="Courier New" panose="02070309020205020404" pitchFamily="49" charset="0"/>
+              </a:rPr>
+              <a:t>ratings_matrix</a:t>
+            </a:r>
             <a:r>
               <a:rPr lang="en-US" dirty="0">
                 <a:solidFill>
                   <a:srgbClr val="000000"/>
                 </a:solidFill>
-                <a:latin typeface="Calibri"/>
-                <a:ea typeface="Calibri"/>
-              </a:rPr>
-              <a:t/>
-            </a:r>
-            <a:br>
-              <a:rPr lang="en-US" dirty="0">
-                <a:solidFill>
-                  <a:srgbClr val="000000"/>
-                </a:solidFill>
-                <a:latin typeface="Calibri"/>
-                <a:ea typeface="Calibri"/>
-              </a:rPr>
-            </a:br>
-            <a:endParaRPr lang="en-US" dirty="0">
-              <a:solidFill>
-                <a:srgbClr val="000000"/>
-              </a:solidFill>
-              <a:latin typeface="Calibri"/>
-              <a:ea typeface="Calibri"/>
-            </a:endParaRPr>
-          </a:p>
-          <a:p>
-            <a:pPr marL="285750" indent="-285750">
-              <a:lnSpc>
-                <a:spcPct val="100000"/>
-              </a:lnSpc>
-              <a:buFont typeface="Wingdings" panose="05000000000000000000" pitchFamily="2" charset="2"/>
-              <a:buChar char="§"/>
-            </a:pPr>
-            <a:r>
-              <a:rPr lang="en-US" sz="2200" b="1" u="sng" dirty="0">
-                <a:solidFill>
-                  <a:srgbClr val="000000"/>
-                </a:solidFill>
-                <a:latin typeface="Calibri"/>
-                <a:ea typeface="Calibri"/>
-              </a:rPr>
-              <a:t>Step 2</a:t>
-            </a:r>
-            <a:r>
-              <a:rPr lang="en-US" sz="2200" dirty="0">
-                <a:solidFill>
-                  <a:srgbClr val="000000"/>
-                </a:solidFill>
-                <a:latin typeface="Calibri"/>
-                <a:ea typeface="Calibri"/>
-              </a:rPr>
-              <a:t>: </a:t>
-            </a:r>
-            <a:r>
-              <a:rPr lang="en-US" sz="2200" dirty="0" err="1">
-                <a:solidFill>
-                  <a:srgbClr val="000000"/>
-                </a:solidFill>
-                <a:latin typeface="Calibri"/>
-                <a:ea typeface="Calibri"/>
-              </a:rPr>
-              <a:t>Redimension</a:t>
-            </a:r>
-            <a:r>
-              <a:rPr lang="en-US" sz="2200" dirty="0">
-                <a:solidFill>
-                  <a:srgbClr val="000000"/>
-                </a:solidFill>
-                <a:latin typeface="Calibri"/>
-                <a:ea typeface="Calibri"/>
-              </a:rPr>
-              <a:t> from 1D to 2D array </a:t>
-            </a:r>
-            <a:r>
-              <a:rPr lang="en-US" sz="2200" dirty="0" err="1">
-                <a:solidFill>
-                  <a:srgbClr val="000000"/>
-                </a:solidFill>
                 <a:latin typeface="Courier New" panose="02070309020205020404" pitchFamily="49" charset="0"/>
                 <a:ea typeface="Calibri"/>
                 <a:cs typeface="Courier New" panose="02070309020205020404" pitchFamily="49" charset="0"/>
               </a:rPr>
-              <a:t>ratings_matrix</a:t>
-            </a:r>
-            <a:r>
-              <a:rPr lang="en-US" sz="2200" dirty="0">
-                <a:solidFill>
-                  <a:srgbClr val="000000"/>
-                </a:solidFill>
-                <a:latin typeface="Calibri"/>
-                <a:ea typeface="Calibri"/>
-              </a:rPr>
-              <a:t/>
-            </a:r>
-            <a:br>
-              <a:rPr lang="en-US" sz="2200" dirty="0">
-                <a:solidFill>
-                  <a:srgbClr val="000000"/>
-                </a:solidFill>
-                <a:latin typeface="Calibri"/>
-                <a:ea typeface="Calibri"/>
-              </a:rPr>
-            </a:br>
-            <a:r>
-              <a:rPr lang="en-US" sz="2200" dirty="0">
-                <a:solidFill>
-                  <a:srgbClr val="000000"/>
-                </a:solidFill>
-                <a:latin typeface="Calibri"/>
-                <a:ea typeface="Calibri"/>
-              </a:rPr>
-              <a:t/>
-            </a:r>
-            <a:br>
-              <a:rPr lang="en-US" sz="2200" dirty="0">
-                <a:solidFill>
-                  <a:srgbClr val="000000"/>
-                </a:solidFill>
-                <a:latin typeface="Calibri"/>
-                <a:ea typeface="Calibri"/>
-              </a:rPr>
-            </a:br>
-            <a:r>
-              <a:rPr lang="en-US" dirty="0">
-                <a:solidFill>
-                  <a:srgbClr val="000000"/>
-                </a:solidFill>
-                <a:latin typeface="Courier New" panose="02070309020205020404" pitchFamily="49" charset="0"/>
-                <a:ea typeface="Calibri"/>
-                <a:cs typeface="Courier New" panose="02070309020205020404" pitchFamily="49" charset="0"/>
-              </a:rPr>
-              <a:t>AFL% store(</a:t>
-            </a:r>
-            <a:r>
-              <a:rPr lang="en-US" dirty="0" err="1">
-                <a:solidFill>
-                  <a:srgbClr val="000000"/>
-                </a:solidFill>
-                <a:latin typeface="Courier New" panose="02070309020205020404" pitchFamily="49" charset="0"/>
-                <a:ea typeface="Calibri"/>
-                <a:cs typeface="Courier New" panose="02070309020205020404" pitchFamily="49" charset="0"/>
-              </a:rPr>
-              <a:t>redimension</a:t>
-            </a:r>
-            <a:r>
-              <a:rPr lang="en-US" dirty="0">
-                <a:solidFill>
-                  <a:srgbClr val="000000"/>
-                </a:solidFill>
-                <a:latin typeface="Courier New" panose="02070309020205020404" pitchFamily="49" charset="0"/>
-                <a:ea typeface="Calibri"/>
-                <a:cs typeface="Courier New" panose="02070309020205020404" pitchFamily="49" charset="0"/>
-              </a:rPr>
-              <a:t>(ratings, &lt;</a:t>
-            </a:r>
-            <a:r>
-              <a:rPr lang="en-US" dirty="0" err="1">
-                <a:solidFill>
-                  <a:srgbClr val="000000"/>
-                </a:solidFill>
-                <a:latin typeface="Courier New" panose="02070309020205020404" pitchFamily="49" charset="0"/>
-                <a:ea typeface="Calibri"/>
-                <a:cs typeface="Courier New" panose="02070309020205020404" pitchFamily="49" charset="0"/>
-              </a:rPr>
-              <a:t>rating:double</a:t>
-            </a:r>
-            <a:r>
-              <a:rPr lang="en-US" dirty="0">
-                <a:solidFill>
-                  <a:srgbClr val="000000"/>
-                </a:solidFill>
-                <a:latin typeface="Courier New" panose="02070309020205020404" pitchFamily="49" charset="0"/>
-                <a:ea typeface="Calibri"/>
-                <a:cs typeface="Courier New" panose="02070309020205020404" pitchFamily="49" charset="0"/>
-              </a:rPr>
-              <a:t> NOT NULL&gt;[</a:t>
-            </a:r>
-            <a:r>
-              <a:rPr lang="en-US" dirty="0" err="1">
-                <a:solidFill>
-                  <a:srgbClr val="000000"/>
-                </a:solidFill>
-                <a:latin typeface="Courier New" panose="02070309020205020404" pitchFamily="49" charset="0"/>
-                <a:ea typeface="Calibri"/>
-                <a:cs typeface="Courier New" panose="02070309020205020404" pitchFamily="49" charset="0"/>
-              </a:rPr>
-              <a:t>userId</a:t>
-            </a:r>
-            <a:r>
-              <a:rPr lang="en-US" dirty="0">
-                <a:solidFill>
-                  <a:srgbClr val="000000"/>
-                </a:solidFill>
-                <a:latin typeface="Courier New" panose="02070309020205020404" pitchFamily="49" charset="0"/>
-                <a:ea typeface="Calibri"/>
-                <a:cs typeface="Courier New" panose="02070309020205020404" pitchFamily="49" charset="0"/>
-              </a:rPr>
-              <a:t>=0:671,?,0,movieID=0:163949,?,0]), </a:t>
-            </a:r>
-            <a:r>
-              <a:rPr lang="en-US" dirty="0" err="1">
-                <a:solidFill>
-                  <a:srgbClr val="000000"/>
-                </a:solidFill>
-                <a:latin typeface="Courier New" panose="02070309020205020404" pitchFamily="49" charset="0"/>
-                <a:ea typeface="Calibri"/>
-                <a:cs typeface="Courier New" panose="02070309020205020404" pitchFamily="49" charset="0"/>
-              </a:rPr>
-              <a:t>ratings_matrix</a:t>
-            </a:r>
-            <a:r>
-              <a:rPr lang="en-US" dirty="0">
-                <a:solidFill>
-                  <a:srgbClr val="000000"/>
-                </a:solidFill>
-                <a:latin typeface="Courier New" panose="02070309020205020404" pitchFamily="49" charset="0"/>
-                <a:ea typeface="Calibri"/>
-                <a:cs typeface="Courier New" panose="02070309020205020404" pitchFamily="49" charset="0"/>
-              </a:rPr>
-              <a:t>);</a:t>
+              <a:t>))</a:t>
             </a:r>
             <a:endParaRPr dirty="0">
               <a:latin typeface="Courier New" panose="02070309020205020404" pitchFamily="49" charset="0"/>
@@ -7328,7 +6820,7 @@
                 <a:spcPct val="100000"/>
               </a:lnSpc>
             </a:pPr>
-            <a:endParaRPr sz="2200" dirty="0"/>
+            <a:endParaRPr dirty="0"/>
           </a:p>
           <a:p>
             <a:pPr>
@@ -7338,13 +6830,13 @@
               <a:buFont typeface="Calibri"/>
               <a:buChar char="▪"/>
             </a:pPr>
-            <a:endParaRPr sz="2200" dirty="0"/>
-          </a:p>
-        </p:txBody>
-      </p:sp>
-      <p:sp>
-        <p:nvSpPr>
-          <p:cNvPr id="145" name="TextShape 3"/>
+            <a:endParaRPr dirty="0"/>
+          </a:p>
+        </p:txBody>
+      </p:sp>
+      <p:sp>
+        <p:nvSpPr>
+          <p:cNvPr id="155" name="TextShape 3"/>
           <p:cNvSpPr txBox="1"/>
           <p:nvPr/>
         </p:nvSpPr>
@@ -7382,7 +6874,7 @@
       </p:sp>
       <p:sp>
         <p:nvSpPr>
-          <p:cNvPr id="146" name="TextShape 4"/>
+          <p:cNvPr id="156" name="TextShape 4"/>
           <p:cNvSpPr txBox="1"/>
           <p:nvPr/>
         </p:nvSpPr>
@@ -7404,7 +6896,7 @@
                 <a:spcPct val="100000"/>
               </a:lnSpc>
             </a:pPr>
-            <a:fld id="{195EEE33-5A7A-48E9-B9FD-BE393BECDE84}" type="slidenum">
+            <a:fld id="{53DD6B85-1B38-40A7-890D-8E68915EAEB1}" type="slidenum">
               <a:rPr lang="en-US" sz="1600" b="1">
                 <a:solidFill>
                   <a:srgbClr val="888888"/>
@@ -7418,6 +6910,31 @@
           </a:p>
         </p:txBody>
       </p:sp>
+      <p:pic>
+        <p:nvPicPr>
+          <p:cNvPr id="157" name="Picture 156"/>
+          <p:cNvPicPr/>
+          <p:nvPr/>
+        </p:nvPicPr>
+        <p:blipFill>
+          <a:blip r:embed="rId2"/>
+          <a:stretch>
+            <a:fillRect/>
+          </a:stretch>
+        </p:blipFill>
+        <p:spPr>
+          <a:xfrm>
+            <a:off x="1600200" y="2149200"/>
+            <a:ext cx="5715000" cy="4572000"/>
+          </a:xfrm>
+          <a:prstGeom prst="rect">
+            <a:avLst/>
+          </a:prstGeom>
+          <a:ln>
+            <a:noFill/>
+          </a:ln>
+        </p:spPr>
+      </p:pic>
     </p:spTree>
   </p:cSld>
   <p:clrMapOvr>
@@ -7470,451 +6987,12 @@
           <a:chExt cx="0" cy="0"/>
         </a:xfrm>
       </p:grpSpPr>
-      <p:sp>
-        <p:nvSpPr>
-          <p:cNvPr id="147" name="TextShape 1"/>
-          <p:cNvSpPr txBox="1"/>
-          <p:nvPr/>
-        </p:nvSpPr>
-        <p:spPr>
-          <a:xfrm>
-            <a:off x="457200" y="120600"/>
-            <a:ext cx="8229240" cy="715680"/>
-          </a:xfrm>
-          <a:prstGeom prst="rect">
-            <a:avLst/>
-          </a:prstGeom>
-        </p:spPr>
-        <p:txBody>
-          <a:bodyPr anchor="ctr"/>
-          <a:lstStyle/>
-          <a:p>
-            <a:pPr algn="ctr">
-              <a:lnSpc>
-                <a:spcPct val="100000"/>
-              </a:lnSpc>
-            </a:pPr>
-            <a:r>
-              <a:rPr lang="en-US" sz="3200">
-                <a:solidFill>
-                  <a:srgbClr val="0070C0"/>
-                </a:solidFill>
-                <a:latin typeface="Calibri"/>
-                <a:ea typeface="Calibri"/>
-              </a:rPr>
-              <a:t>Computing Statistics in SciDB</a:t>
-            </a:r>
-            <a:endParaRPr/>
-          </a:p>
-        </p:txBody>
-      </p:sp>
-      <p:sp>
-        <p:nvSpPr>
-          <p:cNvPr id="148" name="TextShape 2"/>
-          <p:cNvSpPr txBox="1"/>
-          <p:nvPr/>
-        </p:nvSpPr>
-        <p:spPr>
-          <a:xfrm>
-            <a:off x="457200" y="914400"/>
-            <a:ext cx="8229240" cy="5333760"/>
-          </a:xfrm>
-          <a:prstGeom prst="rect">
-            <a:avLst/>
-          </a:prstGeom>
-        </p:spPr>
-        <p:txBody>
-          <a:bodyPr/>
-          <a:lstStyle/>
-          <a:p>
-            <a:pPr marL="342900" indent="-342900">
-              <a:lnSpc>
-                <a:spcPct val="100000"/>
-              </a:lnSpc>
-              <a:buFont typeface="Wingdings" panose="05000000000000000000" pitchFamily="2" charset="2"/>
-              <a:buChar char="§"/>
-            </a:pPr>
-            <a:r>
-              <a:rPr lang="en-US" sz="2400" dirty="0">
-                <a:solidFill>
-                  <a:srgbClr val="000000"/>
-                </a:solidFill>
-                <a:latin typeface="Calibri"/>
-                <a:ea typeface="Calibri"/>
-              </a:rPr>
-              <a:t>What is the average rating of each user?</a:t>
-            </a:r>
-            <a:br>
-              <a:rPr lang="en-US" sz="2400" dirty="0">
-                <a:solidFill>
-                  <a:srgbClr val="000000"/>
-                </a:solidFill>
-                <a:latin typeface="Calibri"/>
-                <a:ea typeface="Calibri"/>
-              </a:rPr>
-            </a:br>
-            <a:r>
-              <a:rPr lang="en-US" dirty="0">
-                <a:solidFill>
-                  <a:srgbClr val="000000"/>
-                </a:solidFill>
-                <a:latin typeface="Courier New" panose="02070309020205020404" pitchFamily="49" charset="0"/>
-                <a:ea typeface="Calibri"/>
-                <a:cs typeface="Courier New" panose="02070309020205020404" pitchFamily="49" charset="0"/>
-              </a:rPr>
-              <a:t>AFL% aggregate(</a:t>
-            </a:r>
-            <a:r>
-              <a:rPr lang="en-US" dirty="0" err="1">
-                <a:solidFill>
-                  <a:srgbClr val="000000"/>
-                </a:solidFill>
-                <a:latin typeface="Courier New" panose="02070309020205020404" pitchFamily="49" charset="0"/>
-                <a:ea typeface="Calibri"/>
-                <a:cs typeface="Courier New" panose="02070309020205020404" pitchFamily="49" charset="0"/>
-              </a:rPr>
-              <a:t>ratings_matrix</a:t>
-            </a:r>
-            <a:r>
-              <a:rPr lang="en-US" dirty="0">
-                <a:solidFill>
-                  <a:srgbClr val="000000"/>
-                </a:solidFill>
-                <a:latin typeface="Courier New" panose="02070309020205020404" pitchFamily="49" charset="0"/>
-                <a:ea typeface="Calibri"/>
-                <a:cs typeface="Courier New" panose="02070309020205020404" pitchFamily="49" charset="0"/>
-              </a:rPr>
-              <a:t>, </a:t>
-            </a:r>
-            <a:r>
-              <a:rPr lang="en-US" dirty="0" err="1">
-                <a:solidFill>
-                  <a:srgbClr val="000000"/>
-                </a:solidFill>
-                <a:latin typeface="Courier New" panose="02070309020205020404" pitchFamily="49" charset="0"/>
-                <a:ea typeface="Calibri"/>
-                <a:cs typeface="Courier New" panose="02070309020205020404" pitchFamily="49" charset="0"/>
-              </a:rPr>
-              <a:t>avg</a:t>
-            </a:r>
-            <a:r>
-              <a:rPr lang="en-US" dirty="0">
-                <a:solidFill>
-                  <a:srgbClr val="000000"/>
-                </a:solidFill>
-                <a:latin typeface="Courier New" panose="02070309020205020404" pitchFamily="49" charset="0"/>
-                <a:ea typeface="Calibri"/>
-                <a:cs typeface="Courier New" panose="02070309020205020404" pitchFamily="49" charset="0"/>
-              </a:rPr>
-              <a:t>(rating), </a:t>
-            </a:r>
-            <a:r>
-              <a:rPr lang="en-US" dirty="0" err="1">
-                <a:solidFill>
-                  <a:srgbClr val="000000"/>
-                </a:solidFill>
-                <a:latin typeface="Courier New" panose="02070309020205020404" pitchFamily="49" charset="0"/>
-                <a:ea typeface="Calibri"/>
-                <a:cs typeface="Courier New" panose="02070309020205020404" pitchFamily="49" charset="0"/>
-              </a:rPr>
-              <a:t>userId</a:t>
-            </a:r>
-            <a:r>
-              <a:rPr lang="en-US" dirty="0">
-                <a:solidFill>
-                  <a:srgbClr val="000000"/>
-                </a:solidFill>
-                <a:latin typeface="Courier New" panose="02070309020205020404" pitchFamily="49" charset="0"/>
-                <a:ea typeface="Calibri"/>
-                <a:cs typeface="Courier New" panose="02070309020205020404" pitchFamily="49" charset="0"/>
-              </a:rPr>
-              <a:t>)</a:t>
-            </a:r>
-            <a:r>
-              <a:rPr lang="en-US" sz="2400" dirty="0">
-                <a:solidFill>
-                  <a:srgbClr val="000000"/>
-                </a:solidFill>
-                <a:latin typeface="Courier New" panose="02070309020205020404" pitchFamily="49" charset="0"/>
-                <a:ea typeface="Calibri"/>
-                <a:cs typeface="Courier New" panose="02070309020205020404" pitchFamily="49" charset="0"/>
-              </a:rPr>
-              <a:t/>
-            </a:r>
-            <a:br>
-              <a:rPr lang="en-US" sz="2400" dirty="0">
-                <a:solidFill>
-                  <a:srgbClr val="000000"/>
-                </a:solidFill>
-                <a:latin typeface="Courier New" panose="02070309020205020404" pitchFamily="49" charset="0"/>
-                <a:ea typeface="Calibri"/>
-                <a:cs typeface="Courier New" panose="02070309020205020404" pitchFamily="49" charset="0"/>
-              </a:rPr>
-            </a:br>
-            <a:r>
-              <a:rPr lang="en-US" sz="2400" dirty="0">
-                <a:solidFill>
-                  <a:srgbClr val="000000"/>
-                </a:solidFill>
-                <a:latin typeface="Calibri"/>
-                <a:ea typeface="Calibri"/>
-              </a:rPr>
-              <a:t/>
-            </a:r>
-            <a:br>
-              <a:rPr lang="en-US" sz="2400" dirty="0">
-                <a:solidFill>
-                  <a:srgbClr val="000000"/>
-                </a:solidFill>
-                <a:latin typeface="Calibri"/>
-                <a:ea typeface="Calibri"/>
-              </a:rPr>
-            </a:br>
-            <a:r>
-              <a:rPr lang="en-US" sz="2400" dirty="0">
-                <a:solidFill>
-                  <a:srgbClr val="000000"/>
-                </a:solidFill>
-                <a:latin typeface="Calibri"/>
-                <a:ea typeface="Calibri"/>
-              </a:rPr>
-              <a:t/>
-            </a:r>
-            <a:br>
-              <a:rPr lang="en-US" sz="2400" dirty="0">
-                <a:solidFill>
-                  <a:srgbClr val="000000"/>
-                </a:solidFill>
-                <a:latin typeface="Calibri"/>
-                <a:ea typeface="Calibri"/>
-              </a:rPr>
-            </a:br>
-            <a:r>
-              <a:rPr lang="en-US" sz="2400" dirty="0">
-                <a:solidFill>
-                  <a:srgbClr val="000000"/>
-                </a:solidFill>
-                <a:latin typeface="Calibri"/>
-                <a:ea typeface="Calibri"/>
-              </a:rPr>
-              <a:t/>
-            </a:r>
-            <a:br>
-              <a:rPr lang="en-US" sz="2400" dirty="0">
-                <a:solidFill>
-                  <a:srgbClr val="000000"/>
-                </a:solidFill>
-                <a:latin typeface="Calibri"/>
-                <a:ea typeface="Calibri"/>
-              </a:rPr>
-            </a:br>
-            <a:r>
-              <a:rPr lang="en-US" sz="2400" dirty="0">
-                <a:solidFill>
-                  <a:srgbClr val="000000"/>
-                </a:solidFill>
-                <a:latin typeface="Calibri"/>
-                <a:ea typeface="Calibri"/>
-              </a:rPr>
-              <a:t/>
-            </a:r>
-            <a:br>
-              <a:rPr lang="en-US" sz="2400" dirty="0">
-                <a:solidFill>
-                  <a:srgbClr val="000000"/>
-                </a:solidFill>
-                <a:latin typeface="Calibri"/>
-                <a:ea typeface="Calibri"/>
-              </a:rPr>
-            </a:br>
-            <a:r>
-              <a:rPr lang="en-US" sz="2400" dirty="0">
-                <a:solidFill>
-                  <a:srgbClr val="000000"/>
-                </a:solidFill>
-                <a:latin typeface="Calibri"/>
-                <a:ea typeface="Calibri"/>
-              </a:rPr>
-              <a:t/>
-            </a:r>
-            <a:br>
-              <a:rPr lang="en-US" sz="2400" dirty="0">
-                <a:solidFill>
-                  <a:srgbClr val="000000"/>
-                </a:solidFill>
-                <a:latin typeface="Calibri"/>
-                <a:ea typeface="Calibri"/>
-              </a:rPr>
-            </a:br>
-            <a:r>
-              <a:rPr lang="en-US" sz="2400" dirty="0">
-                <a:solidFill>
-                  <a:srgbClr val="000000"/>
-                </a:solidFill>
-                <a:latin typeface="Calibri"/>
-                <a:ea typeface="Calibri"/>
-              </a:rPr>
-              <a:t>
-What is the maximum rating a movie has received?</a:t>
-            </a:r>
-            <a:br>
-              <a:rPr lang="en-US" sz="2400" dirty="0">
-                <a:solidFill>
-                  <a:srgbClr val="000000"/>
-                </a:solidFill>
-                <a:latin typeface="Calibri"/>
-                <a:ea typeface="Calibri"/>
-              </a:rPr>
-            </a:br>
-            <a:r>
-              <a:rPr lang="en-US" dirty="0">
-                <a:solidFill>
-                  <a:srgbClr val="000000"/>
-                </a:solidFill>
-                <a:latin typeface="Courier New" panose="02070309020205020404" pitchFamily="49" charset="0"/>
-                <a:ea typeface="Calibri"/>
-                <a:cs typeface="Courier New" panose="02070309020205020404" pitchFamily="49" charset="0"/>
-              </a:rPr>
-              <a:t>AFL% aggregate(</a:t>
-            </a:r>
-            <a:r>
-              <a:rPr lang="en-US" dirty="0" err="1">
-                <a:solidFill>
-                  <a:srgbClr val="000000"/>
-                </a:solidFill>
-                <a:latin typeface="Courier New" panose="02070309020205020404" pitchFamily="49" charset="0"/>
-                <a:ea typeface="Calibri"/>
-                <a:cs typeface="Courier New" panose="02070309020205020404" pitchFamily="49" charset="0"/>
-              </a:rPr>
-              <a:t>ratings_matrix</a:t>
-            </a:r>
-            <a:r>
-              <a:rPr lang="en-US" dirty="0">
-                <a:solidFill>
-                  <a:srgbClr val="000000"/>
-                </a:solidFill>
-                <a:latin typeface="Courier New" panose="02070309020205020404" pitchFamily="49" charset="0"/>
-                <a:ea typeface="Calibri"/>
-                <a:cs typeface="Courier New" panose="02070309020205020404" pitchFamily="49" charset="0"/>
-              </a:rPr>
-              <a:t>, max(rating), </a:t>
-            </a:r>
-            <a:r>
-              <a:rPr lang="en-US" dirty="0" err="1">
-                <a:solidFill>
-                  <a:srgbClr val="000000"/>
-                </a:solidFill>
-                <a:latin typeface="Courier New" panose="02070309020205020404" pitchFamily="49" charset="0"/>
-                <a:ea typeface="Calibri"/>
-                <a:cs typeface="Courier New" panose="02070309020205020404" pitchFamily="49" charset="0"/>
-              </a:rPr>
-              <a:t>movieID</a:t>
-            </a:r>
-            <a:r>
-              <a:rPr lang="en-US" dirty="0">
-                <a:solidFill>
-                  <a:srgbClr val="000000"/>
-                </a:solidFill>
-                <a:latin typeface="Courier New" panose="02070309020205020404" pitchFamily="49" charset="0"/>
-                <a:ea typeface="Calibri"/>
-                <a:cs typeface="Courier New" panose="02070309020205020404" pitchFamily="49" charset="0"/>
-              </a:rPr>
-              <a:t>)</a:t>
-            </a:r>
-            <a:endParaRPr sz="2400" dirty="0"/>
-          </a:p>
-          <a:p>
-            <a:pPr>
-              <a:lnSpc>
-                <a:spcPct val="100000"/>
-              </a:lnSpc>
-              <a:buFont typeface="Calibri"/>
-              <a:buChar char="▪"/>
-            </a:pPr>
-            <a:endParaRPr sz="2400" dirty="0"/>
-          </a:p>
-        </p:txBody>
-      </p:sp>
-      <p:sp>
-        <p:nvSpPr>
-          <p:cNvPr id="149" name="TextShape 3"/>
-          <p:cNvSpPr txBox="1"/>
-          <p:nvPr/>
-        </p:nvSpPr>
-        <p:spPr>
-          <a:xfrm>
-            <a:off x="3124080" y="6356520"/>
-            <a:ext cx="2895120" cy="364680"/>
-          </a:xfrm>
-          <a:prstGeom prst="rect">
-            <a:avLst/>
-          </a:prstGeom>
-        </p:spPr>
-        <p:txBody>
-          <a:bodyPr anchor="ctr"/>
-          <a:lstStyle/>
-          <a:p>
-            <a:pPr algn="ctr">
-              <a:lnSpc>
-                <a:spcPct val="100000"/>
-              </a:lnSpc>
-            </a:pPr>
-            <a:r>
-              <a:rPr lang="en-US" sz="1200">
-                <a:solidFill>
-                  <a:srgbClr val="898989"/>
-                </a:solidFill>
-                <a:latin typeface="Calibri"/>
-                <a:ea typeface="Calibri"/>
-              </a:rPr>
-              <a:t>@Your Name</a:t>
-            </a:r>
-            <a:endParaRPr/>
-          </a:p>
-        </p:txBody>
-      </p:sp>
-      <p:sp>
-        <p:nvSpPr>
-          <p:cNvPr id="150" name="TextShape 4"/>
-          <p:cNvSpPr txBox="1"/>
-          <p:nvPr/>
-        </p:nvSpPr>
-        <p:spPr>
-          <a:xfrm>
-            <a:off x="6553080" y="6356520"/>
-            <a:ext cx="2133360" cy="364680"/>
-          </a:xfrm>
-          <a:prstGeom prst="rect">
-            <a:avLst/>
-          </a:prstGeom>
-        </p:spPr>
-        <p:txBody>
-          <a:bodyPr anchor="ctr"/>
-          <a:lstStyle/>
-          <a:p>
-            <a:pPr algn="r">
-              <a:lnSpc>
-                <a:spcPct val="100000"/>
-              </a:lnSpc>
-            </a:pPr>
-            <a:fld id="{4D23FEF8-43E8-4BC3-BE2C-633FE9998109}" type="slidenum">
-              <a:rPr lang="en-US" sz="1600" b="1">
-                <a:solidFill>
-                  <a:srgbClr val="888888"/>
-                </a:solidFill>
-                <a:latin typeface="Calibri"/>
-                <a:ea typeface="Calibri"/>
-              </a:rPr>
-              <a:t>15</a:t>
-            </a:fld>
-            <a:endParaRPr/>
-          </a:p>
-        </p:txBody>
-      </p:sp>
       <p:pic>
         <p:nvPicPr>
-          <p:cNvPr id="151" name="Picture 150"/>
-          <p:cNvPicPr/>
+          <p:cNvPr id="162" name="Picture 161"/>
+          <p:cNvPicPr>
+            <a:picLocks noChangeAspect="1"/>
+          </p:cNvPicPr>
           <p:nvPr/>
         </p:nvPicPr>
         <p:blipFill>
@@ -7925,8 +7003,8 @@
         </p:blipFill>
         <p:spPr>
           <a:xfrm>
-            <a:off x="3251933" y="1752480"/>
-            <a:ext cx="2075760" cy="1828800"/>
+            <a:off x="55873" y="2510038"/>
+            <a:ext cx="4768378" cy="3738196"/>
           </a:xfrm>
           <a:prstGeom prst="rect">
             <a:avLst/>
@@ -7938,8 +7016,10 @@
       </p:pic>
       <p:pic>
         <p:nvPicPr>
-          <p:cNvPr id="152" name="Picture 151"/>
-          <p:cNvPicPr/>
+          <p:cNvPr id="7" name="Picture"/>
+          <p:cNvPicPr>
+            <a:picLocks noChangeAspect="1"/>
+          </p:cNvPicPr>
           <p:nvPr/>
         </p:nvPicPr>
         <p:blipFill>
@@ -7948,19 +7028,411 @@
             <a:fillRect/>
           </a:stretch>
         </p:blipFill>
-        <p:spPr>
-          <a:xfrm>
-            <a:off x="3229073" y="4710060"/>
-            <a:ext cx="2121480" cy="1828800"/>
-          </a:xfrm>
-          <a:prstGeom prst="rect">
-            <a:avLst/>
-          </a:prstGeom>
-          <a:ln>
+        <p:spPr bwMode="auto">
+          <a:xfrm>
+            <a:off x="4439517" y="2378289"/>
+            <a:ext cx="4837431" cy="3869945"/>
+          </a:xfrm>
+          <a:prstGeom prst="rect">
+            <a:avLst/>
+          </a:prstGeom>
+          <a:noFill/>
+          <a:ln w="9525">
             <a:noFill/>
+            <a:headEnd/>
+            <a:tailEnd/>
           </a:ln>
         </p:spPr>
       </p:pic>
+      <p:sp>
+        <p:nvSpPr>
+          <p:cNvPr id="158" name="TextShape 1"/>
+          <p:cNvSpPr txBox="1"/>
+          <p:nvPr/>
+        </p:nvSpPr>
+        <p:spPr>
+          <a:xfrm>
+            <a:off x="457200" y="192600"/>
+            <a:ext cx="8229240" cy="715680"/>
+          </a:xfrm>
+          <a:prstGeom prst="rect">
+            <a:avLst/>
+          </a:prstGeom>
+        </p:spPr>
+        <p:txBody>
+          <a:bodyPr anchor="ctr"/>
+          <a:lstStyle/>
+          <a:p>
+            <a:pPr algn="ctr">
+              <a:lnSpc>
+                <a:spcPct val="100000"/>
+              </a:lnSpc>
+            </a:pPr>
+            <a:r>
+              <a:rPr lang="en-US" sz="3200" dirty="0">
+                <a:solidFill>
+                  <a:srgbClr val="0070C0"/>
+                </a:solidFill>
+                <a:latin typeface="Calibri"/>
+                <a:ea typeface="Calibri"/>
+              </a:rPr>
+              <a:t>Clustering Analysis #2: based on PCA and SVD</a:t>
+            </a:r>
+            <a:endParaRPr dirty="0"/>
+          </a:p>
+        </p:txBody>
+      </p:sp>
+      <p:sp>
+        <p:nvSpPr>
+          <p:cNvPr id="159" name="TextShape 2"/>
+          <p:cNvSpPr txBox="1"/>
+          <p:nvPr/>
+        </p:nvSpPr>
+        <p:spPr>
+          <a:xfrm>
+            <a:off x="457200" y="1022400"/>
+            <a:ext cx="8229240" cy="5333760"/>
+          </a:xfrm>
+          <a:prstGeom prst="rect">
+            <a:avLst/>
+          </a:prstGeom>
+        </p:spPr>
+        <p:txBody>
+          <a:bodyPr/>
+          <a:lstStyle/>
+          <a:p>
+            <a:pPr marL="342900" indent="-342900">
+              <a:buFont typeface="Wingdings" panose="05000000000000000000" pitchFamily="2" charset="2"/>
+              <a:buChar char="§"/>
+            </a:pPr>
+            <a:r>
+              <a:rPr lang="en-US" sz="2400" dirty="0">
+                <a:solidFill>
+                  <a:srgbClr val="000000"/>
+                </a:solidFill>
+                <a:latin typeface="Calibri"/>
+                <a:ea typeface="Calibri"/>
+              </a:rPr>
+              <a:t>Singular Value Decomposition: M = U * S * V</a:t>
+            </a:r>
+            <a:r>
+              <a:rPr lang="en-US" sz="2400" baseline="30000" dirty="0">
+                <a:solidFill>
+                  <a:srgbClr val="000000"/>
+                </a:solidFill>
+                <a:latin typeface="Calibri"/>
+                <a:ea typeface="Calibri"/>
+              </a:rPr>
+              <a:t>T</a:t>
+            </a:r>
+            <a:br>
+              <a:rPr lang="en-US" dirty="0">
+                <a:solidFill>
+                  <a:srgbClr val="000000"/>
+                </a:solidFill>
+                <a:latin typeface="Calibri"/>
+                <a:ea typeface="Calibri"/>
+              </a:rPr>
+            </a:br>
+            <a:r>
+              <a:rPr lang="en-US" dirty="0">
+                <a:solidFill>
+                  <a:srgbClr val="000000"/>
+                </a:solidFill>
+                <a:latin typeface="Courier New" panose="02070309020205020404" pitchFamily="49" charset="0"/>
+                <a:ea typeface="Calibri"/>
+                <a:cs typeface="Courier New" panose="02070309020205020404" pitchFamily="49" charset="0"/>
+              </a:rPr>
+              <a:t>AFL% </a:t>
+            </a:r>
+            <a:r>
+              <a:rPr lang="en-US" dirty="0" err="1">
+                <a:solidFill>
+                  <a:srgbClr val="000000"/>
+                </a:solidFill>
+                <a:latin typeface="Courier New" panose="02070309020205020404" pitchFamily="49" charset="0"/>
+                <a:ea typeface="Calibri"/>
+                <a:cs typeface="Courier New" panose="02070309020205020404" pitchFamily="49" charset="0"/>
+              </a:rPr>
+              <a:t>load_library</a:t>
+            </a:r>
+            <a:r>
+              <a:rPr lang="en-US" dirty="0">
+                <a:solidFill>
+                  <a:srgbClr val="000000"/>
+                </a:solidFill>
+                <a:latin typeface="Courier New" panose="02070309020205020404" pitchFamily="49" charset="0"/>
+                <a:ea typeface="Calibri"/>
+                <a:cs typeface="Courier New" panose="02070309020205020404" pitchFamily="49" charset="0"/>
+              </a:rPr>
+              <a:t>('</a:t>
+            </a:r>
+            <a:r>
+              <a:rPr lang="en-US" dirty="0" err="1">
+                <a:solidFill>
+                  <a:srgbClr val="000000"/>
+                </a:solidFill>
+                <a:latin typeface="Courier New" panose="02070309020205020404" pitchFamily="49" charset="0"/>
+                <a:ea typeface="Calibri"/>
+                <a:cs typeface="Courier New" panose="02070309020205020404" pitchFamily="49" charset="0"/>
+              </a:rPr>
+              <a:t>dense_linear_algebra</a:t>
+            </a:r>
+            <a:r>
+              <a:rPr lang="en-US" dirty="0">
+                <a:solidFill>
+                  <a:srgbClr val="000000"/>
+                </a:solidFill>
+                <a:latin typeface="Courier New" panose="02070309020205020404" pitchFamily="49" charset="0"/>
+                <a:ea typeface="Calibri"/>
+                <a:cs typeface="Courier New" panose="02070309020205020404" pitchFamily="49" charset="0"/>
+              </a:rPr>
+              <a:t>')</a:t>
+            </a:r>
+            <a:br>
+              <a:rPr lang="en-US" dirty="0">
+                <a:solidFill>
+                  <a:srgbClr val="000000"/>
+                </a:solidFill>
+                <a:latin typeface="Courier New" panose="02070309020205020404" pitchFamily="49" charset="0"/>
+                <a:ea typeface="Calibri"/>
+                <a:cs typeface="Courier New" panose="02070309020205020404" pitchFamily="49" charset="0"/>
+              </a:rPr>
+            </a:br>
+            <a:r>
+              <a:rPr lang="en-US" dirty="0">
+                <a:solidFill>
+                  <a:srgbClr val="000000"/>
+                </a:solidFill>
+                <a:latin typeface="Courier New" panose="02070309020205020404" pitchFamily="49" charset="0"/>
+                <a:ea typeface="Calibri"/>
+                <a:cs typeface="Courier New" panose="02070309020205020404" pitchFamily="49" charset="0"/>
+              </a:rPr>
+              <a:t>AFL% </a:t>
+            </a:r>
+            <a:r>
+              <a:rPr lang="en-US" dirty="0" err="1">
+                <a:solidFill>
+                  <a:srgbClr val="000000"/>
+                </a:solidFill>
+                <a:latin typeface="Courier New" panose="02070309020205020404" pitchFamily="49" charset="0"/>
+                <a:ea typeface="Calibri"/>
+                <a:cs typeface="Courier New" panose="02070309020205020404" pitchFamily="49" charset="0"/>
+              </a:rPr>
+              <a:t>gesvd</a:t>
+            </a:r>
+            <a:r>
+              <a:rPr lang="en-US" dirty="0">
+                <a:solidFill>
+                  <a:srgbClr val="000000"/>
+                </a:solidFill>
+                <a:latin typeface="Courier New" panose="02070309020205020404" pitchFamily="49" charset="0"/>
+                <a:ea typeface="Calibri"/>
+                <a:cs typeface="Courier New" panose="02070309020205020404" pitchFamily="49" charset="0"/>
+              </a:rPr>
+              <a:t>(</a:t>
+            </a:r>
+            <a:r>
+              <a:rPr lang="en-US" dirty="0" err="1">
+                <a:solidFill>
+                  <a:srgbClr val="000000"/>
+                </a:solidFill>
+                <a:latin typeface="Courier New" panose="02070309020205020404" pitchFamily="49" charset="0"/>
+                <a:ea typeface="Calibri"/>
+                <a:cs typeface="Courier New" panose="02070309020205020404" pitchFamily="49" charset="0"/>
+              </a:rPr>
+              <a:t>ratings_matrix_centered</a:t>
+            </a:r>
+            <a:r>
+              <a:rPr lang="en-US" dirty="0">
+                <a:solidFill>
+                  <a:srgbClr val="000000"/>
+                </a:solidFill>
+                <a:latin typeface="Courier New" panose="02070309020205020404" pitchFamily="49" charset="0"/>
+                <a:ea typeface="Calibri"/>
+                <a:cs typeface="Courier New" panose="02070309020205020404" pitchFamily="49" charset="0"/>
+              </a:rPr>
+              <a:t>, 'S')</a:t>
+            </a:r>
+            <a:br>
+              <a:rPr lang="en-US" dirty="0">
+                <a:solidFill>
+                  <a:srgbClr val="000000"/>
+                </a:solidFill>
+                <a:latin typeface="Courier New" panose="02070309020205020404" pitchFamily="49" charset="0"/>
+                <a:ea typeface="Calibri"/>
+                <a:cs typeface="Courier New" panose="02070309020205020404" pitchFamily="49" charset="0"/>
+              </a:rPr>
+            </a:br>
+            <a:r>
+              <a:rPr lang="en-US" dirty="0">
+                <a:solidFill>
+                  <a:srgbClr val="000000"/>
+                </a:solidFill>
+                <a:latin typeface="Courier New" panose="02070309020205020404" pitchFamily="49" charset="0"/>
+                <a:ea typeface="Calibri"/>
+                <a:cs typeface="Courier New" panose="02070309020205020404" pitchFamily="49" charset="0"/>
+              </a:rPr>
+              <a:t>AFL% </a:t>
+            </a:r>
+            <a:r>
+              <a:rPr lang="en-US" dirty="0" err="1">
+                <a:solidFill>
+                  <a:srgbClr val="000000"/>
+                </a:solidFill>
+                <a:latin typeface="Courier New" panose="02070309020205020404" pitchFamily="49" charset="0"/>
+                <a:ea typeface="Calibri"/>
+                <a:cs typeface="Courier New" panose="02070309020205020404" pitchFamily="49" charset="0"/>
+              </a:rPr>
+              <a:t>gesvd</a:t>
+            </a:r>
+            <a:r>
+              <a:rPr lang="en-US" dirty="0">
+                <a:solidFill>
+                  <a:srgbClr val="000000"/>
+                </a:solidFill>
+                <a:latin typeface="Courier New" panose="02070309020205020404" pitchFamily="49" charset="0"/>
+                <a:ea typeface="Calibri"/>
+                <a:cs typeface="Courier New" panose="02070309020205020404" pitchFamily="49" charset="0"/>
+              </a:rPr>
+              <a:t>(</a:t>
+            </a:r>
+            <a:r>
+              <a:rPr lang="en-US" dirty="0" err="1">
+                <a:solidFill>
+                  <a:srgbClr val="000000"/>
+                </a:solidFill>
+                <a:latin typeface="Courier New" panose="02070309020205020404" pitchFamily="49" charset="0"/>
+                <a:ea typeface="Calibri"/>
+                <a:cs typeface="Courier New" panose="02070309020205020404" pitchFamily="49" charset="0"/>
+              </a:rPr>
+              <a:t>ratings_matrix_centered</a:t>
+            </a:r>
+            <a:r>
+              <a:rPr lang="en-US" dirty="0">
+                <a:solidFill>
+                  <a:srgbClr val="000000"/>
+                </a:solidFill>
+                <a:latin typeface="Courier New" panose="02070309020205020404" pitchFamily="49" charset="0"/>
+                <a:ea typeface="Calibri"/>
+                <a:cs typeface="Courier New" panose="02070309020205020404" pitchFamily="49" charset="0"/>
+              </a:rPr>
+              <a:t>, 'U')</a:t>
+            </a:r>
+            <a:endParaRPr lang="en-US" dirty="0">
+              <a:latin typeface="Courier New" panose="02070309020205020404" pitchFamily="49" charset="0"/>
+              <a:cs typeface="Courier New" panose="02070309020205020404" pitchFamily="49" charset="0"/>
+            </a:endParaRPr>
+          </a:p>
+          <a:p>
+            <a:pPr marL="342900" indent="-342900">
+              <a:lnSpc>
+                <a:spcPct val="100000"/>
+              </a:lnSpc>
+              <a:buFont typeface="Wingdings" panose="05000000000000000000" pitchFamily="2" charset="2"/>
+              <a:buChar char="§"/>
+            </a:pPr>
+            <a:endParaRPr dirty="0">
+              <a:latin typeface="Courier New" panose="02070309020205020404" pitchFamily="49" charset="0"/>
+              <a:cs typeface="Courier New" panose="02070309020205020404" pitchFamily="49" charset="0"/>
+            </a:endParaRPr>
+          </a:p>
+          <a:p>
+            <a:pPr>
+              <a:lnSpc>
+                <a:spcPct val="100000"/>
+              </a:lnSpc>
+            </a:pPr>
+            <a:endParaRPr dirty="0"/>
+          </a:p>
+          <a:p>
+            <a:pPr>
+              <a:lnSpc>
+                <a:spcPct val="100000"/>
+              </a:lnSpc>
+              <a:buFont typeface="Calibri"/>
+              <a:buChar char="▪"/>
+            </a:pPr>
+            <a:endParaRPr dirty="0"/>
+          </a:p>
+        </p:txBody>
+      </p:sp>
+      <p:sp>
+        <p:nvSpPr>
+          <p:cNvPr id="160" name="TextShape 3"/>
+          <p:cNvSpPr txBox="1"/>
+          <p:nvPr/>
+        </p:nvSpPr>
+        <p:spPr>
+          <a:xfrm>
+            <a:off x="3124080" y="6356520"/>
+            <a:ext cx="2895120" cy="364680"/>
+          </a:xfrm>
+          <a:prstGeom prst="rect">
+            <a:avLst/>
+          </a:prstGeom>
+        </p:spPr>
+        <p:txBody>
+          <a:bodyPr anchor="ctr"/>
+          <a:lstStyle/>
+          <a:p>
+            <a:pPr algn="ctr">
+              <a:lnSpc>
+                <a:spcPct val="100000"/>
+              </a:lnSpc>
+            </a:pPr>
+            <a:r>
+              <a:rPr lang="en-US" sz="1200">
+                <a:solidFill>
+                  <a:srgbClr val="898989"/>
+                </a:solidFill>
+                <a:latin typeface="Calibri"/>
+                <a:ea typeface="Calibri"/>
+              </a:rPr>
+              <a:t>@Your Name</a:t>
+            </a:r>
+            <a:endParaRPr/>
+          </a:p>
+        </p:txBody>
+      </p:sp>
+      <p:sp>
+        <p:nvSpPr>
+          <p:cNvPr id="161" name="TextShape 4"/>
+          <p:cNvSpPr txBox="1"/>
+          <p:nvPr/>
+        </p:nvSpPr>
+        <p:spPr>
+          <a:xfrm>
+            <a:off x="6553080" y="6356520"/>
+            <a:ext cx="2133360" cy="364680"/>
+          </a:xfrm>
+          <a:prstGeom prst="rect">
+            <a:avLst/>
+          </a:prstGeom>
+        </p:spPr>
+        <p:txBody>
+          <a:bodyPr anchor="ctr"/>
+          <a:lstStyle/>
+          <a:p>
+            <a:pPr algn="r">
+              <a:lnSpc>
+                <a:spcPct val="100000"/>
+              </a:lnSpc>
+            </a:pPr>
+            <a:fld id="{99F566C0-1323-4284-9A4B-0E2C9F76A7BA}" type="slidenum">
+              <a:rPr lang="en-US" sz="1600" b="1">
+                <a:solidFill>
+                  <a:srgbClr val="888888"/>
+                </a:solidFill>
+                <a:latin typeface="Calibri"/>
+                <a:ea typeface="Calibri"/>
+              </a:rPr>
+              <a:t>15</a:t>
+            </a:fld>
+            <a:endParaRPr/>
+          </a:p>
+        </p:txBody>
+      </p:sp>
     </p:spTree>
   </p:cSld>
   <p:clrMapOvr>
@@ -8015,13 +7487,13 @@
       </p:grpSpPr>
       <p:sp>
         <p:nvSpPr>
-          <p:cNvPr id="153" name="TextShape 1"/>
+          <p:cNvPr id="164" name="TextShape 1"/>
           <p:cNvSpPr txBox="1"/>
           <p:nvPr/>
         </p:nvSpPr>
         <p:spPr>
           <a:xfrm>
-            <a:off x="457200" y="120600"/>
+            <a:off x="457200" y="192600"/>
             <a:ext cx="8229240" cy="715680"/>
           </a:xfrm>
           <a:prstGeom prst="rect">
@@ -8038,28 +7510,28 @@
               </a:lnSpc>
             </a:pPr>
             <a:r>
-              <a:rPr lang="en-US" sz="3200">
+              <a:rPr lang="en-US" sz="3200" dirty="0">
                 <a:solidFill>
                   <a:srgbClr val="0070C0"/>
                 </a:solidFill>
                 <a:latin typeface="Calibri"/>
                 <a:ea typeface="Calibri"/>
               </a:rPr>
-              <a:t>Clustering based on Correlation</a:t>
-            </a:r>
-            <a:endParaRPr/>
-          </a:p>
-        </p:txBody>
-      </p:sp>
-      <p:sp>
-        <p:nvSpPr>
-          <p:cNvPr id="154" name="TextShape 2"/>
+              <a:t>Clustering Analysis #2: based on PCA and SVD</a:t>
+            </a:r>
+            <a:endParaRPr dirty="0"/>
+          </a:p>
+        </p:txBody>
+      </p:sp>
+      <p:sp>
+        <p:nvSpPr>
+          <p:cNvPr id="165" name="TextShape 2"/>
           <p:cNvSpPr txBox="1"/>
           <p:nvPr/>
         </p:nvSpPr>
         <p:spPr>
           <a:xfrm>
-            <a:off x="457200" y="914400"/>
+            <a:off x="457200" y="1022400"/>
             <a:ext cx="8229240" cy="5333760"/>
           </a:xfrm>
           <a:prstGeom prst="rect">
@@ -8085,207 +7557,15 @@
                 <a:latin typeface="Calibri"/>
                 <a:ea typeface="Calibri"/>
               </a:rPr>
-              <a:t>Correlation matrix: M * M</a:t>
-            </a:r>
-            <a:r>
-              <a:rPr lang="en-US" sz="2400" baseline="30000" dirty="0">
-                <a:solidFill>
-                  <a:srgbClr val="000000"/>
-                </a:solidFill>
-                <a:latin typeface="Calibri"/>
-                <a:ea typeface="Calibri"/>
-              </a:rPr>
-              <a:t>T</a:t>
-            </a:r>
-            <a:r>
-              <a:rPr lang="en-US" sz="2400" dirty="0">
-                <a:solidFill>
-                  <a:srgbClr val="000000"/>
-                </a:solidFill>
-                <a:latin typeface="Calibri"/>
-                <a:ea typeface="Calibri"/>
-              </a:rPr>
-              <a:t/>
-            </a:r>
-            <a:br>
-              <a:rPr lang="en-US" sz="2400" dirty="0">
-                <a:solidFill>
-                  <a:srgbClr val="000000"/>
-                </a:solidFill>
-                <a:latin typeface="Calibri"/>
-                <a:ea typeface="Calibri"/>
-              </a:rPr>
-            </a:br>
-            <a:r>
-              <a:rPr lang="en-US" dirty="0">
-                <a:solidFill>
-                  <a:srgbClr val="000000"/>
-                </a:solidFill>
-                <a:latin typeface="Courier New" panose="02070309020205020404" pitchFamily="49" charset="0"/>
-                <a:ea typeface="Calibri"/>
-                <a:cs typeface="Courier New" panose="02070309020205020404" pitchFamily="49" charset="0"/>
-              </a:rPr>
-              <a:t>AFL% </a:t>
-            </a:r>
-            <a:r>
-              <a:rPr lang="en-US" dirty="0" err="1">
-                <a:solidFill>
-                  <a:srgbClr val="000000"/>
-                </a:solidFill>
-                <a:latin typeface="Courier New" panose="02070309020205020404" pitchFamily="49" charset="0"/>
-                <a:ea typeface="Calibri"/>
-                <a:cs typeface="Courier New" panose="02070309020205020404" pitchFamily="49" charset="0"/>
-              </a:rPr>
-              <a:t>load_library</a:t>
-            </a:r>
-            <a:r>
-              <a:rPr lang="en-US" dirty="0">
-                <a:solidFill>
-                  <a:srgbClr val="000000"/>
-                </a:solidFill>
-                <a:latin typeface="Courier New" panose="02070309020205020404" pitchFamily="49" charset="0"/>
-                <a:ea typeface="Calibri"/>
-                <a:cs typeface="Courier New" panose="02070309020205020404" pitchFamily="49" charset="0"/>
-              </a:rPr>
-              <a:t>('</a:t>
-            </a:r>
-            <a:r>
-              <a:rPr lang="en-US" dirty="0" err="1">
-                <a:solidFill>
-                  <a:srgbClr val="000000"/>
-                </a:solidFill>
-                <a:latin typeface="Courier New" panose="02070309020205020404" pitchFamily="49" charset="0"/>
-                <a:ea typeface="Calibri"/>
-                <a:cs typeface="Courier New" panose="02070309020205020404" pitchFamily="49" charset="0"/>
-              </a:rPr>
-              <a:t>linear_algebra</a:t>
-            </a:r>
-            <a:r>
-              <a:rPr lang="en-US" dirty="0">
-                <a:solidFill>
-                  <a:srgbClr val="000000"/>
-                </a:solidFill>
-                <a:latin typeface="Courier New" panose="02070309020205020404" pitchFamily="49" charset="0"/>
-                <a:ea typeface="Calibri"/>
-                <a:cs typeface="Courier New" panose="02070309020205020404" pitchFamily="49" charset="0"/>
-              </a:rPr>
-              <a:t>')</a:t>
-            </a:r>
-            <a:br>
-              <a:rPr lang="en-US" dirty="0">
-                <a:solidFill>
-                  <a:srgbClr val="000000"/>
-                </a:solidFill>
-                <a:latin typeface="Courier New" panose="02070309020205020404" pitchFamily="49" charset="0"/>
-                <a:ea typeface="Calibri"/>
-                <a:cs typeface="Courier New" panose="02070309020205020404" pitchFamily="49" charset="0"/>
-              </a:rPr>
-            </a:br>
-            <a:r>
-              <a:rPr lang="en-US" dirty="0">
-                <a:solidFill>
-                  <a:srgbClr val="000000"/>
-                </a:solidFill>
-                <a:latin typeface="Courier New" panose="02070309020205020404" pitchFamily="49" charset="0"/>
-                <a:ea typeface="Calibri"/>
-                <a:cs typeface="Courier New" panose="02070309020205020404" pitchFamily="49" charset="0"/>
-              </a:rPr>
-              <a:t>AFL% </a:t>
-            </a:r>
-            <a:r>
-              <a:rPr lang="en-US" dirty="0" err="1">
-                <a:solidFill>
-                  <a:srgbClr val="000000"/>
-                </a:solidFill>
-                <a:latin typeface="Courier New" panose="02070309020205020404" pitchFamily="49" charset="0"/>
-                <a:ea typeface="Calibri"/>
-                <a:cs typeface="Courier New" panose="02070309020205020404" pitchFamily="49" charset="0"/>
-              </a:rPr>
-              <a:t>spgemm</a:t>
-            </a:r>
-            <a:r>
-              <a:rPr lang="en-US" dirty="0">
-                <a:solidFill>
-                  <a:srgbClr val="000000"/>
-                </a:solidFill>
-                <a:latin typeface="Courier New" panose="02070309020205020404" pitchFamily="49" charset="0"/>
-                <a:ea typeface="Calibri"/>
-                <a:cs typeface="Courier New" panose="02070309020205020404" pitchFamily="49" charset="0"/>
-              </a:rPr>
-              <a:t>(</a:t>
-            </a:r>
-            <a:r>
-              <a:rPr lang="en-US" dirty="0" err="1">
-                <a:solidFill>
-                  <a:srgbClr val="000000"/>
-                </a:solidFill>
-                <a:latin typeface="Courier New" panose="02070309020205020404" pitchFamily="49" charset="0"/>
-                <a:ea typeface="Calibri"/>
-                <a:cs typeface="Courier New" panose="02070309020205020404" pitchFamily="49" charset="0"/>
-              </a:rPr>
-              <a:t>ratings_matrix</a:t>
-            </a:r>
-            <a:r>
-              <a:rPr lang="en-US" dirty="0">
-                <a:solidFill>
-                  <a:srgbClr val="000000"/>
-                </a:solidFill>
-                <a:latin typeface="Courier New" panose="02070309020205020404" pitchFamily="49" charset="0"/>
-                <a:ea typeface="Calibri"/>
-                <a:cs typeface="Courier New" panose="02070309020205020404" pitchFamily="49" charset="0"/>
-              </a:rPr>
-              <a:t>, transpose(</a:t>
-            </a:r>
-            <a:r>
-              <a:rPr lang="en-US" dirty="0" err="1">
-                <a:solidFill>
-                  <a:srgbClr val="000000"/>
-                </a:solidFill>
-                <a:latin typeface="Courier New" panose="02070309020205020404" pitchFamily="49" charset="0"/>
-                <a:ea typeface="Calibri"/>
-                <a:cs typeface="Courier New" panose="02070309020205020404" pitchFamily="49" charset="0"/>
-              </a:rPr>
-              <a:t>ratings_matrix</a:t>
-            </a:r>
-            <a:r>
-              <a:rPr lang="en-US" dirty="0">
-                <a:solidFill>
-                  <a:srgbClr val="000000"/>
-                </a:solidFill>
-                <a:latin typeface="Courier New" panose="02070309020205020404" pitchFamily="49" charset="0"/>
-                <a:ea typeface="Calibri"/>
-                <a:cs typeface="Courier New" panose="02070309020205020404" pitchFamily="49" charset="0"/>
-              </a:rPr>
-              <a:t>))</a:t>
-            </a:r>
-            <a:endParaRPr dirty="0">
-              <a:latin typeface="Courier New" panose="02070309020205020404" pitchFamily="49" charset="0"/>
-              <a:cs typeface="Courier New" panose="02070309020205020404" pitchFamily="49" charset="0"/>
-            </a:endParaRPr>
-          </a:p>
-          <a:p>
-            <a:pPr>
-              <a:lnSpc>
-                <a:spcPct val="100000"/>
-              </a:lnSpc>
-            </a:pPr>
-            <a:endParaRPr dirty="0"/>
-          </a:p>
-          <a:p>
-            <a:pPr>
-              <a:lnSpc>
-                <a:spcPct val="100000"/>
-              </a:lnSpc>
-              <a:buFont typeface="Calibri"/>
-              <a:buChar char="▪"/>
-            </a:pPr>
-            <a:endParaRPr dirty="0"/>
-          </a:p>
-        </p:txBody>
-      </p:sp>
-      <p:sp>
-        <p:nvSpPr>
-          <p:cNvPr id="155" name="TextShape 3"/>
+              <a:t>Hierarchical clustering using top 3 singular vectors.</a:t>
+            </a:r>
+            <a:endParaRPr lang="en-US" sz="2400" dirty="0"/>
+          </a:p>
+        </p:txBody>
+      </p:sp>
+      <p:sp>
+        <p:nvSpPr>
+          <p:cNvPr id="166" name="TextShape 3"/>
           <p:cNvSpPr txBox="1"/>
           <p:nvPr/>
         </p:nvSpPr>
@@ -8323,7 +7603,7 @@
       </p:sp>
       <p:sp>
         <p:nvSpPr>
-          <p:cNvPr id="156" name="TextShape 4"/>
+          <p:cNvPr id="167" name="TextShape 4"/>
           <p:cNvSpPr txBox="1"/>
           <p:nvPr/>
         </p:nvSpPr>
@@ -8345,7 +7625,7 @@
                 <a:spcPct val="100000"/>
               </a:lnSpc>
             </a:pPr>
-            <a:fld id="{53DD6B85-1B38-40A7-890D-8E68915EAEB1}" type="slidenum">
+            <a:fld id="{DB1AE15E-E289-4277-ABD2-FC0641E0B01C}" type="slidenum">
               <a:rPr lang="en-US" sz="1600" b="1">
                 <a:solidFill>
                   <a:srgbClr val="888888"/>
@@ -8361,8 +7641,10 @@
       </p:sp>
       <p:pic>
         <p:nvPicPr>
-          <p:cNvPr id="157" name="Picture 156"/>
-          <p:cNvPicPr/>
+          <p:cNvPr id="7" name="Picture"/>
+          <p:cNvPicPr>
+            <a:picLocks noChangeAspect="1"/>
+          </p:cNvPicPr>
           <p:nvPr/>
         </p:nvPicPr>
         <p:blipFill>
@@ -8371,20 +7653,28 @@
             <a:fillRect/>
           </a:stretch>
         </p:blipFill>
-        <p:spPr>
-          <a:xfrm>
-            <a:off x="1600200" y="2149200"/>
-            <a:ext cx="5715000" cy="4572000"/>
-          </a:xfrm>
-          <a:prstGeom prst="rect">
-            <a:avLst/>
-          </a:prstGeom>
-          <a:ln>
+        <p:spPr bwMode="auto">
+          <a:xfrm>
+            <a:off x="1645741" y="1674902"/>
+            <a:ext cx="5851798" cy="4681438"/>
+          </a:xfrm>
+          <a:prstGeom prst="rect">
+            <a:avLst/>
+          </a:prstGeom>
+          <a:noFill/>
+          <a:ln w="9525">
             <a:noFill/>
+            <a:headEnd/>
+            <a:tailEnd/>
           </a:ln>
         </p:spPr>
       </p:pic>
     </p:spTree>
+    <p:extLst>
+      <p:ext uri="{BB962C8B-B14F-4D97-AF65-F5344CB8AC3E}">
+        <p14:creationId xmlns:p14="http://schemas.microsoft.com/office/powerpoint/2010/main" val="151572206"/>
+      </p:ext>
+    </p:extLst>
   </p:cSld>
   <p:clrMapOvr>
     <a:masterClrMapping/>
@@ -8438,13 +7728,13 @@
       </p:grpSpPr>
       <p:sp>
         <p:nvSpPr>
-          <p:cNvPr id="158" name="TextShape 1"/>
+          <p:cNvPr id="93" name="TextShape 1"/>
           <p:cNvSpPr txBox="1"/>
           <p:nvPr/>
         </p:nvSpPr>
         <p:spPr>
           <a:xfrm>
-            <a:off x="457200" y="192600"/>
+            <a:off x="457200" y="120600"/>
             <a:ext cx="8229240" cy="715680"/>
           </a:xfrm>
           <a:prstGeom prst="rect">
@@ -8461,28 +7751,28 @@
               </a:lnSpc>
             </a:pPr>
             <a:r>
-              <a:rPr lang="en-US" sz="3200">
+              <a:rPr lang="en-US" sz="3200" dirty="0">
                 <a:solidFill>
                   <a:srgbClr val="0070C0"/>
                 </a:solidFill>
                 <a:latin typeface="Calibri"/>
                 <a:ea typeface="Calibri"/>
               </a:rPr>
-              <a:t>Clustering based on PCA and SVD</a:t>
-            </a:r>
-            <a:endParaRPr/>
-          </a:p>
-        </p:txBody>
-      </p:sp>
-      <p:sp>
-        <p:nvSpPr>
-          <p:cNvPr id="159" name="TextShape 2"/>
+              <a:t>Conclusion</a:t>
+            </a:r>
+            <a:endParaRPr dirty="0"/>
+          </a:p>
+        </p:txBody>
+      </p:sp>
+      <p:sp>
+        <p:nvSpPr>
+          <p:cNvPr id="94" name="TextShape 2"/>
           <p:cNvSpPr txBox="1"/>
           <p:nvPr/>
         </p:nvSpPr>
         <p:spPr>
           <a:xfrm>
-            <a:off x="457200" y="1022400"/>
+            <a:off x="457200" y="914400"/>
             <a:ext cx="8229240" cy="5333760"/>
           </a:xfrm>
           <a:prstGeom prst="rect">
@@ -8494,10 +7784,23 @@
           <a:lstStyle/>
           <a:p>
             <a:pPr marL="342900" indent="-342900">
+              <a:lnSpc>
+                <a:spcPct val="100000"/>
+              </a:lnSpc>
               <a:buFont typeface="Wingdings" panose="05000000000000000000" pitchFamily="2" charset="2"/>
               <a:buChar char="§"/>
             </a:pPr>
             <a:r>
+              <a:rPr lang="en-US" sz="2400" dirty="0" err="1">
+                <a:solidFill>
+                  <a:srgbClr val="000000"/>
+                </a:solidFill>
+                <a:latin typeface="Calibri"/>
+                <a:ea typeface="Calibri"/>
+              </a:rPr>
+              <a:t>SciDB</a:t>
+            </a:r>
+            <a:r>
               <a:rPr lang="en-US" sz="2400" dirty="0">
                 <a:solidFill>
                   <a:srgbClr val="000000"/>
@@ -8505,30 +7808,10 @@
                 <a:latin typeface="Calibri"/>
                 <a:ea typeface="Calibri"/>
               </a:rPr>
-              <a:t>Singular Value Decomposition: M = U * S * V</a:t>
-            </a:r>
-            <a:r>
-              <a:rPr lang="en-US" sz="2400" baseline="30000" dirty="0">
-                <a:solidFill>
-                  <a:srgbClr val="000000"/>
-                </a:solidFill>
-                <a:latin typeface="Calibri"/>
-                <a:ea typeface="Calibri"/>
-              </a:rPr>
-              <a:t>T</a:t>
-            </a:r>
-            <a:r>
-              <a:rPr lang="en-US" dirty="0">
-                <a:solidFill>
-                  <a:srgbClr val="000000"/>
-                </a:solidFill>
-                <a:latin typeface="Calibri"/>
-                <a:ea typeface="Calibri"/>
-              </a:rPr>
-              <a:t/>
+              <a:t> is an efficient database designed for mathematical and statistical operations on large data</a:t>
             </a:r>
             <a:br>
-              <a:rPr lang="en-US" dirty="0">
+              <a:rPr lang="en-US" sz="2400" dirty="0">
                 <a:solidFill>
                   <a:srgbClr val="000000"/>
                 </a:solidFill>
@@ -8536,194 +7819,12 @@
                 <a:ea typeface="Calibri"/>
               </a:rPr>
             </a:br>
-            <a:r>
-              <a:rPr lang="en-US" dirty="0">
-                <a:solidFill>
-                  <a:srgbClr val="000000"/>
-                </a:solidFill>
-                <a:latin typeface="Courier New" panose="02070309020205020404" pitchFamily="49" charset="0"/>
-                <a:ea typeface="Calibri"/>
-                <a:cs typeface="Courier New" panose="02070309020205020404" pitchFamily="49" charset="0"/>
-              </a:rPr>
-              <a:t>AFL% </a:t>
-            </a:r>
-            <a:r>
-              <a:rPr lang="en-US" dirty="0" err="1">
-                <a:solidFill>
-                  <a:srgbClr val="000000"/>
-                </a:solidFill>
-                <a:latin typeface="Courier New" panose="02070309020205020404" pitchFamily="49" charset="0"/>
-                <a:ea typeface="Calibri"/>
-                <a:cs typeface="Courier New" panose="02070309020205020404" pitchFamily="49" charset="0"/>
-              </a:rPr>
-              <a:t>load_library</a:t>
-            </a:r>
-            <a:r>
-              <a:rPr lang="en-US" dirty="0">
-                <a:solidFill>
-                  <a:srgbClr val="000000"/>
-                </a:solidFill>
-                <a:latin typeface="Courier New" panose="02070309020205020404" pitchFamily="49" charset="0"/>
-                <a:ea typeface="Calibri"/>
-                <a:cs typeface="Courier New" panose="02070309020205020404" pitchFamily="49" charset="0"/>
-              </a:rPr>
-              <a:t>('</a:t>
-            </a:r>
-            <a:r>
-              <a:rPr lang="en-US" dirty="0" err="1">
-                <a:solidFill>
-                  <a:srgbClr val="000000"/>
-                </a:solidFill>
-                <a:latin typeface="Courier New" panose="02070309020205020404" pitchFamily="49" charset="0"/>
-                <a:ea typeface="Calibri"/>
-                <a:cs typeface="Courier New" panose="02070309020205020404" pitchFamily="49" charset="0"/>
-              </a:rPr>
-              <a:t>dense_linear_algebra</a:t>
-            </a:r>
-            <a:r>
-              <a:rPr lang="en-US" dirty="0">
-                <a:solidFill>
-                  <a:srgbClr val="000000"/>
-                </a:solidFill>
-                <a:latin typeface="Courier New" panose="02070309020205020404" pitchFamily="49" charset="0"/>
-                <a:ea typeface="Calibri"/>
-                <a:cs typeface="Courier New" panose="02070309020205020404" pitchFamily="49" charset="0"/>
-              </a:rPr>
-              <a:t>')</a:t>
-            </a:r>
-            <a:br>
-              <a:rPr lang="en-US" dirty="0">
-                <a:solidFill>
-                  <a:srgbClr val="000000"/>
-                </a:solidFill>
-                <a:latin typeface="Courier New" panose="02070309020205020404" pitchFamily="49" charset="0"/>
-                <a:ea typeface="Calibri"/>
-                <a:cs typeface="Courier New" panose="02070309020205020404" pitchFamily="49" charset="0"/>
-              </a:rPr>
-            </a:br>
-            <a:r>
-              <a:rPr lang="en-US" dirty="0">
-                <a:solidFill>
-                  <a:srgbClr val="000000"/>
-                </a:solidFill>
-                <a:latin typeface="Courier New" panose="02070309020205020404" pitchFamily="49" charset="0"/>
-                <a:ea typeface="Calibri"/>
-                <a:cs typeface="Courier New" panose="02070309020205020404" pitchFamily="49" charset="0"/>
-              </a:rPr>
-              <a:t>AFL% </a:t>
-            </a:r>
-            <a:r>
-              <a:rPr lang="en-US" dirty="0" err="1">
-                <a:solidFill>
-                  <a:srgbClr val="000000"/>
-                </a:solidFill>
-                <a:latin typeface="Courier New" panose="02070309020205020404" pitchFamily="49" charset="0"/>
-                <a:ea typeface="Calibri"/>
-                <a:cs typeface="Courier New" panose="02070309020205020404" pitchFamily="49" charset="0"/>
-              </a:rPr>
-              <a:t>gesvd</a:t>
-            </a:r>
-            <a:r>
-              <a:rPr lang="en-US" dirty="0">
-                <a:solidFill>
-                  <a:srgbClr val="000000"/>
-                </a:solidFill>
-                <a:latin typeface="Courier New" panose="02070309020205020404" pitchFamily="49" charset="0"/>
-                <a:ea typeface="Calibri"/>
-                <a:cs typeface="Courier New" panose="02070309020205020404" pitchFamily="49" charset="0"/>
-              </a:rPr>
-              <a:t>(</a:t>
-            </a:r>
-            <a:r>
-              <a:rPr lang="en-US" dirty="0" err="1">
-                <a:solidFill>
-                  <a:srgbClr val="000000"/>
-                </a:solidFill>
-                <a:latin typeface="Courier New" panose="02070309020205020404" pitchFamily="49" charset="0"/>
-                <a:ea typeface="Calibri"/>
-                <a:cs typeface="Courier New" panose="02070309020205020404" pitchFamily="49" charset="0"/>
-              </a:rPr>
-              <a:t>ratings_matrix_centered</a:t>
-            </a:r>
-            <a:r>
-              <a:rPr lang="en-US" dirty="0">
-                <a:solidFill>
-                  <a:srgbClr val="000000"/>
-                </a:solidFill>
-                <a:latin typeface="Courier New" panose="02070309020205020404" pitchFamily="49" charset="0"/>
-                <a:ea typeface="Calibri"/>
-                <a:cs typeface="Courier New" panose="02070309020205020404" pitchFamily="49" charset="0"/>
-              </a:rPr>
-              <a:t>, 'S')</a:t>
-            </a:r>
-            <a:br>
-              <a:rPr lang="en-US" dirty="0">
-                <a:solidFill>
-                  <a:srgbClr val="000000"/>
-                </a:solidFill>
-                <a:latin typeface="Courier New" panose="02070309020205020404" pitchFamily="49" charset="0"/>
-                <a:ea typeface="Calibri"/>
-                <a:cs typeface="Courier New" panose="02070309020205020404" pitchFamily="49" charset="0"/>
-              </a:rPr>
-            </a:br>
-            <a:r>
-              <a:rPr lang="en-US" dirty="0">
-                <a:solidFill>
-                  <a:srgbClr val="000000"/>
-                </a:solidFill>
-                <a:latin typeface="Courier New" panose="02070309020205020404" pitchFamily="49" charset="0"/>
-                <a:ea typeface="Calibri"/>
-                <a:cs typeface="Courier New" panose="02070309020205020404" pitchFamily="49" charset="0"/>
-              </a:rPr>
-              <a:t>AFL% </a:t>
-            </a:r>
-            <a:r>
-              <a:rPr lang="en-US" dirty="0" err="1">
-                <a:solidFill>
-                  <a:srgbClr val="000000"/>
-                </a:solidFill>
-                <a:latin typeface="Courier New" panose="02070309020205020404" pitchFamily="49" charset="0"/>
-                <a:ea typeface="Calibri"/>
-                <a:cs typeface="Courier New" panose="02070309020205020404" pitchFamily="49" charset="0"/>
-              </a:rPr>
-              <a:t>gesvd</a:t>
-            </a:r>
-            <a:r>
-              <a:rPr lang="en-US" dirty="0">
-                <a:solidFill>
-                  <a:srgbClr val="000000"/>
-                </a:solidFill>
-                <a:latin typeface="Courier New" panose="02070309020205020404" pitchFamily="49" charset="0"/>
-                <a:ea typeface="Calibri"/>
-                <a:cs typeface="Courier New" panose="02070309020205020404" pitchFamily="49" charset="0"/>
-              </a:rPr>
-              <a:t>(</a:t>
-            </a:r>
-            <a:r>
-              <a:rPr lang="en-US" dirty="0" err="1">
-                <a:solidFill>
-                  <a:srgbClr val="000000"/>
-                </a:solidFill>
-                <a:latin typeface="Courier New" panose="02070309020205020404" pitchFamily="49" charset="0"/>
-                <a:ea typeface="Calibri"/>
-                <a:cs typeface="Courier New" panose="02070309020205020404" pitchFamily="49" charset="0"/>
-              </a:rPr>
-              <a:t>ratings_matrix_centered</a:t>
-            </a:r>
-            <a:r>
-              <a:rPr lang="en-US" dirty="0">
-                <a:solidFill>
-                  <a:srgbClr val="000000"/>
-                </a:solidFill>
-                <a:latin typeface="Courier New" panose="02070309020205020404" pitchFamily="49" charset="0"/>
-                <a:ea typeface="Calibri"/>
-                <a:cs typeface="Courier New" panose="02070309020205020404" pitchFamily="49" charset="0"/>
-              </a:rPr>
-              <a:t>, 'U')</a:t>
-            </a:r>
-            <a:endParaRPr lang="en-US" dirty="0">
-              <a:latin typeface="Courier New" panose="02070309020205020404" pitchFamily="49" charset="0"/>
-              <a:cs typeface="Courier New" panose="02070309020205020404" pitchFamily="49" charset="0"/>
+            <a:endParaRPr lang="en-US" sz="2400" dirty="0">
+              <a:solidFill>
+                <a:srgbClr val="000000"/>
+              </a:solidFill>
+              <a:latin typeface="Calibri"/>
+              <a:ea typeface="Calibri"/>
             </a:endParaRPr>
           </a:p>
           <a:p>
@@ -8734,34 +7835,198 @@
               <a:buFont typeface="Wingdings" panose="05000000000000000000" pitchFamily="2" charset="2"/>
               <a:buChar char="§"/>
             </a:pPr>
-            <a:endParaRPr dirty="0">
-              <a:latin typeface="Courier New" panose="02070309020205020404" pitchFamily="49" charset="0"/>
-              <a:cs typeface="Courier New" panose="02070309020205020404" pitchFamily="49" charset="0"/>
+            <a:r>
+              <a:rPr lang="en-US" sz="2400" dirty="0" err="1">
+                <a:solidFill>
+                  <a:srgbClr val="000000"/>
+                </a:solidFill>
+                <a:latin typeface="Calibri"/>
+                <a:ea typeface="Calibri"/>
+              </a:rPr>
+              <a:t>SciDB</a:t>
+            </a:r>
+            <a:r>
+              <a:rPr lang="en-US" sz="2400" dirty="0">
+                <a:solidFill>
+                  <a:srgbClr val="000000"/>
+                </a:solidFill>
+                <a:latin typeface="Calibri"/>
+                <a:ea typeface="Calibri"/>
+              </a:rPr>
+              <a:t> has functionality to perform sparse matrix multiplication and SVD on massive matrices.</a:t>
+            </a:r>
+            <a:br>
+              <a:rPr lang="en-US" sz="2400" dirty="0">
+                <a:solidFill>
+                  <a:srgbClr val="000000"/>
+                </a:solidFill>
+                <a:latin typeface="Calibri"/>
+                <a:ea typeface="Calibri"/>
+              </a:rPr>
+            </a:br>
+            <a:endParaRPr lang="en-US" sz="2400" dirty="0"/>
+          </a:p>
+          <a:p>
+            <a:pPr marL="342900" indent="-342900">
+              <a:lnSpc>
+                <a:spcPct val="100000"/>
+              </a:lnSpc>
+              <a:buFont typeface="Wingdings" panose="05000000000000000000" pitchFamily="2" charset="2"/>
+              <a:buChar char="§"/>
+            </a:pPr>
+            <a:r>
+              <a:rPr lang="en-US" sz="2400" dirty="0" err="1">
+                <a:solidFill>
+                  <a:srgbClr val="000000"/>
+                </a:solidFill>
+                <a:latin typeface="Calibri"/>
+                <a:ea typeface="Calibri"/>
+              </a:rPr>
+              <a:t>SciDB</a:t>
+            </a:r>
+            <a:r>
+              <a:rPr lang="en-US" sz="2400" dirty="0">
+                <a:solidFill>
+                  <a:srgbClr val="000000"/>
+                </a:solidFill>
+                <a:latin typeface="Calibri"/>
+                <a:ea typeface="Calibri"/>
+              </a:rPr>
+              <a:t> can be used in conjunction with R language to perform Machine Learning tasks.</a:t>
+            </a:r>
+            <a:br>
+              <a:rPr lang="en-US" sz="2400" dirty="0">
+                <a:solidFill>
+                  <a:srgbClr val="000000"/>
+                </a:solidFill>
+                <a:latin typeface="Calibri"/>
+                <a:ea typeface="Calibri"/>
+              </a:rPr>
+            </a:br>
+            <a:endParaRPr lang="en-US" sz="2400" dirty="0">
+              <a:solidFill>
+                <a:srgbClr val="000000"/>
+              </a:solidFill>
+              <a:latin typeface="Calibri"/>
+              <a:ea typeface="Calibri"/>
             </a:endParaRPr>
           </a:p>
           <a:p>
-            <a:pPr>
-              <a:lnSpc>
-                <a:spcPct val="100000"/>
-              </a:lnSpc>
-            </a:pPr>
-            <a:endParaRPr dirty="0"/>
-          </a:p>
-          <a:p>
-            <a:pPr>
-              <a:lnSpc>
-                <a:spcPct val="100000"/>
-              </a:lnSpc>
-              <a:buFont typeface="Calibri"/>
-              <a:buChar char="▪"/>
-            </a:pPr>
-            <a:endParaRPr dirty="0"/>
-          </a:p>
-        </p:txBody>
-      </p:sp>
-      <p:sp>
-        <p:nvSpPr>
-          <p:cNvPr id="160" name="TextShape 3"/>
+            <a:pPr marL="342900" indent="-342900">
+              <a:lnSpc>
+                <a:spcPct val="100000"/>
+              </a:lnSpc>
+              <a:buFont typeface="Wingdings" panose="05000000000000000000" pitchFamily="2" charset="2"/>
+              <a:buChar char="§"/>
+            </a:pPr>
+            <a:r>
+              <a:rPr lang="en-US" sz="2400" dirty="0">
+                <a:solidFill>
+                  <a:srgbClr val="000000"/>
+                </a:solidFill>
+                <a:latin typeface="Calibri"/>
+              </a:rPr>
+              <a:t>We have shown the potential of using </a:t>
+            </a:r>
+            <a:r>
+              <a:rPr lang="en-US" sz="2400" dirty="0" err="1">
+                <a:solidFill>
+                  <a:srgbClr val="000000"/>
+                </a:solidFill>
+                <a:latin typeface="Calibri"/>
+              </a:rPr>
+              <a:t>SciDB</a:t>
+            </a:r>
+            <a:r>
+              <a:rPr lang="en-US" sz="2400" dirty="0">
+                <a:solidFill>
+                  <a:srgbClr val="000000"/>
+                </a:solidFill>
+                <a:latin typeface="Calibri"/>
+              </a:rPr>
+              <a:t> in clustering users based on their movie ratings.</a:t>
+            </a:r>
+            <a:br>
+              <a:rPr lang="en-US" sz="2400" dirty="0">
+                <a:solidFill>
+                  <a:srgbClr val="000000"/>
+                </a:solidFill>
+                <a:latin typeface="Calibri"/>
+              </a:rPr>
+            </a:br>
+            <a:endParaRPr lang="en-US" sz="2400" dirty="0">
+              <a:solidFill>
+                <a:srgbClr val="000000"/>
+              </a:solidFill>
+              <a:latin typeface="Calibri"/>
+            </a:endParaRPr>
+          </a:p>
+          <a:p>
+            <a:pPr marL="342900" indent="-342900">
+              <a:lnSpc>
+                <a:spcPct val="100000"/>
+              </a:lnSpc>
+              <a:buFont typeface="Wingdings" panose="05000000000000000000" pitchFamily="2" charset="2"/>
+              <a:buChar char="§"/>
+            </a:pPr>
+            <a:r>
+              <a:rPr lang="en-US" sz="2400" dirty="0" err="1">
+                <a:solidFill>
+                  <a:srgbClr val="000000"/>
+                </a:solidFill>
+                <a:latin typeface="Calibri"/>
+              </a:rPr>
+              <a:t>SciDB</a:t>
+            </a:r>
+            <a:r>
+              <a:rPr lang="en-US" sz="2400" dirty="0">
+                <a:solidFill>
+                  <a:srgbClr val="000000"/>
+                </a:solidFill>
+                <a:latin typeface="Calibri"/>
+              </a:rPr>
+              <a:t> Enterprise Edition has enhanced functionality</a:t>
+            </a:r>
+          </a:p>
+          <a:p>
+            <a:pPr marL="800100" lvl="1" indent="-342900">
+              <a:buFont typeface="Arial" panose="020B0604020202020204" pitchFamily="34" charset="0"/>
+              <a:buChar char="•"/>
+            </a:pPr>
+            <a:r>
+              <a:rPr lang="en-US" sz="2400" dirty="0">
+                <a:solidFill>
+                  <a:srgbClr val="000000"/>
+                </a:solidFill>
+                <a:latin typeface="Calibri"/>
+              </a:rPr>
+              <a:t>E.g. Truncated SVD, </a:t>
+            </a:r>
+            <a:r>
+              <a:rPr lang="en-US" sz="2400" dirty="0" err="1">
+                <a:solidFill>
+                  <a:srgbClr val="000000"/>
+                </a:solidFill>
+                <a:latin typeface="Calibri"/>
+              </a:rPr>
+              <a:t>glm</a:t>
+            </a:r>
+            <a:r>
+              <a:rPr lang="en-US" sz="2400" dirty="0">
+                <a:solidFill>
+                  <a:srgbClr val="000000"/>
+                </a:solidFill>
+                <a:latin typeface="Calibri"/>
+              </a:rPr>
+              <a:t>, etc.</a:t>
+            </a:r>
+            <a:endParaRPr lang="en-US" sz="2400" dirty="0"/>
+          </a:p>
+        </p:txBody>
+      </p:sp>
+      <p:sp>
+        <p:nvSpPr>
+          <p:cNvPr id="95" name="TextShape 3"/>
           <p:cNvSpPr txBox="1"/>
           <p:nvPr/>
         </p:nvSpPr>
@@ -8799,7 +8064,7 @@
       </p:sp>
       <p:sp>
         <p:nvSpPr>
-          <p:cNvPr id="161" name="TextShape 4"/>
+          <p:cNvPr id="96" name="TextShape 4"/>
           <p:cNvSpPr txBox="1"/>
           <p:nvPr/>
         </p:nvSpPr>
@@ -8821,7 +8086,7 @@
                 <a:spcPct val="100000"/>
               </a:lnSpc>
             </a:pPr>
-            <a:fld id="{99F566C0-1323-4284-9A4B-0E2C9F76A7BA}" type="slidenum">
+            <a:fld id="{051E98FB-D346-4381-AADE-3393CBC1DEBE}" type="slidenum">
               <a:rPr lang="en-US" sz="1600" b="1">
                 <a:solidFill>
                   <a:srgbClr val="888888"/>
@@ -8835,31 +8100,6 @@
           </a:p>
         </p:txBody>
       </p:sp>
-      <p:pic>
-        <p:nvPicPr>
-          <p:cNvPr id="162" name="Picture 161"/>
-          <p:cNvPicPr/>
-          <p:nvPr/>
-        </p:nvPicPr>
-        <p:blipFill>
-          <a:blip r:embed="rId2"/>
-          <a:stretch>
-            <a:fillRect/>
-          </a:stretch>
-        </p:blipFill>
-        <p:spPr>
-          <a:xfrm>
-            <a:off x="1691640" y="2278651"/>
-            <a:ext cx="5715000" cy="4572000"/>
-          </a:xfrm>
-          <a:prstGeom prst="rect">
-            <a:avLst/>
-          </a:prstGeom>
-          <a:ln>
-            <a:noFill/>
-          </a:ln>
-        </p:spPr>
-      </p:pic>
     </p:spTree>
   </p:cSld>
   <p:clrMapOvr>
@@ -8914,13 +8154,13 @@
       </p:grpSpPr>
       <p:sp>
         <p:nvSpPr>
-          <p:cNvPr id="164" name="TextShape 1"/>
+          <p:cNvPr id="93" name="TextShape 1"/>
           <p:cNvSpPr txBox="1"/>
           <p:nvPr/>
         </p:nvSpPr>
         <p:spPr>
           <a:xfrm>
-            <a:off x="457200" y="192600"/>
+            <a:off x="457200" y="120600"/>
             <a:ext cx="8229240" cy="715680"/>
           </a:xfrm>
           <a:prstGeom prst="rect">
@@ -8944,21 +8184,21 @@
                 <a:latin typeface="Calibri"/>
                 <a:ea typeface="Calibri"/>
               </a:rPr>
-              <a:t>Clustering based on PCA and SVD</a:t>
-            </a:r>
-            <a:endParaRPr/>
-          </a:p>
-        </p:txBody>
-      </p:sp>
-      <p:sp>
-        <p:nvSpPr>
-          <p:cNvPr id="165" name="TextShape 2"/>
+              <a:t>YouTube URLs, Last Page</a:t>
+            </a:r>
+            <a:endParaRPr/>
+          </a:p>
+        </p:txBody>
+      </p:sp>
+      <p:sp>
+        <p:nvSpPr>
+          <p:cNvPr id="94" name="TextShape 2"/>
           <p:cNvSpPr txBox="1"/>
           <p:nvPr/>
         </p:nvSpPr>
         <p:spPr>
           <a:xfrm>
-            <a:off x="457200" y="1022400"/>
+            <a:off x="457200" y="914400"/>
             <a:ext cx="8229240" cy="5333760"/>
           </a:xfrm>
           <a:prstGeom prst="rect">
@@ -8969,105 +8209,50 @@
           <a:bodyPr/>
           <a:lstStyle/>
           <a:p>
-            <a:pPr marL="285750" indent="-285750">
-              <a:lnSpc>
-                <a:spcPct val="100000"/>
-              </a:lnSpc>
-              <a:buFont typeface="Wingdings" panose="05000000000000000000" pitchFamily="2" charset="2"/>
-              <a:buChar char="§"/>
-            </a:pPr>
-            <a:r>
-              <a:rPr lang="en-US" dirty="0">
-                <a:solidFill>
-                  <a:srgbClr val="000000"/>
-                </a:solidFill>
-                <a:latin typeface="Calibri"/>
-                <a:ea typeface="Calibri"/>
-              </a:rPr>
-              <a:t>Principal component coordinates: U * S</a:t>
-            </a:r>
-            <a:br>
-              <a:rPr lang="en-US" dirty="0">
-                <a:solidFill>
-                  <a:srgbClr val="000000"/>
-                </a:solidFill>
-                <a:latin typeface="Calibri"/>
-                <a:ea typeface="Calibri"/>
-              </a:rPr>
-            </a:br>
-            <a:r>
-              <a:rPr lang="en-US" dirty="0">
-                <a:solidFill>
-                  <a:srgbClr val="000000"/>
-                </a:solidFill>
-                <a:latin typeface="Calibri"/>
-                <a:ea typeface="Calibri"/>
-              </a:rPr>
-              <a:t/>
-            </a:r>
-            <a:br>
-              <a:rPr lang="en-US" dirty="0">
-                <a:solidFill>
-                  <a:srgbClr val="000000"/>
-                </a:solidFill>
-                <a:latin typeface="Calibri"/>
-                <a:ea typeface="Calibri"/>
-              </a:rPr>
-            </a:br>
-            <a:r>
-              <a:rPr lang="en-US" dirty="0">
-                <a:solidFill>
-                  <a:srgbClr val="000000"/>
-                </a:solidFill>
-                <a:latin typeface="Calibri"/>
-                <a:ea typeface="Calibri"/>
-              </a:rPr>
-              <a:t/>
-            </a:r>
-            <a:br>
-              <a:rPr lang="en-US" dirty="0">
-                <a:solidFill>
-                  <a:srgbClr val="000000"/>
-                </a:solidFill>
-                <a:latin typeface="Calibri"/>
-                <a:ea typeface="Calibri"/>
-              </a:rPr>
-            </a:br>
-            <a:r>
-              <a:rPr lang="en-US" dirty="0">
-                <a:solidFill>
-                  <a:srgbClr val="000000"/>
-                </a:solidFill>
-                <a:latin typeface="Calibri"/>
-                <a:ea typeface="Calibri"/>
-              </a:rPr>
-              <a:t>&lt;add PC coordinates plot&gt;</a:t>
-            </a:r>
-            <a:endParaRPr dirty="0"/>
-          </a:p>
-          <a:p>
             <a:pPr>
               <a:lnSpc>
                 <a:spcPct val="100000"/>
               </a:lnSpc>
-            </a:pPr>
-            <a:endParaRPr dirty="0"/>
+              <a:buFont typeface="Noto Sans Symbols"/>
+              <a:buChar char="▪"/>
+            </a:pPr>
+            <a:r>
+              <a:rPr lang="en-US">
+                <a:solidFill>
+                  <a:srgbClr val="000000"/>
+                </a:solidFill>
+                <a:latin typeface="Calibri"/>
+                <a:ea typeface="Calibri"/>
+              </a:rPr>
+              <a:t>Two minute (short):</a:t>
+            </a:r>
+            <a:endParaRPr/>
           </a:p>
           <a:p>
             <a:pPr>
               <a:lnSpc>
                 <a:spcPct val="100000"/>
               </a:lnSpc>
-              <a:buFont typeface="Calibri"/>
+              <a:buFont typeface="Noto Sans Symbols"/>
               <a:buChar char="▪"/>
             </a:pPr>
-            <a:endParaRPr dirty="0"/>
-          </a:p>
-        </p:txBody>
-      </p:sp>
-      <p:sp>
-        <p:nvSpPr>
-          <p:cNvPr id="166" name="TextShape 3"/>
+            <a:r>
+              <a:rPr lang="en-US">
+                <a:solidFill>
+                  <a:srgbClr val="000000"/>
+                </a:solidFill>
+                <a:latin typeface="Calibri"/>
+                <a:ea typeface="Calibri"/>
+              </a:rPr>
+              <a:t>15 minutes (long):</a:t>
+            </a:r>
+            <a:endParaRPr/>
+          </a:p>
+        </p:txBody>
+      </p:sp>
+      <p:sp>
+        <p:nvSpPr>
+          <p:cNvPr id="95" name="TextShape 3"/>
           <p:cNvSpPr txBox="1"/>
           <p:nvPr/>
         </p:nvSpPr>
@@ -9105,7 +8290,7 @@
       </p:sp>
       <p:sp>
         <p:nvSpPr>
-          <p:cNvPr id="167" name="TextShape 4"/>
+          <p:cNvPr id="96" name="TextShape 4"/>
           <p:cNvSpPr txBox="1"/>
           <p:nvPr/>
         </p:nvSpPr>
@@ -9127,7 +8312,7 @@
                 <a:spcPct val="100000"/>
               </a:lnSpc>
             </a:pPr>
-            <a:fld id="{DB1AE15E-E289-4277-ABD2-FC0641E0B01C}" type="slidenum">
+            <a:fld id="{051E98FB-D346-4381-AADE-3393CBC1DEBE}" type="slidenum">
               <a:rPr lang="en-US" sz="1600" b="1">
                 <a:solidFill>
                   <a:srgbClr val="888888"/>
@@ -9142,6 +8327,11 @@
         </p:txBody>
       </p:sp>
     </p:spTree>
+    <p:extLst>
+      <p:ext uri="{BB962C8B-B14F-4D97-AF65-F5344CB8AC3E}">
+        <p14:creationId xmlns:p14="http://schemas.microsoft.com/office/powerpoint/2010/main" val="1162702314"/>
+      </p:ext>
+    </p:extLst>
   </p:cSld>
   <p:clrMapOvr>
     <a:masterClrMapping/>
@@ -9195,7 +8385,7 @@
       </p:grpSpPr>
       <p:sp>
         <p:nvSpPr>
-          <p:cNvPr id="89" name="TextShape 1"/>
+          <p:cNvPr id="97" name="TextShape 1"/>
           <p:cNvSpPr txBox="1"/>
           <p:nvPr/>
         </p:nvSpPr>
@@ -9218,22 +8408,42 @@
               </a:lnSpc>
             </a:pPr>
             <a:r>
-              <a:rPr lang="en-US" sz="3200">
+              <a:rPr lang="en-US" sz="3200" dirty="0">
                 <a:solidFill>
                   <a:srgbClr val="0070C0"/>
                 </a:solidFill>
                 <a:latin typeface="Calibri"/>
                 <a:ea typeface="Calibri"/>
               </a:rPr>
-              <a:t>Introduction</a:t>
-            </a:r>
-            <a:endParaRPr/>
-          </a:p>
-        </p:txBody>
-      </p:sp>
-      <p:sp>
-        <p:nvSpPr>
-          <p:cNvPr id="90" name="TextShape 2"/>
+              <a:t>Introduction: </a:t>
+            </a:r>
+            <a:r>
+              <a:rPr lang="en-US" sz="3200" dirty="0" err="1">
+                <a:solidFill>
+                  <a:srgbClr val="0070C0"/>
+                </a:solidFill>
+                <a:latin typeface="Calibri"/>
+                <a:ea typeface="Calibri"/>
+              </a:rPr>
+              <a:t>MovieLens</a:t>
+            </a:r>
+            <a:r>
+              <a:rPr lang="en-US" sz="3200" dirty="0">
+                <a:solidFill>
+                  <a:srgbClr val="0070C0"/>
+                </a:solidFill>
+                <a:latin typeface="Calibri"/>
+                <a:ea typeface="Calibri"/>
+              </a:rPr>
+              <a:t> Data</a:t>
+            </a:r>
+            <a:endParaRPr dirty="0"/>
+          </a:p>
+        </p:txBody>
+      </p:sp>
+      <p:sp>
+        <p:nvSpPr>
+          <p:cNvPr id="98" name="TextShape 2"/>
           <p:cNvSpPr txBox="1"/>
           <p:nvPr/>
         </p:nvSpPr>
@@ -9258,22 +8468,251 @@
               <a:buChar char="▪"/>
             </a:pPr>
             <a:r>
-              <a:rPr lang="en-US">
-                <a:solidFill>
-                  <a:srgbClr val="000000"/>
-                </a:solidFill>
-                <a:latin typeface="Calibri"/>
-                <a:ea typeface="Calibri"/>
-              </a:rPr>
-              <a:t>Narrative</a:t>
-            </a:r>
-            <a:endParaRPr/>
-          </a:p>
-        </p:txBody>
-      </p:sp>
-      <p:sp>
-        <p:nvSpPr>
-          <p:cNvPr id="91" name="TextShape 3"/>
+              <a:rPr lang="en-US" sz="2400" dirty="0">
+                <a:solidFill>
+                  <a:srgbClr val="000000"/>
+                </a:solidFill>
+                <a:latin typeface="Calibri"/>
+                <a:ea typeface="Calibri"/>
+              </a:rPr>
+              <a:t>MovieLens.org maintains a database of movie ratings</a:t>
+            </a:r>
+            <a:endParaRPr sz="2400" dirty="0"/>
+          </a:p>
+          <a:p>
+            <a:pPr>
+              <a:lnSpc>
+                <a:spcPct val="100000"/>
+              </a:lnSpc>
+              <a:buFont typeface="Noto Sans Symbols"/>
+              <a:buChar char="▪"/>
+            </a:pPr>
+            <a:endParaRPr sz="2400" dirty="0"/>
+          </a:p>
+          <a:p>
+            <a:pPr>
+              <a:lnSpc>
+                <a:spcPct val="100000"/>
+              </a:lnSpc>
+              <a:buFont typeface="Noto Sans Symbols"/>
+              <a:buChar char="▪"/>
+            </a:pPr>
+            <a:r>
+              <a:rPr lang="en-US" sz="2400" dirty="0">
+                <a:solidFill>
+                  <a:srgbClr val="000000"/>
+                </a:solidFill>
+                <a:latin typeface="Calibri"/>
+                <a:ea typeface="Calibri"/>
+              </a:rPr>
+              <a:t>Full dataset: </a:t>
+            </a:r>
+            <a:endParaRPr sz="2400" dirty="0"/>
+          </a:p>
+          <a:p>
+            <a:pPr marL="800100" lvl="1" indent="-342900">
+              <a:buSzPct val="75000"/>
+              <a:buFont typeface="+mj-lt"/>
+              <a:buAutoNum type="arabicPeriod"/>
+            </a:pPr>
+            <a:r>
+              <a:rPr lang="en-US" sz="2200" dirty="0">
+                <a:solidFill>
+                  <a:srgbClr val="000000"/>
+                </a:solidFill>
+                <a:latin typeface="Calibri"/>
+                <a:ea typeface="Calibri"/>
+              </a:rPr>
+              <a:t>27,000 rated movies</a:t>
+            </a:r>
+            <a:endParaRPr sz="2200" dirty="0"/>
+          </a:p>
+          <a:p>
+            <a:pPr marL="800100" lvl="1" indent="-342900">
+              <a:buSzPct val="75000"/>
+              <a:buFont typeface="+mj-lt"/>
+              <a:buAutoNum type="arabicPeriod"/>
+            </a:pPr>
+            <a:r>
+              <a:rPr lang="en-US" sz="2200" dirty="0">
+                <a:solidFill>
+                  <a:srgbClr val="000000"/>
+                </a:solidFill>
+                <a:latin typeface="Calibri"/>
+                <a:ea typeface="Calibri"/>
+              </a:rPr>
+              <a:t>138,000 users</a:t>
+            </a:r>
+            <a:endParaRPr sz="2200" dirty="0"/>
+          </a:p>
+          <a:p>
+            <a:pPr marL="800100" lvl="1" indent="-342900">
+              <a:buSzPct val="75000"/>
+              <a:buFont typeface="+mj-lt"/>
+              <a:buAutoNum type="arabicPeriod"/>
+            </a:pPr>
+            <a:r>
+              <a:rPr lang="en-US" sz="2200" dirty="0">
+                <a:solidFill>
+                  <a:srgbClr val="000000"/>
+                </a:solidFill>
+                <a:latin typeface="Calibri"/>
+                <a:ea typeface="Calibri"/>
+              </a:rPr>
+              <a:t>20 million ratings</a:t>
+            </a:r>
+            <a:endParaRPr sz="2400" dirty="0"/>
+          </a:p>
+          <a:p>
+            <a:pPr>
+              <a:lnSpc>
+                <a:spcPct val="100000"/>
+              </a:lnSpc>
+              <a:buFont typeface="Noto Sans Symbols"/>
+              <a:buChar char="▪"/>
+            </a:pPr>
+            <a:r>
+              <a:rPr lang="en-US" sz="2400" dirty="0">
+                <a:solidFill>
+                  <a:srgbClr val="000000"/>
+                </a:solidFill>
+                <a:latin typeface="Calibri"/>
+                <a:ea typeface="Calibri"/>
+              </a:rPr>
+              <a:t>Small dataset:</a:t>
+            </a:r>
+            <a:endParaRPr sz="2400" dirty="0"/>
+          </a:p>
+          <a:p>
+            <a:pPr marL="914400" lvl="1" indent="-457200">
+              <a:buSzPct val="75000"/>
+              <a:buFont typeface="+mj-lt"/>
+              <a:buAutoNum type="arabicPeriod"/>
+            </a:pPr>
+            <a:r>
+              <a:rPr lang="en-US" sz="2200" dirty="0">
+                <a:solidFill>
+                  <a:srgbClr val="000000"/>
+                </a:solidFill>
+                <a:latin typeface="Calibri"/>
+                <a:ea typeface="Calibri"/>
+              </a:rPr>
+              <a:t>9,000 rated movies</a:t>
+            </a:r>
+            <a:endParaRPr sz="2200" dirty="0"/>
+          </a:p>
+          <a:p>
+            <a:pPr marL="914400" lvl="1" indent="-457200">
+              <a:buSzPct val="75000"/>
+              <a:buFont typeface="+mj-lt"/>
+              <a:buAutoNum type="arabicPeriod"/>
+            </a:pPr>
+            <a:r>
+              <a:rPr lang="en-US" sz="2200" dirty="0">
+                <a:solidFill>
+                  <a:srgbClr val="000000"/>
+                </a:solidFill>
+                <a:latin typeface="Calibri"/>
+                <a:ea typeface="Calibri"/>
+              </a:rPr>
+              <a:t>700 users</a:t>
+            </a:r>
+            <a:endParaRPr sz="2200" dirty="0"/>
+          </a:p>
+          <a:p>
+            <a:pPr marL="914400" lvl="1" indent="-457200">
+              <a:buSzPct val="75000"/>
+              <a:buFont typeface="+mj-lt"/>
+              <a:buAutoNum type="arabicPeriod"/>
+            </a:pPr>
+            <a:r>
+              <a:rPr lang="en-US" sz="2200" dirty="0">
+                <a:solidFill>
+                  <a:srgbClr val="000000"/>
+                </a:solidFill>
+                <a:latin typeface="Calibri"/>
+                <a:ea typeface="Calibri"/>
+              </a:rPr>
+              <a:t>100,000 ratings</a:t>
+            </a:r>
+            <a:br>
+              <a:rPr lang="en-US" sz="2400" dirty="0">
+                <a:solidFill>
+                  <a:srgbClr val="000000"/>
+                </a:solidFill>
+                <a:latin typeface="Calibri"/>
+                <a:ea typeface="Calibri"/>
+              </a:rPr>
+            </a:br>
+            <a:endParaRPr sz="2400" dirty="0"/>
+          </a:p>
+          <a:p>
+            <a:pPr>
+              <a:buFont typeface="Noto Sans Symbols"/>
+              <a:buChar char="▪"/>
+            </a:pPr>
+            <a:r>
+              <a:rPr lang="en-US" sz="2400" dirty="0">
+                <a:solidFill>
+                  <a:srgbClr val="000000"/>
+                </a:solidFill>
+                <a:latin typeface="Calibri"/>
+                <a:ea typeface="Calibri"/>
+              </a:rPr>
+              <a:t>Big Data ML Goal: </a:t>
+            </a:r>
+          </a:p>
+          <a:p>
+            <a:pPr algn="ctr"/>
+            <a:r>
+              <a:rPr lang="en-US" sz="2400" b="1" i="1" dirty="0">
+                <a:solidFill>
+                  <a:srgbClr val="000000"/>
+                </a:solidFill>
+                <a:latin typeface="Calibri"/>
+                <a:ea typeface="Calibri"/>
+              </a:rPr>
+              <a:t>Cluster users according to similar movies they liked!</a:t>
+            </a:r>
+            <a:br>
+              <a:rPr lang="en-US" sz="2400" b="1" i="1" dirty="0">
+                <a:solidFill>
+                  <a:srgbClr val="000000"/>
+                </a:solidFill>
+                <a:latin typeface="Calibri"/>
+                <a:ea typeface="Calibri"/>
+              </a:rPr>
+            </a:br>
+            <a:endParaRPr lang="en-US" sz="2400" dirty="0">
+              <a:solidFill>
+                <a:srgbClr val="000000"/>
+              </a:solidFill>
+              <a:latin typeface="Calibri"/>
+              <a:ea typeface="Calibri"/>
+            </a:endParaRPr>
+          </a:p>
+          <a:p>
+            <a:pPr>
+              <a:buFont typeface="Noto Sans Symbols"/>
+              <a:buChar char="▪"/>
+            </a:pPr>
+            <a:r>
+              <a:rPr lang="en-US" sz="2400" dirty="0">
+                <a:solidFill>
+                  <a:srgbClr val="000000"/>
+                </a:solidFill>
+                <a:latin typeface="Calibri"/>
+                <a:ea typeface="Calibri"/>
+              </a:rPr>
+              <a:t>Challenge: linear algebra on huge matrices</a:t>
+            </a:r>
+            <a:endParaRPr sz="2400" dirty="0"/>
+          </a:p>
+        </p:txBody>
+      </p:sp>
+      <p:sp>
+        <p:nvSpPr>
+          <p:cNvPr id="99" name="TextShape 3"/>
           <p:cNvSpPr txBox="1"/>
           <p:nvPr/>
         </p:nvSpPr>
@@ -9311,7 +8750,7 @@
       </p:sp>
       <p:sp>
         <p:nvSpPr>
-          <p:cNvPr id="92" name="TextShape 4"/>
+          <p:cNvPr id="100" name="TextShape 4"/>
           <p:cNvSpPr txBox="1"/>
           <p:nvPr/>
         </p:nvSpPr>
@@ -9333,7 +8772,7 @@
                 <a:spcPct val="100000"/>
               </a:lnSpc>
             </a:pPr>
-            <a:fld id="{89944E2C-95A4-4C4C-8CC7-8F7C8B76BCC9}" type="slidenum">
+            <a:fld id="{E0B35581-8617-43B3-B2D8-CD72D7879CFE}" type="slidenum">
               <a:rPr lang="en-US" sz="1600" b="1">
                 <a:solidFill>
                   <a:srgbClr val="888888"/>
@@ -9347,6 +8786,31 @@
           </a:p>
         </p:txBody>
       </p:sp>
+      <p:pic>
+        <p:nvPicPr>
+          <p:cNvPr id="101" name="Picture 100"/>
+          <p:cNvPicPr/>
+          <p:nvPr/>
+        </p:nvPicPr>
+        <p:blipFill>
+          <a:blip r:embed="rId2"/>
+          <a:stretch>
+            <a:fillRect/>
+          </a:stretch>
+        </p:blipFill>
+        <p:spPr>
+          <a:xfrm>
+            <a:off x="4700160" y="2103120"/>
+            <a:ext cx="2926080" cy="2057400"/>
+          </a:xfrm>
+          <a:prstGeom prst="rect">
+            <a:avLst/>
+          </a:prstGeom>
+          <a:ln>
+            <a:noFill/>
+          </a:ln>
+        </p:spPr>
+      </p:pic>
     </p:spTree>
   </p:cSld>
   <p:clrMapOvr>
@@ -9401,7 +8865,7 @@
       </p:grpSpPr>
       <p:sp>
         <p:nvSpPr>
-          <p:cNvPr id="93" name="TextShape 1"/>
+          <p:cNvPr id="102" name="TextShape 1"/>
           <p:cNvSpPr txBox="1"/>
           <p:nvPr/>
         </p:nvSpPr>
@@ -9424,22 +8888,32 @@
               </a:lnSpc>
             </a:pPr>
             <a:r>
-              <a:rPr lang="en-US" sz="3200">
+              <a:rPr lang="en-US" sz="3200" dirty="0" err="1">
                 <a:solidFill>
                   <a:srgbClr val="0070C0"/>
                 </a:solidFill>
                 <a:latin typeface="Calibri"/>
                 <a:ea typeface="Calibri"/>
               </a:rPr>
-              <a:t>YouTube URLs, Last Page</a:t>
-            </a:r>
-            <a:endParaRPr/>
-          </a:p>
-        </p:txBody>
-      </p:sp>
-      <p:sp>
-        <p:nvSpPr>
-          <p:cNvPr id="94" name="TextShape 2"/>
+              <a:t>SciDB</a:t>
+            </a:r>
+            <a:r>
+              <a:rPr lang="en-US" sz="3200" dirty="0">
+                <a:solidFill>
+                  <a:srgbClr val="0070C0"/>
+                </a:solidFill>
+                <a:latin typeface="Calibri"/>
+                <a:ea typeface="Calibri"/>
+              </a:rPr>
+              <a:t> for Massive Scale Math and Stats</a:t>
+            </a:r>
+            <a:endParaRPr dirty="0"/>
+          </a:p>
+        </p:txBody>
+      </p:sp>
+      <p:sp>
+        <p:nvSpPr>
+          <p:cNvPr id="103" name="TextShape 2"/>
           <p:cNvSpPr txBox="1"/>
           <p:nvPr/>
         </p:nvSpPr>
@@ -9456,50 +8930,338 @@
           <a:bodyPr/>
           <a:lstStyle/>
           <a:p>
-            <a:pPr>
-              <a:lnSpc>
-                <a:spcPct val="100000"/>
-              </a:lnSpc>
-              <a:buFont typeface="Noto Sans Symbols"/>
-              <a:buChar char="▪"/>
-            </a:pPr>
-            <a:r>
-              <a:rPr lang="en-US">
-                <a:solidFill>
-                  <a:srgbClr val="000000"/>
-                </a:solidFill>
-                <a:latin typeface="Calibri"/>
-                <a:ea typeface="Calibri"/>
-              </a:rPr>
-              <a:t>Two minute (short):</a:t>
-            </a:r>
-            <a:endParaRPr/>
-          </a:p>
-          <a:p>
-            <a:pPr>
-              <a:lnSpc>
-                <a:spcPct val="100000"/>
-              </a:lnSpc>
-              <a:buFont typeface="Noto Sans Symbols"/>
-              <a:buChar char="▪"/>
-            </a:pPr>
-            <a:r>
-              <a:rPr lang="en-US">
-                <a:solidFill>
-                  <a:srgbClr val="000000"/>
-                </a:solidFill>
-                <a:latin typeface="Calibri"/>
-                <a:ea typeface="Calibri"/>
-              </a:rPr>
-              <a:t>15 minutes (long):</a:t>
-            </a:r>
-            <a:endParaRPr/>
-          </a:p>
-        </p:txBody>
-      </p:sp>
-      <p:sp>
-        <p:nvSpPr>
-          <p:cNvPr id="95" name="TextShape 3"/>
+            <a:pPr algn="ctr"/>
+            <a:r>
+              <a:rPr lang="en-US" sz="2400" b="1" i="1" dirty="0" err="1">
+                <a:solidFill>
+                  <a:srgbClr val="000000"/>
+                </a:solidFill>
+                <a:latin typeface="Calibri"/>
+                <a:ea typeface="Calibri"/>
+              </a:rPr>
+              <a:t>SciDB</a:t>
+            </a:r>
+            <a:r>
+              <a:rPr lang="en-US" sz="2400" b="1" i="1" dirty="0">
+                <a:solidFill>
+                  <a:srgbClr val="000000"/>
+                </a:solidFill>
+                <a:latin typeface="Calibri"/>
+                <a:ea typeface="Calibri"/>
+              </a:rPr>
+              <a:t> is designed for fast linear algebra on large arrays.</a:t>
+            </a:r>
+            <a:br>
+              <a:rPr lang="en-US" sz="2400" i="1" dirty="0">
+                <a:solidFill>
+                  <a:srgbClr val="000000"/>
+                </a:solidFill>
+                <a:latin typeface="Calibri"/>
+                <a:ea typeface="Calibri"/>
+              </a:rPr>
+            </a:br>
+            <a:r>
+              <a:rPr lang="en-US" sz="2400" i="1" dirty="0">
+                <a:solidFill>
+                  <a:srgbClr val="000000"/>
+                </a:solidFill>
+                <a:latin typeface="Calibri"/>
+                <a:ea typeface="Calibri"/>
+              </a:rPr>
+              <a:t>Efficient architecture for data storage and distributed computing suitable for mathematical and statistical operations</a:t>
+            </a:r>
+            <a:br>
+              <a:rPr lang="en-US" sz="2400" i="1" dirty="0">
+                <a:solidFill>
+                  <a:srgbClr val="000000"/>
+                </a:solidFill>
+                <a:latin typeface="Calibri"/>
+                <a:ea typeface="Calibri"/>
+              </a:rPr>
+            </a:br>
+            <a:endParaRPr sz="2400" dirty="0"/>
+          </a:p>
+          <a:p>
+            <a:pPr marL="342900" indent="-342900">
+              <a:lnSpc>
+                <a:spcPct val="100000"/>
+              </a:lnSpc>
+              <a:buFont typeface="Wingdings" panose="05000000000000000000" pitchFamily="2" charset="2"/>
+              <a:buChar char="§"/>
+            </a:pPr>
+            <a:r>
+              <a:rPr lang="en-US" sz="2400" dirty="0">
+                <a:solidFill>
+                  <a:srgbClr val="000000"/>
+                </a:solidFill>
+                <a:latin typeface="Calibri"/>
+                <a:ea typeface="Calibri"/>
+              </a:rPr>
+              <a:t>Demo of </a:t>
+            </a:r>
+            <a:r>
+              <a:rPr lang="en-US" sz="2400" dirty="0" err="1">
+                <a:solidFill>
+                  <a:srgbClr val="000000"/>
+                </a:solidFill>
+                <a:latin typeface="Calibri"/>
+                <a:ea typeface="Calibri"/>
+              </a:rPr>
+              <a:t>SciDB's</a:t>
+            </a:r>
+            <a:r>
+              <a:rPr lang="en-US" sz="2400" dirty="0">
+                <a:solidFill>
+                  <a:srgbClr val="000000"/>
+                </a:solidFill>
+                <a:latin typeface="Calibri"/>
+                <a:ea typeface="Calibri"/>
+              </a:rPr>
+              <a:t> capabilities:</a:t>
+            </a:r>
+            <a:br>
+              <a:rPr lang="en-US" sz="2400" dirty="0">
+                <a:solidFill>
+                  <a:srgbClr val="000000"/>
+                </a:solidFill>
+                <a:latin typeface="Calibri"/>
+                <a:ea typeface="Calibri"/>
+              </a:rPr>
+            </a:br>
+            <a:endParaRPr sz="2400" dirty="0"/>
+          </a:p>
+          <a:p>
+            <a:pPr lvl="1">
+              <a:buFont typeface="StarSymbol"/>
+              <a:buAutoNum type="arabicParenR"/>
+            </a:pPr>
+            <a:r>
+              <a:rPr lang="en-US" sz="2400" dirty="0">
+                <a:solidFill>
+                  <a:srgbClr val="000000"/>
+                </a:solidFill>
+                <a:latin typeface="Calibri"/>
+                <a:ea typeface="Calibri"/>
+              </a:rPr>
+              <a:t> </a:t>
+            </a:r>
+            <a:r>
+              <a:rPr lang="en-US" sz="2400" i="1" dirty="0">
+                <a:solidFill>
+                  <a:srgbClr val="00B0F0"/>
+                </a:solidFill>
+                <a:latin typeface="Calibri"/>
+                <a:ea typeface="Calibri"/>
+              </a:rPr>
+              <a:t>Sparse matrix multiply</a:t>
+            </a:r>
+            <a:endParaRPr sz="2400" dirty="0">
+              <a:solidFill>
+                <a:srgbClr val="00B0F0"/>
+              </a:solidFill>
+            </a:endParaRPr>
+          </a:p>
+          <a:p>
+            <a:pPr lvl="1">
+              <a:buFont typeface="StarSymbol"/>
+              <a:buAutoNum type="arabicParenR"/>
+            </a:pPr>
+            <a:r>
+              <a:rPr lang="en-US" sz="2400" dirty="0">
+                <a:solidFill>
+                  <a:srgbClr val="000000"/>
+                </a:solidFill>
+                <a:latin typeface="Calibri"/>
+                <a:ea typeface="Calibri"/>
+              </a:rPr>
+              <a:t> </a:t>
+            </a:r>
+            <a:r>
+              <a:rPr lang="en-US" sz="2400" i="1" dirty="0">
+                <a:solidFill>
+                  <a:srgbClr val="00B050"/>
+                </a:solidFill>
+                <a:latin typeface="Calibri"/>
+                <a:ea typeface="Calibri"/>
+              </a:rPr>
+              <a:t>Singular Value Decomposition</a:t>
+            </a:r>
+            <a:br>
+              <a:rPr lang="en-US" sz="2400" i="1" dirty="0">
+                <a:solidFill>
+                  <a:srgbClr val="00B050"/>
+                </a:solidFill>
+                <a:latin typeface="Calibri"/>
+                <a:ea typeface="Calibri"/>
+              </a:rPr>
+            </a:br>
+            <a:endParaRPr lang="en-US" sz="2400" i="1" dirty="0">
+              <a:solidFill>
+                <a:srgbClr val="00B050"/>
+              </a:solidFill>
+              <a:latin typeface="Calibri"/>
+              <a:ea typeface="Calibri"/>
+            </a:endParaRPr>
+          </a:p>
+          <a:p>
+            <a:pPr marL="342900" indent="-342900">
+              <a:lnSpc>
+                <a:spcPct val="100000"/>
+              </a:lnSpc>
+              <a:buFont typeface="Wingdings" panose="05000000000000000000" pitchFamily="2" charset="2"/>
+              <a:buChar char="§"/>
+            </a:pPr>
+            <a:r>
+              <a:rPr lang="en-US" sz="2400" dirty="0">
+                <a:solidFill>
+                  <a:srgbClr val="000000"/>
+                </a:solidFill>
+                <a:latin typeface="Calibri"/>
+                <a:ea typeface="Calibri"/>
+              </a:rPr>
+              <a:t>Demo 2 clustering methods using </a:t>
+            </a:r>
+            <a:r>
+              <a:rPr lang="en-US" sz="2400" dirty="0" err="1">
+                <a:solidFill>
+                  <a:srgbClr val="000000"/>
+                </a:solidFill>
+                <a:latin typeface="Calibri"/>
+                <a:ea typeface="Calibri"/>
+              </a:rPr>
+              <a:t>SciDB</a:t>
+            </a:r>
+            <a:r>
+              <a:rPr lang="en-US" sz="2400" dirty="0">
+                <a:solidFill>
+                  <a:srgbClr val="000000"/>
+                </a:solidFill>
+                <a:latin typeface="Calibri"/>
+                <a:ea typeface="Calibri"/>
+              </a:rPr>
+              <a:t>:</a:t>
+            </a:r>
+            <a:br>
+              <a:rPr lang="en-US" sz="2400" dirty="0">
+                <a:solidFill>
+                  <a:srgbClr val="000000"/>
+                </a:solidFill>
+                <a:latin typeface="Calibri"/>
+                <a:ea typeface="Calibri"/>
+              </a:rPr>
+            </a:br>
+            <a:endParaRPr lang="en-US" sz="2400" dirty="0"/>
+          </a:p>
+          <a:p>
+            <a:pPr lvl="1">
+              <a:buFont typeface="StarSymbol"/>
+              <a:buAutoNum type="arabicParenR"/>
+            </a:pPr>
+            <a:r>
+              <a:rPr lang="en-US" sz="2400" dirty="0">
+                <a:solidFill>
+                  <a:srgbClr val="000000"/>
+                </a:solidFill>
+                <a:latin typeface="Calibri"/>
+                <a:ea typeface="Calibri"/>
+              </a:rPr>
+              <a:t>Cluster users based on </a:t>
+            </a:r>
+            <a:r>
+              <a:rPr lang="en-US" sz="2400" dirty="0">
+                <a:solidFill>
+                  <a:srgbClr val="00B0F0"/>
+                </a:solidFill>
+                <a:latin typeface="Calibri"/>
+                <a:ea typeface="Calibri"/>
+              </a:rPr>
+              <a:t>correlations</a:t>
+            </a:r>
+            <a:r>
+              <a:rPr lang="en-US" sz="2400" dirty="0">
+                <a:solidFill>
+                  <a:srgbClr val="000000"/>
+                </a:solidFill>
+                <a:latin typeface="Calibri"/>
+                <a:ea typeface="Calibri"/>
+              </a:rPr>
+              <a:t> between users' ratings. </a:t>
+            </a:r>
+            <a:endParaRPr lang="en-US" sz="2400" dirty="0"/>
+          </a:p>
+          <a:p>
+            <a:pPr lvl="1">
+              <a:buFont typeface="StarSymbol"/>
+              <a:buAutoNum type="arabicParenR"/>
+            </a:pPr>
+            <a:r>
+              <a:rPr lang="en-US" sz="2400" dirty="0">
+                <a:solidFill>
+                  <a:srgbClr val="000000"/>
+                </a:solidFill>
+                <a:latin typeface="Calibri"/>
+                <a:ea typeface="Calibri"/>
+              </a:rPr>
+              <a:t>Cluster users by </a:t>
+            </a:r>
+            <a:r>
+              <a:rPr lang="en-US" sz="2400" dirty="0">
+                <a:solidFill>
+                  <a:srgbClr val="00B050"/>
+                </a:solidFill>
+                <a:latin typeface="Calibri"/>
+                <a:ea typeface="Calibri"/>
+              </a:rPr>
+              <a:t>Principle Component Analysis</a:t>
+            </a:r>
+            <a:r>
+              <a:rPr lang="en-US" sz="2400" dirty="0">
+                <a:solidFill>
+                  <a:srgbClr val="000000"/>
+                </a:solidFill>
+                <a:latin typeface="Calibri"/>
+                <a:ea typeface="Calibri"/>
+              </a:rPr>
+              <a:t>.</a:t>
+            </a:r>
+            <a:br>
+              <a:rPr lang="en-US" sz="2400" dirty="0">
+                <a:solidFill>
+                  <a:srgbClr val="000000"/>
+                </a:solidFill>
+                <a:latin typeface="Calibri"/>
+                <a:ea typeface="Calibri"/>
+              </a:rPr>
+            </a:br>
+            <a:endParaRPr lang="en-US" sz="2400" dirty="0">
+              <a:solidFill>
+                <a:srgbClr val="000000"/>
+              </a:solidFill>
+              <a:latin typeface="Calibri"/>
+              <a:ea typeface="Calibri"/>
+            </a:endParaRPr>
+          </a:p>
+          <a:p>
+            <a:pPr marL="457200" indent="-457200">
+              <a:buFont typeface="Wingdings" panose="05000000000000000000" pitchFamily="2" charset="2"/>
+              <a:buChar char="§"/>
+            </a:pPr>
+            <a:r>
+              <a:rPr lang="en-US" sz="2400" dirty="0">
+                <a:solidFill>
+                  <a:srgbClr val="000000"/>
+                </a:solidFill>
+                <a:latin typeface="Calibri"/>
+              </a:rPr>
+              <a:t>Use small dataset due to limited resources.</a:t>
+            </a:r>
+            <a:endParaRPr lang="en-US" sz="2400" dirty="0"/>
+          </a:p>
+        </p:txBody>
+      </p:sp>
+      <p:sp>
+        <p:nvSpPr>
+          <p:cNvPr id="104" name="TextShape 3"/>
           <p:cNvSpPr txBox="1"/>
           <p:nvPr/>
         </p:nvSpPr>
@@ -9537,7 +9299,7 @@
       </p:sp>
       <p:sp>
         <p:nvSpPr>
-          <p:cNvPr id="96" name="TextShape 4"/>
+          <p:cNvPr id="105" name="TextShape 4"/>
           <p:cNvSpPr txBox="1"/>
           <p:nvPr/>
         </p:nvSpPr>
@@ -9559,7 +9321,7 @@
                 <a:spcPct val="100000"/>
               </a:lnSpc>
             </a:pPr>
-            <a:fld id="{051E98FB-D346-4381-AADE-3393CBC1DEBE}" type="slidenum">
+            <a:fld id="{8E645972-D5F4-41D2-919E-91DE80804DA4}" type="slidenum">
               <a:rPr lang="en-US" sz="1600" b="1">
                 <a:solidFill>
                   <a:srgbClr val="888888"/>
@@ -9627,7 +9389,7 @@
       </p:grpSpPr>
       <p:sp>
         <p:nvSpPr>
-          <p:cNvPr id="97" name="TextShape 1"/>
+          <p:cNvPr id="106" name="TextShape 1"/>
           <p:cNvSpPr txBox="1"/>
           <p:nvPr/>
         </p:nvSpPr>
@@ -9657,15 +9419,15 @@
                 <a:latin typeface="Calibri"/>
                 <a:ea typeface="Calibri"/>
               </a:rPr>
-              <a:t>MovieLens Data</a:t>
-            </a:r>
-            <a:endParaRPr/>
-          </a:p>
-        </p:txBody>
-      </p:sp>
-      <p:sp>
-        <p:nvSpPr>
-          <p:cNvPr id="98" name="TextShape 2"/>
+              <a:t>Installation Notes</a:t>
+            </a:r>
+            <a:endParaRPr/>
+          </a:p>
+        </p:txBody>
+      </p:sp>
+      <p:sp>
+        <p:nvSpPr>
+          <p:cNvPr id="107" name="TextShape 2"/>
           <p:cNvSpPr txBox="1"/>
           <p:nvPr/>
         </p:nvSpPr>
@@ -9686,20 +9448,86 @@
               <a:lnSpc>
                 <a:spcPct val="100000"/>
               </a:lnSpc>
+              <a:buFont typeface="Calibri"/>
+              <a:buChar char="▪"/>
+            </a:pPr>
+            <a:r>
+              <a:rPr lang="en-US">
+                <a:solidFill>
+                  <a:srgbClr val="000000"/>
+                </a:solidFill>
+                <a:latin typeface="Calibri"/>
+                <a:ea typeface="Calibri"/>
+              </a:rPr>
+              <a:t>Follow the instructions on: </a:t>
+            </a:r>
+            <a:r>
+              <a:rPr lang="en-US" u="sng">
+                <a:solidFill>
+                  <a:srgbClr val="0000FF"/>
+                </a:solidFill>
+                <a:latin typeface="Calibri"/>
+                <a:ea typeface="Calibri"/>
+              </a:rPr>
+              <a:t>https://paradigm4.atlassian.net/wiki/display/ESD/SciDB+Community+Edition+Installation+Guide</a:t>
+            </a:r>
+            <a:endParaRPr/>
+          </a:p>
+          <a:p>
+            <a:pPr>
+              <a:lnSpc>
+                <a:spcPct val="100000"/>
+              </a:lnSpc>
+            </a:pPr>
+            <a:endParaRPr/>
+          </a:p>
+          <a:p>
+            <a:pPr>
+              <a:lnSpc>
+                <a:spcPct val="100000"/>
+              </a:lnSpc>
               <a:buFont typeface="Noto Sans Symbols"/>
               <a:buChar char="▪"/>
             </a:pPr>
             <a:r>
-              <a:rPr lang="en-US" sz="2400" dirty="0">
-                <a:solidFill>
-                  <a:srgbClr val="000000"/>
-                </a:solidFill>
-                <a:latin typeface="Calibri"/>
-                <a:ea typeface="Calibri"/>
-              </a:rPr>
-              <a:t>MovieLens.org maintains a database of movie ratings</a:t>
-            </a:r>
-            <a:endParaRPr sz="2400" dirty="0"/>
+              <a:rPr lang="en-US">
+                <a:solidFill>
+                  <a:srgbClr val="000000"/>
+                </a:solidFill>
+                <a:latin typeface="Calibri"/>
+                <a:ea typeface="Calibri"/>
+              </a:rPr>
+              <a:t>The VM that has scidb installed provided by paradigm4 </a:t>
+            </a:r>
+            <a:r>
+              <a:rPr lang="en-US" u="sng">
+                <a:solidFill>
+                  <a:srgbClr val="0000FF"/>
+                </a:solidFill>
+                <a:latin typeface="Calibri"/>
+                <a:ea typeface="Calibri"/>
+              </a:rPr>
+              <a:t>https://drive.google.com/drive/folders/0B7yt0n33Us0rT1FJdmxFV2g0OHc</a:t>
+            </a:r>
+            <a:endParaRPr/>
+          </a:p>
+          <a:p>
+            <a:pPr>
+              <a:lnSpc>
+                <a:spcPct val="100000"/>
+              </a:lnSpc>
+            </a:pPr>
+            <a:r>
+              <a:rPr lang="en-US">
+                <a:solidFill>
+                  <a:srgbClr val="000000"/>
+                </a:solidFill>
+                <a:latin typeface="Calibri"/>
+                <a:ea typeface="Calibri"/>
+              </a:rPr>
+              <a:t>	has several problems:</a:t>
+            </a:r>
+            <a:endParaRPr/>
           </a:p>
           <a:p>
             <a:pPr>
@@ -9709,7 +9537,37 @@
               <a:buFont typeface="Noto Sans Symbols"/>
               <a:buChar char="▪"/>
             </a:pPr>
-            <a:endParaRPr sz="2400" dirty="0"/>
+            <a:r>
+              <a:rPr lang="en-US">
+                <a:solidFill>
+                  <a:srgbClr val="000000"/>
+                </a:solidFill>
+                <a:latin typeface="Calibri"/>
+                <a:ea typeface="Calibri"/>
+              </a:rPr>
+              <a:t>The pre-installed </a:t>
+            </a:r>
+            <a:r>
+              <a:rPr lang="en-US" i="1">
+                <a:solidFill>
+                  <a:srgbClr val="000000"/>
+                </a:solidFill>
+                <a:latin typeface="Calibri"/>
+                <a:ea typeface="Calibri"/>
+              </a:rPr>
+              <a:t>scidb</a:t>
+            </a:r>
+            <a:r>
+              <a:rPr lang="en-US">
+                <a:solidFill>
+                  <a:srgbClr val="000000"/>
+                </a:solidFill>
+                <a:latin typeface="Calibri"/>
+                <a:ea typeface="Calibri"/>
+              </a:rPr>
+              <a:t> R package is severely outdated. Several functions documented in the package are not available.</a:t>
+            </a:r>
+            <a:endParaRPr/>
           </a:p>
           <a:p>
             <a:pPr>
@@ -9720,70 +9578,44 @@
               <a:buChar char="▪"/>
             </a:pPr>
             <a:r>
-              <a:rPr lang="en-US" sz="2400" dirty="0">
-                <a:solidFill>
-                  <a:srgbClr val="000000"/>
-                </a:solidFill>
-                <a:latin typeface="Calibri"/>
-                <a:ea typeface="Calibri"/>
-              </a:rPr>
-              <a:t>Full dataset: </a:t>
-            </a:r>
-            <a:endParaRPr sz="2400" dirty="0"/>
-          </a:p>
-          <a:p>
-            <a:pPr marL="800100" lvl="1" indent="-342900">
-              <a:buSzPct val="75000"/>
-              <a:buFont typeface="+mj-lt"/>
-              <a:buAutoNum type="arabicPeriod"/>
-            </a:pPr>
-            <a:r>
-              <a:rPr lang="en-US" sz="2200" dirty="0">
-                <a:solidFill>
-                  <a:srgbClr val="000000"/>
-                </a:solidFill>
-                <a:latin typeface="Calibri"/>
-                <a:ea typeface="Calibri"/>
-              </a:rPr>
-              <a:t>27,000 rated movies</a:t>
-            </a:r>
-            <a:endParaRPr sz="2200" dirty="0"/>
-          </a:p>
-          <a:p>
-            <a:pPr marL="800100" lvl="1" indent="-342900">
-              <a:buSzPct val="75000"/>
-              <a:buFont typeface="+mj-lt"/>
-              <a:buAutoNum type="arabicPeriod"/>
-            </a:pPr>
-            <a:r>
-              <a:rPr lang="en-US" sz="2200" dirty="0">
-                <a:solidFill>
-                  <a:srgbClr val="000000"/>
-                </a:solidFill>
-                <a:latin typeface="Calibri"/>
-                <a:ea typeface="Calibri"/>
-              </a:rPr>
-              <a:t>138,000 users</a:t>
-            </a:r>
-            <a:endParaRPr sz="2200" dirty="0"/>
-          </a:p>
-          <a:p>
-            <a:pPr marL="800100" lvl="1" indent="-342900">
-              <a:buSzPct val="75000"/>
-              <a:buFont typeface="+mj-lt"/>
-              <a:buAutoNum type="arabicPeriod"/>
-            </a:pPr>
-            <a:r>
-              <a:rPr lang="en-US" sz="2200" dirty="0">
-                <a:solidFill>
-                  <a:srgbClr val="000000"/>
-                </a:solidFill>
-                <a:latin typeface="Calibri"/>
-                <a:ea typeface="Calibri"/>
-              </a:rPr>
-              <a:t>20 million ratings</a:t>
-            </a:r>
-            <a:endParaRPr sz="2400" dirty="0"/>
+              <a:rPr lang="en-US">
+                <a:solidFill>
+                  <a:srgbClr val="000000"/>
+                </a:solidFill>
+                <a:latin typeface="Calibri"/>
+                <a:ea typeface="Calibri"/>
+              </a:rPr>
+              <a:t>There exists a problem with the system’s MPI library that would prevent us to perform many important linear algebra operations like </a:t>
+            </a:r>
+            <a:r>
+              <a:rPr lang="en-US" i="1">
+                <a:solidFill>
+                  <a:srgbClr val="000000"/>
+                </a:solidFill>
+                <a:latin typeface="Calibri"/>
+                <a:ea typeface="Calibri"/>
+              </a:rPr>
+              <a:t>gesvd</a:t>
+            </a:r>
+            <a:r>
+              <a:rPr lang="en-US">
+                <a:solidFill>
+                  <a:srgbClr val="000000"/>
+                </a:solidFill>
+                <a:latin typeface="Calibri"/>
+                <a:ea typeface="Calibri"/>
+              </a:rPr>
+              <a:t>().</a:t>
+            </a:r>
+            <a:endParaRPr/>
+          </a:p>
+          <a:p>
+            <a:pPr>
+              <a:lnSpc>
+                <a:spcPct val="100000"/>
+              </a:lnSpc>
+            </a:pPr>
+            <a:endParaRPr/>
           </a:p>
           <a:p>
             <a:pPr>
@@ -9794,157 +9626,42 @@
               <a:buChar char="▪"/>
             </a:pPr>
             <a:r>
-              <a:rPr lang="en-US" sz="2400" dirty="0">
-                <a:solidFill>
-                  <a:srgbClr val="000000"/>
-                </a:solidFill>
-                <a:latin typeface="Calibri"/>
-                <a:ea typeface="Calibri"/>
-              </a:rPr>
-              <a:t>Small dataset:</a:t>
-            </a:r>
-            <a:endParaRPr sz="2400" dirty="0"/>
-          </a:p>
-          <a:p>
-            <a:pPr marL="914400" lvl="1" indent="-457200">
-              <a:buSzPct val="75000"/>
-              <a:buFont typeface="+mj-lt"/>
-              <a:buAutoNum type="arabicPeriod"/>
-            </a:pPr>
-            <a:r>
-              <a:rPr lang="en-US" sz="2200" dirty="0">
-                <a:solidFill>
-                  <a:srgbClr val="000000"/>
-                </a:solidFill>
-                <a:latin typeface="Calibri"/>
-                <a:ea typeface="Calibri"/>
-              </a:rPr>
-              <a:t>9,000 rated movies</a:t>
-            </a:r>
-            <a:endParaRPr sz="2200" dirty="0"/>
-          </a:p>
-          <a:p>
-            <a:pPr marL="914400" lvl="1" indent="-457200">
-              <a:buSzPct val="75000"/>
-              <a:buFont typeface="+mj-lt"/>
-              <a:buAutoNum type="arabicPeriod"/>
-            </a:pPr>
-            <a:r>
-              <a:rPr lang="en-US" sz="2200" dirty="0">
-                <a:solidFill>
-                  <a:srgbClr val="000000"/>
-                </a:solidFill>
-                <a:latin typeface="Calibri"/>
-                <a:ea typeface="Calibri"/>
-              </a:rPr>
-              <a:t>700 users</a:t>
-            </a:r>
-            <a:endParaRPr sz="2200" dirty="0"/>
-          </a:p>
-          <a:p>
-            <a:pPr marL="914400" lvl="1" indent="-457200">
-              <a:buSzPct val="75000"/>
-              <a:buFont typeface="+mj-lt"/>
-              <a:buAutoNum type="arabicPeriod"/>
-            </a:pPr>
-            <a:r>
-              <a:rPr lang="en-US" sz="2200" dirty="0">
-                <a:solidFill>
-                  <a:srgbClr val="000000"/>
-                </a:solidFill>
-                <a:latin typeface="Calibri"/>
-                <a:ea typeface="Calibri"/>
-              </a:rPr>
-              <a:t>100,000 ratings</a:t>
-            </a:r>
-            <a:r>
-              <a:rPr lang="en-US" sz="2400" dirty="0">
-                <a:solidFill>
-                  <a:srgbClr val="000000"/>
-                </a:solidFill>
-                <a:latin typeface="Calibri"/>
-                <a:ea typeface="Calibri"/>
-              </a:rPr>
-              <a:t/>
-            </a:r>
-            <a:br>
-              <a:rPr lang="en-US" sz="2400" dirty="0">
-                <a:solidFill>
-                  <a:srgbClr val="000000"/>
-                </a:solidFill>
-                <a:latin typeface="Calibri"/>
-                <a:ea typeface="Calibri"/>
-              </a:rPr>
-            </a:br>
-            <a:endParaRPr sz="2400" dirty="0"/>
-          </a:p>
-          <a:p>
-            <a:pPr>
-              <a:buFont typeface="Noto Sans Symbols"/>
-              <a:buChar char="▪"/>
-            </a:pPr>
-            <a:r>
-              <a:rPr lang="en-US" sz="2400" dirty="0">
-                <a:solidFill>
-                  <a:srgbClr val="000000"/>
-                </a:solidFill>
-                <a:latin typeface="Calibri"/>
-                <a:ea typeface="Calibri"/>
-              </a:rPr>
-              <a:t>Big Data ML Goal: </a:t>
-            </a:r>
-          </a:p>
-          <a:p>
-            <a:pPr algn="ctr"/>
-            <a:r>
-              <a:rPr lang="en-US" sz="2400" b="1" i="1" dirty="0">
-                <a:solidFill>
-                  <a:srgbClr val="000000"/>
-                </a:solidFill>
-                <a:latin typeface="Calibri"/>
-                <a:ea typeface="Calibri"/>
-              </a:rPr>
-              <a:t>Cluster users according to similar movies they liked!</a:t>
-            </a:r>
-            <a:br>
-              <a:rPr lang="en-US" sz="2400" b="1" i="1" dirty="0">
-                <a:solidFill>
-                  <a:srgbClr val="000000"/>
-                </a:solidFill>
-                <a:latin typeface="Calibri"/>
-                <a:ea typeface="Calibri"/>
-              </a:rPr>
-            </a:br>
-            <a:endParaRPr lang="en-US" sz="2400" dirty="0">
-              <a:solidFill>
-                <a:srgbClr val="000000"/>
-              </a:solidFill>
-              <a:latin typeface="Calibri"/>
-              <a:ea typeface="Calibri"/>
-            </a:endParaRPr>
-          </a:p>
-          <a:p>
-            <a:pPr>
-              <a:buFont typeface="Noto Sans Symbols"/>
-              <a:buChar char="▪"/>
-            </a:pPr>
-            <a:r>
-              <a:rPr lang="en-US" sz="2400" dirty="0">
-                <a:solidFill>
-                  <a:srgbClr val="000000"/>
-                </a:solidFill>
-                <a:latin typeface="Calibri"/>
-                <a:ea typeface="Calibri"/>
-              </a:rPr>
-              <a:t>Challenge: linear algebra on huge matrices</a:t>
-            </a:r>
-            <a:endParaRPr sz="2400" dirty="0"/>
-          </a:p>
-        </p:txBody>
-      </p:sp>
-      <p:sp>
-        <p:nvSpPr>
-          <p:cNvPr id="99" name="TextShape 3"/>
+              <a:rPr lang="en-US">
+                <a:solidFill>
+                  <a:srgbClr val="000000"/>
+                </a:solidFill>
+                <a:latin typeface="Calibri"/>
+                <a:ea typeface="Calibri"/>
+              </a:rPr>
+              <a:t>Install </a:t>
+            </a:r>
+            <a:r>
+              <a:rPr lang="en-US" i="1">
+                <a:solidFill>
+                  <a:srgbClr val="000000"/>
+                </a:solidFill>
+                <a:latin typeface="Calibri"/>
+                <a:ea typeface="Calibri"/>
+              </a:rPr>
+              <a:t>scidb</a:t>
+            </a:r>
+            <a:r>
+              <a:rPr lang="en-US">
+                <a:solidFill>
+                  <a:srgbClr val="000000"/>
+                </a:solidFill>
+                <a:latin typeface="Calibri"/>
+                <a:ea typeface="Calibri"/>
+              </a:rPr>
+              <a:t> 15.12 on Ubuntu 14.04 from scratch.</a:t>
+            </a:r>
+            <a:endParaRPr/>
+          </a:p>
+        </p:txBody>
+      </p:sp>
+      <p:sp>
+        <p:nvSpPr>
+          <p:cNvPr id="108" name="TextShape 3"/>
           <p:cNvSpPr txBox="1"/>
           <p:nvPr/>
         </p:nvSpPr>
@@ -9982,7 +9699,7 @@
       </p:sp>
       <p:sp>
         <p:nvSpPr>
-          <p:cNvPr id="100" name="TextShape 4"/>
+          <p:cNvPr id="109" name="TextShape 4"/>
           <p:cNvSpPr txBox="1"/>
           <p:nvPr/>
         </p:nvSpPr>
@@ -10004,7 +9721,7 @@
                 <a:spcPct val="100000"/>
               </a:lnSpc>
             </a:pPr>
-            <a:fld id="{E0B35581-8617-43B3-B2D8-CD72D7879CFE}" type="slidenum">
+            <a:fld id="{D32AF26C-8008-4327-A64E-C74BB1F5A427}" type="slidenum">
               <a:rPr lang="en-US" sz="1600" b="1">
                 <a:solidFill>
                   <a:srgbClr val="888888"/>
@@ -10018,31 +9735,6 @@
           </a:p>
         </p:txBody>
       </p:sp>
-      <p:pic>
-        <p:nvPicPr>
-          <p:cNvPr id="101" name="Picture 100"/>
-          <p:cNvPicPr/>
-          <p:nvPr/>
-        </p:nvPicPr>
-        <p:blipFill>
-          <a:blip r:embed="rId2"/>
-          <a:stretch>
-            <a:fillRect/>
-          </a:stretch>
-        </p:blipFill>
-        <p:spPr>
-          <a:xfrm>
-            <a:off x="4700160" y="2103120"/>
-            <a:ext cx="2926080" cy="2057400"/>
-          </a:xfrm>
-          <a:prstGeom prst="rect">
-            <a:avLst/>
-          </a:prstGeom>
-          <a:ln>
-            <a:noFill/>
-          </a:ln>
-        </p:spPr>
-      </p:pic>
     </p:spTree>
   </p:cSld>
   <p:clrMapOvr>
@@ -10097,7 +9789,7 @@
       </p:grpSpPr>
       <p:sp>
         <p:nvSpPr>
-          <p:cNvPr id="102" name="TextShape 1"/>
+          <p:cNvPr id="110" name="TextShape 1"/>
           <p:cNvSpPr txBox="1"/>
           <p:nvPr/>
         </p:nvSpPr>
@@ -10120,32 +9812,22 @@
               </a:lnSpc>
             </a:pPr>
             <a:r>
-              <a:rPr lang="en-US" sz="3200" dirty="0" err="1">
+              <a:rPr lang="en-US" sz="3200">
                 <a:solidFill>
                   <a:srgbClr val="0070C0"/>
                 </a:solidFill>
                 <a:latin typeface="Calibri"/>
                 <a:ea typeface="Calibri"/>
               </a:rPr>
-              <a:t>SciDB</a:t>
-            </a:r>
-            <a:r>
-              <a:rPr lang="en-US" sz="3200" dirty="0">
-                <a:solidFill>
-                  <a:srgbClr val="0070C0"/>
-                </a:solidFill>
-                <a:latin typeface="Calibri"/>
-                <a:ea typeface="Calibri"/>
-              </a:rPr>
-              <a:t> for Large Scale Math and Stats</a:t>
-            </a:r>
-            <a:endParaRPr dirty="0"/>
-          </a:p>
-        </p:txBody>
-      </p:sp>
-      <p:sp>
-        <p:nvSpPr>
-          <p:cNvPr id="103" name="TextShape 2"/>
+              <a:t>Installation Notes</a:t>
+            </a:r>
+            <a:endParaRPr/>
+          </a:p>
+        </p:txBody>
+      </p:sp>
+      <p:sp>
+        <p:nvSpPr>
+          <p:cNvPr id="111" name="TextShape 2"/>
           <p:cNvSpPr txBox="1"/>
           <p:nvPr/>
         </p:nvSpPr>
@@ -10162,68 +9844,6 @@
           <a:bodyPr/>
           <a:lstStyle/>
           <a:p>
-            <a:pPr algn="ctr"/>
-            <a:r>
-              <a:rPr lang="en-US" sz="2400" b="1" i="1" dirty="0" err="1">
-                <a:solidFill>
-                  <a:srgbClr val="000000"/>
-                </a:solidFill>
-                <a:latin typeface="Calibri"/>
-                <a:ea typeface="Calibri"/>
-              </a:rPr>
-              <a:t>SciDB</a:t>
-            </a:r>
-            <a:r>
-              <a:rPr lang="en-US" sz="2400" b="1" i="1" dirty="0">
-                <a:solidFill>
-                  <a:srgbClr val="000000"/>
-                </a:solidFill>
-                <a:latin typeface="Calibri"/>
-                <a:ea typeface="Calibri"/>
-              </a:rPr>
-              <a:t> is designed for fast linear algebra on large arrays.</a:t>
-            </a:r>
-            <a:r>
-              <a:rPr lang="en-US" sz="2400" i="1" dirty="0">
-                <a:solidFill>
-                  <a:srgbClr val="000000"/>
-                </a:solidFill>
-                <a:latin typeface="Calibri"/>
-                <a:ea typeface="Calibri"/>
-              </a:rPr>
-              <a:t/>
-            </a:r>
-            <a:br>
-              <a:rPr lang="en-US" sz="2400" i="1" dirty="0">
-                <a:solidFill>
-                  <a:srgbClr val="000000"/>
-                </a:solidFill>
-                <a:latin typeface="Calibri"/>
-                <a:ea typeface="Calibri"/>
-              </a:rPr>
-            </a:br>
-            <a:r>
-              <a:rPr lang="en-US" sz="2400" i="1" dirty="0">
-                <a:solidFill>
-                  <a:srgbClr val="000000"/>
-                </a:solidFill>
-                <a:latin typeface="Calibri"/>
-                <a:ea typeface="Calibri"/>
-              </a:rPr>
-              <a:t>Efficient architecture for data storage and distributed computing suitable for mathematical and statistical operations</a:t>
-            </a:r>
-            <a:br>
-              <a:rPr lang="en-US" sz="2400" i="1" dirty="0">
-                <a:solidFill>
-                  <a:srgbClr val="000000"/>
-                </a:solidFill>
-                <a:latin typeface="Calibri"/>
-                <a:ea typeface="Calibri"/>
-              </a:rPr>
-            </a:br>
-            <a:endParaRPr sz="2400" dirty="0"/>
-          </a:p>
-          <a:p>
             <a:pPr>
               <a:lnSpc>
                 <a:spcPct val="100000"/>
@@ -10232,121 +9852,19 @@
               <a:buChar char="▪"/>
             </a:pPr>
             <a:r>
-              <a:rPr lang="en-US" sz="2400" dirty="0">
-                <a:solidFill>
-                  <a:srgbClr val="000000"/>
-                </a:solidFill>
-                <a:latin typeface="Calibri"/>
-                <a:ea typeface="Calibri"/>
-              </a:rPr>
-              <a:t>Demo of </a:t>
-            </a:r>
-            <a:r>
-              <a:rPr lang="en-US" sz="2400" dirty="0" err="1">
-                <a:solidFill>
-                  <a:srgbClr val="000000"/>
-                </a:solidFill>
-                <a:latin typeface="Calibri"/>
-                <a:ea typeface="Calibri"/>
-              </a:rPr>
-              <a:t>SciDB's</a:t>
-            </a:r>
-            <a:r>
-              <a:rPr lang="en-US" sz="2400" dirty="0">
-                <a:solidFill>
-                  <a:srgbClr val="000000"/>
-                </a:solidFill>
-                <a:latin typeface="Calibri"/>
-                <a:ea typeface="Calibri"/>
-              </a:rPr>
-              <a:t> capabilities:</a:t>
-            </a:r>
-            <a:br>
-              <a:rPr lang="en-US" sz="2400" dirty="0">
-                <a:solidFill>
-                  <a:srgbClr val="000000"/>
-                </a:solidFill>
-                <a:latin typeface="Calibri"/>
-                <a:ea typeface="Calibri"/>
-              </a:rPr>
-            </a:br>
-            <a:endParaRPr sz="2400" dirty="0"/>
+              <a:rPr lang="en-US">
+                <a:solidFill>
+                  <a:srgbClr val="000000"/>
+                </a:solidFill>
+                <a:latin typeface="Calibri"/>
+                <a:ea typeface="Calibri"/>
+              </a:rPr>
+              <a:t>Ubuntu 14.04 download and set-up:</a:t>
+            </a:r>
+            <a:endParaRPr/>
           </a:p>
           <a:p>
             <a:pPr lvl="1">
-              <a:buFont typeface="StarSymbol"/>
-              <a:buAutoNum type="arabicParenR"/>
-            </a:pPr>
-            <a:r>
-              <a:rPr lang="en-US" sz="2400" dirty="0">
-                <a:solidFill>
-                  <a:srgbClr val="000000"/>
-                </a:solidFill>
-                <a:latin typeface="Calibri"/>
-                <a:ea typeface="Calibri"/>
-              </a:rPr>
-              <a:t> </a:t>
-            </a:r>
-            <a:r>
-              <a:rPr lang="en-US" sz="2400" i="1" dirty="0">
-                <a:solidFill>
-                  <a:srgbClr val="00B0F0"/>
-                </a:solidFill>
-                <a:latin typeface="Calibri"/>
-                <a:ea typeface="Calibri"/>
-              </a:rPr>
-              <a:t>Sparse matrix multiply</a:t>
-            </a:r>
-            <a:endParaRPr sz="2400" dirty="0">
-              <a:solidFill>
-                <a:srgbClr val="00B0F0"/>
-              </a:solidFill>
-            </a:endParaRPr>
-          </a:p>
-          <a:p>
-            <a:pPr lvl="1">
-              <a:buFont typeface="StarSymbol"/>
-              <a:buAutoNum type="arabicParenR"/>
-            </a:pPr>
-            <a:r>
-              <a:rPr lang="en-US" sz="2400" dirty="0">
-                <a:solidFill>
-                  <a:srgbClr val="000000"/>
-                </a:solidFill>
-                <a:latin typeface="Calibri"/>
-                <a:ea typeface="Calibri"/>
-              </a:rPr>
-              <a:t> </a:t>
-            </a:r>
-            <a:r>
-              <a:rPr lang="en-US" sz="2400" i="1" dirty="0">
-                <a:solidFill>
-                  <a:srgbClr val="00B050"/>
-                </a:solidFill>
-                <a:latin typeface="Calibri"/>
-                <a:ea typeface="Calibri"/>
-              </a:rPr>
-              <a:t>Singular Value Decomposition</a:t>
-            </a:r>
-            <a:br>
-              <a:rPr lang="en-US" sz="2400" i="1" dirty="0">
-                <a:solidFill>
-                  <a:srgbClr val="00B050"/>
-                </a:solidFill>
-                <a:latin typeface="Calibri"/>
-                <a:ea typeface="Calibri"/>
-              </a:rPr>
-            </a:br>
-            <a:endParaRPr lang="en-US" sz="2400" i="1" dirty="0">
-              <a:solidFill>
-                <a:srgbClr val="00B050"/>
-              </a:solidFill>
-              <a:latin typeface="Calibri"/>
-              <a:ea typeface="Calibri"/>
-            </a:endParaRPr>
-          </a:p>
-          <a:p>
-            <a:pPr>
               <a:lnSpc>
                 <a:spcPct val="100000"/>
               </a:lnSpc>
@@ -10354,134 +9872,260 @@
               <a:buChar char="▪"/>
             </a:pPr>
             <a:r>
-              <a:rPr lang="en-US" sz="2400" dirty="0">
-                <a:solidFill>
-                  <a:srgbClr val="000000"/>
-                </a:solidFill>
-                <a:latin typeface="Calibri"/>
-                <a:ea typeface="Calibri"/>
-              </a:rPr>
-              <a:t>Demo 2 clustering methods using </a:t>
-            </a:r>
-            <a:r>
-              <a:rPr lang="en-US" sz="2400" dirty="0" err="1">
-                <a:solidFill>
-                  <a:srgbClr val="000000"/>
-                </a:solidFill>
-                <a:latin typeface="Calibri"/>
-                <a:ea typeface="Calibri"/>
-              </a:rPr>
-              <a:t>SciDB</a:t>
-            </a:r>
-            <a:r>
-              <a:rPr lang="en-US" sz="2400" dirty="0">
-                <a:solidFill>
-                  <a:srgbClr val="000000"/>
-                </a:solidFill>
-                <a:latin typeface="Calibri"/>
-                <a:ea typeface="Calibri"/>
-              </a:rPr>
-              <a:t>:</a:t>
-            </a:r>
-            <a:br>
-              <a:rPr lang="en-US" sz="2400" dirty="0">
-                <a:solidFill>
-                  <a:srgbClr val="000000"/>
-                </a:solidFill>
-                <a:latin typeface="Calibri"/>
-                <a:ea typeface="Calibri"/>
-              </a:rPr>
-            </a:br>
-            <a:endParaRPr lang="en-US" sz="2400" dirty="0"/>
+              <a:rPr lang="en-US" u="sng">
+                <a:solidFill>
+                  <a:srgbClr val="0000FF"/>
+                </a:solidFill>
+                <a:latin typeface="Calibri"/>
+                <a:ea typeface="Calibri"/>
+              </a:rPr>
+              <a:t>http://releases.ubuntu.com/14.04/</a:t>
+            </a:r>
+            <a:endParaRPr/>
           </a:p>
           <a:p>
             <a:pPr lvl="1">
-              <a:buFont typeface="StarSymbol"/>
-              <a:buAutoNum type="arabicParenR"/>
-            </a:pPr>
-            <a:r>
-              <a:rPr lang="en-US" sz="2400" dirty="0">
-                <a:solidFill>
-                  <a:srgbClr val="000000"/>
-                </a:solidFill>
-                <a:latin typeface="Calibri"/>
-                <a:ea typeface="Calibri"/>
-              </a:rPr>
-              <a:t>Cluster users based on </a:t>
-            </a:r>
-            <a:r>
-              <a:rPr lang="en-US" sz="2400" dirty="0">
-                <a:solidFill>
-                  <a:srgbClr val="00B0F0"/>
-                </a:solidFill>
-                <a:latin typeface="Calibri"/>
-                <a:ea typeface="Calibri"/>
-              </a:rPr>
-              <a:t>correlations</a:t>
-            </a:r>
-            <a:r>
-              <a:rPr lang="en-US" sz="2400" dirty="0">
-                <a:solidFill>
-                  <a:srgbClr val="000000"/>
-                </a:solidFill>
-                <a:latin typeface="Calibri"/>
-                <a:ea typeface="Calibri"/>
-              </a:rPr>
-              <a:t> between users' ratings. </a:t>
-            </a:r>
-            <a:endParaRPr lang="en-US" sz="2400" dirty="0"/>
+              <a:lnSpc>
+                <a:spcPct val="100000"/>
+              </a:lnSpc>
+              <a:buFont typeface="Noto Sans Symbols"/>
+              <a:buChar char="▪"/>
+            </a:pPr>
+            <a:r>
+              <a:rPr lang="en-US">
+                <a:solidFill>
+                  <a:srgbClr val="000000"/>
+                </a:solidFill>
+                <a:latin typeface="Calibri"/>
+                <a:ea typeface="Calibri"/>
+              </a:rPr>
+              <a:t>scidb installation requires passwords for both the root and scidb users on all the hosts. So the root login must be enabled on Ubuntu. This link explains the setup: </a:t>
+            </a:r>
+            <a:r>
+              <a:rPr lang="en-US" u="sng">
+                <a:solidFill>
+                  <a:srgbClr val="0000FF"/>
+                </a:solidFill>
+                <a:latin typeface="Calibri"/>
+                <a:ea typeface="Calibri"/>
+              </a:rPr>
+              <a:t>https://askubuntu.com/questions/44418/how-to-enable-root-login</a:t>
+            </a:r>
+            <a:endParaRPr/>
+          </a:p>
+          <a:p>
+            <a:pPr>
+              <a:lnSpc>
+                <a:spcPct val="100000"/>
+              </a:lnSpc>
+            </a:pPr>
+            <a:endParaRPr/>
+          </a:p>
+          <a:p>
+            <a:pPr>
+              <a:lnSpc>
+                <a:spcPct val="100000"/>
+              </a:lnSpc>
+              <a:buFont typeface="Noto Sans Symbols"/>
+              <a:buChar char="▪"/>
+            </a:pPr>
+            <a:r>
+              <a:rPr lang="en-US">
+                <a:solidFill>
+                  <a:srgbClr val="000000"/>
+                </a:solidFill>
+                <a:latin typeface="Calibri"/>
+                <a:ea typeface="Calibri"/>
+              </a:rPr>
+              <a:t>SSH public key</a:t>
+            </a:r>
+            <a:endParaRPr/>
           </a:p>
           <a:p>
             <a:pPr lvl="1">
-              <a:buFont typeface="StarSymbol"/>
-              <a:buAutoNum type="arabicParenR"/>
-            </a:pPr>
-            <a:r>
-              <a:rPr lang="en-US" sz="2400" dirty="0">
-                <a:solidFill>
-                  <a:srgbClr val="000000"/>
-                </a:solidFill>
-                <a:latin typeface="Calibri"/>
-                <a:ea typeface="Calibri"/>
-              </a:rPr>
-              <a:t>Cluster users by </a:t>
-            </a:r>
-            <a:r>
-              <a:rPr lang="en-US" sz="2400" dirty="0">
-                <a:solidFill>
-                  <a:srgbClr val="00B050"/>
-                </a:solidFill>
-                <a:latin typeface="Calibri"/>
-                <a:ea typeface="Calibri"/>
-              </a:rPr>
-              <a:t>Principle Component Analysis</a:t>
-            </a:r>
-            <a:r>
-              <a:rPr lang="en-US" sz="2400" dirty="0">
-                <a:solidFill>
-                  <a:srgbClr val="000000"/>
-                </a:solidFill>
-                <a:latin typeface="Calibri"/>
-                <a:ea typeface="Calibri"/>
-              </a:rPr>
-              <a:t>.</a:t>
-            </a:r>
-            <a:br>
-              <a:rPr lang="en-US" sz="2400" dirty="0">
-                <a:solidFill>
-                  <a:srgbClr val="000000"/>
-                </a:solidFill>
-                <a:latin typeface="Calibri"/>
-                <a:ea typeface="Calibri"/>
-              </a:rPr>
-            </a:br>
-            <a:endParaRPr lang="en-US" sz="2400" dirty="0"/>
-          </a:p>
-        </p:txBody>
-      </p:sp>
-      <p:sp>
-        <p:nvSpPr>
-          <p:cNvPr id="104" name="TextShape 3"/>
+              <a:lnSpc>
+                <a:spcPct val="100000"/>
+              </a:lnSpc>
+              <a:buFont typeface="Noto Sans Symbols"/>
+              <a:buChar char="▪"/>
+            </a:pPr>
+            <a:r>
+              <a:rPr lang="en-US">
+                <a:solidFill>
+                  <a:srgbClr val="000000"/>
+                </a:solidFill>
+                <a:latin typeface="Calibri"/>
+                <a:ea typeface="Calibri"/>
+              </a:rPr>
+              <a:t>Following section “Providing Passwordless SSH” in the installation document</a:t>
+            </a:r>
+            <a:endParaRPr/>
+          </a:p>
+          <a:p>
+            <a:pPr lvl="2">
+              <a:lnSpc>
+                <a:spcPct val="100000"/>
+              </a:lnSpc>
+              <a:buFont typeface="Noto Sans Symbols"/>
+              <a:buChar char="▪"/>
+            </a:pPr>
+            <a:r>
+              <a:rPr lang="en-US" sz="1600">
+                <a:solidFill>
+                  <a:srgbClr val="000000"/>
+                </a:solidFill>
+                <a:latin typeface="Calibri"/>
+                <a:ea typeface="Calibri"/>
+              </a:rPr>
+              <a:t>Copy the generated public key file  </a:t>
+            </a:r>
+            <a:r>
+              <a:rPr lang="en-US" sz="1600" i="1">
+                <a:solidFill>
+                  <a:srgbClr val="000000"/>
+                </a:solidFill>
+                <a:latin typeface="Calibri"/>
+                <a:ea typeface="Calibri"/>
+              </a:rPr>
+              <a:t>id_rsa.pub</a:t>
+            </a:r>
+            <a:r>
+              <a:rPr lang="en-US" sz="1600">
+                <a:solidFill>
+                  <a:srgbClr val="000000"/>
+                </a:solidFill>
+                <a:latin typeface="Calibri"/>
+                <a:ea typeface="Calibri"/>
+              </a:rPr>
+              <a:t> in the </a:t>
+            </a:r>
+            <a:r>
+              <a:rPr lang="en-US" sz="1600" i="1">
+                <a:solidFill>
+                  <a:srgbClr val="000000"/>
+                </a:solidFill>
+                <a:latin typeface="Calibri"/>
+                <a:ea typeface="Calibri"/>
+              </a:rPr>
+              <a:t>/home/.ssh</a:t>
+            </a:r>
+            <a:r>
+              <a:rPr lang="en-US" sz="1600">
+                <a:solidFill>
+                  <a:srgbClr val="000000"/>
+                </a:solidFill>
+                <a:latin typeface="Calibri"/>
+                <a:ea typeface="Calibri"/>
+              </a:rPr>
+              <a:t> directory to the </a:t>
+            </a:r>
+            <a:r>
+              <a:rPr lang="en-US" sz="1600" i="1">
+                <a:solidFill>
+                  <a:srgbClr val="000000"/>
+                </a:solidFill>
+                <a:latin typeface="Calibri"/>
+                <a:ea typeface="Calibri"/>
+              </a:rPr>
+              <a:t>./ssh</a:t>
+            </a:r>
+            <a:r>
+              <a:rPr lang="en-US" sz="1600">
+                <a:solidFill>
+                  <a:srgbClr val="000000"/>
+                </a:solidFill>
+                <a:latin typeface="Calibri"/>
+                <a:ea typeface="Calibri"/>
+              </a:rPr>
+              <a:t> directories of all the users living on the cluster of one or more hosts, and rename it as “</a:t>
+            </a:r>
+            <a:r>
+              <a:rPr lang="en-US" sz="1600" i="1">
+                <a:solidFill>
+                  <a:srgbClr val="000000"/>
+                </a:solidFill>
+                <a:latin typeface="Calibri"/>
+                <a:ea typeface="Calibri"/>
+              </a:rPr>
+              <a:t>authorized_keys</a:t>
+            </a:r>
+            <a:r>
+              <a:rPr lang="en-US" sz="1600">
+                <a:solidFill>
+                  <a:srgbClr val="000000"/>
+                </a:solidFill>
+                <a:latin typeface="Calibri"/>
+                <a:ea typeface="Calibri"/>
+              </a:rPr>
+              <a:t>”</a:t>
+            </a:r>
+            <a:endParaRPr/>
+          </a:p>
+          <a:p>
+            <a:pPr lvl="2">
+              <a:lnSpc>
+                <a:spcPct val="100000"/>
+              </a:lnSpc>
+              <a:buFont typeface="Noto Sans Symbols"/>
+              <a:buChar char="▪"/>
+            </a:pPr>
+            <a:r>
+              <a:rPr lang="en-US" sz="1600">
+                <a:solidFill>
+                  <a:srgbClr val="000000"/>
+                </a:solidFill>
+                <a:latin typeface="Calibri"/>
+                <a:ea typeface="Calibri"/>
+              </a:rPr>
+              <a:t>In our case, 1 host 2 uses, “scidb” and “root”, so copy and rename </a:t>
+            </a:r>
+            <a:r>
+              <a:rPr lang="en-US" sz="1600" i="1">
+                <a:solidFill>
+                  <a:srgbClr val="000000"/>
+                </a:solidFill>
+                <a:latin typeface="Calibri"/>
+                <a:ea typeface="Calibri"/>
+              </a:rPr>
+              <a:t>id_rsa.pub</a:t>
+            </a:r>
+            <a:r>
+              <a:rPr lang="en-US" sz="1600">
+                <a:solidFill>
+                  <a:srgbClr val="000000"/>
+                </a:solidFill>
+                <a:latin typeface="Calibri"/>
+                <a:ea typeface="Calibri"/>
+              </a:rPr>
+              <a:t> to /home/.ssh and /root/.ssh.</a:t>
+            </a:r>
+            <a:endParaRPr/>
+          </a:p>
+          <a:p>
+            <a:pPr lvl="2">
+              <a:lnSpc>
+                <a:spcPct val="100000"/>
+              </a:lnSpc>
+              <a:buFont typeface="Noto Sans Symbols"/>
+              <a:buChar char="▪"/>
+            </a:pPr>
+            <a:r>
+              <a:rPr lang="en-US" sz="1600">
+                <a:solidFill>
+                  <a:srgbClr val="000000"/>
+                </a:solidFill>
+                <a:latin typeface="Calibri"/>
+                <a:ea typeface="Calibri"/>
+              </a:rPr>
+              <a:t>The /.ssh directories are hidden by default in Ubuntu 14.04.</a:t>
+            </a:r>
+            <a:endParaRPr/>
+          </a:p>
+        </p:txBody>
+      </p:sp>
+      <p:sp>
+        <p:nvSpPr>
+          <p:cNvPr id="112" name="TextShape 3"/>
           <p:cNvSpPr txBox="1"/>
           <p:nvPr/>
         </p:nvSpPr>
@@ -10519,7 +10163,7 @@
       </p:sp>
       <p:sp>
         <p:nvSpPr>
-          <p:cNvPr id="105" name="TextShape 4"/>
+          <p:cNvPr id="113" name="TextShape 4"/>
           <p:cNvSpPr txBox="1"/>
           <p:nvPr/>
         </p:nvSpPr>
@@ -10541,7 +10185,7 @@
                 <a:spcPct val="100000"/>
               </a:lnSpc>
             </a:pPr>
-            <a:fld id="{8E645972-D5F4-41D2-919E-91DE80804DA4}" type="slidenum">
+            <a:fld id="{4C51B21A-2C4E-4720-8CB1-447BB240DED8}" type="slidenum">
               <a:rPr lang="en-US" sz="1600" b="1">
                 <a:solidFill>
                   <a:srgbClr val="888888"/>
@@ -10609,7 +10253,7 @@
       </p:grpSpPr>
       <p:sp>
         <p:nvSpPr>
-          <p:cNvPr id="106" name="TextShape 1"/>
+          <p:cNvPr id="114" name="TextShape 1"/>
           <p:cNvSpPr txBox="1"/>
           <p:nvPr/>
         </p:nvSpPr>
@@ -10647,7 +10291,7 @@
       </p:sp>
       <p:sp>
         <p:nvSpPr>
-          <p:cNvPr id="107" name="TextShape 2"/>
+          <p:cNvPr id="115" name="TextShape 2"/>
           <p:cNvSpPr txBox="1"/>
           <p:nvPr/>
         </p:nvSpPr>
@@ -10668,44 +10312,6 @@
               <a:lnSpc>
                 <a:spcPct val="100000"/>
               </a:lnSpc>
-              <a:buFont typeface="Calibri"/>
-              <a:buChar char="▪"/>
-            </a:pPr>
-            <a:r>
-              <a:rPr lang="en-US">
-                <a:solidFill>
-                  <a:srgbClr val="000000"/>
-                </a:solidFill>
-                <a:latin typeface="Calibri"/>
-                <a:ea typeface="Calibri"/>
-              </a:rPr>
-              <a:t>Follow the instructions on: </a:t>
-            </a:r>
-            <a:r>
-              <a:rPr lang="en-US" u="sng">
-                <a:solidFill>
-                  <a:srgbClr val="0000FF"/>
-                </a:solidFill>
-                <a:latin typeface="Calibri"/>
-                <a:ea typeface="Calibri"/>
-              </a:rPr>
-              <a:t>https://paradigm4.atlassian.net/wiki/display/ESD/SciDB+Community+Edition+Installation+Guide</a:t>
-            </a:r>
-            <a:endParaRPr/>
-          </a:p>
-          <a:p>
-            <a:pPr>
-              <a:lnSpc>
-                <a:spcPct val="100000"/>
-              </a:lnSpc>
-            </a:pPr>
-            <a:endParaRPr/>
-          </a:p>
-          <a:p>
-            <a:pPr>
-              <a:lnSpc>
-                <a:spcPct val="100000"/>
-              </a:lnSpc>
               <a:buFont typeface="Noto Sans Symbols"/>
               <a:buChar char="▪"/>
             </a:pPr>
@@ -10717,40 +10323,12 @@
                 <a:latin typeface="Calibri"/>
                 <a:ea typeface="Calibri"/>
               </a:rPr>
-              <a:t>The VM that has scidb installed provided by paradigm4 </a:t>
-            </a:r>
-            <a:r>
-              <a:rPr lang="en-US" u="sng">
-                <a:solidFill>
-                  <a:srgbClr val="0000FF"/>
-                </a:solidFill>
-                <a:latin typeface="Calibri"/>
-                <a:ea typeface="Calibri"/>
-              </a:rPr>
-              <a:t>https://drive.google.com/drive/folders/0B7yt0n33Us0rT1FJdmxFV2g0OHc</a:t>
-            </a:r>
-            <a:endParaRPr/>
-          </a:p>
-          <a:p>
-            <a:pPr>
-              <a:lnSpc>
-                <a:spcPct val="100000"/>
-              </a:lnSpc>
-            </a:pPr>
-            <a:r>
-              <a:rPr lang="en-US">
-                <a:solidFill>
-                  <a:srgbClr val="000000"/>
-                </a:solidFill>
-                <a:latin typeface="Calibri"/>
-                <a:ea typeface="Calibri"/>
-              </a:rPr>
-              <a:t>	has several problems:</a:t>
-            </a:r>
-            <a:endParaRPr/>
-          </a:p>
-          <a:p>
-            <a:pPr>
+              <a:t>“Agent admitted failure to sign using the key”</a:t>
+            </a:r>
+            <a:endParaRPr/>
+          </a:p>
+          <a:p>
+            <a:pPr lvl="1">
               <a:lnSpc>
                 <a:spcPct val="100000"/>
               </a:lnSpc>
@@ -10765,32 +10343,12 @@
                 <a:latin typeface="Calibri"/>
                 <a:ea typeface="Calibri"/>
               </a:rPr>
-              <a:t>The pre-installed </a:t>
-            </a:r>
-            <a:r>
-              <a:rPr lang="en-US" i="1">
-                <a:solidFill>
-                  <a:srgbClr val="000000"/>
-                </a:solidFill>
-                <a:latin typeface="Calibri"/>
-                <a:ea typeface="Calibri"/>
-              </a:rPr>
-              <a:t>scidb</a:t>
-            </a:r>
-            <a:r>
-              <a:rPr lang="en-US">
-                <a:solidFill>
-                  <a:srgbClr val="000000"/>
-                </a:solidFill>
-                <a:latin typeface="Calibri"/>
-                <a:ea typeface="Calibri"/>
-              </a:rPr>
-              <a:t> R package is severely outdated. Several functions documented in the package are not available.</a:t>
-            </a:r>
-            <a:endParaRPr/>
-          </a:p>
-          <a:p>
-            <a:pPr>
+              <a:t>After deploying scidb access to the users, to confirm the connection, the above error could happen.</a:t>
+            </a:r>
+            <a:endParaRPr/>
+          </a:p>
+          <a:p>
+            <a:pPr lvl="1">
               <a:lnSpc>
                 <a:spcPct val="100000"/>
               </a:lnSpc>
@@ -10805,40 +10363,12 @@
                 <a:latin typeface="Calibri"/>
                 <a:ea typeface="Calibri"/>
               </a:rPr>
-              <a:t>There exists a problem with the system’s MPI library that would prevent us to perform many important linear algebra operations like </a:t>
-            </a:r>
-            <a:r>
-              <a:rPr lang="en-US" i="1">
-                <a:solidFill>
-                  <a:srgbClr val="000000"/>
-                </a:solidFill>
-                <a:latin typeface="Calibri"/>
-                <a:ea typeface="Calibri"/>
-              </a:rPr>
-              <a:t>gesvd</a:t>
-            </a:r>
-            <a:r>
-              <a:rPr lang="en-US">
-                <a:solidFill>
-                  <a:srgbClr val="000000"/>
-                </a:solidFill>
-                <a:latin typeface="Calibri"/>
-                <a:ea typeface="Calibri"/>
-              </a:rPr>
-              <a:t>().</a:t>
-            </a:r>
-            <a:endParaRPr/>
-          </a:p>
-          <a:p>
-            <a:pPr>
-              <a:lnSpc>
-                <a:spcPct val="100000"/>
-              </a:lnSpc>
-            </a:pPr>
-            <a:endParaRPr/>
-          </a:p>
-          <a:p>
-            <a:pPr>
+              <a:t>Cause: Ubuntu desktop system uses gnome-keyring, which doesn’t always handle specific formats of SSH keys correctly.</a:t>
+            </a:r>
+            <a:endParaRPr/>
+          </a:p>
+          <a:p>
+            <a:pPr lvl="1">
               <a:lnSpc>
                 <a:spcPct val="100000"/>
               </a:lnSpc>
@@ -10853,7 +10383,7 @@
                 <a:latin typeface="Calibri"/>
                 <a:ea typeface="Calibri"/>
               </a:rPr>
-              <a:t>Install </a:t>
+              <a:t>To confirm the cause, add </a:t>
             </a:r>
             <a:r>
               <a:rPr lang="en-US" i="1">
@@ -10863,7 +10393,7 @@
                 <a:latin typeface="Calibri"/>
                 <a:ea typeface="Calibri"/>
               </a:rPr>
-              <a:t>scidb</a:t>
+              <a:t>SSH_AUTH_SOCK=0</a:t>
             </a:r>
             <a:r>
               <a:rPr lang="en-US">
@@ -10873,15 +10403,71 @@
                 <a:latin typeface="Calibri"/>
                 <a:ea typeface="Calibri"/>
               </a:rPr>
-              <a:t> 15.12 on Ubuntu 14.04 from scratch.</a:t>
-            </a:r>
-            <a:endParaRPr/>
-          </a:p>
-        </p:txBody>
-      </p:sp>
-      <p:sp>
-        <p:nvSpPr>
-          <p:cNvPr id="108" name="TextShape 3"/>
+              <a:t> in front of ssh connecting command, e.g.</a:t>
+            </a:r>
+            <a:endParaRPr/>
+          </a:p>
+          <a:p>
+            <a:pPr lvl="2">
+              <a:lnSpc>
+                <a:spcPct val="100000"/>
+              </a:lnSpc>
+              <a:buFont typeface="Noto Sans Symbols"/>
+              <a:buChar char="▪"/>
+            </a:pPr>
+            <a:r>
+              <a:rPr lang="en-US" i="1">
+                <a:solidFill>
+                  <a:srgbClr val="000000"/>
+                </a:solidFill>
+                <a:latin typeface="Calibri"/>
+                <a:ea typeface="Calibri"/>
+              </a:rPr>
+              <a:t>SSH_AUTH_SOCK=0 ssh scidb@127.0.0.1</a:t>
+            </a:r>
+            <a:endParaRPr/>
+          </a:p>
+          <a:p>
+            <a:pPr lvl="1">
+              <a:lnSpc>
+                <a:spcPct val="100000"/>
+              </a:lnSpc>
+              <a:buFont typeface="Noto Sans Symbols"/>
+              <a:buChar char="▪"/>
+            </a:pPr>
+            <a:r>
+              <a:rPr lang="en-US">
+                <a:solidFill>
+                  <a:srgbClr val="000000"/>
+                </a:solidFill>
+                <a:latin typeface="Calibri"/>
+                <a:ea typeface="Calibri"/>
+              </a:rPr>
+              <a:t>Solution: uncheck SSH key Agent in “Startup Applications Preferences”.</a:t>
+            </a:r>
+            <a:endParaRPr/>
+          </a:p>
+          <a:p>
+            <a:pPr>
+              <a:lnSpc>
+                <a:spcPct val="100000"/>
+              </a:lnSpc>
+            </a:pPr>
+            <a:endParaRPr/>
+          </a:p>
+          <a:p>
+            <a:pPr>
+              <a:lnSpc>
+                <a:spcPct val="100000"/>
+              </a:lnSpc>
+            </a:pPr>
+            <a:endParaRPr/>
+          </a:p>
+        </p:txBody>
+      </p:sp>
+      <p:sp>
+        <p:nvSpPr>
+          <p:cNvPr id="116" name="TextShape 3"/>
           <p:cNvSpPr txBox="1"/>
           <p:nvPr/>
         </p:nvSpPr>
@@ -10919,7 +10505,7 @@
       </p:sp>
       <p:sp>
         <p:nvSpPr>
-          <p:cNvPr id="109" name="TextShape 4"/>
+          <p:cNvPr id="117" name="TextShape 4"/>
           <p:cNvSpPr txBox="1"/>
           <p:nvPr/>
         </p:nvSpPr>
@@ -10941,7 +10527,7 @@
                 <a:spcPct val="100000"/>
               </a:lnSpc>
             </a:pPr>
-            <a:fld id="{D32AF26C-8008-4327-A64E-C74BB1F5A427}" type="slidenum">
+            <a:fld id="{E1C26889-2E3E-4B2A-9430-95BECD9A46EB}" type="slidenum">
               <a:rPr lang="en-US" sz="1600" b="1">
                 <a:solidFill>
                   <a:srgbClr val="888888"/>
@@ -10955,6 +10541,31 @@
           </a:p>
         </p:txBody>
       </p:sp>
+      <p:pic>
+        <p:nvPicPr>
+          <p:cNvPr id="118" name="Shape 144"/>
+          <p:cNvPicPr/>
+          <p:nvPr/>
+        </p:nvPicPr>
+        <p:blipFill>
+          <a:blip r:embed="rId2"/>
+          <a:stretch>
+            <a:fillRect/>
+          </a:stretch>
+        </p:blipFill>
+        <p:spPr>
+          <a:xfrm>
+            <a:off x="1502640" y="3686760"/>
+            <a:ext cx="5447880" cy="2238120"/>
+          </a:xfrm>
+          <a:prstGeom prst="rect">
+            <a:avLst/>
+          </a:prstGeom>
+          <a:ln>
+            <a:noFill/>
+          </a:ln>
+        </p:spPr>
+      </p:pic>
     </p:spTree>
   </p:cSld>
   <p:clrMapOvr>
@@ -11009,7 +10620,7 @@
       </p:grpSpPr>
       <p:sp>
         <p:nvSpPr>
-          <p:cNvPr id="110" name="TextShape 1"/>
+          <p:cNvPr id="119" name="TextShape 1"/>
           <p:cNvSpPr txBox="1"/>
           <p:nvPr/>
         </p:nvSpPr>
@@ -11047,7 +10658,7 @@
       </p:sp>
       <p:sp>
         <p:nvSpPr>
-          <p:cNvPr id="111" name="TextShape 2"/>
+          <p:cNvPr id="120" name="TextShape 2"/>
           <p:cNvSpPr txBox="1"/>
           <p:nvPr/>
         </p:nvSpPr>
@@ -11072,16 +10683,26 @@
               <a:buChar char="▪"/>
             </a:pPr>
             <a:r>
-              <a:rPr lang="en-US">
-                <a:solidFill>
-                  <a:srgbClr val="000000"/>
-                </a:solidFill>
-                <a:latin typeface="Calibri"/>
-                <a:ea typeface="Calibri"/>
-              </a:rPr>
-              <a:t>Ubuntu 14.04 download and set-up:</a:t>
-            </a:r>
-            <a:endParaRPr/>
+              <a:rPr lang="en-US" dirty="0">
+                <a:solidFill>
+                  <a:srgbClr val="000000"/>
+                </a:solidFill>
+                <a:latin typeface="Calibri"/>
+                <a:ea typeface="Calibri"/>
+              </a:rPr>
+              <a:t>Build from source, </a:t>
+            </a:r>
+            <a:r>
+              <a:rPr lang="en-US" i="1" dirty="0">
+                <a:solidFill>
+                  <a:srgbClr val="000000"/>
+                </a:solidFill>
+                <a:latin typeface="Calibri"/>
+                <a:ea typeface="Calibri"/>
+              </a:rPr>
+              <a:t>./run.py make</a:t>
+            </a:r>
+            <a:endParaRPr dirty="0"/>
           </a:p>
           <a:p>
             <a:pPr lvl="1">
@@ -11092,16 +10713,16 @@
               <a:buChar char="▪"/>
             </a:pPr>
             <a:r>
-              <a:rPr lang="en-US" u="sng">
-                <a:solidFill>
-                  <a:srgbClr val="0000FF"/>
-                </a:solidFill>
-                <a:latin typeface="Calibri"/>
-                <a:ea typeface="Calibri"/>
-              </a:rPr>
-              <a:t>http://releases.ubuntu.com/14.04/</a:t>
-            </a:r>
-            <a:endParaRPr/>
+              <a:rPr lang="en-US" dirty="0">
+                <a:solidFill>
+                  <a:srgbClr val="000000"/>
+                </a:solidFill>
+                <a:latin typeface="Calibri"/>
+                <a:ea typeface="Calibri"/>
+              </a:rPr>
+              <a:t>Assign as much memory as possible to the VM. Several compiling steps need considerable amount of memory. If the memory is not enough, it runs into fatal errors.</a:t>
+            </a:r>
+            <a:endParaRPr dirty="0"/>
           </a:p>
           <a:p>
             <a:pPr lvl="1">
@@ -11112,26 +10733,36 @@
               <a:buChar char="▪"/>
             </a:pPr>
             <a:r>
-              <a:rPr lang="en-US">
-                <a:solidFill>
-                  <a:srgbClr val="000000"/>
-                </a:solidFill>
-                <a:latin typeface="Calibri"/>
-                <a:ea typeface="Calibri"/>
-              </a:rPr>
-              <a:t>scidb installation requires passwords for both the root and scidb users on all the hosts. So the root login must be enabled on Ubuntu. This link explains the setup: </a:t>
-            </a:r>
-            <a:r>
-              <a:rPr lang="en-US" u="sng">
-                <a:solidFill>
-                  <a:srgbClr val="0000FF"/>
-                </a:solidFill>
-                <a:latin typeface="Calibri"/>
-                <a:ea typeface="Calibri"/>
-              </a:rPr>
-              <a:t>https://askubuntu.com/questions/44418/how-to-enable-root-login</a:t>
-            </a:r>
-            <a:endParaRPr/>
+              <a:rPr lang="en-US" dirty="0">
+                <a:solidFill>
+                  <a:srgbClr val="000000"/>
+                </a:solidFill>
+                <a:latin typeface="Calibri"/>
+                <a:ea typeface="Calibri"/>
+              </a:rPr>
+              <a:t>Assign appropriate number of processors to the VM in order to compile the source code in parallel fashion, e.g. </a:t>
+            </a:r>
+            <a:r>
+              <a:rPr lang="en-US" i="1" dirty="0">
+                <a:solidFill>
+                  <a:srgbClr val="000000"/>
+                </a:solidFill>
+                <a:latin typeface="Calibri"/>
+                <a:ea typeface="Calibri"/>
+              </a:rPr>
+              <a:t>./run.py make -j4 </a:t>
+            </a:r>
+            <a:r>
+              <a:rPr lang="en-US" dirty="0">
+                <a:solidFill>
+                  <a:srgbClr val="000000"/>
+                </a:solidFill>
+                <a:latin typeface="Calibri"/>
+                <a:ea typeface="Calibri"/>
+              </a:rPr>
+              <a:t>(4 threads)</a:t>
+            </a:r>
+            <a:endParaRPr dirty="0"/>
           </a:p>
           <a:p>
             <a:pPr>
@@ -11139,7 +10770,7 @@
                 <a:spcPct val="100000"/>
               </a:lnSpc>
             </a:pPr>
-            <a:endParaRPr/>
+            <a:endParaRPr dirty="0"/>
           </a:p>
           <a:p>
             <a:pPr>
@@ -11150,16 +10781,26 @@
               <a:buChar char="▪"/>
             </a:pPr>
             <a:r>
-              <a:rPr lang="en-US">
-                <a:solidFill>
-                  <a:srgbClr val="000000"/>
-                </a:solidFill>
-                <a:latin typeface="Calibri"/>
-                <a:ea typeface="Calibri"/>
-              </a:rPr>
-              <a:t>SSH public key</a:t>
-            </a:r>
-            <a:endParaRPr/>
+              <a:rPr lang="en-US" dirty="0">
+                <a:solidFill>
+                  <a:srgbClr val="000000"/>
+                </a:solidFill>
+                <a:latin typeface="Calibri"/>
+                <a:ea typeface="Calibri"/>
+              </a:rPr>
+              <a:t>Install R, Rstudio, R package </a:t>
+            </a:r>
+            <a:r>
+              <a:rPr lang="en-US" dirty="0" err="1">
+                <a:solidFill>
+                  <a:srgbClr val="000000"/>
+                </a:solidFill>
+                <a:latin typeface="Calibri"/>
+                <a:ea typeface="Calibri"/>
+              </a:rPr>
+              <a:t>scidb</a:t>
+            </a:r>
+            <a:endParaRPr dirty="0"/>
           </a:p>
           <a:p>
             <a:pPr lvl="1">
@@ -11170,19 +10811,39 @@
               <a:buChar char="▪"/>
             </a:pPr>
             <a:r>
-              <a:rPr lang="en-US">
-                <a:solidFill>
-                  <a:srgbClr val="000000"/>
-                </a:solidFill>
-                <a:latin typeface="Calibri"/>
-                <a:ea typeface="Calibri"/>
-              </a:rPr>
-              <a:t>Following section “Providing Passwordless SSH” in the installation document</a:t>
-            </a:r>
-            <a:endParaRPr/>
-          </a:p>
-          <a:p>
-            <a:pPr lvl="2">
+              <a:rPr lang="en-US" dirty="0">
+                <a:solidFill>
+                  <a:srgbClr val="000000"/>
+                </a:solidFill>
+                <a:latin typeface="Calibri"/>
+                <a:ea typeface="Calibri"/>
+              </a:rPr>
+              <a:t>Do not install the CRAN package </a:t>
+            </a:r>
+            <a:r>
+              <a:rPr lang="en-US" dirty="0" err="1">
+                <a:solidFill>
+                  <a:srgbClr val="000000"/>
+                </a:solidFill>
+                <a:latin typeface="Calibri"/>
+                <a:ea typeface="Calibri"/>
+              </a:rPr>
+              <a:t>scidb</a:t>
+            </a:r>
+            <a:r>
+              <a:rPr lang="en-US" dirty="0">
+                <a:solidFill>
+                  <a:srgbClr val="000000"/>
+                </a:solidFill>
+                <a:latin typeface="Calibri"/>
+                <a:ea typeface="Calibri"/>
+              </a:rPr>
+              <a:t> 2.0.0, which currently is not stable.</a:t>
+            </a:r>
+            <a:endParaRPr dirty="0"/>
+          </a:p>
+          <a:p>
+            <a:pPr lvl="1">
               <a:lnSpc>
                 <a:spcPct val="100000"/>
               </a:lnSpc>
@@ -11190,99 +10851,99 @@
               <a:buChar char="▪"/>
             </a:pPr>
             <a:r>
-              <a:rPr lang="en-US" sz="1600">
-                <a:solidFill>
-                  <a:srgbClr val="000000"/>
-                </a:solidFill>
-                <a:latin typeface="Calibri"/>
-                <a:ea typeface="Calibri"/>
-              </a:rPr>
-              <a:t>Copy the generated public key file  </a:t>
-            </a:r>
-            <a:r>
-              <a:rPr lang="en-US" sz="1600" i="1">
-                <a:solidFill>
-                  <a:srgbClr val="000000"/>
-                </a:solidFill>
-                <a:latin typeface="Calibri"/>
-                <a:ea typeface="Calibri"/>
-              </a:rPr>
-              <a:t>id_rsa.pub</a:t>
-            </a:r>
-            <a:r>
-              <a:rPr lang="en-US" sz="1600">
-                <a:solidFill>
-                  <a:srgbClr val="000000"/>
-                </a:solidFill>
-                <a:latin typeface="Calibri"/>
-                <a:ea typeface="Calibri"/>
-              </a:rPr>
-              <a:t> in the </a:t>
-            </a:r>
-            <a:r>
-              <a:rPr lang="en-US" sz="1600" i="1">
-                <a:solidFill>
-                  <a:srgbClr val="000000"/>
-                </a:solidFill>
-                <a:latin typeface="Calibri"/>
-                <a:ea typeface="Calibri"/>
-              </a:rPr>
-              <a:t>/home/.ssh</a:t>
-            </a:r>
-            <a:r>
-              <a:rPr lang="en-US" sz="1600">
-                <a:solidFill>
-                  <a:srgbClr val="000000"/>
-                </a:solidFill>
-                <a:latin typeface="Calibri"/>
-                <a:ea typeface="Calibri"/>
-              </a:rPr>
-              <a:t> directory to the </a:t>
-            </a:r>
-            <a:r>
-              <a:rPr lang="en-US" sz="1600" i="1">
-                <a:solidFill>
-                  <a:srgbClr val="000000"/>
-                </a:solidFill>
-                <a:latin typeface="Calibri"/>
-                <a:ea typeface="Calibri"/>
-              </a:rPr>
-              <a:t>./ssh</a:t>
-            </a:r>
-            <a:r>
-              <a:rPr lang="en-US" sz="1600">
-                <a:solidFill>
-                  <a:srgbClr val="000000"/>
-                </a:solidFill>
-                <a:latin typeface="Calibri"/>
-                <a:ea typeface="Calibri"/>
-              </a:rPr>
-              <a:t> directories of all the users living on the cluster of one or more hosts, and rename it as “</a:t>
-            </a:r>
-            <a:r>
-              <a:rPr lang="en-US" sz="1600" i="1">
-                <a:solidFill>
-                  <a:srgbClr val="000000"/>
-                </a:solidFill>
-                <a:latin typeface="Calibri"/>
-                <a:ea typeface="Calibri"/>
-              </a:rPr>
-              <a:t>authorized_keys</a:t>
-            </a:r>
-            <a:r>
-              <a:rPr lang="en-US" sz="1600">
-                <a:solidFill>
-                  <a:srgbClr val="000000"/>
-                </a:solidFill>
-                <a:latin typeface="Calibri"/>
-                <a:ea typeface="Calibri"/>
-              </a:rPr>
-              <a:t>”</a:t>
-            </a:r>
-            <a:endParaRPr/>
-          </a:p>
-          <a:p>
-            <a:pPr lvl="2">
+              <a:rPr lang="en-US" dirty="0">
+                <a:solidFill>
+                  <a:srgbClr val="000000"/>
+                </a:solidFill>
+                <a:latin typeface="Calibri"/>
+                <a:ea typeface="Calibri"/>
+              </a:rPr>
+              <a:t>Install the package from </a:t>
+            </a:r>
+            <a:r>
+              <a:rPr lang="en-US" dirty="0" err="1">
+                <a:solidFill>
+                  <a:srgbClr val="000000"/>
+                </a:solidFill>
+                <a:latin typeface="Calibri"/>
+                <a:ea typeface="Calibri"/>
+              </a:rPr>
+              <a:t>github</a:t>
+            </a:r>
+            <a:r>
+              <a:rPr lang="en-US" dirty="0">
+                <a:solidFill>
+                  <a:srgbClr val="000000"/>
+                </a:solidFill>
+                <a:latin typeface="Calibri"/>
+                <a:ea typeface="Calibri"/>
+              </a:rPr>
+              <a:t> by </a:t>
+            </a:r>
+            <a:r>
+              <a:rPr lang="en-US" i="1" dirty="0" err="1">
+                <a:solidFill>
+                  <a:srgbClr val="000000"/>
+                </a:solidFill>
+                <a:latin typeface="Calibri"/>
+                <a:ea typeface="Calibri"/>
+              </a:rPr>
+              <a:t>devtools</a:t>
+            </a:r>
+            <a:r>
+              <a:rPr lang="en-US" i="1" dirty="0">
+                <a:solidFill>
+                  <a:srgbClr val="000000"/>
+                </a:solidFill>
+                <a:latin typeface="Calibri"/>
+                <a:ea typeface="Calibri"/>
+              </a:rPr>
+              <a:t>::</a:t>
+            </a:r>
+            <a:r>
+              <a:rPr lang="en-US" i="1" dirty="0" err="1">
+                <a:solidFill>
+                  <a:srgbClr val="000000"/>
+                </a:solidFill>
+                <a:latin typeface="Calibri"/>
+                <a:ea typeface="Calibri"/>
+              </a:rPr>
+              <a:t>install_github</a:t>
+            </a:r>
+            <a:r>
+              <a:rPr lang="en-US" i="1" dirty="0">
+                <a:solidFill>
+                  <a:srgbClr val="000000"/>
+                </a:solidFill>
+                <a:latin typeface="Calibri"/>
+                <a:ea typeface="Calibri"/>
+              </a:rPr>
+              <a:t>("Paradigm4/</a:t>
+            </a:r>
+            <a:r>
+              <a:rPr lang="en-US" i="1" dirty="0" err="1">
+                <a:solidFill>
+                  <a:srgbClr val="000000"/>
+                </a:solidFill>
+                <a:latin typeface="Calibri"/>
+                <a:ea typeface="Calibri"/>
+              </a:rPr>
+              <a:t>SciDBR</a:t>
+            </a:r>
+            <a:r>
+              <a:rPr lang="en-US" i="1" dirty="0">
+                <a:solidFill>
+                  <a:srgbClr val="000000"/>
+                </a:solidFill>
+                <a:latin typeface="Calibri"/>
+                <a:ea typeface="Calibri"/>
+              </a:rPr>
+              <a:t>")</a:t>
+            </a:r>
+            <a:endParaRPr dirty="0"/>
+          </a:p>
+          <a:p>
+            <a:pPr lvl="1">
               <a:lnSpc>
                 <a:spcPct val="100000"/>
               </a:lnSpc>
@@ -11290,36 +10951,36 @@
               <a:buChar char="▪"/>
             </a:pPr>
             <a:r>
-              <a:rPr lang="en-US" sz="1600">
-                <a:solidFill>
-                  <a:srgbClr val="000000"/>
-                </a:solidFill>
-                <a:latin typeface="Calibri"/>
-                <a:ea typeface="Calibri"/>
-              </a:rPr>
-              <a:t>In our case, 1 host 2 uses, “scidb” and “root”, so copy and rename </a:t>
-            </a:r>
-            <a:r>
-              <a:rPr lang="en-US" sz="1600" i="1">
-                <a:solidFill>
-                  <a:srgbClr val="000000"/>
-                </a:solidFill>
-                <a:latin typeface="Calibri"/>
-                <a:ea typeface="Calibri"/>
-              </a:rPr>
-              <a:t>id_rsa.pub</a:t>
-            </a:r>
-            <a:r>
-              <a:rPr lang="en-US" sz="1600">
-                <a:solidFill>
-                  <a:srgbClr val="000000"/>
-                </a:solidFill>
-                <a:latin typeface="Calibri"/>
-                <a:ea typeface="Calibri"/>
-              </a:rPr>
-              <a:t> to /home/.ssh and /root/.ssh.</a:t>
-            </a:r>
-            <a:endParaRPr/>
+              <a:rPr lang="en-US" dirty="0">
+                <a:solidFill>
+                  <a:srgbClr val="000000"/>
+                </a:solidFill>
+                <a:latin typeface="Calibri"/>
+                <a:ea typeface="Calibri"/>
+              </a:rPr>
+              <a:t>To install </a:t>
+            </a:r>
+            <a:r>
+              <a:rPr lang="en-US" dirty="0" err="1">
+                <a:solidFill>
+                  <a:srgbClr val="000000"/>
+                </a:solidFill>
+                <a:latin typeface="Calibri"/>
+                <a:ea typeface="Calibri"/>
+              </a:rPr>
+              <a:t>devtools</a:t>
+            </a:r>
+            <a:r>
+              <a:rPr lang="en-US" dirty="0">
+                <a:solidFill>
+                  <a:srgbClr val="000000"/>
+                </a:solidFill>
+                <a:latin typeface="Calibri"/>
+                <a:ea typeface="Calibri"/>
+              </a:rPr>
+              <a:t>, first in terminal do</a:t>
+            </a:r>
+            <a:endParaRPr dirty="0"/>
           </a:p>
           <a:p>
             <a:pPr lvl="2">
@@ -11330,22 +10991,102 @@
               <a:buChar char="▪"/>
             </a:pPr>
             <a:r>
-              <a:rPr lang="en-US" sz="1600">
-                <a:solidFill>
-                  <a:srgbClr val="000000"/>
-                </a:solidFill>
-                <a:latin typeface="Calibri"/>
-                <a:ea typeface="Calibri"/>
-              </a:rPr>
-              <a:t>The /.ssh directories are hidden by default in Ubuntu 14.04.</a:t>
-            </a:r>
-            <a:endParaRPr/>
-          </a:p>
-        </p:txBody>
-      </p:sp>
-      <p:sp>
-        <p:nvSpPr>
-          <p:cNvPr id="112" name="TextShape 3"/>
+              <a:rPr lang="en-US" sz="1600" i="1" dirty="0" err="1">
+                <a:solidFill>
+                  <a:srgbClr val="000000"/>
+                </a:solidFill>
+                <a:latin typeface="Calibri"/>
+                <a:ea typeface="Calibri"/>
+              </a:rPr>
+              <a:t>sudo</a:t>
+            </a:r>
+            <a:r>
+              <a:rPr lang="en-US" sz="1600" i="1" dirty="0">
+                <a:solidFill>
+                  <a:srgbClr val="000000"/>
+                </a:solidFill>
+                <a:latin typeface="Calibri"/>
+                <a:ea typeface="Calibri"/>
+              </a:rPr>
+              <a:t> apt-get install libcurl4-openssl-dev </a:t>
+            </a:r>
+            <a:r>
+              <a:rPr lang="en-US" sz="1600" i="1" dirty="0" err="1">
+                <a:solidFill>
+                  <a:srgbClr val="000000"/>
+                </a:solidFill>
+                <a:latin typeface="Calibri"/>
+                <a:ea typeface="Calibri"/>
+              </a:rPr>
+              <a:t>libssl</a:t>
+            </a:r>
+            <a:r>
+              <a:rPr lang="en-US" sz="1600" i="1" dirty="0">
+                <a:solidFill>
+                  <a:srgbClr val="000000"/>
+                </a:solidFill>
+                <a:latin typeface="Calibri"/>
+                <a:ea typeface="Calibri"/>
+              </a:rPr>
+              <a:t>-dev</a:t>
+            </a:r>
+            <a:endParaRPr dirty="0"/>
+          </a:p>
+          <a:p>
+            <a:pPr lvl="1">
+              <a:lnSpc>
+                <a:spcPct val="100000"/>
+              </a:lnSpc>
+              <a:buFont typeface="Noto Sans Symbols"/>
+              <a:buChar char="▪"/>
+            </a:pPr>
+            <a:r>
+              <a:rPr lang="en-US" dirty="0">
+                <a:solidFill>
+                  <a:srgbClr val="000000"/>
+                </a:solidFill>
+                <a:latin typeface="Calibri"/>
+                <a:ea typeface="Calibri"/>
+              </a:rPr>
+              <a:t>In R terminal, execute </a:t>
+            </a:r>
+            <a:r>
+              <a:rPr lang="en-US" i="1" dirty="0">
+                <a:solidFill>
+                  <a:srgbClr val="000000"/>
+                </a:solidFill>
+                <a:latin typeface="Calibri"/>
+                <a:ea typeface="Calibri"/>
+              </a:rPr>
+              <a:t>install.packages("</a:t>
+            </a:r>
+            <a:r>
+              <a:rPr lang="en-US" i="1" dirty="0" err="1">
+                <a:solidFill>
+                  <a:srgbClr val="000000"/>
+                </a:solidFill>
+                <a:latin typeface="Calibri"/>
+                <a:ea typeface="Calibri"/>
+              </a:rPr>
+              <a:t>devtools</a:t>
+            </a:r>
+            <a:r>
+              <a:rPr lang="en-US" i="1" dirty="0">
+                <a:solidFill>
+                  <a:srgbClr val="000000"/>
+                </a:solidFill>
+                <a:latin typeface="Calibri"/>
+                <a:ea typeface="Calibri"/>
+              </a:rPr>
+              <a:t>")</a:t>
+            </a:r>
+            <a:endParaRPr dirty="0"/>
+          </a:p>
+        </p:txBody>
+      </p:sp>
+      <p:sp>
+        <p:nvSpPr>
+          <p:cNvPr id="121" name="TextShape 3"/>
           <p:cNvSpPr txBox="1"/>
           <p:nvPr/>
         </p:nvSpPr>
@@ -11383,7 +11124,7 @@
       </p:sp>
       <p:sp>
         <p:nvSpPr>
-          <p:cNvPr id="113" name="TextShape 4"/>
+          <p:cNvPr id="122" name="TextShape 4"/>
           <p:cNvSpPr txBox="1"/>
           <p:nvPr/>
         </p:nvSpPr>
@@ -11405,7 +11146,7 @@
                 <a:spcPct val="100000"/>
               </a:lnSpc>
             </a:pPr>
-            <a:fld id="{4C51B21A-2C4E-4720-8CB1-447BB240DED8}" type="slidenum">
+            <a:fld id="{A3909B2F-9E3D-4DAD-B39B-EE43F6ABE817}" type="slidenum">
               <a:rPr lang="en-US" sz="1600" b="1">
                 <a:solidFill>
                   <a:srgbClr val="888888"/>
@@ -11473,7 +11214,7 @@
       </p:grpSpPr>
       <p:sp>
         <p:nvSpPr>
-          <p:cNvPr id="114" name="TextShape 1"/>
+          <p:cNvPr id="123" name="TextShape 1"/>
           <p:cNvSpPr txBox="1"/>
           <p:nvPr/>
         </p:nvSpPr>
@@ -11511,7 +11252,7 @@
       </p:sp>
       <p:sp>
         <p:nvSpPr>
-          <p:cNvPr id="115" name="TextShape 2"/>
+          <p:cNvPr id="124" name="TextShape 2"/>
           <p:cNvSpPr txBox="1"/>
           <p:nvPr/>
         </p:nvSpPr>
@@ -11543,7 +11284,17 @@
                 <a:latin typeface="Calibri"/>
                 <a:ea typeface="Calibri"/>
               </a:rPr>
-              <a:t>“Agent admitted failure to sign using the key”</a:t>
+              <a:t>Install </a:t>
+            </a:r>
+            <a:r>
+              <a:rPr lang="en-US" i="1">
+                <a:solidFill>
+                  <a:srgbClr val="000000"/>
+                </a:solidFill>
+                <a:latin typeface="Calibri"/>
+                <a:ea typeface="Calibri"/>
+              </a:rPr>
+              <a:t>shim</a:t>
             </a:r>
             <a:endParaRPr/>
           </a:p>
@@ -11556,6 +11307,16 @@
               <a:buChar char="▪"/>
             </a:pPr>
             <a:r>
+              <a:rPr lang="en-US" i="1">
+                <a:solidFill>
+                  <a:srgbClr val="000000"/>
+                </a:solidFill>
+                <a:latin typeface="Calibri"/>
+                <a:ea typeface="Calibri"/>
+              </a:rPr>
+              <a:t>shim</a:t>
+            </a:r>
+            <a:r>
               <a:rPr lang="en-US">
                 <a:solidFill>
                   <a:srgbClr val="000000"/>
@@ -11563,7 +11324,7 @@
                 <a:latin typeface="Calibri"/>
                 <a:ea typeface="Calibri"/>
               </a:rPr>
-              <a:t>After deploying scidb access to the users, to confirm the connection, the above error could happen.</a:t>
+              <a:t> is a simple SciDB client that exposes limited SciDB functionality through a simple HTTP API.</a:t>
             </a:r>
             <a:endParaRPr/>
           </a:p>
@@ -11583,7 +11344,37 @@
                 <a:latin typeface="Calibri"/>
                 <a:ea typeface="Calibri"/>
               </a:rPr>
-              <a:t>Cause: Ubuntu desktop system uses gnome-keyring, which doesn’t always handle specific formats of SSH keys correctly.</a:t>
+              <a:t>Will enable us to connect to </a:t>
+            </a:r>
+            <a:r>
+              <a:rPr lang="en-US" i="1">
+                <a:solidFill>
+                  <a:srgbClr val="000000"/>
+                </a:solidFill>
+                <a:latin typeface="Calibri"/>
+                <a:ea typeface="Calibri"/>
+              </a:rPr>
+              <a:t>localhost:8080</a:t>
+            </a:r>
+            <a:r>
+              <a:rPr lang="en-US">
+                <a:solidFill>
+                  <a:srgbClr val="000000"/>
+                </a:solidFill>
+                <a:latin typeface="Calibri"/>
+                <a:ea typeface="Calibri"/>
+              </a:rPr>
+              <a:t> (if the host IP is set as 127.0.0.1) and submit </a:t>
+            </a:r>
+            <a:r>
+              <a:rPr lang="en-US" i="1">
+                <a:solidFill>
+                  <a:srgbClr val="000000"/>
+                </a:solidFill>
+                <a:latin typeface="Calibri"/>
+                <a:ea typeface="Calibri"/>
+              </a:rPr>
+              <a:t>iquery.</a:t>
             </a:r>
             <a:endParaRPr/>
           </a:p>
@@ -11603,7 +11394,7 @@
                 <a:latin typeface="Calibri"/>
                 <a:ea typeface="Calibri"/>
               </a:rPr>
-              <a:t>To confirm the cause, add </a:t>
+              <a:t>Will enable us to connect </a:t>
             </a:r>
             <a:r>
               <a:rPr lang="en-US" i="1">
@@ -11613,7 +11404,7 @@
                 <a:latin typeface="Calibri"/>
                 <a:ea typeface="Calibri"/>
               </a:rPr>
-              <a:t>SSH_AUTH_SOCK=0</a:t>
+              <a:t>scidb</a:t>
             </a:r>
             <a:r>
               <a:rPr lang="en-US">
@@ -11623,12 +11414,12 @@
                 <a:latin typeface="Calibri"/>
                 <a:ea typeface="Calibri"/>
               </a:rPr>
-              <a:t> in front of ssh connecting command, e.g.</a:t>
-            </a:r>
-            <a:endParaRPr/>
-          </a:p>
-          <a:p>
-            <a:pPr lvl="2">
+              <a:t> in R.</a:t>
+            </a:r>
+            <a:endParaRPr/>
+          </a:p>
+          <a:p>
+            <a:pPr lvl="1">
               <a:lnSpc>
                 <a:spcPct val="100000"/>
               </a:lnSpc>
@@ -11636,14 +11427,24 @@
               <a:buChar char="▪"/>
             </a:pPr>
             <a:r>
-              <a:rPr lang="en-US" i="1">
-                <a:solidFill>
-                  <a:srgbClr val="000000"/>
-                </a:solidFill>
-                <a:latin typeface="Calibri"/>
-                <a:ea typeface="Calibri"/>
-              </a:rPr>
-              <a:t>SSH_AUTH_SOCK=0 ssh scidb@127.0.0.1</a:t>
+              <a:rPr lang="en-US">
+                <a:solidFill>
+                  <a:srgbClr val="000000"/>
+                </a:solidFill>
+                <a:latin typeface="Calibri"/>
+                <a:ea typeface="Calibri"/>
+              </a:rPr>
+              <a:t>Instruction site: </a:t>
+            </a:r>
+            <a:r>
+              <a:rPr lang="en-US" u="sng">
+                <a:solidFill>
+                  <a:srgbClr val="0000FF"/>
+                </a:solidFill>
+                <a:latin typeface="Calibri"/>
+                <a:ea typeface="Calibri"/>
+              </a:rPr>
+              <a:t>https://github.com/Paradigm4/shim</a:t>
             </a:r>
             <a:endParaRPr/>
           </a:p>
@@ -11663,7 +11464,17 @@
                 <a:latin typeface="Calibri"/>
                 <a:ea typeface="Calibri"/>
               </a:rPr>
-              <a:t>Solution: uncheck SSH key Agent in “Startup Applications Preferences”.</a:t>
+              <a:t>Head to section “LD_LIBRARY_PATH issues” if a library linking error happens when trying to run </a:t>
+            </a:r>
+            <a:r>
+              <a:rPr lang="en-US" i="1">
+                <a:solidFill>
+                  <a:srgbClr val="000000"/>
+                </a:solidFill>
+                <a:latin typeface="Calibri"/>
+                <a:ea typeface="Calibri"/>
+              </a:rPr>
+              <a:t>shim</a:t>
             </a:r>
             <a:endParaRPr/>
           </a:p>
@@ -11687,7 +11498,7 @@
       </p:sp>
       <p:sp>
         <p:nvSpPr>
-          <p:cNvPr id="116" name="TextShape 3"/>
+          <p:cNvPr id="125" name="TextShape 3"/>
           <p:cNvSpPr txBox="1"/>
           <p:nvPr/>
         </p:nvSpPr>
@@ -11725,7 +11536,7 @@
       </p:sp>
       <p:sp>
         <p:nvSpPr>
-          <p:cNvPr id="117" name="TextShape 4"/>
+          <p:cNvPr id="126" name="TextShape 4"/>
           <p:cNvSpPr txBox="1"/>
           <p:nvPr/>
         </p:nvSpPr>
@@ -11747,7 +11558,7 @@
                 <a:spcPct val="100000"/>
               </a:lnSpc>
             </a:pPr>
-            <a:fld id="{E1C26889-2E3E-4B2A-9430-95BECD9A46EB}" type="slidenum">
+            <a:fld id="{A2FA3F6F-3534-4228-A91A-D121FA66BF45}" type="slidenum">
               <a:rPr lang="en-US" sz="1600" b="1">
                 <a:solidFill>
                   <a:srgbClr val="888888"/>
@@ -11761,31 +11572,6 @@
           </a:p>
         </p:txBody>
       </p:sp>
-      <p:pic>
-        <p:nvPicPr>
-          <p:cNvPr id="118" name="Shape 144"/>
-          <p:cNvPicPr/>
-          <p:nvPr/>
-        </p:nvPicPr>
-        <p:blipFill>
-          <a:blip r:embed="rId2"/>
-          <a:stretch>
-            <a:fillRect/>
-          </a:stretch>
-        </p:blipFill>
-        <p:spPr>
-          <a:xfrm>
-            <a:off x="1502640" y="3686760"/>
-            <a:ext cx="5447880" cy="2238120"/>
-          </a:xfrm>
-          <a:prstGeom prst="rect">
-            <a:avLst/>
-          </a:prstGeom>
-          <a:ln>
-            <a:noFill/>
-          </a:ln>
-        </p:spPr>
-      </p:pic>
     </p:spTree>
   </p:cSld>
   <p:clrMapOvr>
@@ -11840,7 +11626,7 @@
       </p:grpSpPr>
       <p:sp>
         <p:nvSpPr>
-          <p:cNvPr id="119" name="TextShape 1"/>
+          <p:cNvPr id="127" name="TextShape 1"/>
           <p:cNvSpPr txBox="1"/>
           <p:nvPr/>
         </p:nvSpPr>
@@ -11870,15 +11656,15 @@
                 <a:latin typeface="Calibri"/>
                 <a:ea typeface="Calibri"/>
               </a:rPr>
-              <a:t>Installation Notes</a:t>
-            </a:r>
-            <a:endParaRPr/>
-          </a:p>
-        </p:txBody>
-      </p:sp>
-      <p:sp>
-        <p:nvSpPr>
-          <p:cNvPr id="120" name="TextShape 2"/>
+              <a:t>SciDB Arrays</a:t>
+            </a:r>
+            <a:endParaRPr/>
+          </a:p>
+        </p:txBody>
+      </p:sp>
+      <p:sp>
+        <p:nvSpPr>
+          <p:cNvPr id="128" name="TextShape 2"/>
           <p:cNvSpPr txBox="1"/>
           <p:nvPr/>
         </p:nvSpPr>
@@ -11899,434 +11685,204 @@
               <a:lnSpc>
                 <a:spcPct val="100000"/>
               </a:lnSpc>
-              <a:buFont typeface="Noto Sans Symbols"/>
+              <a:buFont typeface="Calibri"/>
               <a:buChar char="▪"/>
             </a:pPr>
             <a:r>
-              <a:rPr lang="en-US" dirty="0">
-                <a:solidFill>
-                  <a:srgbClr val="000000"/>
-                </a:solidFill>
-                <a:latin typeface="Calibri"/>
-                <a:ea typeface="Calibri"/>
-              </a:rPr>
-              <a:t>Build from source, </a:t>
-            </a:r>
-            <a:r>
-              <a:rPr lang="en-US" i="1" dirty="0">
-                <a:solidFill>
-                  <a:srgbClr val="000000"/>
-                </a:solidFill>
-                <a:latin typeface="Calibri"/>
-                <a:ea typeface="Calibri"/>
-              </a:rPr>
-              <a:t>./run.py make</a:t>
-            </a:r>
-            <a:endParaRPr dirty="0"/>
-          </a:p>
-          <a:p>
-            <a:pPr lvl="1">
-              <a:lnSpc>
-                <a:spcPct val="100000"/>
-              </a:lnSpc>
-              <a:buFont typeface="Noto Sans Symbols"/>
+              <a:rPr lang="en-US" sz="2300" dirty="0" err="1">
+                <a:solidFill>
+                  <a:srgbClr val="000000"/>
+                </a:solidFill>
+                <a:latin typeface="Calibri"/>
+                <a:ea typeface="Calibri"/>
+              </a:rPr>
+              <a:t>SciDB</a:t>
+            </a:r>
+            <a:r>
+              <a:rPr lang="en-US" sz="2300" dirty="0">
+                <a:solidFill>
+                  <a:srgbClr val="000000"/>
+                </a:solidFill>
+                <a:latin typeface="Calibri"/>
+                <a:ea typeface="Calibri"/>
+              </a:rPr>
+              <a:t> arrays are the basic data structure</a:t>
+            </a:r>
+            <a:endParaRPr sz="2300" dirty="0"/>
+          </a:p>
+          <a:p>
+            <a:pPr>
+              <a:lnSpc>
+                <a:spcPct val="100000"/>
+              </a:lnSpc>
+              <a:buFont typeface="Calibri"/>
               <a:buChar char="▪"/>
             </a:pPr>
             <a:r>
-              <a:rPr lang="en-US" dirty="0">
-                <a:solidFill>
-                  <a:srgbClr val="000000"/>
-                </a:solidFill>
-                <a:latin typeface="Calibri"/>
-                <a:ea typeface="Calibri"/>
-              </a:rPr>
-              <a:t>Assign </a:t>
-            </a:r>
-            <a:r>
-              <a:rPr lang="en-US" dirty="0" smtClean="0">
-                <a:solidFill>
-                  <a:srgbClr val="000000"/>
-                </a:solidFill>
-                <a:latin typeface="Calibri"/>
-                <a:ea typeface="Calibri"/>
-              </a:rPr>
-              <a:t>as much memory as possible </a:t>
-            </a:r>
-            <a:r>
-              <a:rPr lang="en-US" dirty="0">
-                <a:solidFill>
-                  <a:srgbClr val="000000"/>
-                </a:solidFill>
-                <a:latin typeface="Calibri"/>
-                <a:ea typeface="Calibri"/>
-              </a:rPr>
-              <a:t>to the VM. Several compiling steps need considerable amount of memory. If the memory is not enough, it runs into fatal errors.</a:t>
-            </a:r>
-            <a:endParaRPr dirty="0"/>
-          </a:p>
-          <a:p>
-            <a:pPr lvl="1">
-              <a:lnSpc>
-                <a:spcPct val="100000"/>
-              </a:lnSpc>
-              <a:buFont typeface="Noto Sans Symbols"/>
-              <a:buChar char="▪"/>
-            </a:pPr>
-            <a:r>
-              <a:rPr lang="en-US" dirty="0">
-                <a:solidFill>
-                  <a:srgbClr val="000000"/>
-                </a:solidFill>
-                <a:latin typeface="Calibri"/>
-                <a:ea typeface="Calibri"/>
-              </a:rPr>
-              <a:t>Assign appropriate number of processors to the VM in order to compile the source code in parallel fashion, e.g. </a:t>
-            </a:r>
-            <a:r>
-              <a:rPr lang="en-US" i="1" dirty="0">
-                <a:solidFill>
-                  <a:srgbClr val="000000"/>
-                </a:solidFill>
-                <a:latin typeface="Calibri"/>
-                <a:ea typeface="Calibri"/>
-              </a:rPr>
-              <a:t>./run.py make -j4 </a:t>
-            </a:r>
-            <a:r>
-              <a:rPr lang="en-US" dirty="0">
-                <a:solidFill>
-                  <a:srgbClr val="000000"/>
-                </a:solidFill>
-                <a:latin typeface="Calibri"/>
-                <a:ea typeface="Calibri"/>
-              </a:rPr>
-              <a:t>(4 threads)</a:t>
-            </a:r>
-            <a:endParaRPr dirty="0"/>
-          </a:p>
-          <a:p>
-            <a:pPr>
-              <a:lnSpc>
-                <a:spcPct val="100000"/>
-              </a:lnSpc>
-            </a:pPr>
-            <a:endParaRPr dirty="0"/>
-          </a:p>
-          <a:p>
-            <a:pPr>
-              <a:lnSpc>
-                <a:spcPct val="100000"/>
-              </a:lnSpc>
-              <a:buFont typeface="Noto Sans Symbols"/>
-              <a:buChar char="▪"/>
-            </a:pPr>
-            <a:r>
-              <a:rPr lang="en-US" dirty="0">
-                <a:solidFill>
-                  <a:srgbClr val="000000"/>
-                </a:solidFill>
-                <a:latin typeface="Calibri"/>
-                <a:ea typeface="Calibri"/>
-              </a:rPr>
-              <a:t>Install R, Rstudio, R package </a:t>
-            </a:r>
-            <a:r>
-              <a:rPr lang="en-US" dirty="0" err="1">
-                <a:solidFill>
-                  <a:srgbClr val="000000"/>
-                </a:solidFill>
-                <a:latin typeface="Calibri"/>
-                <a:ea typeface="Calibri"/>
-              </a:rPr>
-              <a:t>scidb</a:t>
-            </a:r>
-            <a:endParaRPr dirty="0"/>
-          </a:p>
-          <a:p>
-            <a:pPr lvl="1">
-              <a:lnSpc>
-                <a:spcPct val="100000"/>
-              </a:lnSpc>
-              <a:buFont typeface="Noto Sans Symbols"/>
-              <a:buChar char="▪"/>
-            </a:pPr>
-            <a:r>
-              <a:rPr lang="en-US" dirty="0">
-                <a:solidFill>
-                  <a:srgbClr val="000000"/>
-                </a:solidFill>
-                <a:latin typeface="Calibri"/>
-                <a:ea typeface="Calibri"/>
-              </a:rPr>
-              <a:t>Do not install the CRAN package </a:t>
-            </a:r>
-            <a:r>
-              <a:rPr lang="en-US" dirty="0" err="1">
-                <a:solidFill>
-                  <a:srgbClr val="000000"/>
-                </a:solidFill>
-                <a:latin typeface="Calibri"/>
-                <a:ea typeface="Calibri"/>
-              </a:rPr>
-              <a:t>scidb</a:t>
-            </a:r>
-            <a:r>
-              <a:rPr lang="en-US" dirty="0">
-                <a:solidFill>
-                  <a:srgbClr val="000000"/>
-                </a:solidFill>
-                <a:latin typeface="Calibri"/>
-                <a:ea typeface="Calibri"/>
-              </a:rPr>
-              <a:t> 2.0.0, which currently is not stable.</a:t>
-            </a:r>
-            <a:endParaRPr dirty="0"/>
-          </a:p>
-          <a:p>
-            <a:pPr lvl="1">
-              <a:lnSpc>
-                <a:spcPct val="100000"/>
-              </a:lnSpc>
-              <a:buFont typeface="Noto Sans Symbols"/>
-              <a:buChar char="▪"/>
-            </a:pPr>
-            <a:r>
-              <a:rPr lang="en-US" dirty="0">
-                <a:solidFill>
-                  <a:srgbClr val="000000"/>
-                </a:solidFill>
-                <a:latin typeface="Calibri"/>
-                <a:ea typeface="Calibri"/>
-              </a:rPr>
-              <a:t>Install the package from </a:t>
-            </a:r>
-            <a:r>
-              <a:rPr lang="en-US" dirty="0" err="1">
-                <a:solidFill>
-                  <a:srgbClr val="000000"/>
-                </a:solidFill>
-                <a:latin typeface="Calibri"/>
-                <a:ea typeface="Calibri"/>
-              </a:rPr>
-              <a:t>github</a:t>
-            </a:r>
-            <a:r>
-              <a:rPr lang="en-US" dirty="0">
-                <a:solidFill>
-                  <a:srgbClr val="000000"/>
-                </a:solidFill>
-                <a:latin typeface="Calibri"/>
-                <a:ea typeface="Calibri"/>
-              </a:rPr>
-              <a:t> by </a:t>
-            </a:r>
-            <a:r>
-              <a:rPr lang="en-US" i="1" dirty="0" err="1">
-                <a:solidFill>
-                  <a:srgbClr val="000000"/>
-                </a:solidFill>
-                <a:latin typeface="Calibri"/>
-                <a:ea typeface="Calibri"/>
-              </a:rPr>
-              <a:t>devtools</a:t>
-            </a:r>
-            <a:r>
-              <a:rPr lang="en-US" i="1" dirty="0">
-                <a:solidFill>
-                  <a:srgbClr val="000000"/>
-                </a:solidFill>
-                <a:latin typeface="Calibri"/>
-                <a:ea typeface="Calibri"/>
-              </a:rPr>
-              <a:t>::</a:t>
-            </a:r>
-            <a:r>
-              <a:rPr lang="en-US" i="1" dirty="0" err="1">
-                <a:solidFill>
-                  <a:srgbClr val="000000"/>
-                </a:solidFill>
-                <a:latin typeface="Calibri"/>
-                <a:ea typeface="Calibri"/>
-              </a:rPr>
-              <a:t>install_github</a:t>
-            </a:r>
-            <a:r>
-              <a:rPr lang="en-US" i="1" dirty="0">
-                <a:solidFill>
-                  <a:srgbClr val="000000"/>
-                </a:solidFill>
-                <a:latin typeface="Calibri"/>
-                <a:ea typeface="Calibri"/>
-              </a:rPr>
-              <a:t>("Paradigm4/</a:t>
-            </a:r>
-            <a:r>
-              <a:rPr lang="en-US" i="1" dirty="0" err="1">
-                <a:solidFill>
-                  <a:srgbClr val="000000"/>
-                </a:solidFill>
-                <a:latin typeface="Calibri"/>
-                <a:ea typeface="Calibri"/>
-              </a:rPr>
-              <a:t>SciDBR</a:t>
-            </a:r>
-            <a:r>
-              <a:rPr lang="en-US" i="1" dirty="0">
-                <a:solidFill>
-                  <a:srgbClr val="000000"/>
-                </a:solidFill>
-                <a:latin typeface="Calibri"/>
-                <a:ea typeface="Calibri"/>
-              </a:rPr>
-              <a:t>")</a:t>
-            </a:r>
-            <a:endParaRPr dirty="0"/>
-          </a:p>
-          <a:p>
-            <a:pPr lvl="1">
-              <a:lnSpc>
-                <a:spcPct val="100000"/>
-              </a:lnSpc>
-              <a:buFont typeface="Noto Sans Symbols"/>
-              <a:buChar char="▪"/>
-            </a:pPr>
-            <a:r>
-              <a:rPr lang="en-US" dirty="0">
-                <a:solidFill>
-                  <a:srgbClr val="000000"/>
-                </a:solidFill>
-                <a:latin typeface="Calibri"/>
-                <a:ea typeface="Calibri"/>
-              </a:rPr>
-              <a:t>To install </a:t>
-            </a:r>
-            <a:r>
-              <a:rPr lang="en-US" dirty="0" err="1">
-                <a:solidFill>
-                  <a:srgbClr val="000000"/>
-                </a:solidFill>
-                <a:latin typeface="Calibri"/>
-                <a:ea typeface="Calibri"/>
-              </a:rPr>
-              <a:t>devtools</a:t>
-            </a:r>
-            <a:r>
-              <a:rPr lang="en-US" dirty="0">
-                <a:solidFill>
-                  <a:srgbClr val="000000"/>
-                </a:solidFill>
-                <a:latin typeface="Calibri"/>
-                <a:ea typeface="Calibri"/>
-              </a:rPr>
-              <a:t>, first in terminal do</a:t>
-            </a:r>
-            <a:endParaRPr dirty="0"/>
-          </a:p>
-          <a:p>
-            <a:pPr lvl="2">
-              <a:lnSpc>
-                <a:spcPct val="100000"/>
-              </a:lnSpc>
-              <a:buFont typeface="Noto Sans Symbols"/>
-              <a:buChar char="▪"/>
-            </a:pPr>
-            <a:r>
-              <a:rPr lang="en-US" sz="1600" i="1" dirty="0" err="1">
-                <a:solidFill>
-                  <a:srgbClr val="000000"/>
-                </a:solidFill>
-                <a:latin typeface="Calibri"/>
-                <a:ea typeface="Calibri"/>
-              </a:rPr>
-              <a:t>sudo</a:t>
-            </a:r>
-            <a:r>
-              <a:rPr lang="en-US" sz="1600" i="1" dirty="0">
-                <a:solidFill>
-                  <a:srgbClr val="000000"/>
-                </a:solidFill>
-                <a:latin typeface="Calibri"/>
-                <a:ea typeface="Calibri"/>
-              </a:rPr>
-              <a:t> apt-get install libcurl4-openssl-dev </a:t>
-            </a:r>
-            <a:r>
-              <a:rPr lang="en-US" sz="1600" i="1" dirty="0" err="1">
-                <a:solidFill>
-                  <a:srgbClr val="000000"/>
-                </a:solidFill>
-                <a:latin typeface="Calibri"/>
-                <a:ea typeface="Calibri"/>
-              </a:rPr>
-              <a:t>libssl</a:t>
-            </a:r>
-            <a:r>
-              <a:rPr lang="en-US" sz="1600" i="1" dirty="0">
-                <a:solidFill>
-                  <a:srgbClr val="000000"/>
-                </a:solidFill>
-                <a:latin typeface="Calibri"/>
-                <a:ea typeface="Calibri"/>
-              </a:rPr>
-              <a:t>-dev</a:t>
-            </a:r>
-            <a:endParaRPr dirty="0"/>
-          </a:p>
-          <a:p>
-            <a:pPr lvl="1">
-              <a:lnSpc>
-                <a:spcPct val="100000"/>
-              </a:lnSpc>
-              <a:buFont typeface="Noto Sans Symbols"/>
-              <a:buChar char="▪"/>
-            </a:pPr>
-            <a:r>
-              <a:rPr lang="en-US" dirty="0">
-                <a:solidFill>
-                  <a:srgbClr val="000000"/>
-                </a:solidFill>
-                <a:latin typeface="Calibri"/>
-                <a:ea typeface="Calibri"/>
-              </a:rPr>
-              <a:t>In R terminal, execute </a:t>
-            </a:r>
-            <a:r>
-              <a:rPr lang="en-US" i="1" dirty="0">
-                <a:solidFill>
-                  <a:srgbClr val="000000"/>
-                </a:solidFill>
-                <a:latin typeface="Calibri"/>
-                <a:ea typeface="Calibri"/>
-              </a:rPr>
-              <a:t>install.packages("</a:t>
-            </a:r>
-            <a:r>
-              <a:rPr lang="en-US" i="1" dirty="0" err="1">
-                <a:solidFill>
-                  <a:srgbClr val="000000"/>
-                </a:solidFill>
-                <a:latin typeface="Calibri"/>
-                <a:ea typeface="Calibri"/>
-              </a:rPr>
-              <a:t>devtools</a:t>
-            </a:r>
-            <a:r>
-              <a:rPr lang="en-US" i="1" dirty="0">
-                <a:solidFill>
-                  <a:srgbClr val="000000"/>
-                </a:solidFill>
-                <a:latin typeface="Calibri"/>
-                <a:ea typeface="Calibri"/>
-              </a:rPr>
-              <a:t>")</a:t>
-            </a:r>
-            <a:endParaRPr dirty="0"/>
-          </a:p>
-        </p:txBody>
-      </p:sp>
-      <p:sp>
-        <p:nvSpPr>
-          <p:cNvPr id="121" name="TextShape 3"/>
+              <a:rPr lang="en-US" sz="2300" dirty="0">
+                <a:solidFill>
+                  <a:srgbClr val="000000"/>
+                </a:solidFill>
+                <a:latin typeface="Calibri"/>
+                <a:ea typeface="Calibri"/>
+              </a:rPr>
+              <a:t>Arrays have one or more dimensions, and one or more attributes</a:t>
+            </a:r>
+            <a:endParaRPr sz="2300" dirty="0"/>
+          </a:p>
+          <a:p>
+            <a:pPr marL="742950" lvl="1" indent="-285750">
+              <a:buSzPct val="75000"/>
+              <a:buFont typeface="Courier New" panose="02070309020205020404" pitchFamily="49" charset="0"/>
+              <a:buChar char="o"/>
+            </a:pPr>
+            <a:r>
+              <a:rPr lang="en-US" sz="2200" dirty="0">
+                <a:solidFill>
+                  <a:srgbClr val="000000"/>
+                </a:solidFill>
+                <a:latin typeface="Calibri"/>
+                <a:ea typeface="Calibri"/>
+              </a:rPr>
+              <a:t>Dimensions index the array cell</a:t>
+            </a:r>
+            <a:endParaRPr sz="2200" dirty="0"/>
+          </a:p>
+          <a:p>
+            <a:pPr marL="742950" lvl="1" indent="-285750">
+              <a:buSzPct val="75000"/>
+              <a:buFont typeface="Courier New" panose="02070309020205020404" pitchFamily="49" charset="0"/>
+              <a:buChar char="o"/>
+            </a:pPr>
+            <a:r>
+              <a:rPr lang="en-US" sz="2200" dirty="0">
+                <a:solidFill>
+                  <a:srgbClr val="000000"/>
+                </a:solidFill>
+                <a:latin typeface="Calibri"/>
+                <a:ea typeface="Calibri"/>
+              </a:rPr>
+              <a:t>Attributes store the data</a:t>
+            </a:r>
+            <a:br>
+              <a:rPr lang="en-US" sz="2200" dirty="0">
+                <a:solidFill>
+                  <a:srgbClr val="000000"/>
+                </a:solidFill>
+                <a:latin typeface="Calibri"/>
+                <a:ea typeface="Calibri"/>
+              </a:rPr>
+            </a:br>
+            <a:br>
+              <a:rPr lang="en-US" sz="2200" dirty="0">
+                <a:solidFill>
+                  <a:srgbClr val="000000"/>
+                </a:solidFill>
+                <a:latin typeface="Calibri"/>
+                <a:ea typeface="Calibri"/>
+              </a:rPr>
+            </a:br>
+            <a:br>
+              <a:rPr lang="en-US" sz="2200" dirty="0">
+                <a:solidFill>
+                  <a:srgbClr val="000000"/>
+                </a:solidFill>
+                <a:latin typeface="Calibri"/>
+                <a:ea typeface="Calibri"/>
+              </a:rPr>
+            </a:br>
+            <a:br>
+              <a:rPr lang="en-US" sz="2200" dirty="0">
+                <a:solidFill>
+                  <a:srgbClr val="000000"/>
+                </a:solidFill>
+                <a:latin typeface="Calibri"/>
+                <a:ea typeface="Calibri"/>
+              </a:rPr>
+            </a:br>
+            <a:br>
+              <a:rPr lang="en-US" sz="2200" dirty="0">
+                <a:solidFill>
+                  <a:srgbClr val="000000"/>
+                </a:solidFill>
+                <a:latin typeface="Calibri"/>
+                <a:ea typeface="Calibri"/>
+              </a:rPr>
+            </a:br>
+            <a:br>
+              <a:rPr lang="en-US" sz="2200" dirty="0">
+                <a:solidFill>
+                  <a:srgbClr val="000000"/>
+                </a:solidFill>
+                <a:latin typeface="Calibri"/>
+                <a:ea typeface="Calibri"/>
+              </a:rPr>
+            </a:br>
+            <a:br>
+              <a:rPr lang="en-US" sz="2200" dirty="0">
+                <a:solidFill>
+                  <a:srgbClr val="000000"/>
+                </a:solidFill>
+                <a:latin typeface="Calibri"/>
+                <a:ea typeface="Calibri"/>
+              </a:rPr>
+            </a:br>
+            <a:br>
+              <a:rPr lang="en-US" sz="2200" dirty="0">
+                <a:solidFill>
+                  <a:srgbClr val="000000"/>
+                </a:solidFill>
+                <a:latin typeface="Calibri"/>
+                <a:ea typeface="Calibri"/>
+              </a:rPr>
+            </a:br>
+            <a:br>
+              <a:rPr lang="en-US" sz="2200" dirty="0">
+                <a:solidFill>
+                  <a:srgbClr val="000000"/>
+                </a:solidFill>
+                <a:latin typeface="Calibri"/>
+                <a:ea typeface="Calibri"/>
+              </a:rPr>
+            </a:br>
+            <a:br>
+              <a:rPr lang="en-US" sz="2200" dirty="0">
+                <a:solidFill>
+                  <a:srgbClr val="000000"/>
+                </a:solidFill>
+                <a:latin typeface="Calibri"/>
+                <a:ea typeface="Calibri"/>
+              </a:rPr>
+            </a:br>
+            <a:br>
+              <a:rPr lang="en-US" sz="2200" dirty="0">
+                <a:solidFill>
+                  <a:srgbClr val="000000"/>
+                </a:solidFill>
+                <a:latin typeface="Calibri"/>
+                <a:ea typeface="Calibri"/>
+              </a:rPr>
+            </a:br>
+            <a:endParaRPr sz="2200" dirty="0"/>
+          </a:p>
+          <a:p>
+            <a:pPr algn="ctr"/>
+            <a:r>
+              <a:rPr lang="en-US" sz="2200" i="1" dirty="0">
+                <a:solidFill>
+                  <a:srgbClr val="000000"/>
+                </a:solidFill>
+                <a:latin typeface="Calibri"/>
+                <a:ea typeface="Calibri"/>
+              </a:rPr>
+              <a:t>Dimensions play a similar role to primary keys in other databases</a:t>
+            </a:r>
+          </a:p>
+        </p:txBody>
+      </p:sp>
+      <p:sp>
+        <p:nvSpPr>
+          <p:cNvPr id="129" name="TextShape 3"/>
           <p:cNvSpPr txBox="1"/>
           <p:nvPr/>
         </p:nvSpPr>
@@ -12364,7 +11920,7 @@
       </p:sp>
       <p:sp>
         <p:nvSpPr>
-          <p:cNvPr id="122" name="TextShape 4"/>
+          <p:cNvPr id="130" name="TextShape 4"/>
           <p:cNvSpPr txBox="1"/>
           <p:nvPr/>
         </p:nvSpPr>
@@ -12386,7 +11942,7 @@
                 <a:spcPct val="100000"/>
               </a:lnSpc>
             </a:pPr>
-            <a:fld id="{A3909B2F-9E3D-4DAD-B39B-EE43F6ABE817}" type="slidenum">
+            <a:fld id="{B275E160-3120-44B1-A3A5-F52DB55E5DB0}" type="slidenum">
               <a:rPr lang="en-US" sz="1600" b="1">
                 <a:solidFill>
                   <a:srgbClr val="888888"/>
@@ -12397,6 +11953,229 @@
               <a:t>9</a:t>
             </a:fld>
             <a:endParaRPr/>
+          </a:p>
+        </p:txBody>
+      </p:sp>
+      <p:pic>
+        <p:nvPicPr>
+          <p:cNvPr id="3" name="Picture 2"/>
+          <p:cNvPicPr>
+            <a:picLocks noChangeAspect="1"/>
+          </p:cNvPicPr>
+          <p:nvPr/>
+        </p:nvPicPr>
+        <p:blipFill>
+          <a:blip r:embed="rId2"/>
+          <a:stretch>
+            <a:fillRect/>
+          </a:stretch>
+        </p:blipFill>
+        <p:spPr>
+          <a:xfrm>
+            <a:off x="5909318" y="3320124"/>
+            <a:ext cx="1342815" cy="2096435"/>
+          </a:xfrm>
+          <a:prstGeom prst="rect">
+            <a:avLst/>
+          </a:prstGeom>
+        </p:spPr>
+      </p:pic>
+      <p:pic>
+        <p:nvPicPr>
+          <p:cNvPr id="4" name="Picture 3"/>
+          <p:cNvPicPr>
+            <a:picLocks noChangeAspect="1"/>
+          </p:cNvPicPr>
+          <p:nvPr/>
+        </p:nvPicPr>
+        <p:blipFill>
+          <a:blip r:embed="rId3"/>
+          <a:stretch>
+            <a:fillRect/>
+          </a:stretch>
+        </p:blipFill>
+        <p:spPr>
+          <a:xfrm>
+            <a:off x="1595183" y="3134934"/>
+            <a:ext cx="1547407" cy="2355962"/>
+          </a:xfrm>
+          <a:prstGeom prst="rect">
+            <a:avLst/>
+          </a:prstGeom>
+        </p:spPr>
+      </p:pic>
+      <p:sp>
+        <p:nvSpPr>
+          <p:cNvPr id="5" name="TextBox 4"/>
+          <p:cNvSpPr txBox="1"/>
+          <p:nvPr/>
+        </p:nvSpPr>
+        <p:spPr>
+          <a:xfrm>
+            <a:off x="1713187" y="2418757"/>
+            <a:ext cx="1479892" cy="646331"/>
+          </a:xfrm>
+          <a:prstGeom prst="rect">
+            <a:avLst/>
+          </a:prstGeom>
+          <a:noFill/>
+        </p:spPr>
+        <p:txBody>
+          <a:bodyPr wrap="none" rtlCol="0">
+            <a:spAutoFit/>
+          </a:bodyPr>
+          <a:lstStyle/>
+          <a:p>
+            <a:pPr algn="ctr"/>
+            <a:r>
+              <a:rPr lang="en-US" dirty="0"/>
+              <a:t>1D array </a:t>
+            </a:r>
+            <a:br>
+              <a:rPr lang="en-US" dirty="0"/>
+            </a:br>
+            <a:r>
+              <a:rPr lang="en-US" dirty="0"/>
+              <a:t>(3 attributes)</a:t>
+            </a:r>
+          </a:p>
+        </p:txBody>
+      </p:sp>
+      <p:sp>
+        <p:nvSpPr>
+          <p:cNvPr id="11" name="TextBox 10"/>
+          <p:cNvSpPr txBox="1"/>
+          <p:nvPr/>
+        </p:nvSpPr>
+        <p:spPr>
+          <a:xfrm>
+            <a:off x="5889924" y="2418756"/>
+            <a:ext cx="1364476" cy="646331"/>
+          </a:xfrm>
+          <a:prstGeom prst="rect">
+            <a:avLst/>
+          </a:prstGeom>
+          <a:noFill/>
+        </p:spPr>
+        <p:txBody>
+          <a:bodyPr wrap="none" rtlCol="0">
+            <a:spAutoFit/>
+          </a:bodyPr>
+          <a:lstStyle/>
+          <a:p>
+            <a:pPr algn="ctr"/>
+            <a:r>
+              <a:rPr lang="en-US" dirty="0"/>
+              <a:t>2D array </a:t>
+            </a:r>
+            <a:br>
+              <a:rPr lang="en-US" dirty="0"/>
+            </a:br>
+            <a:r>
+              <a:rPr lang="en-US" dirty="0"/>
+              <a:t>(1 attribute)</a:t>
+            </a:r>
+          </a:p>
+        </p:txBody>
+      </p:sp>
+      <p:sp>
+        <p:nvSpPr>
+          <p:cNvPr id="7" name="Arrow: Right 6"/>
+          <p:cNvSpPr/>
+          <p:nvPr/>
+        </p:nvSpPr>
+        <p:spPr>
+          <a:xfrm>
+            <a:off x="3741682" y="4312915"/>
+            <a:ext cx="1860332" cy="427251"/>
+          </a:xfrm>
+          <a:prstGeom prst="rightArrow">
+            <a:avLst/>
+          </a:prstGeom>
+        </p:spPr>
+        <p:style>
+          <a:lnRef idx="2">
+            <a:schemeClr val="accent1">
+              <a:shade val="50000"/>
+            </a:schemeClr>
+          </a:lnRef>
+          <a:fillRef idx="1">
+            <a:schemeClr val="accent1"/>
+          </a:fillRef>
+          <a:effectRef idx="0">
+            <a:schemeClr val="accent1"/>
+          </a:effectRef>
+          <a:fontRef idx="minor">
+            <a:schemeClr val="lt1"/>
+          </a:fontRef>
+        </p:style>
+        <p:txBody>
+          <a:bodyPr rtlCol="0" anchor="ctr"/>
+          <a:lstStyle/>
+          <a:p>
+            <a:pPr algn="ctr"/>
+            <a:r>
+              <a:rPr lang="en-US" dirty="0" err="1"/>
+              <a:t>Redimension</a:t>
+            </a:r>
+            <a:endParaRPr lang="en-US" dirty="0"/>
+          </a:p>
+        </p:txBody>
+      </p:sp>
+      <p:sp>
+        <p:nvSpPr>
+          <p:cNvPr id="8" name="TextBox 7"/>
+          <p:cNvSpPr txBox="1"/>
+          <p:nvPr/>
+        </p:nvSpPr>
+        <p:spPr>
+          <a:xfrm flipH="1">
+            <a:off x="5381295" y="5463028"/>
+            <a:ext cx="3657600" cy="246221"/>
+          </a:xfrm>
+          <a:prstGeom prst="rect">
+            <a:avLst/>
+          </a:prstGeom>
+          <a:noFill/>
+        </p:spPr>
+        <p:txBody>
+          <a:bodyPr wrap="square" rtlCol="0">
+            <a:spAutoFit/>
+          </a:bodyPr>
+          <a:lstStyle/>
+          <a:p>
+            <a:r>
+              <a:rPr lang="en-US" sz="1000" dirty="0" err="1"/>
+              <a:t>Poliakov</a:t>
+            </a:r>
+            <a:r>
+              <a:rPr lang="en-US" sz="1000" dirty="0"/>
+              <a:t>, Brown. </a:t>
+            </a:r>
+            <a:r>
+              <a:rPr lang="en-US" sz="1000" i="1" dirty="0"/>
+              <a:t>Using </a:t>
+            </a:r>
+            <a:r>
+              <a:rPr lang="en-US" sz="1000" i="1" dirty="0" err="1"/>
+              <a:t>SciDB</a:t>
+            </a:r>
+            <a:r>
+              <a:rPr lang="en-US" sz="1000" i="1" dirty="0"/>
+              <a:t> and </a:t>
+            </a:r>
+            <a:r>
+              <a:rPr lang="en-US" sz="1000" i="1" dirty="0" err="1"/>
+              <a:t>SciDB</a:t>
+            </a:r>
+            <a:r>
+              <a:rPr lang="en-US" sz="1000" i="1" dirty="0"/>
+              <a:t>-R.</a:t>
+            </a:r>
+            <a:r>
+              <a:rPr lang="en-US" sz="1000" dirty="0"/>
+              <a:t> Paradigm4 2013</a:t>
+            </a:r>
           </a:p>
         </p:txBody>
       </p:sp>
